--- a/LaTeX/Presentation/Presentation.pptx
+++ b/LaTeX/Presentation/Presentation.pptx
@@ -146,7 +146,7 @@
             <a:lum bright="10000"/>
             <a:extLst>
               <a:ext uri="{28A0092B-C50C-407E-A947-70E740481C1C}">
-                <a14:useLocalDpi xmlns:a14="http://schemas.microsoft.com/office/drawing/2010/main" val="0"/>
+                <a14:useLocalDpi xmlns="" xmlns:a14="http://schemas.microsoft.com/office/drawing/2010/main" val="0"/>
               </a:ext>
             </a:extLst>
           </a:blip>
@@ -168,14 +168,14 @@
           </a:ln>
           <a:extLst>
             <a:ext uri="{909E8E84-426E-40dd-AFC4-6F175D3DCCD1}">
-              <a14:hiddenFill xmlns:a14="http://schemas.microsoft.com/office/drawing/2010/main">
+              <a14:hiddenFill xmlns="" xmlns:a14="http://schemas.microsoft.com/office/drawing/2010/main">
                 <a:solidFill>
                   <a:srgbClr val="FFFFFF"/>
                 </a:solidFill>
               </a14:hiddenFill>
             </a:ext>
             <a:ext uri="{91240B29-F687-4f45-9708-019B960494DF}">
-              <a14:hiddenLine xmlns:a14="http://schemas.microsoft.com/office/drawing/2010/main" w="9525">
+              <a14:hiddenLine xmlns="" xmlns:a14="http://schemas.microsoft.com/office/drawing/2010/main" w="9525">
                 <a:solidFill>
                   <a:srgbClr val="000000"/>
                 </a:solidFill>
@@ -213,7 +213,7 @@
           </a:ln>
           <a:extLst>
             <a:ext uri="{91240B29-F687-4f45-9708-019B960494DF}">
-              <a14:hiddenLine xmlns:a14="http://schemas.microsoft.com/office/drawing/2010/main" w="9525">
+              <a14:hiddenLine xmlns="" xmlns:a14="http://schemas.microsoft.com/office/drawing/2010/main" w="9525">
                 <a:solidFill>
                   <a:srgbClr val="000000"/>
                 </a:solidFill>
@@ -244,7 +244,7 @@
           <a:blip r:embed="rId3" cstate="print">
             <a:extLst>
               <a:ext uri="{28A0092B-C50C-407E-A947-70E740481C1C}">
-                <a14:useLocalDpi xmlns:a14="http://schemas.microsoft.com/office/drawing/2010/main" val="0"/>
+                <a14:useLocalDpi xmlns="" xmlns:a14="http://schemas.microsoft.com/office/drawing/2010/main" val="0"/>
               </a:ext>
             </a:extLst>
           </a:blip>
@@ -267,14 +267,14 @@
           </a:ln>
           <a:extLst>
             <a:ext uri="{909E8E84-426E-40dd-AFC4-6F175D3DCCD1}">
-              <a14:hiddenFill xmlns:a14="http://schemas.microsoft.com/office/drawing/2010/main">
+              <a14:hiddenFill xmlns="" xmlns:a14="http://schemas.microsoft.com/office/drawing/2010/main">
                 <a:solidFill>
                   <a:srgbClr val="FFFFFF"/>
                 </a:solidFill>
               </a14:hiddenFill>
             </a:ext>
             <a:ext uri="{91240B29-F687-4f45-9708-019B960494DF}">
-              <a14:hiddenLine xmlns:a14="http://schemas.microsoft.com/office/drawing/2010/main" w="9525">
+              <a14:hiddenLine xmlns="" xmlns:a14="http://schemas.microsoft.com/office/drawing/2010/main" w="9525">
                 <a:solidFill>
                   <a:srgbClr val="000000"/>
                 </a:solidFill>
@@ -378,14 +378,14 @@
           </a:prstGeom>
           <a:extLst>
             <a:ext uri="{909E8E84-426E-40dd-AFC4-6F175D3DCCD1}">
-              <a14:hiddenFill xmlns:a14="http://schemas.microsoft.com/office/drawing/2010/main">
+              <a14:hiddenFill xmlns="" xmlns:a14="http://schemas.microsoft.com/office/drawing/2010/main">
                 <a:solidFill>
                   <a:schemeClr val="accent1"/>
                 </a:solidFill>
               </a14:hiddenFill>
             </a:ext>
             <a:ext uri="{91240B29-F687-4f45-9708-019B960494DF}">
-              <a14:hiddenLine xmlns:a14="http://schemas.microsoft.com/office/drawing/2010/main" w="9525">
+              <a14:hiddenLine xmlns="" xmlns:a14="http://schemas.microsoft.com/office/drawing/2010/main" w="9525">
                 <a:solidFill>
                   <a:schemeClr val="tx1"/>
                 </a:solidFill>
@@ -395,7 +395,7 @@
               </a14:hiddenLine>
             </a:ext>
             <a:ext uri="{AF507438-7753-43e0-B8FC-AC1667EBCBE1}">
-              <a14:hiddenEffects xmlns:a14="http://schemas.microsoft.com/office/drawing/2010/main">
+              <a14:hiddenEffects xmlns="" xmlns:a14="http://schemas.microsoft.com/office/drawing/2010/main">
                 <a:effectLst>
                   <a:outerShdw dist="35921" dir="2700000" algn="ctr" rotWithShape="0">
                     <a:schemeClr val="bg2"/>
@@ -426,7 +426,7 @@
             <a:fld id="{705B44B1-6112-407E-9C4B-9D7CA3639A2D}" type="datetimeFigureOut">
               <a:rPr lang="de-DE" smtClean="0"/>
               <a:pPr/>
-              <a:t>20.05.13</a:t>
+              <a:t>20.05.2013</a:t>
             </a:fld>
             <a:endParaRPr lang="de-DE"/>
           </a:p>
@@ -444,7 +444,7 @@
           <a:blip r:embed="rId4" cstate="print">
             <a:extLst>
               <a:ext uri="{28A0092B-C50C-407E-A947-70E740481C1C}">
-                <a14:useLocalDpi xmlns:a14="http://schemas.microsoft.com/office/drawing/2010/main" val="0"/>
+                <a14:useLocalDpi xmlns="" xmlns:a14="http://schemas.microsoft.com/office/drawing/2010/main" val="0"/>
               </a:ext>
             </a:extLst>
           </a:blip>
@@ -464,7 +464,7 @@
           <a:noFill/>
           <a:extLst>
             <a:ext uri="{909E8E84-426E-40dd-AFC4-6F175D3DCCD1}">
-              <a14:hiddenFill xmlns:a14="http://schemas.microsoft.com/office/drawing/2010/main">
+              <a14:hiddenFill xmlns="" xmlns:a14="http://schemas.microsoft.com/office/drawing/2010/main">
                 <a:solidFill>
                   <a:srgbClr val="FFFFFF"/>
                 </a:solidFill>
@@ -476,7 +476,7 @@
     </p:spTree>
     <p:extLst>
       <p:ext uri="{BB962C8B-B14F-4D97-AF65-F5344CB8AC3E}">
-        <p14:creationId xmlns:p14="http://schemas.microsoft.com/office/powerpoint/2010/main" val="473742791"/>
+        <p14:creationId xmlns="" xmlns:p14="http://schemas.microsoft.com/office/powerpoint/2010/main" val="473742791"/>
       </p:ext>
     </p:extLst>
   </p:cSld>
@@ -604,7 +604,7 @@
             <a:fld id="{705B44B1-6112-407E-9C4B-9D7CA3639A2D}" type="datetimeFigureOut">
               <a:rPr lang="de-DE" smtClean="0"/>
               <a:pPr/>
-              <a:t>20.05.13</a:t>
+              <a:t>20.05.2013</a:t>
             </a:fld>
             <a:endParaRPr lang="de-DE"/>
           </a:p>
@@ -773,7 +773,7 @@
     </p:spTree>
     <p:extLst>
       <p:ext uri="{BB962C8B-B14F-4D97-AF65-F5344CB8AC3E}">
-        <p14:creationId xmlns:p14="http://schemas.microsoft.com/office/powerpoint/2010/main" val="1687810716"/>
+        <p14:creationId xmlns="" xmlns:p14="http://schemas.microsoft.com/office/powerpoint/2010/main" val="1687810716"/>
       </p:ext>
     </p:extLst>
   </p:cSld>
@@ -890,7 +890,7 @@
     </p:spTree>
     <p:extLst>
       <p:ext uri="{BB962C8B-B14F-4D97-AF65-F5344CB8AC3E}">
-        <p14:creationId xmlns:p14="http://schemas.microsoft.com/office/powerpoint/2010/main" val="4140983553"/>
+        <p14:creationId xmlns="" xmlns:p14="http://schemas.microsoft.com/office/powerpoint/2010/main" val="4140983553"/>
       </p:ext>
     </p:extLst>
   </p:cSld>
@@ -2565,7 +2565,7 @@
           <a:blip r:embed="rId12" cstate="print">
             <a:extLst>
               <a:ext uri="{28A0092B-C50C-407E-A947-70E740481C1C}">
-                <a14:useLocalDpi xmlns:a14="http://schemas.microsoft.com/office/drawing/2010/main" val="0"/>
+                <a14:useLocalDpi xmlns="" xmlns:a14="http://schemas.microsoft.com/office/drawing/2010/main" val="0"/>
               </a:ext>
             </a:extLst>
           </a:blip>
@@ -2588,14 +2588,14 @@
           </a:ln>
           <a:extLst>
             <a:ext uri="{909E8E84-426E-40dd-AFC4-6F175D3DCCD1}">
-              <a14:hiddenFill xmlns:a14="http://schemas.microsoft.com/office/drawing/2010/main">
+              <a14:hiddenFill xmlns="" xmlns:a14="http://schemas.microsoft.com/office/drawing/2010/main">
                 <a:solidFill>
                   <a:srgbClr val="FFFFFF"/>
                 </a:solidFill>
               </a14:hiddenFill>
             </a:ext>
             <a:ext uri="{91240B29-F687-4f45-9708-019B960494DF}">
-              <a14:hiddenLine xmlns:a14="http://schemas.microsoft.com/office/drawing/2010/main" w="9525">
+              <a14:hiddenLine xmlns="" xmlns:a14="http://schemas.microsoft.com/office/drawing/2010/main" w="9525">
                 <a:solidFill>
                   <a:srgbClr val="000000"/>
                 </a:solidFill>
@@ -2619,7 +2619,7 @@
           <a:blip r:embed="rId13" cstate="print">
             <a:extLst>
               <a:ext uri="{28A0092B-C50C-407E-A947-70E740481C1C}">
-                <a14:useLocalDpi xmlns:a14="http://schemas.microsoft.com/office/drawing/2010/main" val="0"/>
+                <a14:useLocalDpi xmlns="" xmlns:a14="http://schemas.microsoft.com/office/drawing/2010/main" val="0"/>
               </a:ext>
             </a:extLst>
           </a:blip>
@@ -2642,14 +2642,14 @@
           </a:ln>
           <a:extLst>
             <a:ext uri="{909E8E84-426E-40dd-AFC4-6F175D3DCCD1}">
-              <a14:hiddenFill xmlns:a14="http://schemas.microsoft.com/office/drawing/2010/main">
+              <a14:hiddenFill xmlns="" xmlns:a14="http://schemas.microsoft.com/office/drawing/2010/main">
                 <a:solidFill>
                   <a:srgbClr val="FFFFFF"/>
                 </a:solidFill>
               </a14:hiddenFill>
             </a:ext>
             <a:ext uri="{91240B29-F687-4f45-9708-019B960494DF}">
-              <a14:hiddenLine xmlns:a14="http://schemas.microsoft.com/office/drawing/2010/main" w="9525">
+              <a14:hiddenLine xmlns="" xmlns:a14="http://schemas.microsoft.com/office/drawing/2010/main" w="9525">
                 <a:solidFill>
                   <a:srgbClr val="000000"/>
                 </a:solidFill>
@@ -2687,7 +2687,7 @@
           </a:ln>
           <a:extLst>
             <a:ext uri="{91240B29-F687-4f45-9708-019B960494DF}">
-              <a14:hiddenLine xmlns:a14="http://schemas.microsoft.com/office/drawing/2010/main" w="9525">
+              <a14:hiddenLine xmlns="" xmlns:a14="http://schemas.microsoft.com/office/drawing/2010/main" w="9525">
                 <a:solidFill>
                   <a:srgbClr val="000000"/>
                 </a:solidFill>
@@ -2730,14 +2730,14 @@
           </a:ln>
           <a:extLst>
             <a:ext uri="{909E8E84-426E-40dd-AFC4-6F175D3DCCD1}">
-              <a14:hiddenFill xmlns:a14="http://schemas.microsoft.com/office/drawing/2010/main">
+              <a14:hiddenFill xmlns="" xmlns:a14="http://schemas.microsoft.com/office/drawing/2010/main">
                 <a:solidFill>
                   <a:srgbClr val="FFFFFF"/>
                 </a:solidFill>
               </a14:hiddenFill>
             </a:ext>
             <a:ext uri="{91240B29-F687-4f45-9708-019B960494DF}">
-              <a14:hiddenLine xmlns:a14="http://schemas.microsoft.com/office/drawing/2010/main" w="9525">
+              <a14:hiddenLine xmlns="" xmlns:a14="http://schemas.microsoft.com/office/drawing/2010/main" w="9525">
                 <a:solidFill>
                   <a:srgbClr val="000000"/>
                 </a:solidFill>
@@ -2869,14 +2869,14 @@
           </a:ln>
           <a:extLst>
             <a:ext uri="{909E8E84-426E-40dd-AFC4-6F175D3DCCD1}">
-              <a14:hiddenFill xmlns:a14="http://schemas.microsoft.com/office/drawing/2010/main">
+              <a14:hiddenFill xmlns="" xmlns:a14="http://schemas.microsoft.com/office/drawing/2010/main">
                 <a:solidFill>
                   <a:srgbClr val="FFFFFF"/>
                 </a:solidFill>
               </a14:hiddenFill>
             </a:ext>
             <a:ext uri="{91240B29-F687-4f45-9708-019B960494DF}">
-              <a14:hiddenLine xmlns:a14="http://schemas.microsoft.com/office/drawing/2010/main" w="9525">
+              <a14:hiddenLine xmlns="" xmlns:a14="http://schemas.microsoft.com/office/drawing/2010/main" w="9525">
                 <a:solidFill>
                   <a:srgbClr val="000000"/>
                 </a:solidFill>
@@ -2984,7 +2984,7 @@
           <a:blip r:embed="rId14" cstate="print">
             <a:extLst>
               <a:ext uri="{28A0092B-C50C-407E-A947-70E740481C1C}">
-                <a14:useLocalDpi xmlns:a14="http://schemas.microsoft.com/office/drawing/2010/main" val="0"/>
+                <a14:useLocalDpi xmlns="" xmlns:a14="http://schemas.microsoft.com/office/drawing/2010/main" val="0"/>
               </a:ext>
             </a:extLst>
           </a:blip>
@@ -3007,14 +3007,14 @@
           </a:ln>
           <a:extLst>
             <a:ext uri="{909E8E84-426E-40dd-AFC4-6F175D3DCCD1}">
-              <a14:hiddenFill xmlns:a14="http://schemas.microsoft.com/office/drawing/2010/main">
+              <a14:hiddenFill xmlns="" xmlns:a14="http://schemas.microsoft.com/office/drawing/2010/main">
                 <a:solidFill>
                   <a:srgbClr val="FFFFFF"/>
                 </a:solidFill>
               </a14:hiddenFill>
             </a:ext>
             <a:ext uri="{91240B29-F687-4f45-9708-019B960494DF}">
-              <a14:hiddenLine xmlns:a14="http://schemas.microsoft.com/office/drawing/2010/main" w="9525">
+              <a14:hiddenLine xmlns="" xmlns:a14="http://schemas.microsoft.com/office/drawing/2010/main" w="9525">
                 <a:solidFill>
                   <a:srgbClr val="000000"/>
                 </a:solidFill>
@@ -3713,7 +3713,7 @@
     </p:spTree>
     <p:extLst>
       <p:ext uri="{BB962C8B-B14F-4D97-AF65-F5344CB8AC3E}">
-        <p14:creationId xmlns:p14="http://schemas.microsoft.com/office/powerpoint/2010/main" val="3892161252"/>
+        <p14:creationId xmlns="" xmlns:p14="http://schemas.microsoft.com/office/powerpoint/2010/main" val="3892161252"/>
       </p:ext>
     </p:extLst>
   </p:cSld>
@@ -3789,7 +3789,7 @@
     </p:spTree>
     <p:extLst>
       <p:ext uri="{BB962C8B-B14F-4D97-AF65-F5344CB8AC3E}">
-        <p14:creationId xmlns:p14="http://schemas.microsoft.com/office/powerpoint/2010/main" val="2589692261"/>
+        <p14:creationId xmlns="" xmlns:p14="http://schemas.microsoft.com/office/powerpoint/2010/main" val="2589692261"/>
       </p:ext>
     </p:extLst>
   </p:cSld>
@@ -3861,7 +3861,7 @@
     </p:spTree>
     <p:extLst>
       <p:ext uri="{BB962C8B-B14F-4D97-AF65-F5344CB8AC3E}">
-        <p14:creationId xmlns:p14="http://schemas.microsoft.com/office/powerpoint/2010/main" val="3180181714"/>
+        <p14:creationId xmlns="" xmlns:p14="http://schemas.microsoft.com/office/powerpoint/2010/main" val="3180181714"/>
       </p:ext>
     </p:extLst>
   </p:cSld>
@@ -3984,7 +3984,7 @@
     </p:spTree>
     <p:extLst>
       <p:ext uri="{BB962C8B-B14F-4D97-AF65-F5344CB8AC3E}">
-        <p14:creationId xmlns:p14="http://schemas.microsoft.com/office/powerpoint/2010/main" val="2170195699"/>
+        <p14:creationId xmlns="" xmlns:p14="http://schemas.microsoft.com/office/powerpoint/2010/main" val="2170195699"/>
       </p:ext>
     </p:extLst>
   </p:cSld>
@@ -4053,6 +4053,10 @@
           <a:bodyPr/>
           <a:lstStyle/>
           <a:p>
+            <a:r>
+              <a:rPr lang="de-DE" smtClean="0"/>
+              <a:t>Matze!</a:t>
+            </a:r>
             <a:endParaRPr lang="de-DE"/>
           </a:p>
         </p:txBody>
@@ -4060,7 +4064,7 @@
     </p:spTree>
     <p:extLst>
       <p:ext uri="{BB962C8B-B14F-4D97-AF65-F5344CB8AC3E}">
-        <p14:creationId xmlns:p14="http://schemas.microsoft.com/office/powerpoint/2010/main" val="634696858"/>
+        <p14:creationId xmlns="" xmlns:p14="http://schemas.microsoft.com/office/powerpoint/2010/main" val="634696858"/>
       </p:ext>
     </p:extLst>
   </p:cSld>
@@ -4136,7 +4140,7 @@
     </p:spTree>
     <p:extLst>
       <p:ext uri="{BB962C8B-B14F-4D97-AF65-F5344CB8AC3E}">
-        <p14:creationId xmlns:p14="http://schemas.microsoft.com/office/powerpoint/2010/main" val="3962257012"/>
+        <p14:creationId xmlns="" xmlns:p14="http://schemas.microsoft.com/office/powerpoint/2010/main" val="3962257012"/>
       </p:ext>
     </p:extLst>
   </p:cSld>
@@ -4220,7 +4224,7 @@
     </p:spTree>
     <p:extLst>
       <p:ext uri="{BB962C8B-B14F-4D97-AF65-F5344CB8AC3E}">
-        <p14:creationId xmlns:p14="http://schemas.microsoft.com/office/powerpoint/2010/main" val="1637646173"/>
+        <p14:creationId xmlns="" xmlns:p14="http://schemas.microsoft.com/office/powerpoint/2010/main" val="1637646173"/>
       </p:ext>
     </p:extLst>
   </p:cSld>
@@ -4296,7 +4300,7 @@
     </p:spTree>
     <p:extLst>
       <p:ext uri="{BB962C8B-B14F-4D97-AF65-F5344CB8AC3E}">
-        <p14:creationId xmlns:p14="http://schemas.microsoft.com/office/powerpoint/2010/main" val="1733460933"/>
+        <p14:creationId xmlns="" xmlns:p14="http://schemas.microsoft.com/office/powerpoint/2010/main" val="1733460933"/>
       </p:ext>
     </p:extLst>
   </p:cSld>
@@ -4376,7 +4380,7 @@
     </p:spTree>
     <p:extLst>
       <p:ext uri="{BB962C8B-B14F-4D97-AF65-F5344CB8AC3E}">
-        <p14:creationId xmlns:p14="http://schemas.microsoft.com/office/powerpoint/2010/main" val="475931585"/>
+        <p14:creationId xmlns="" xmlns:p14="http://schemas.microsoft.com/office/powerpoint/2010/main" val="475931585"/>
       </p:ext>
     </p:extLst>
   </p:cSld>
@@ -4441,10 +4445,10 @@
           </p:nvPr>
         </p:nvPicPr>
         <p:blipFill rotWithShape="1">
-          <a:blip r:embed="rId2">
+          <a:blip r:embed="rId2" cstate="print">
             <a:extLst>
               <a:ext uri="{28A0092B-C50C-407E-A947-70E740481C1C}">
-                <a14:useLocalDpi xmlns:a14="http://schemas.microsoft.com/office/drawing/2010/main" val="0"/>
+                <a14:useLocalDpi xmlns="" xmlns:a14="http://schemas.microsoft.com/office/drawing/2010/main" val="0"/>
               </a:ext>
             </a:extLst>
           </a:blip>
@@ -4461,7 +4465,7 @@
     </p:spTree>
     <p:extLst>
       <p:ext uri="{BB962C8B-B14F-4D97-AF65-F5344CB8AC3E}">
-        <p14:creationId xmlns:p14="http://schemas.microsoft.com/office/powerpoint/2010/main" val="4252503780"/>
+        <p14:creationId xmlns="" xmlns:p14="http://schemas.microsoft.com/office/powerpoint/2010/main" val="4252503780"/>
       </p:ext>
     </p:extLst>
   </p:cSld>

--- a/LaTeX/Presentation/Presentation.pptx
+++ b/LaTeX/Presentation/Presentation.pptx
@@ -4,17 +4,22 @@
   <p:sldMasterIdLst>
     <p:sldMasterId id="2147483660" r:id="rId1"/>
   </p:sldMasterIdLst>
+  <p:notesMasterIdLst>
+    <p:notesMasterId r:id="rId14"/>
+  </p:notesMasterIdLst>
   <p:sldIdLst>
     <p:sldId id="256" r:id="rId2"/>
     <p:sldId id="258" r:id="rId3"/>
-    <p:sldId id="257" r:id="rId4"/>
-    <p:sldId id="259" r:id="rId5"/>
-    <p:sldId id="260" r:id="rId6"/>
-    <p:sldId id="261" r:id="rId7"/>
-    <p:sldId id="262" r:id="rId8"/>
-    <p:sldId id="263" r:id="rId9"/>
-    <p:sldId id="264" r:id="rId10"/>
-    <p:sldId id="265" r:id="rId11"/>
+    <p:sldId id="267" r:id="rId4"/>
+    <p:sldId id="257" r:id="rId5"/>
+    <p:sldId id="259" r:id="rId6"/>
+    <p:sldId id="260" r:id="rId7"/>
+    <p:sldId id="261" r:id="rId8"/>
+    <p:sldId id="262" r:id="rId9"/>
+    <p:sldId id="263" r:id="rId10"/>
+    <p:sldId id="264" r:id="rId11"/>
+    <p:sldId id="266" r:id="rId12"/>
+    <p:sldId id="265" r:id="rId13"/>
   </p:sldIdLst>
   <p:sldSz cx="9144000" cy="6858000" type="screen4x3"/>
   <p:notesSz cx="6858000" cy="9144000"/>
@@ -116,6 +121,1006 @@
 </p:presentation>
 </file>
 
+<file path=ppt/charts/chart1.xml><?xml version="1.0" encoding="utf-8"?>
+<c:chartSpace xmlns:c="http://schemas.openxmlformats.org/drawingml/2006/chart" xmlns:a="http://schemas.openxmlformats.org/drawingml/2006/main" xmlns:r="http://schemas.openxmlformats.org/officeDocument/2006/relationships">
+  <c:date1904 val="0"/>
+  <c:lang val="de-DE"/>
+  <c:roundedCorners val="0"/>
+  <mc:AlternateContent xmlns:mc="http://schemas.openxmlformats.org/markup-compatibility/2006">
+    <mc:Choice xmlns:c14="http://schemas.microsoft.com/office/drawing/2007/8/2/chart" Requires="c14">
+      <c14:style val="102"/>
+    </mc:Choice>
+    <mc:Fallback>
+      <c:style val="2"/>
+    </mc:Fallback>
+  </mc:AlternateContent>
+  <c:chart>
+    <c:autoTitleDeleted val="1"/>
+    <c:plotArea>
+      <c:layout/>
+      <c:scatterChart>
+        <c:scatterStyle val="lineMarker"/>
+        <c:varyColors val="0"/>
+        <c:ser>
+          <c:idx val="0"/>
+          <c:order val="0"/>
+          <c:tx>
+            <c:v>SVM (Acc.: 50.0%)</c:v>
+          </c:tx>
+          <c:spPr>
+            <a:ln w="28575">
+              <a:noFill/>
+            </a:ln>
+          </c:spPr>
+          <c:marker>
+            <c:symbol val="diamond"/>
+            <c:size val="12"/>
+            <c:spPr>
+              <a:solidFill>
+                <a:schemeClr val="bg1"/>
+              </a:solidFill>
+              <a:ln w="19050">
+                <a:solidFill>
+                  <a:srgbClr val="7030A0"/>
+                </a:solidFill>
+              </a:ln>
+            </c:spPr>
+          </c:marker>
+          <c:dPt>
+            <c:idx val="0"/>
+            <c:marker>
+              <c:spPr>
+                <a:solidFill>
+                  <a:srgbClr val="00B050"/>
+                </a:solidFill>
+                <a:ln w="19050">
+                  <a:solidFill>
+                    <a:srgbClr val="7030A0"/>
+                  </a:solidFill>
+                </a:ln>
+              </c:spPr>
+            </c:marker>
+            <c:bubble3D val="0"/>
+          </c:dPt>
+          <c:dPt>
+            <c:idx val="1"/>
+            <c:marker>
+              <c:spPr>
+                <a:solidFill>
+                  <a:srgbClr val="FF0000"/>
+                </a:solidFill>
+                <a:ln w="19050">
+                  <a:solidFill>
+                    <a:srgbClr val="7030A0"/>
+                  </a:solidFill>
+                </a:ln>
+              </c:spPr>
+            </c:marker>
+            <c:bubble3D val="0"/>
+          </c:dPt>
+          <c:xVal>
+            <c:numRef>
+              <c:f>Tabelle1!$B$10:$C$10</c:f>
+              <c:numCache>
+                <c:formatCode>General</c:formatCode>
+                <c:ptCount val="2"/>
+                <c:pt idx="0">
+                  <c:v>0.34</c:v>
+                </c:pt>
+                <c:pt idx="1">
+                  <c:v>0.66</c:v>
+                </c:pt>
+              </c:numCache>
+            </c:numRef>
+          </c:xVal>
+          <c:yVal>
+            <c:numRef>
+              <c:f>Tabelle1!$B$11:$C$11</c:f>
+              <c:numCache>
+                <c:formatCode>General</c:formatCode>
+                <c:ptCount val="2"/>
+                <c:pt idx="0">
+                  <c:v>0.75</c:v>
+                </c:pt>
+                <c:pt idx="1">
+                  <c:v>0.25</c:v>
+                </c:pt>
+              </c:numCache>
+            </c:numRef>
+          </c:yVal>
+          <c:smooth val="0"/>
+        </c:ser>
+        <c:ser>
+          <c:idx val="2"/>
+          <c:order val="1"/>
+          <c:tx>
+            <c:v>Naive Bayes (Acc.: 50%)</c:v>
+          </c:tx>
+          <c:spPr>
+            <a:ln w="28575">
+              <a:noFill/>
+            </a:ln>
+          </c:spPr>
+          <c:marker>
+            <c:symbol val="triangle"/>
+            <c:size val="12"/>
+            <c:spPr>
+              <a:solidFill>
+                <a:schemeClr val="bg1"/>
+              </a:solidFill>
+              <a:ln w="19050">
+                <a:solidFill>
+                  <a:srgbClr val="FFC000"/>
+                </a:solidFill>
+              </a:ln>
+            </c:spPr>
+          </c:marker>
+          <c:dPt>
+            <c:idx val="0"/>
+            <c:marker>
+              <c:spPr>
+                <a:solidFill>
+                  <a:srgbClr val="00B050"/>
+                </a:solidFill>
+                <a:ln w="19050">
+                  <a:solidFill>
+                    <a:srgbClr val="FFC000"/>
+                  </a:solidFill>
+                </a:ln>
+              </c:spPr>
+            </c:marker>
+            <c:bubble3D val="0"/>
+          </c:dPt>
+          <c:dPt>
+            <c:idx val="1"/>
+            <c:marker>
+              <c:spPr>
+                <a:solidFill>
+                  <a:srgbClr val="FF0000"/>
+                </a:solidFill>
+                <a:ln w="19050">
+                  <a:solidFill>
+                    <a:srgbClr val="FFC000"/>
+                  </a:solidFill>
+                </a:ln>
+              </c:spPr>
+            </c:marker>
+            <c:bubble3D val="0"/>
+          </c:dPt>
+          <c:dLbls>
+            <c:txPr>
+              <a:bodyPr/>
+              <a:lstStyle/>
+              <a:p>
+                <a:pPr>
+                  <a:defRPr sz="1400"/>
+                </a:pPr>
+                <a:endParaRPr lang="de-DE"/>
+              </a:p>
+            </c:txPr>
+            <c:showLegendKey val="0"/>
+            <c:showVal val="1"/>
+            <c:showCatName val="1"/>
+            <c:showSerName val="0"/>
+            <c:showPercent val="0"/>
+            <c:showBubbleSize val="0"/>
+            <c:showLeaderLines val="0"/>
+          </c:dLbls>
+          <c:xVal>
+            <c:numRef>
+              <c:f>Tabelle1!$D$10:$E$10</c:f>
+              <c:numCache>
+                <c:formatCode>General</c:formatCode>
+                <c:ptCount val="2"/>
+                <c:pt idx="0">
+                  <c:v>0.33</c:v>
+                </c:pt>
+                <c:pt idx="1">
+                  <c:v>0.67</c:v>
+                </c:pt>
+              </c:numCache>
+            </c:numRef>
+          </c:xVal>
+          <c:yVal>
+            <c:numRef>
+              <c:f>Tabelle1!$D$11:$E$11</c:f>
+              <c:numCache>
+                <c:formatCode>General</c:formatCode>
+                <c:ptCount val="2"/>
+                <c:pt idx="0">
+                  <c:v>0.75</c:v>
+                </c:pt>
+                <c:pt idx="1">
+                  <c:v>0.25</c:v>
+                </c:pt>
+              </c:numCache>
+            </c:numRef>
+          </c:yVal>
+          <c:smooth val="0"/>
+        </c:ser>
+        <c:ser>
+          <c:idx val="4"/>
+          <c:order val="2"/>
+          <c:tx>
+            <c:v>50-NN Basic (Acc.: 81.3%)</c:v>
+          </c:tx>
+          <c:spPr>
+            <a:ln w="28575">
+              <a:noFill/>
+            </a:ln>
+          </c:spPr>
+          <c:marker>
+            <c:symbol val="circle"/>
+            <c:size val="12"/>
+            <c:spPr>
+              <a:solidFill>
+                <a:schemeClr val="bg1"/>
+              </a:solidFill>
+              <a:ln w="19050">
+                <a:solidFill>
+                  <a:schemeClr val="accent5">
+                    <a:lumMod val="75000"/>
+                  </a:schemeClr>
+                </a:solidFill>
+              </a:ln>
+            </c:spPr>
+          </c:marker>
+          <c:dPt>
+            <c:idx val="0"/>
+            <c:marker>
+              <c:spPr>
+                <a:solidFill>
+                  <a:srgbClr val="00B050"/>
+                </a:solidFill>
+                <a:ln w="19050">
+                  <a:solidFill>
+                    <a:schemeClr val="accent5">
+                      <a:lumMod val="75000"/>
+                    </a:schemeClr>
+                  </a:solidFill>
+                </a:ln>
+              </c:spPr>
+            </c:marker>
+            <c:bubble3D val="0"/>
+          </c:dPt>
+          <c:dPt>
+            <c:idx val="1"/>
+            <c:marker>
+              <c:spPr>
+                <a:solidFill>
+                  <a:srgbClr val="FF0000"/>
+                </a:solidFill>
+                <a:ln w="19050">
+                  <a:solidFill>
+                    <a:schemeClr val="accent5">
+                      <a:lumMod val="75000"/>
+                    </a:schemeClr>
+                  </a:solidFill>
+                </a:ln>
+              </c:spPr>
+            </c:marker>
+            <c:bubble3D val="0"/>
+          </c:dPt>
+          <c:dLbls>
+            <c:dLbl>
+              <c:idx val="0"/>
+              <c:layout>
+                <c:manualLayout>
+                  <c:x val="-0.0844365489253289"/>
+                  <c:y val="-0.0386473429951691"/>
+                </c:manualLayout>
+              </c:layout>
+              <c:showLegendKey val="0"/>
+              <c:showVal val="1"/>
+              <c:showCatName val="1"/>
+              <c:showSerName val="0"/>
+              <c:showPercent val="0"/>
+              <c:showBubbleSize val="0"/>
+            </c:dLbl>
+            <c:txPr>
+              <a:bodyPr/>
+              <a:lstStyle/>
+              <a:p>
+                <a:pPr>
+                  <a:defRPr sz="1400"/>
+                </a:pPr>
+                <a:endParaRPr lang="de-DE"/>
+              </a:p>
+            </c:txPr>
+            <c:showLegendKey val="0"/>
+            <c:showVal val="1"/>
+            <c:showCatName val="1"/>
+            <c:showSerName val="0"/>
+            <c:showPercent val="0"/>
+            <c:showBubbleSize val="0"/>
+            <c:showLeaderLines val="0"/>
+          </c:dLbls>
+          <c:xVal>
+            <c:numRef>
+              <c:f>Tabelle1!$F$10:$G$10</c:f>
+              <c:numCache>
+                <c:formatCode>General</c:formatCode>
+                <c:ptCount val="2"/>
+                <c:pt idx="0">
+                  <c:v>0.64</c:v>
+                </c:pt>
+                <c:pt idx="1">
+                  <c:v>0.88</c:v>
+                </c:pt>
+              </c:numCache>
+            </c:numRef>
+          </c:xVal>
+          <c:yVal>
+            <c:numRef>
+              <c:f>Tabelle1!$F$11:$G$11</c:f>
+              <c:numCache>
+                <c:formatCode>General</c:formatCode>
+                <c:ptCount val="2"/>
+                <c:pt idx="0">
+                  <c:v>0.92</c:v>
+                </c:pt>
+                <c:pt idx="1">
+                  <c:v>0.75</c:v>
+                </c:pt>
+              </c:numCache>
+            </c:numRef>
+          </c:yVal>
+          <c:smooth val="0"/>
+        </c:ser>
+        <c:ser>
+          <c:idx val="6"/>
+          <c:order val="3"/>
+          <c:tx>
+            <c:v>50-NN Weighted (Acc.: 75.0%)</c:v>
+          </c:tx>
+          <c:spPr>
+            <a:ln w="28575">
+              <a:noFill/>
+            </a:ln>
+          </c:spPr>
+          <c:marker>
+            <c:symbol val="square"/>
+            <c:size val="12"/>
+            <c:spPr>
+              <a:solidFill>
+                <a:schemeClr val="bg1"/>
+              </a:solidFill>
+              <a:ln w="19050">
+                <a:solidFill>
+                  <a:schemeClr val="tx1"/>
+                </a:solidFill>
+              </a:ln>
+            </c:spPr>
+          </c:marker>
+          <c:dPt>
+            <c:idx val="0"/>
+            <c:marker>
+              <c:spPr>
+                <a:solidFill>
+                  <a:srgbClr val="00B050"/>
+                </a:solidFill>
+                <a:ln w="19050" cmpd="sng">
+                  <a:solidFill>
+                    <a:schemeClr val="tx1"/>
+                  </a:solidFill>
+                </a:ln>
+              </c:spPr>
+            </c:marker>
+            <c:bubble3D val="0"/>
+            <c:spPr>
+              <a:ln w="28575">
+                <a:solidFill>
+                  <a:srgbClr val="C0504D"/>
+                </a:solidFill>
+              </a:ln>
+            </c:spPr>
+          </c:dPt>
+          <c:dPt>
+            <c:idx val="1"/>
+            <c:marker>
+              <c:spPr>
+                <a:solidFill>
+                  <a:srgbClr val="FF0000"/>
+                </a:solidFill>
+                <a:ln w="19050">
+                  <a:solidFill>
+                    <a:schemeClr val="tx1"/>
+                  </a:solidFill>
+                </a:ln>
+              </c:spPr>
+            </c:marker>
+            <c:bubble3D val="0"/>
+          </c:dPt>
+          <c:dLbls>
+            <c:txPr>
+              <a:bodyPr/>
+              <a:lstStyle/>
+              <a:p>
+                <a:pPr>
+                  <a:defRPr sz="1400"/>
+                </a:pPr>
+                <a:endParaRPr lang="de-DE"/>
+              </a:p>
+            </c:txPr>
+            <c:showLegendKey val="0"/>
+            <c:showVal val="1"/>
+            <c:showCatName val="1"/>
+            <c:showSerName val="0"/>
+            <c:showPercent val="0"/>
+            <c:showBubbleSize val="0"/>
+            <c:showLeaderLines val="0"/>
+          </c:dLbls>
+          <c:xVal>
+            <c:numRef>
+              <c:f>Tabelle1!$H$10:$I$10</c:f>
+              <c:numCache>
+                <c:formatCode>General</c:formatCode>
+                <c:ptCount val="2"/>
+                <c:pt idx="0">
+                  <c:v>0.71</c:v>
+                </c:pt>
+                <c:pt idx="1">
+                  <c:v>0.82</c:v>
+                </c:pt>
+              </c:numCache>
+            </c:numRef>
+          </c:xVal>
+          <c:yVal>
+            <c:numRef>
+              <c:f>Tabelle1!$H$11:$I$11</c:f>
+              <c:numCache>
+                <c:formatCode>General</c:formatCode>
+                <c:ptCount val="2"/>
+                <c:pt idx="0">
+                  <c:v>0.63</c:v>
+                </c:pt>
+                <c:pt idx="1">
+                  <c:v>0.88</c:v>
+                </c:pt>
+              </c:numCache>
+            </c:numRef>
+          </c:yVal>
+          <c:smooth val="0"/>
+        </c:ser>
+        <c:dLbls>
+          <c:showLegendKey val="0"/>
+          <c:showVal val="0"/>
+          <c:showCatName val="0"/>
+          <c:showSerName val="0"/>
+          <c:showPercent val="0"/>
+          <c:showBubbleSize val="0"/>
+        </c:dLbls>
+        <c:axId val="2044989112"/>
+        <c:axId val="2044994776"/>
+      </c:scatterChart>
+      <c:valAx>
+        <c:axId val="2044989112"/>
+        <c:scaling>
+          <c:orientation val="minMax"/>
+        </c:scaling>
+        <c:delete val="0"/>
+        <c:axPos val="b"/>
+        <c:title>
+          <c:tx>
+            <c:rich>
+              <a:bodyPr/>
+              <a:lstStyle/>
+              <a:p>
+                <a:pPr>
+                  <a:defRPr sz="1400"/>
+                </a:pPr>
+                <a:r>
+                  <a:rPr lang="de-DE" sz="1400"/>
+                  <a:t>Precision</a:t>
+                </a:r>
+              </a:p>
+            </c:rich>
+          </c:tx>
+          <c:layout/>
+          <c:overlay val="0"/>
+        </c:title>
+        <c:numFmt formatCode="General" sourceLinked="1"/>
+        <c:majorTickMark val="out"/>
+        <c:minorTickMark val="none"/>
+        <c:tickLblPos val="nextTo"/>
+        <c:crossAx val="2044994776"/>
+        <c:crosses val="autoZero"/>
+        <c:crossBetween val="midCat"/>
+      </c:valAx>
+      <c:valAx>
+        <c:axId val="2044994776"/>
+        <c:scaling>
+          <c:orientation val="minMax"/>
+        </c:scaling>
+        <c:delete val="0"/>
+        <c:axPos val="l"/>
+        <c:majorGridlines/>
+        <c:title>
+          <c:tx>
+            <c:rich>
+              <a:bodyPr rot="-5400000" vert="horz"/>
+              <a:lstStyle/>
+              <a:p>
+                <a:pPr>
+                  <a:defRPr sz="1400"/>
+                </a:pPr>
+                <a:r>
+                  <a:rPr lang="de-DE" sz="1400"/>
+                  <a:t>Recall</a:t>
+                </a:r>
+              </a:p>
+            </c:rich>
+          </c:tx>
+          <c:layout/>
+          <c:overlay val="0"/>
+        </c:title>
+        <c:numFmt formatCode="General" sourceLinked="1"/>
+        <c:majorTickMark val="out"/>
+        <c:minorTickMark val="none"/>
+        <c:tickLblPos val="nextTo"/>
+        <c:crossAx val="2044989112"/>
+        <c:crosses val="autoZero"/>
+        <c:crossBetween val="midCat"/>
+      </c:valAx>
+    </c:plotArea>
+    <c:legend>
+      <c:legendPos val="r"/>
+      <c:layout/>
+      <c:overlay val="0"/>
+      <c:txPr>
+        <a:bodyPr/>
+        <a:lstStyle/>
+        <a:p>
+          <a:pPr>
+            <a:defRPr sz="1400"/>
+          </a:pPr>
+          <a:endParaRPr lang="de-DE"/>
+        </a:p>
+      </c:txPr>
+    </c:legend>
+    <c:plotVisOnly val="1"/>
+    <c:dispBlanksAs val="gap"/>
+    <c:showDLblsOverMax val="0"/>
+  </c:chart>
+  <c:externalData r:id="rId1">
+    <c:autoUpdate val="0"/>
+  </c:externalData>
+</c:chartSpace>
+</file>
+
+<file path=ppt/notesMasters/notesMaster1.xml><?xml version="1.0" encoding="utf-8"?>
+<p:notesMaster xmlns:a="http://schemas.openxmlformats.org/drawingml/2006/main" xmlns:r="http://schemas.openxmlformats.org/officeDocument/2006/relationships" xmlns:p="http://schemas.openxmlformats.org/presentationml/2006/main">
+  <p:cSld>
+    <p:bg>
+      <p:bgRef idx="1001">
+        <a:schemeClr val="bg1"/>
+      </p:bgRef>
+    </p:bg>
+    <p:spTree>
+      <p:nvGrpSpPr>
+        <p:cNvPr id="1" name=""/>
+        <p:cNvGrpSpPr/>
+        <p:nvPr/>
+      </p:nvGrpSpPr>
+      <p:grpSpPr>
+        <a:xfrm>
+          <a:off x="0" y="0"/>
+          <a:ext cx="0" cy="0"/>
+          <a:chOff x="0" y="0"/>
+          <a:chExt cx="0" cy="0"/>
+        </a:xfrm>
+      </p:grpSpPr>
+      <p:sp>
+        <p:nvSpPr>
+          <p:cNvPr id="2" name="Kopfzeilenplatzhalter 1"/>
+          <p:cNvSpPr>
+            <a:spLocks noGrp="1"/>
+          </p:cNvSpPr>
+          <p:nvPr>
+            <p:ph type="hdr" sz="quarter"/>
+          </p:nvPr>
+        </p:nvSpPr>
+        <p:spPr>
+          <a:xfrm>
+            <a:off x="0" y="0"/>
+            <a:ext cx="2971800" cy="457200"/>
+          </a:xfrm>
+          <a:prstGeom prst="rect">
+            <a:avLst/>
+          </a:prstGeom>
+        </p:spPr>
+        <p:txBody>
+          <a:bodyPr vert="horz" lIns="91440" tIns="45720" rIns="91440" bIns="45720" rtlCol="0"/>
+          <a:lstStyle>
+            <a:lvl1pPr algn="l">
+              <a:defRPr sz="1200"/>
+            </a:lvl1pPr>
+          </a:lstStyle>
+          <a:p>
+            <a:endParaRPr lang="de-DE"/>
+          </a:p>
+        </p:txBody>
+      </p:sp>
+      <p:sp>
+        <p:nvSpPr>
+          <p:cNvPr id="3" name="Datumsplatzhalter 2"/>
+          <p:cNvSpPr>
+            <a:spLocks noGrp="1"/>
+          </p:cNvSpPr>
+          <p:nvPr>
+            <p:ph type="dt" idx="1"/>
+          </p:nvPr>
+        </p:nvSpPr>
+        <p:spPr>
+          <a:xfrm>
+            <a:off x="3884613" y="0"/>
+            <a:ext cx="2971800" cy="457200"/>
+          </a:xfrm>
+          <a:prstGeom prst="rect">
+            <a:avLst/>
+          </a:prstGeom>
+        </p:spPr>
+        <p:txBody>
+          <a:bodyPr vert="horz" lIns="91440" tIns="45720" rIns="91440" bIns="45720" rtlCol="0"/>
+          <a:lstStyle>
+            <a:lvl1pPr algn="r">
+              <a:defRPr sz="1200"/>
+            </a:lvl1pPr>
+          </a:lstStyle>
+          <a:p>
+            <a:fld id="{E52400BD-E80C-4269-ADA7-F5D07470A0EF}" type="datetimeFigureOut">
+              <a:rPr lang="de-DE" smtClean="0"/>
+              <a:t>20.05.13</a:t>
+            </a:fld>
+            <a:endParaRPr lang="de-DE"/>
+          </a:p>
+        </p:txBody>
+      </p:sp>
+      <p:sp>
+        <p:nvSpPr>
+          <p:cNvPr id="4" name="Folienbildplatzhalter 3"/>
+          <p:cNvSpPr>
+            <a:spLocks noGrp="1" noRot="1" noChangeAspect="1"/>
+          </p:cNvSpPr>
+          <p:nvPr>
+            <p:ph type="sldImg" idx="2"/>
+          </p:nvPr>
+        </p:nvSpPr>
+        <p:spPr>
+          <a:xfrm>
+            <a:off x="1143000" y="685800"/>
+            <a:ext cx="4572000" cy="3429000"/>
+          </a:xfrm>
+          <a:prstGeom prst="rect">
+            <a:avLst/>
+          </a:prstGeom>
+          <a:noFill/>
+          <a:ln w="12700">
+            <a:solidFill>
+              <a:prstClr val="black"/>
+            </a:solidFill>
+          </a:ln>
+        </p:spPr>
+        <p:txBody>
+          <a:bodyPr vert="horz" lIns="91440" tIns="45720" rIns="91440" bIns="45720" rtlCol="0" anchor="ctr"/>
+          <a:lstStyle/>
+          <a:p>
+            <a:endParaRPr lang="de-DE"/>
+          </a:p>
+        </p:txBody>
+      </p:sp>
+      <p:sp>
+        <p:nvSpPr>
+          <p:cNvPr id="5" name="Notizenplatzhalter 4"/>
+          <p:cNvSpPr>
+            <a:spLocks noGrp="1"/>
+          </p:cNvSpPr>
+          <p:nvPr>
+            <p:ph type="body" sz="quarter" idx="3"/>
+          </p:nvPr>
+        </p:nvSpPr>
+        <p:spPr>
+          <a:xfrm>
+            <a:off x="685800" y="4343400"/>
+            <a:ext cx="5486400" cy="4114800"/>
+          </a:xfrm>
+          <a:prstGeom prst="rect">
+            <a:avLst/>
+          </a:prstGeom>
+        </p:spPr>
+        <p:txBody>
+          <a:bodyPr vert="horz" lIns="91440" tIns="45720" rIns="91440" bIns="45720" rtlCol="0">
+            <a:normAutofit/>
+          </a:bodyPr>
+          <a:lstStyle/>
+          <a:p>
+            <a:pPr lvl="0"/>
+            <a:r>
+              <a:rPr lang="de-DE" smtClean="0"/>
+              <a:t>Textmasterformate durch Klicken bearbeiten</a:t>
+            </a:r>
+          </a:p>
+          <a:p>
+            <a:pPr lvl="1"/>
+            <a:r>
+              <a:rPr lang="de-DE" smtClean="0"/>
+              <a:t>Zweite Ebene</a:t>
+            </a:r>
+          </a:p>
+          <a:p>
+            <a:pPr lvl="2"/>
+            <a:r>
+              <a:rPr lang="de-DE" smtClean="0"/>
+              <a:t>Dritte Ebene</a:t>
+            </a:r>
+          </a:p>
+          <a:p>
+            <a:pPr lvl="3"/>
+            <a:r>
+              <a:rPr lang="de-DE" smtClean="0"/>
+              <a:t>Vierte Ebene</a:t>
+            </a:r>
+          </a:p>
+          <a:p>
+            <a:pPr lvl="4"/>
+            <a:r>
+              <a:rPr lang="de-DE" smtClean="0"/>
+              <a:t>Fünfte Ebene</a:t>
+            </a:r>
+            <a:endParaRPr lang="de-DE"/>
+          </a:p>
+        </p:txBody>
+      </p:sp>
+      <p:sp>
+        <p:nvSpPr>
+          <p:cNvPr id="6" name="Fußzeilenplatzhalter 5"/>
+          <p:cNvSpPr>
+            <a:spLocks noGrp="1"/>
+          </p:cNvSpPr>
+          <p:nvPr>
+            <p:ph type="ftr" sz="quarter" idx="4"/>
+          </p:nvPr>
+        </p:nvSpPr>
+        <p:spPr>
+          <a:xfrm>
+            <a:off x="0" y="8685213"/>
+            <a:ext cx="2971800" cy="457200"/>
+          </a:xfrm>
+          <a:prstGeom prst="rect">
+            <a:avLst/>
+          </a:prstGeom>
+        </p:spPr>
+        <p:txBody>
+          <a:bodyPr vert="horz" lIns="91440" tIns="45720" rIns="91440" bIns="45720" rtlCol="0" anchor="b"/>
+          <a:lstStyle>
+            <a:lvl1pPr algn="l">
+              <a:defRPr sz="1200"/>
+            </a:lvl1pPr>
+          </a:lstStyle>
+          <a:p>
+            <a:endParaRPr lang="de-DE"/>
+          </a:p>
+        </p:txBody>
+      </p:sp>
+      <p:sp>
+        <p:nvSpPr>
+          <p:cNvPr id="7" name="Foliennummernplatzhalter 6"/>
+          <p:cNvSpPr>
+            <a:spLocks noGrp="1"/>
+          </p:cNvSpPr>
+          <p:nvPr>
+            <p:ph type="sldNum" sz="quarter" idx="5"/>
+          </p:nvPr>
+        </p:nvSpPr>
+        <p:spPr>
+          <a:xfrm>
+            <a:off x="3884613" y="8685213"/>
+            <a:ext cx="2971800" cy="457200"/>
+          </a:xfrm>
+          <a:prstGeom prst="rect">
+            <a:avLst/>
+          </a:prstGeom>
+        </p:spPr>
+        <p:txBody>
+          <a:bodyPr vert="horz" lIns="91440" tIns="45720" rIns="91440" bIns="45720" rtlCol="0" anchor="b"/>
+          <a:lstStyle>
+            <a:lvl1pPr algn="r">
+              <a:defRPr sz="1200"/>
+            </a:lvl1pPr>
+          </a:lstStyle>
+          <a:p>
+            <a:fld id="{4689405B-6484-48C7-BE6C-C9A5019EE58A}" type="slidenum">
+              <a:rPr lang="de-DE" smtClean="0"/>
+              <a:t>‹Nr.›</a:t>
+            </a:fld>
+            <a:endParaRPr lang="de-DE"/>
+          </a:p>
+        </p:txBody>
+      </p:sp>
+    </p:spTree>
+    <p:extLst>
+      <p:ext uri="{BB962C8B-B14F-4D97-AF65-F5344CB8AC3E}">
+        <p14:creationId xmlns:p14="http://schemas.microsoft.com/office/powerpoint/2010/main" val="4090283463"/>
+      </p:ext>
+    </p:extLst>
+  </p:cSld>
+  <p:clrMap bg1="lt1" tx1="dk1" bg2="lt2" tx2="dk2" accent1="accent1" accent2="accent2" accent3="accent3" accent4="accent4" accent5="accent5" accent6="accent6" hlink="hlink" folHlink="folHlink"/>
+  <p:notesStyle>
+    <a:lvl1pPr marL="0" algn="l" defTabSz="914400" rtl="0" eaLnBrk="1" latinLnBrk="0" hangingPunct="1">
+      <a:defRPr sz="1200" kern="1200">
+        <a:solidFill>
+          <a:schemeClr val="tx1"/>
+        </a:solidFill>
+        <a:latin typeface="+mn-lt"/>
+        <a:ea typeface="+mn-ea"/>
+        <a:cs typeface="+mn-cs"/>
+      </a:defRPr>
+    </a:lvl1pPr>
+    <a:lvl2pPr marL="457200" algn="l" defTabSz="914400" rtl="0" eaLnBrk="1" latinLnBrk="0" hangingPunct="1">
+      <a:defRPr sz="1200" kern="1200">
+        <a:solidFill>
+          <a:schemeClr val="tx1"/>
+        </a:solidFill>
+        <a:latin typeface="+mn-lt"/>
+        <a:ea typeface="+mn-ea"/>
+        <a:cs typeface="+mn-cs"/>
+      </a:defRPr>
+    </a:lvl2pPr>
+    <a:lvl3pPr marL="914400" algn="l" defTabSz="914400" rtl="0" eaLnBrk="1" latinLnBrk="0" hangingPunct="1">
+      <a:defRPr sz="1200" kern="1200">
+        <a:solidFill>
+          <a:schemeClr val="tx1"/>
+        </a:solidFill>
+        <a:latin typeface="+mn-lt"/>
+        <a:ea typeface="+mn-ea"/>
+        <a:cs typeface="+mn-cs"/>
+      </a:defRPr>
+    </a:lvl3pPr>
+    <a:lvl4pPr marL="1371600" algn="l" defTabSz="914400" rtl="0" eaLnBrk="1" latinLnBrk="0" hangingPunct="1">
+      <a:defRPr sz="1200" kern="1200">
+        <a:solidFill>
+          <a:schemeClr val="tx1"/>
+        </a:solidFill>
+        <a:latin typeface="+mn-lt"/>
+        <a:ea typeface="+mn-ea"/>
+        <a:cs typeface="+mn-cs"/>
+      </a:defRPr>
+    </a:lvl4pPr>
+    <a:lvl5pPr marL="1828800" algn="l" defTabSz="914400" rtl="0" eaLnBrk="1" latinLnBrk="0" hangingPunct="1">
+      <a:defRPr sz="1200" kern="1200">
+        <a:solidFill>
+          <a:schemeClr val="tx1"/>
+        </a:solidFill>
+        <a:latin typeface="+mn-lt"/>
+        <a:ea typeface="+mn-ea"/>
+        <a:cs typeface="+mn-cs"/>
+      </a:defRPr>
+    </a:lvl5pPr>
+    <a:lvl6pPr marL="2286000" algn="l" defTabSz="914400" rtl="0" eaLnBrk="1" latinLnBrk="0" hangingPunct="1">
+      <a:defRPr sz="1200" kern="1200">
+        <a:solidFill>
+          <a:schemeClr val="tx1"/>
+        </a:solidFill>
+        <a:latin typeface="+mn-lt"/>
+        <a:ea typeface="+mn-ea"/>
+        <a:cs typeface="+mn-cs"/>
+      </a:defRPr>
+    </a:lvl6pPr>
+    <a:lvl7pPr marL="2743200" algn="l" defTabSz="914400" rtl="0" eaLnBrk="1" latinLnBrk="0" hangingPunct="1">
+      <a:defRPr sz="1200" kern="1200">
+        <a:solidFill>
+          <a:schemeClr val="tx1"/>
+        </a:solidFill>
+        <a:latin typeface="+mn-lt"/>
+        <a:ea typeface="+mn-ea"/>
+        <a:cs typeface="+mn-cs"/>
+      </a:defRPr>
+    </a:lvl7pPr>
+    <a:lvl8pPr marL="3200400" algn="l" defTabSz="914400" rtl="0" eaLnBrk="1" latinLnBrk="0" hangingPunct="1">
+      <a:defRPr sz="1200" kern="1200">
+        <a:solidFill>
+          <a:schemeClr val="tx1"/>
+        </a:solidFill>
+        <a:latin typeface="+mn-lt"/>
+        <a:ea typeface="+mn-ea"/>
+        <a:cs typeface="+mn-cs"/>
+      </a:defRPr>
+    </a:lvl8pPr>
+    <a:lvl9pPr marL="3657600" algn="l" defTabSz="914400" rtl="0" eaLnBrk="1" latinLnBrk="0" hangingPunct="1">
+      <a:defRPr sz="1200" kern="1200">
+        <a:solidFill>
+          <a:schemeClr val="tx1"/>
+        </a:solidFill>
+        <a:latin typeface="+mn-lt"/>
+        <a:ea typeface="+mn-ea"/>
+        <a:cs typeface="+mn-cs"/>
+      </a:defRPr>
+    </a:lvl9pPr>
+  </p:notesStyle>
+</p:notesMaster>
+</file>
+
+<file path=ppt/notesSlides/notesSlide1.xml><?xml version="1.0" encoding="utf-8"?>
+<p:notes xmlns:a="http://schemas.openxmlformats.org/drawingml/2006/main" xmlns:r="http://schemas.openxmlformats.org/officeDocument/2006/relationships" xmlns:p="http://schemas.openxmlformats.org/presentationml/2006/main">
+  <p:cSld>
+    <p:spTree>
+      <p:nvGrpSpPr>
+        <p:cNvPr id="1" name=""/>
+        <p:cNvGrpSpPr/>
+        <p:nvPr/>
+      </p:nvGrpSpPr>
+      <p:grpSpPr>
+        <a:xfrm>
+          <a:off x="0" y="0"/>
+          <a:ext cx="0" cy="0"/>
+          <a:chOff x="0" y="0"/>
+          <a:chExt cx="0" cy="0"/>
+        </a:xfrm>
+      </p:grpSpPr>
+      <p:sp>
+        <p:nvSpPr>
+          <p:cNvPr id="2" name="Folienbildplatzhalter 1"/>
+          <p:cNvSpPr>
+            <a:spLocks noGrp="1" noRot="1" noChangeAspect="1"/>
+          </p:cNvSpPr>
+          <p:nvPr>
+            <p:ph type="sldImg"/>
+          </p:nvPr>
+        </p:nvSpPr>
+        <p:spPr/>
+      </p:sp>
+      <p:sp>
+        <p:nvSpPr>
+          <p:cNvPr id="3" name="Notizenplatzhalter 2"/>
+          <p:cNvSpPr>
+            <a:spLocks noGrp="1"/>
+          </p:cNvSpPr>
+          <p:nvPr>
+            <p:ph type="body" idx="1"/>
+          </p:nvPr>
+        </p:nvSpPr>
+        <p:spPr/>
+        <p:txBody>
+          <a:bodyPr>
+            <a:normAutofit/>
+          </a:bodyPr>
+          <a:lstStyle/>
+          <a:p>
+            <a:endParaRPr lang="en-US" noProof="0" dirty="0"/>
+          </a:p>
+        </p:txBody>
+      </p:sp>
+      <p:sp>
+        <p:nvSpPr>
+          <p:cNvPr id="4" name="Foliennummernplatzhalter 3"/>
+          <p:cNvSpPr>
+            <a:spLocks noGrp="1"/>
+          </p:cNvSpPr>
+          <p:nvPr>
+            <p:ph type="sldNum" sz="quarter" idx="10"/>
+          </p:nvPr>
+        </p:nvSpPr>
+        <p:spPr/>
+        <p:txBody>
+          <a:bodyPr/>
+          <a:lstStyle/>
+          <a:p>
+            <a:fld id="{4689405B-6484-48C7-BE6C-C9A5019EE58A}" type="slidenum">
+              <a:rPr lang="de-DE" smtClean="0"/>
+              <a:t>11</a:t>
+            </a:fld>
+            <a:endParaRPr lang="de-DE"/>
+          </a:p>
+        </p:txBody>
+      </p:sp>
+    </p:spTree>
+  </p:cSld>
+  <p:clrMapOvr>
+    <a:masterClrMapping/>
+  </p:clrMapOvr>
+</p:notes>
+</file>
+
 <file path=ppt/slideLayouts/slideLayout1.xml><?xml version="1.0" encoding="utf-8"?>
 <p:sldLayout xmlns:a="http://schemas.openxmlformats.org/drawingml/2006/main" xmlns:r="http://schemas.openxmlformats.org/officeDocument/2006/relationships" xmlns:p="http://schemas.openxmlformats.org/presentationml/2006/main" showMasterSp="0" type="title" preserve="1">
   <p:cSld name="Titelfolie">
@@ -146,7 +1151,7 @@
             <a:lum bright="10000"/>
             <a:extLst>
               <a:ext uri="{28A0092B-C50C-407E-A947-70E740481C1C}">
-                <a14:useLocalDpi xmlns="" xmlns:a14="http://schemas.microsoft.com/office/drawing/2010/main" val="0"/>
+                <a14:useLocalDpi xmlns:a14="http://schemas.microsoft.com/office/drawing/2010/main" val="0"/>
               </a:ext>
             </a:extLst>
           </a:blip>
@@ -168,14 +1173,14 @@
           </a:ln>
           <a:extLst>
             <a:ext uri="{909E8E84-426E-40dd-AFC4-6F175D3DCCD1}">
-              <a14:hiddenFill xmlns="" xmlns:a14="http://schemas.microsoft.com/office/drawing/2010/main">
+              <a14:hiddenFill xmlns:a14="http://schemas.microsoft.com/office/drawing/2010/main">
                 <a:solidFill>
                   <a:srgbClr val="FFFFFF"/>
                 </a:solidFill>
               </a14:hiddenFill>
             </a:ext>
             <a:ext uri="{91240B29-F687-4f45-9708-019B960494DF}">
-              <a14:hiddenLine xmlns="" xmlns:a14="http://schemas.microsoft.com/office/drawing/2010/main" w="9525">
+              <a14:hiddenLine xmlns:a14="http://schemas.microsoft.com/office/drawing/2010/main" w="9525">
                 <a:solidFill>
                   <a:srgbClr val="000000"/>
                 </a:solidFill>
@@ -213,7 +1218,7 @@
           </a:ln>
           <a:extLst>
             <a:ext uri="{91240B29-F687-4f45-9708-019B960494DF}">
-              <a14:hiddenLine xmlns="" xmlns:a14="http://schemas.microsoft.com/office/drawing/2010/main" w="9525">
+              <a14:hiddenLine xmlns:a14="http://schemas.microsoft.com/office/drawing/2010/main" w="9525">
                 <a:solidFill>
                   <a:srgbClr val="000000"/>
                 </a:solidFill>
@@ -244,7 +1249,7 @@
           <a:blip r:embed="rId3" cstate="print">
             <a:extLst>
               <a:ext uri="{28A0092B-C50C-407E-A947-70E740481C1C}">
-                <a14:useLocalDpi xmlns="" xmlns:a14="http://schemas.microsoft.com/office/drawing/2010/main" val="0"/>
+                <a14:useLocalDpi xmlns:a14="http://schemas.microsoft.com/office/drawing/2010/main" val="0"/>
               </a:ext>
             </a:extLst>
           </a:blip>
@@ -267,14 +1272,14 @@
           </a:ln>
           <a:extLst>
             <a:ext uri="{909E8E84-426E-40dd-AFC4-6F175D3DCCD1}">
-              <a14:hiddenFill xmlns="" xmlns:a14="http://schemas.microsoft.com/office/drawing/2010/main">
+              <a14:hiddenFill xmlns:a14="http://schemas.microsoft.com/office/drawing/2010/main">
                 <a:solidFill>
                   <a:srgbClr val="FFFFFF"/>
                 </a:solidFill>
               </a14:hiddenFill>
             </a:ext>
             <a:ext uri="{91240B29-F687-4f45-9708-019B960494DF}">
-              <a14:hiddenLine xmlns="" xmlns:a14="http://schemas.microsoft.com/office/drawing/2010/main" w="9525">
+              <a14:hiddenLine xmlns:a14="http://schemas.microsoft.com/office/drawing/2010/main" w="9525">
                 <a:solidFill>
                   <a:srgbClr val="000000"/>
                 </a:solidFill>
@@ -378,14 +1383,14 @@
           </a:prstGeom>
           <a:extLst>
             <a:ext uri="{909E8E84-426E-40dd-AFC4-6F175D3DCCD1}">
-              <a14:hiddenFill xmlns="" xmlns:a14="http://schemas.microsoft.com/office/drawing/2010/main">
+              <a14:hiddenFill xmlns:a14="http://schemas.microsoft.com/office/drawing/2010/main">
                 <a:solidFill>
                   <a:schemeClr val="accent1"/>
                 </a:solidFill>
               </a14:hiddenFill>
             </a:ext>
             <a:ext uri="{91240B29-F687-4f45-9708-019B960494DF}">
-              <a14:hiddenLine xmlns="" xmlns:a14="http://schemas.microsoft.com/office/drawing/2010/main" w="9525">
+              <a14:hiddenLine xmlns:a14="http://schemas.microsoft.com/office/drawing/2010/main" w="9525">
                 <a:solidFill>
                   <a:schemeClr val="tx1"/>
                 </a:solidFill>
@@ -395,7 +1400,7 @@
               </a14:hiddenLine>
             </a:ext>
             <a:ext uri="{AF507438-7753-43e0-B8FC-AC1667EBCBE1}">
-              <a14:hiddenEffects xmlns="" xmlns:a14="http://schemas.microsoft.com/office/drawing/2010/main">
+              <a14:hiddenEffects xmlns:a14="http://schemas.microsoft.com/office/drawing/2010/main">
                 <a:effectLst>
                   <a:outerShdw dist="35921" dir="2700000" algn="ctr" rotWithShape="0">
                     <a:schemeClr val="bg2"/>
@@ -426,7 +1431,7 @@
             <a:fld id="{705B44B1-6112-407E-9C4B-9D7CA3639A2D}" type="datetimeFigureOut">
               <a:rPr lang="de-DE" smtClean="0"/>
               <a:pPr/>
-              <a:t>20.05.2013</a:t>
+              <a:t>20.05.13</a:t>
             </a:fld>
             <a:endParaRPr lang="de-DE"/>
           </a:p>
@@ -444,7 +1449,7 @@
           <a:blip r:embed="rId4" cstate="print">
             <a:extLst>
               <a:ext uri="{28A0092B-C50C-407E-A947-70E740481C1C}">
-                <a14:useLocalDpi xmlns="" xmlns:a14="http://schemas.microsoft.com/office/drawing/2010/main" val="0"/>
+                <a14:useLocalDpi xmlns:a14="http://schemas.microsoft.com/office/drawing/2010/main" val="0"/>
               </a:ext>
             </a:extLst>
           </a:blip>
@@ -464,7 +1469,7 @@
           <a:noFill/>
           <a:extLst>
             <a:ext uri="{909E8E84-426E-40dd-AFC4-6F175D3DCCD1}">
-              <a14:hiddenFill xmlns="" xmlns:a14="http://schemas.microsoft.com/office/drawing/2010/main">
+              <a14:hiddenFill xmlns:a14="http://schemas.microsoft.com/office/drawing/2010/main">
                 <a:solidFill>
                   <a:srgbClr val="FFFFFF"/>
                 </a:solidFill>
@@ -476,7 +1481,7 @@
     </p:spTree>
     <p:extLst>
       <p:ext uri="{BB962C8B-B14F-4D97-AF65-F5344CB8AC3E}">
-        <p14:creationId xmlns="" xmlns:p14="http://schemas.microsoft.com/office/powerpoint/2010/main" val="473742791"/>
+        <p14:creationId xmlns:p14="http://schemas.microsoft.com/office/powerpoint/2010/main" val="473742791"/>
       </p:ext>
     </p:extLst>
   </p:cSld>
@@ -604,7 +1609,7 @@
             <a:fld id="{705B44B1-6112-407E-9C4B-9D7CA3639A2D}" type="datetimeFigureOut">
               <a:rPr lang="de-DE" smtClean="0"/>
               <a:pPr/>
-              <a:t>20.05.2013</a:t>
+              <a:t>20.05.13</a:t>
             </a:fld>
             <a:endParaRPr lang="de-DE"/>
           </a:p>
@@ -773,7 +1778,7 @@
     </p:spTree>
     <p:extLst>
       <p:ext uri="{BB962C8B-B14F-4D97-AF65-F5344CB8AC3E}">
-        <p14:creationId xmlns="" xmlns:p14="http://schemas.microsoft.com/office/powerpoint/2010/main" val="1687810716"/>
+        <p14:creationId xmlns:p14="http://schemas.microsoft.com/office/powerpoint/2010/main" val="1687810716"/>
       </p:ext>
     </p:extLst>
   </p:cSld>
@@ -890,7 +1895,7 @@
     </p:spTree>
     <p:extLst>
       <p:ext uri="{BB962C8B-B14F-4D97-AF65-F5344CB8AC3E}">
-        <p14:creationId xmlns="" xmlns:p14="http://schemas.microsoft.com/office/powerpoint/2010/main" val="4140983553"/>
+        <p14:creationId xmlns:p14="http://schemas.microsoft.com/office/powerpoint/2010/main" val="4140983553"/>
       </p:ext>
     </p:extLst>
   </p:cSld>
@@ -2565,7 +3570,7 @@
           <a:blip r:embed="rId12" cstate="print">
             <a:extLst>
               <a:ext uri="{28A0092B-C50C-407E-A947-70E740481C1C}">
-                <a14:useLocalDpi xmlns="" xmlns:a14="http://schemas.microsoft.com/office/drawing/2010/main" val="0"/>
+                <a14:useLocalDpi xmlns:a14="http://schemas.microsoft.com/office/drawing/2010/main" val="0"/>
               </a:ext>
             </a:extLst>
           </a:blip>
@@ -2588,14 +3593,14 @@
           </a:ln>
           <a:extLst>
             <a:ext uri="{909E8E84-426E-40dd-AFC4-6F175D3DCCD1}">
-              <a14:hiddenFill xmlns="" xmlns:a14="http://schemas.microsoft.com/office/drawing/2010/main">
+              <a14:hiddenFill xmlns:a14="http://schemas.microsoft.com/office/drawing/2010/main">
                 <a:solidFill>
                   <a:srgbClr val="FFFFFF"/>
                 </a:solidFill>
               </a14:hiddenFill>
             </a:ext>
             <a:ext uri="{91240B29-F687-4f45-9708-019B960494DF}">
-              <a14:hiddenLine xmlns="" xmlns:a14="http://schemas.microsoft.com/office/drawing/2010/main" w="9525">
+              <a14:hiddenLine xmlns:a14="http://schemas.microsoft.com/office/drawing/2010/main" w="9525">
                 <a:solidFill>
                   <a:srgbClr val="000000"/>
                 </a:solidFill>
@@ -2619,7 +3624,7 @@
           <a:blip r:embed="rId13" cstate="print">
             <a:extLst>
               <a:ext uri="{28A0092B-C50C-407E-A947-70E740481C1C}">
-                <a14:useLocalDpi xmlns="" xmlns:a14="http://schemas.microsoft.com/office/drawing/2010/main" val="0"/>
+                <a14:useLocalDpi xmlns:a14="http://schemas.microsoft.com/office/drawing/2010/main" val="0"/>
               </a:ext>
             </a:extLst>
           </a:blip>
@@ -2642,14 +3647,14 @@
           </a:ln>
           <a:extLst>
             <a:ext uri="{909E8E84-426E-40dd-AFC4-6F175D3DCCD1}">
-              <a14:hiddenFill xmlns="" xmlns:a14="http://schemas.microsoft.com/office/drawing/2010/main">
+              <a14:hiddenFill xmlns:a14="http://schemas.microsoft.com/office/drawing/2010/main">
                 <a:solidFill>
                   <a:srgbClr val="FFFFFF"/>
                 </a:solidFill>
               </a14:hiddenFill>
             </a:ext>
             <a:ext uri="{91240B29-F687-4f45-9708-019B960494DF}">
-              <a14:hiddenLine xmlns="" xmlns:a14="http://schemas.microsoft.com/office/drawing/2010/main" w="9525">
+              <a14:hiddenLine xmlns:a14="http://schemas.microsoft.com/office/drawing/2010/main" w="9525">
                 <a:solidFill>
                   <a:srgbClr val="000000"/>
                 </a:solidFill>
@@ -2687,7 +3692,7 @@
           </a:ln>
           <a:extLst>
             <a:ext uri="{91240B29-F687-4f45-9708-019B960494DF}">
-              <a14:hiddenLine xmlns="" xmlns:a14="http://schemas.microsoft.com/office/drawing/2010/main" w="9525">
+              <a14:hiddenLine xmlns:a14="http://schemas.microsoft.com/office/drawing/2010/main" w="9525">
                 <a:solidFill>
                   <a:srgbClr val="000000"/>
                 </a:solidFill>
@@ -2730,14 +3735,14 @@
           </a:ln>
           <a:extLst>
             <a:ext uri="{909E8E84-426E-40dd-AFC4-6F175D3DCCD1}">
-              <a14:hiddenFill xmlns="" xmlns:a14="http://schemas.microsoft.com/office/drawing/2010/main">
+              <a14:hiddenFill xmlns:a14="http://schemas.microsoft.com/office/drawing/2010/main">
                 <a:solidFill>
                   <a:srgbClr val="FFFFFF"/>
                 </a:solidFill>
               </a14:hiddenFill>
             </a:ext>
             <a:ext uri="{91240B29-F687-4f45-9708-019B960494DF}">
-              <a14:hiddenLine xmlns="" xmlns:a14="http://schemas.microsoft.com/office/drawing/2010/main" w="9525">
+              <a14:hiddenLine xmlns:a14="http://schemas.microsoft.com/office/drawing/2010/main" w="9525">
                 <a:solidFill>
                   <a:srgbClr val="000000"/>
                 </a:solidFill>
@@ -2869,14 +3874,14 @@
           </a:ln>
           <a:extLst>
             <a:ext uri="{909E8E84-426E-40dd-AFC4-6F175D3DCCD1}">
-              <a14:hiddenFill xmlns="" xmlns:a14="http://schemas.microsoft.com/office/drawing/2010/main">
+              <a14:hiddenFill xmlns:a14="http://schemas.microsoft.com/office/drawing/2010/main">
                 <a:solidFill>
                   <a:srgbClr val="FFFFFF"/>
                 </a:solidFill>
               </a14:hiddenFill>
             </a:ext>
             <a:ext uri="{91240B29-F687-4f45-9708-019B960494DF}">
-              <a14:hiddenLine xmlns="" xmlns:a14="http://schemas.microsoft.com/office/drawing/2010/main" w="9525">
+              <a14:hiddenLine xmlns:a14="http://schemas.microsoft.com/office/drawing/2010/main" w="9525">
                 <a:solidFill>
                   <a:srgbClr val="000000"/>
                 </a:solidFill>
@@ -2984,7 +3989,7 @@
           <a:blip r:embed="rId14" cstate="print">
             <a:extLst>
               <a:ext uri="{28A0092B-C50C-407E-A947-70E740481C1C}">
-                <a14:useLocalDpi xmlns="" xmlns:a14="http://schemas.microsoft.com/office/drawing/2010/main" val="0"/>
+                <a14:useLocalDpi xmlns:a14="http://schemas.microsoft.com/office/drawing/2010/main" val="0"/>
               </a:ext>
             </a:extLst>
           </a:blip>
@@ -3007,14 +4012,14 @@
           </a:ln>
           <a:extLst>
             <a:ext uri="{909E8E84-426E-40dd-AFC4-6F175D3DCCD1}">
-              <a14:hiddenFill xmlns="" xmlns:a14="http://schemas.microsoft.com/office/drawing/2010/main">
+              <a14:hiddenFill xmlns:a14="http://schemas.microsoft.com/office/drawing/2010/main">
                 <a:solidFill>
                   <a:srgbClr val="FFFFFF"/>
                 </a:solidFill>
               </a14:hiddenFill>
             </a:ext>
             <a:ext uri="{91240B29-F687-4f45-9708-019B960494DF}">
-              <a14:hiddenLine xmlns="" xmlns:a14="http://schemas.microsoft.com/office/drawing/2010/main" w="9525">
+              <a14:hiddenLine xmlns:a14="http://schemas.microsoft.com/office/drawing/2010/main" w="9525">
                 <a:solidFill>
                   <a:srgbClr val="000000"/>
                 </a:solidFill>
@@ -3026,90 +4031,6 @@
           </a:extLst>
         </p:spPr>
       </p:pic>
-      <p:sp>
-        <p:nvSpPr>
-          <p:cNvPr id="10" name="Textfeld 9"/>
-          <p:cNvSpPr txBox="1"/>
-          <p:nvPr/>
-        </p:nvSpPr>
-        <p:spPr>
-          <a:xfrm>
-            <a:off x="2843760" y="6462473"/>
-            <a:ext cx="3456480" cy="360050"/>
-          </a:xfrm>
-          <a:prstGeom prst="rect">
-            <a:avLst/>
-          </a:prstGeom>
-          <a:noFill/>
-          <a:ln w="9525">
-            <a:noFill/>
-            <a:miter lim="800000"/>
-            <a:headEnd/>
-            <a:tailEnd/>
-          </a:ln>
-          <a:effectLst/>
-        </p:spPr>
-        <p:txBody>
-          <a:bodyPr vert="horz" wrap="square" lIns="0" tIns="0" rIns="0" bIns="0" numCol="1" anchor="ctr" anchorCtr="0" compatLnSpc="1">
-            <a:prstTxWarp prst="textNoShape">
-              <a:avLst/>
-            </a:prstTxWarp>
-          </a:bodyPr>
-          <a:lstStyle/>
-          <a:p>
-            <a:pPr algn="ctr" rtl="0" fontAlgn="base">
-              <a:spcBef>
-                <a:spcPct val="0"/>
-              </a:spcBef>
-              <a:spcAft>
-                <a:spcPct val="0"/>
-              </a:spcAft>
-              <a:defRPr/>
-            </a:pPr>
-            <a:r>
-              <a:rPr lang="en-US" sz="1000" kern="1200" dirty="0" smtClean="0">
-                <a:solidFill>
-                  <a:srgbClr val="808080"/>
-                </a:solidFill>
-                <a:latin typeface="Arial" charset="0"/>
-                <a:ea typeface="+mn-ea"/>
-                <a:cs typeface="Arial" charset="0"/>
-              </a:rPr>
-              <a:t>Non Profit Management </a:t>
-            </a:r>
-            <a:r>
-              <a:rPr lang="en-US" sz="1000" kern="1200" dirty="0" err="1" smtClean="0">
-                <a:solidFill>
-                  <a:srgbClr val="808080"/>
-                </a:solidFill>
-                <a:latin typeface="Arial" charset="0"/>
-                <a:ea typeface="+mn-ea"/>
-                <a:cs typeface="Arial" charset="0"/>
-              </a:rPr>
-              <a:t>Übung</a:t>
-            </a:r>
-            <a:r>
-              <a:rPr lang="en-US" sz="1000" kern="1200" dirty="0" smtClean="0">
-                <a:solidFill>
-                  <a:srgbClr val="808080"/>
-                </a:solidFill>
-                <a:latin typeface="Arial" charset="0"/>
-                <a:ea typeface="+mn-ea"/>
-                <a:cs typeface="Arial" charset="0"/>
-              </a:rPr>
-              <a:t> #5</a:t>
-            </a:r>
-            <a:endParaRPr lang="de-DE" sz="1000" kern="1200" dirty="0" smtClean="0">
-              <a:solidFill>
-                <a:srgbClr val="808080"/>
-              </a:solidFill>
-              <a:latin typeface="Arial" charset="0"/>
-              <a:ea typeface="+mn-ea"/>
-              <a:cs typeface="Arial" charset="0"/>
-            </a:endParaRPr>
-          </a:p>
-        </p:txBody>
-      </p:sp>
     </p:spTree>
   </p:cSld>
   <p:clrMap bg1="lt1" tx1="dk1" bg2="lt2" tx2="dk2" accent1="accent1" accent2="accent2" accent3="accent3" accent4="accent4" accent5="accent5" accent6="accent6" hlink="hlink" folHlink="folHlink"/>
@@ -3572,48 +4493,86 @@
             <p:ph type="subTitle" idx="1"/>
           </p:nvPr>
         </p:nvSpPr>
-        <p:spPr/>
+        <p:spPr>
+          <a:xfrm>
+            <a:off x="250824" y="3987134"/>
+            <a:ext cx="8640763" cy="1752600"/>
+          </a:xfrm>
+        </p:spPr>
         <p:txBody>
           <a:bodyPr/>
           <a:lstStyle/>
           <a:p>
             <a:r>
+              <a:rPr lang="de-DE" sz="2400" dirty="0" err="1"/>
+              <a:t>Extraction</a:t>
+            </a:r>
+            <a:r>
+              <a:rPr lang="de-DE" sz="2400" dirty="0"/>
+              <a:t> </a:t>
+            </a:r>
+            <a:r>
+              <a:rPr lang="de-DE" sz="2400" dirty="0" err="1"/>
+              <a:t>of</a:t>
+            </a:r>
+            <a:r>
+              <a:rPr lang="de-DE" sz="2400" dirty="0"/>
+              <a:t> Goals </a:t>
+            </a:r>
+            <a:r>
+              <a:rPr lang="de-DE" sz="2400" dirty="0" err="1"/>
+              <a:t>from</a:t>
+            </a:r>
+            <a:r>
+              <a:rPr lang="de-DE" sz="2400" dirty="0"/>
+              <a:t> Premier League Match Reports </a:t>
+            </a:r>
+            <a:br>
+              <a:rPr lang="de-DE" sz="2400" dirty="0"/>
+            </a:br>
+            <a:r>
+              <a:rPr lang="de-DE" sz="2400" dirty="0" err="1"/>
+              <a:t>using</a:t>
+            </a:r>
+            <a:r>
+              <a:rPr lang="de-DE" sz="2400" dirty="0"/>
+              <a:t> Natural Language Processing </a:t>
+            </a:r>
+            <a:r>
+              <a:rPr lang="de-DE" sz="2400" dirty="0" err="1" smtClean="0"/>
+              <a:t>Techniques</a:t>
+            </a:r>
+            <a:endParaRPr lang="de-DE" sz="2400" dirty="0" smtClean="0"/>
+          </a:p>
+          <a:p>
+            <a:endParaRPr lang="de-DE" sz="2400" dirty="0" smtClean="0"/>
+          </a:p>
+          <a:p>
+            <a:r>
               <a:rPr lang="de-DE" sz="2400" dirty="0" smtClean="0"/>
-              <a:t>Web Mining Semester Project </a:t>
+              <a:t>Jochen </a:t>
             </a:r>
             <a:r>
               <a:rPr lang="de-DE" sz="2400" dirty="0" err="1" smtClean="0"/>
-              <a:t>by</a:t>
+              <a:t>Hülß</a:t>
             </a:r>
             <a:r>
               <a:rPr lang="de-DE" sz="2400" dirty="0" smtClean="0"/>
               <a:t> </a:t>
             </a:r>
-            <a:br>
-              <a:rPr lang="de-DE" sz="2400" dirty="0" smtClean="0"/>
-            </a:br>
-            <a:endParaRPr lang="de-DE" sz="2400" dirty="0" smtClean="0"/>
-          </a:p>
-          <a:p>
-            <a:r>
-              <a:rPr lang="de-DE" sz="2400" dirty="0" smtClean="0"/>
-              <a:t>Jochen </a:t>
-            </a:r>
-            <a:r>
-              <a:rPr lang="de-DE" sz="2400" dirty="0" err="1" smtClean="0"/>
-              <a:t>Hülß</a:t>
-            </a:r>
-            <a:r>
-              <a:rPr lang="de-DE" sz="2400" dirty="0" smtClean="0"/>
-              <a:t> </a:t>
-            </a:r>
             <a:r>
               <a:rPr lang="de-DE" sz="2400" dirty="0" err="1" smtClean="0"/>
               <a:t>and</a:t>
             </a:r>
             <a:r>
               <a:rPr lang="de-DE" sz="2400" dirty="0" smtClean="0"/>
-              <a:t> Matthias Rabus</a:t>
+              <a:t> Matthias Rabus </a:t>
+            </a:r>
+          </a:p>
+          <a:p>
+            <a:r>
+              <a:rPr lang="de-DE" sz="2400" dirty="0" smtClean="0"/>
+              <a:t>05/23/2013</a:t>
             </a:r>
             <a:endParaRPr lang="de-DE" sz="2400" dirty="0"/>
           </a:p>
@@ -3649,51 +4608,8 @@
               <a:rPr lang="de-DE" sz="2000" dirty="0"/>
             </a:br>
             <a:r>
-              <a:rPr lang="de-DE" sz="2000" dirty="0" err="1" smtClean="0"/>
-              <a:t>Extraction</a:t>
-            </a:r>
-            <a:r>
-              <a:rPr lang="de-DE" sz="2000" dirty="0" smtClean="0"/>
-              <a:t> </a:t>
-            </a:r>
-            <a:r>
-              <a:rPr lang="de-DE" sz="2000" dirty="0" err="1"/>
-              <a:t>of</a:t>
-            </a:r>
-            <a:r>
-              <a:rPr lang="de-DE" sz="2000" dirty="0"/>
-              <a:t> Goals </a:t>
-            </a:r>
-            <a:r>
-              <a:rPr lang="de-DE" sz="2000" dirty="0" err="1"/>
-              <a:t>from</a:t>
-            </a:r>
-            <a:r>
-              <a:rPr lang="de-DE" sz="2000" dirty="0"/>
-              <a:t> Premier League Match Reports </a:t>
-            </a:r>
-            <a:r>
-              <a:rPr lang="de-DE" sz="2000" dirty="0" smtClean="0"/>
-              <a:t/>
-            </a:r>
-            <a:br>
-              <a:rPr lang="de-DE" sz="2000" dirty="0" smtClean="0"/>
-            </a:br>
-            <a:r>
-              <a:rPr lang="de-DE" sz="2000" dirty="0" err="1" smtClean="0"/>
-              <a:t>using</a:t>
-            </a:r>
-            <a:r>
-              <a:rPr lang="de-DE" sz="2000" dirty="0" smtClean="0"/>
-              <a:t> </a:t>
-            </a:r>
-            <a:r>
-              <a:rPr lang="de-DE" sz="2000" dirty="0"/>
-              <a:t>Natural Language Processing </a:t>
-            </a:r>
-            <a:r>
-              <a:rPr lang="de-DE" sz="2000" dirty="0" err="1"/>
-              <a:t>Techniques</a:t>
+              <a:rPr lang="en-US" sz="2800" b="1" dirty="0" smtClean="0"/>
+              <a:t>Web Mining Semester Project Presentation</a:t>
             </a:r>
             <a:r>
               <a:rPr lang="de-DE" sz="2000" dirty="0"/>
@@ -3713,7 +4629,7 @@
     </p:spTree>
     <p:extLst>
       <p:ext uri="{BB962C8B-B14F-4D97-AF65-F5344CB8AC3E}">
-        <p14:creationId xmlns="" xmlns:p14="http://schemas.microsoft.com/office/powerpoint/2010/main" val="3892161252"/>
+        <p14:creationId xmlns:p14="http://schemas.microsoft.com/office/powerpoint/2010/main" val="3892161252"/>
       </p:ext>
     </p:extLst>
   </p:cSld>
@@ -3757,6 +4673,510 @@
           <a:p>
             <a:r>
               <a:rPr lang="de-DE" dirty="0" err="1" smtClean="0"/>
+              <a:t>Example</a:t>
+            </a:r>
+            <a:r>
+              <a:rPr lang="de-DE" dirty="0" smtClean="0"/>
+              <a:t>: Chelsea - Sunderland</a:t>
+            </a:r>
+            <a:endParaRPr lang="de-DE" dirty="0"/>
+          </a:p>
+        </p:txBody>
+      </p:sp>
+      <p:pic>
+        <p:nvPicPr>
+          <p:cNvPr id="5" name="Inhaltsplatzhalter 4" descr="Bildschirmfoto 2013-05-20 um 12.59.18.png"/>
+          <p:cNvPicPr>
+            <a:picLocks noGrp="1" noChangeAspect="1"/>
+          </p:cNvPicPr>
+          <p:nvPr>
+            <p:ph idx="1"/>
+          </p:nvPr>
+        </p:nvPicPr>
+        <p:blipFill rotWithShape="1">
+          <a:blip r:embed="rId2" cstate="print">
+            <a:extLst>
+              <a:ext uri="{28A0092B-C50C-407E-A947-70E740481C1C}">
+                <a14:useLocalDpi xmlns:a14="http://schemas.microsoft.com/office/drawing/2010/main" val="0"/>
+              </a:ext>
+            </a:extLst>
+          </a:blip>
+          <a:srcRect b="78006"/>
+          <a:stretch/>
+        </p:blipFill>
+        <p:spPr>
+          <a:xfrm>
+            <a:off x="250825" y="1270001"/>
+            <a:ext cx="8642350" cy="1806222"/>
+          </a:xfrm>
+        </p:spPr>
+      </p:pic>
+      <p:sp>
+        <p:nvSpPr>
+          <p:cNvPr id="4" name="Inhaltsplatzhalter 2"/>
+          <p:cNvSpPr txBox="1">
+            <a:spLocks/>
+          </p:cNvSpPr>
+          <p:nvPr/>
+        </p:nvSpPr>
+        <p:spPr bwMode="auto">
+          <a:xfrm>
+            <a:off x="250825" y="3436373"/>
+            <a:ext cx="8642350" cy="2783863"/>
+          </a:xfrm>
+          <a:prstGeom prst="rect">
+            <a:avLst/>
+          </a:prstGeom>
+          <a:noFill/>
+          <a:ln>
+            <a:noFill/>
+          </a:ln>
+          <a:extLst>
+            <a:ext uri="{909E8E84-426E-40dd-AFC4-6F175D3DCCD1}">
+              <a14:hiddenFill xmlns:a14="http://schemas.microsoft.com/office/drawing/2010/main">
+                <a:solidFill>
+                  <a:srgbClr val="FFFFFF"/>
+                </a:solidFill>
+              </a14:hiddenFill>
+            </a:ext>
+            <a:ext uri="{91240B29-F687-4f45-9708-019B960494DF}">
+              <a14:hiddenLine xmlns:a14="http://schemas.microsoft.com/office/drawing/2010/main" w="9525">
+                <a:solidFill>
+                  <a:srgbClr val="000000"/>
+                </a:solidFill>
+                <a:miter lim="800000"/>
+                <a:headEnd/>
+                <a:tailEnd/>
+              </a14:hiddenLine>
+            </a:ext>
+          </a:extLst>
+        </p:spPr>
+        <p:txBody>
+          <a:bodyPr vert="horz" wrap="square" lIns="0" tIns="0" rIns="0" bIns="0" numCol="1" anchor="t" anchorCtr="0" compatLnSpc="1">
+            <a:prstTxWarp prst="textNoShape">
+              <a:avLst/>
+            </a:prstTxWarp>
+          </a:bodyPr>
+          <a:lstStyle/>
+          <a:p>
+            <a:pPr marL="363538" marR="0" lvl="0" indent="-363538" algn="l" defTabSz="914400" rtl="0" eaLnBrk="1" fontAlgn="base" latinLnBrk="0" hangingPunct="1">
+              <a:lnSpc>
+                <a:spcPct val="100000"/>
+              </a:lnSpc>
+              <a:spcBef>
+                <a:spcPct val="20000"/>
+              </a:spcBef>
+              <a:spcAft>
+                <a:spcPct val="0"/>
+              </a:spcAft>
+              <a:buClr>
+                <a:schemeClr val="accent2"/>
+              </a:buClr>
+              <a:buSzTx/>
+              <a:buFont typeface="Webdings" pitchFamily="18" charset="2"/>
+              <a:buChar char="4"/>
+              <a:tabLst/>
+              <a:defRPr/>
+            </a:pPr>
+            <a:r>
+              <a:rPr kumimoji="0" lang="en-US" sz="2400" b="0" i="0" u="none" strike="noStrike" kern="0" cap="none" spc="0" normalizeH="0" baseline="0" noProof="0" dirty="0" smtClean="0">
+                <a:ln>
+                  <a:noFill/>
+                </a:ln>
+                <a:solidFill>
+                  <a:schemeClr val="tx1">
+                    <a:lumMod val="85000"/>
+                    <a:lumOff val="15000"/>
+                  </a:schemeClr>
+                </a:solidFill>
+                <a:effectLst/>
+                <a:uLnTx/>
+                <a:uFillTx/>
+                <a:latin typeface="Arial" charset="0"/>
+                <a:ea typeface="+mn-ea"/>
+                <a:cs typeface="+mn-cs"/>
+              </a:rPr>
+              <a:t>Apply model on unlabeled</a:t>
+            </a:r>
+            <a:r>
+              <a:rPr kumimoji="0" lang="en-US" sz="2400" b="0" i="0" u="none" strike="noStrike" kern="0" cap="none" spc="0" normalizeH="0" noProof="0" dirty="0" smtClean="0">
+                <a:ln>
+                  <a:noFill/>
+                </a:ln>
+                <a:solidFill>
+                  <a:schemeClr val="tx1">
+                    <a:lumMod val="85000"/>
+                    <a:lumOff val="15000"/>
+                  </a:schemeClr>
+                </a:solidFill>
+                <a:effectLst/>
+                <a:uLnTx/>
+                <a:uFillTx/>
+                <a:latin typeface="Arial" charset="0"/>
+                <a:ea typeface="+mn-ea"/>
+                <a:cs typeface="+mn-cs"/>
+              </a:rPr>
+              <a:t> match report</a:t>
+            </a:r>
+            <a:endParaRPr kumimoji="0" lang="en-US" sz="2400" b="0" i="0" u="none" strike="noStrike" kern="0" cap="none" spc="0" normalizeH="0" baseline="0" noProof="0" dirty="0" smtClean="0">
+              <a:ln>
+                <a:noFill/>
+              </a:ln>
+              <a:solidFill>
+                <a:schemeClr val="tx1">
+                  <a:lumMod val="85000"/>
+                  <a:lumOff val="15000"/>
+                </a:schemeClr>
+              </a:solidFill>
+              <a:effectLst/>
+              <a:uLnTx/>
+              <a:uFillTx/>
+              <a:latin typeface="Arial" charset="0"/>
+              <a:ea typeface="+mn-ea"/>
+              <a:cs typeface="+mn-cs"/>
+            </a:endParaRPr>
+          </a:p>
+          <a:p>
+            <a:pPr marL="622300" marR="0" lvl="1" indent="-260350" algn="l" defTabSz="914400" rtl="0" eaLnBrk="1" fontAlgn="base" latinLnBrk="0" hangingPunct="1">
+              <a:lnSpc>
+                <a:spcPct val="100000"/>
+              </a:lnSpc>
+              <a:spcBef>
+                <a:spcPct val="20000"/>
+              </a:spcBef>
+              <a:spcAft>
+                <a:spcPct val="0"/>
+              </a:spcAft>
+              <a:buClr>
+                <a:schemeClr val="accent1"/>
+              </a:buClr>
+              <a:buSzTx/>
+              <a:buFont typeface="Wingdings" pitchFamily="2" charset="2"/>
+              <a:buChar char="§"/>
+              <a:tabLst/>
+              <a:defRPr/>
+            </a:pPr>
+            <a:r>
+              <a:rPr kumimoji="0" lang="en-US" sz="2000" b="0" i="0" u="none" strike="noStrike" kern="0" cap="none" spc="0" normalizeH="0" baseline="0" noProof="0" dirty="0" smtClean="0">
+                <a:ln>
+                  <a:noFill/>
+                </a:ln>
+                <a:solidFill>
+                  <a:schemeClr val="tx1">
+                    <a:lumMod val="85000"/>
+                    <a:lumOff val="15000"/>
+                  </a:schemeClr>
+                </a:solidFill>
+                <a:effectLst/>
+                <a:uLnTx/>
+                <a:uFillTx/>
+                <a:latin typeface="Arial" charset="0"/>
+                <a:cs typeface="+mn-cs"/>
+              </a:rPr>
+              <a:t>24</a:t>
+            </a:r>
+            <a:r>
+              <a:rPr kumimoji="0" lang="en-US" sz="2000" b="0" i="0" u="none" strike="noStrike" kern="0" cap="none" spc="0" normalizeH="0" noProof="0" dirty="0" smtClean="0">
+                <a:ln>
+                  <a:noFill/>
+                </a:ln>
+                <a:solidFill>
+                  <a:schemeClr val="tx1">
+                    <a:lumMod val="85000"/>
+                    <a:lumOff val="15000"/>
+                  </a:schemeClr>
+                </a:solidFill>
+                <a:effectLst/>
+                <a:uLnTx/>
+                <a:uFillTx/>
+                <a:latin typeface="Arial" charset="0"/>
+                <a:cs typeface="+mn-cs"/>
+              </a:rPr>
+              <a:t> sentences</a:t>
+            </a:r>
+          </a:p>
+          <a:p>
+            <a:pPr marL="622300" marR="0" lvl="1" indent="-260350" algn="l" defTabSz="914400" rtl="0" eaLnBrk="1" fontAlgn="base" latinLnBrk="0" hangingPunct="1">
+              <a:lnSpc>
+                <a:spcPct val="100000"/>
+              </a:lnSpc>
+              <a:spcBef>
+                <a:spcPct val="20000"/>
+              </a:spcBef>
+              <a:spcAft>
+                <a:spcPct val="0"/>
+              </a:spcAft>
+              <a:buClr>
+                <a:schemeClr val="accent1"/>
+              </a:buClr>
+              <a:buSzTx/>
+              <a:buFont typeface="Wingdings" pitchFamily="2" charset="2"/>
+              <a:buChar char="§"/>
+              <a:tabLst/>
+              <a:defRPr/>
+            </a:pPr>
+            <a:r>
+              <a:rPr lang="en-US" sz="2000" kern="0" baseline="0" dirty="0" smtClean="0">
+                <a:solidFill>
+                  <a:schemeClr val="tx1">
+                    <a:lumMod val="85000"/>
+                    <a:lumOff val="15000"/>
+                  </a:schemeClr>
+                </a:solidFill>
+                <a:latin typeface="Arial" charset="0"/>
+              </a:rPr>
+              <a:t>8</a:t>
+            </a:r>
+            <a:r>
+              <a:rPr lang="en-US" sz="2000" kern="0" dirty="0" smtClean="0">
+                <a:solidFill>
+                  <a:schemeClr val="tx1">
+                    <a:lumMod val="85000"/>
+                    <a:lumOff val="15000"/>
+                  </a:schemeClr>
+                </a:solidFill>
+                <a:latin typeface="Arial" charset="0"/>
+              </a:rPr>
+              <a:t> containing a goal</a:t>
+            </a:r>
+            <a:endParaRPr kumimoji="0" lang="en-US" sz="2000" b="0" i="0" u="none" strike="noStrike" kern="0" cap="none" spc="0" normalizeH="0" baseline="0" noProof="0" dirty="0" smtClean="0">
+              <a:ln>
+                <a:noFill/>
+              </a:ln>
+              <a:solidFill>
+                <a:schemeClr val="tx1">
+                  <a:lumMod val="85000"/>
+                  <a:lumOff val="15000"/>
+                </a:schemeClr>
+              </a:solidFill>
+              <a:effectLst/>
+              <a:uLnTx/>
+              <a:uFillTx/>
+              <a:latin typeface="Arial" charset="0"/>
+              <a:cs typeface="+mn-cs"/>
+            </a:endParaRPr>
+          </a:p>
+          <a:p>
+            <a:pPr marL="622300" marR="0" lvl="1" indent="-260350" algn="l" defTabSz="914400" rtl="0" eaLnBrk="1" fontAlgn="base" latinLnBrk="0" hangingPunct="1">
+              <a:lnSpc>
+                <a:spcPct val="100000"/>
+              </a:lnSpc>
+              <a:spcBef>
+                <a:spcPct val="20000"/>
+              </a:spcBef>
+              <a:spcAft>
+                <a:spcPct val="0"/>
+              </a:spcAft>
+              <a:buClr>
+                <a:schemeClr val="accent1"/>
+              </a:buClr>
+              <a:buSzTx/>
+              <a:buFont typeface="Wingdings" pitchFamily="2" charset="2"/>
+              <a:buChar char="§"/>
+              <a:tabLst/>
+              <a:defRPr/>
+            </a:pPr>
+            <a:endParaRPr kumimoji="0" lang="en-US" sz="2000" b="0" i="0" u="none" strike="noStrike" kern="0" cap="none" spc="0" normalizeH="0" baseline="0" noProof="0" dirty="0">
+              <a:ln>
+                <a:noFill/>
+              </a:ln>
+              <a:solidFill>
+                <a:schemeClr val="tx1">
+                  <a:lumMod val="85000"/>
+                  <a:lumOff val="15000"/>
+                </a:schemeClr>
+              </a:solidFill>
+              <a:effectLst/>
+              <a:uLnTx/>
+              <a:uFillTx/>
+              <a:latin typeface="Arial" charset="0"/>
+              <a:cs typeface="+mn-cs"/>
+            </a:endParaRPr>
+          </a:p>
+        </p:txBody>
+      </p:sp>
+    </p:spTree>
+    <p:extLst>
+      <p:ext uri="{BB962C8B-B14F-4D97-AF65-F5344CB8AC3E}">
+        <p14:creationId xmlns:p14="http://schemas.microsoft.com/office/powerpoint/2010/main" val="4252503780"/>
+      </p:ext>
+    </p:extLst>
+  </p:cSld>
+  <p:clrMapOvr>
+    <a:masterClrMapping/>
+  </p:clrMapOvr>
+</p:sld>
+</file>
+
+<file path=ppt/slides/slide11.xml><?xml version="1.0" encoding="utf-8"?>
+<p:sld xmlns:a="http://schemas.openxmlformats.org/drawingml/2006/main" xmlns:r="http://schemas.openxmlformats.org/officeDocument/2006/relationships" xmlns:p="http://schemas.openxmlformats.org/presentationml/2006/main">
+  <p:cSld>
+    <p:spTree>
+      <p:nvGrpSpPr>
+        <p:cNvPr id="1" name=""/>
+        <p:cNvGrpSpPr/>
+        <p:nvPr/>
+      </p:nvGrpSpPr>
+      <p:grpSpPr>
+        <a:xfrm>
+          <a:off x="0" y="0"/>
+          <a:ext cx="0" cy="0"/>
+          <a:chOff x="0" y="0"/>
+          <a:chExt cx="0" cy="0"/>
+        </a:xfrm>
+      </p:grpSpPr>
+      <p:sp>
+        <p:nvSpPr>
+          <p:cNvPr id="2" name="Titel 1"/>
+          <p:cNvSpPr>
+            <a:spLocks noGrp="1"/>
+          </p:cNvSpPr>
+          <p:nvPr>
+            <p:ph type="title"/>
+          </p:nvPr>
+        </p:nvSpPr>
+        <p:spPr/>
+        <p:txBody>
+          <a:bodyPr/>
+          <a:lstStyle/>
+          <a:p>
+            <a:r>
+              <a:rPr lang="de-DE" dirty="0" err="1" smtClean="0"/>
+              <a:t>Example</a:t>
+            </a:r>
+            <a:r>
+              <a:rPr lang="de-DE" dirty="0" smtClean="0"/>
+              <a:t>: Chelsea – Sunderland (</a:t>
+            </a:r>
+            <a:r>
+              <a:rPr lang="de-DE" dirty="0" err="1" smtClean="0"/>
+              <a:t>cont</a:t>
+            </a:r>
+            <a:r>
+              <a:rPr lang="de-DE" dirty="0" smtClean="0"/>
+              <a:t>.)</a:t>
+            </a:r>
+            <a:endParaRPr lang="de-DE" dirty="0"/>
+          </a:p>
+        </p:txBody>
+      </p:sp>
+      <p:sp>
+        <p:nvSpPr>
+          <p:cNvPr id="6" name="Rechteck 5"/>
+          <p:cNvSpPr/>
+          <p:nvPr/>
+        </p:nvSpPr>
+        <p:spPr>
+          <a:xfrm>
+            <a:off x="766940" y="5545393"/>
+            <a:ext cx="7551162" cy="604684"/>
+          </a:xfrm>
+          <a:prstGeom prst="rect">
+            <a:avLst/>
+          </a:prstGeom>
+        </p:spPr>
+        <p:style>
+          <a:lnRef idx="2">
+            <a:schemeClr val="accent1">
+              <a:shade val="50000"/>
+            </a:schemeClr>
+          </a:lnRef>
+          <a:fillRef idx="1">
+            <a:schemeClr val="accent1"/>
+          </a:fillRef>
+          <a:effectRef idx="0">
+            <a:schemeClr val="accent1"/>
+          </a:effectRef>
+          <a:fontRef idx="minor">
+            <a:schemeClr val="lt1"/>
+          </a:fontRef>
+        </p:style>
+        <p:txBody>
+          <a:bodyPr rtlCol="0" anchor="ctr"/>
+          <a:lstStyle/>
+          <a:p>
+            <a:pPr algn="ctr"/>
+            <a:r>
+              <a:rPr lang="en-US" b="1" dirty="0" smtClean="0"/>
+              <a:t>50-NN Basic best </a:t>
+            </a:r>
+            <a:r>
+              <a:rPr lang="en-US" b="1" dirty="0" err="1" smtClean="0"/>
+              <a:t>accuray</a:t>
+            </a:r>
+            <a:r>
+              <a:rPr lang="en-US" b="1" dirty="0" smtClean="0"/>
+              <a:t>, 50-NN Weighted highest precision.</a:t>
+            </a:r>
+            <a:endParaRPr lang="en-US" b="1" dirty="0"/>
+          </a:p>
+        </p:txBody>
+      </p:sp>
+      <p:graphicFrame>
+        <p:nvGraphicFramePr>
+          <p:cNvPr id="8" name="Diagramm 7"/>
+          <p:cNvGraphicFramePr/>
+          <p:nvPr/>
+        </p:nvGraphicFramePr>
+        <p:xfrm>
+          <a:off x="457200" y="1270000"/>
+          <a:ext cx="8291379" cy="3950929"/>
+        </p:xfrm>
+        <a:graphic>
+          <a:graphicData uri="http://schemas.openxmlformats.org/drawingml/2006/chart">
+            <c:chart xmlns:c="http://schemas.openxmlformats.org/drawingml/2006/chart" xmlns:r="http://schemas.openxmlformats.org/officeDocument/2006/relationships" r:id="rId3"/>
+          </a:graphicData>
+        </a:graphic>
+      </p:graphicFrame>
+    </p:spTree>
+  </p:cSld>
+  <p:clrMapOvr>
+    <a:masterClrMapping/>
+  </p:clrMapOvr>
+  <p:timing>
+    <p:tnLst>
+      <p:par>
+        <p:cTn xmlns:p14="http://schemas.microsoft.com/office/powerpoint/2010/main" id="1" dur="indefinite" restart="never" nodeType="tmRoot"/>
+      </p:par>
+    </p:tnLst>
+  </p:timing>
+</p:sld>
+</file>
+
+<file path=ppt/slides/slide12.xml><?xml version="1.0" encoding="utf-8"?>
+<p:sld xmlns:a="http://schemas.openxmlformats.org/drawingml/2006/main" xmlns:r="http://schemas.openxmlformats.org/officeDocument/2006/relationships" xmlns:p="http://schemas.openxmlformats.org/presentationml/2006/main">
+  <p:cSld>
+    <p:spTree>
+      <p:nvGrpSpPr>
+        <p:cNvPr id="1" name=""/>
+        <p:cNvGrpSpPr/>
+        <p:nvPr/>
+      </p:nvGrpSpPr>
+      <p:grpSpPr>
+        <a:xfrm>
+          <a:off x="0" y="0"/>
+          <a:ext cx="0" cy="0"/>
+          <a:chOff x="0" y="0"/>
+          <a:chExt cx="0" cy="0"/>
+        </a:xfrm>
+      </p:grpSpPr>
+      <p:sp>
+        <p:nvSpPr>
+          <p:cNvPr id="2" name="Titel 1"/>
+          <p:cNvSpPr>
+            <a:spLocks noGrp="1"/>
+          </p:cNvSpPr>
+          <p:nvPr>
+            <p:ph type="title"/>
+          </p:nvPr>
+        </p:nvSpPr>
+        <p:spPr/>
+        <p:txBody>
+          <a:bodyPr/>
+          <a:lstStyle/>
+          <a:p>
+            <a:r>
+              <a:rPr lang="de-DE" dirty="0" err="1" smtClean="0"/>
               <a:t>Conclusion</a:t>
             </a:r>
             <a:endParaRPr lang="de-DE" dirty="0"/>
@@ -3779,23 +5199,92 @@
           <a:lstStyle/>
           <a:p>
             <a:r>
-              <a:rPr lang="de-DE" smtClean="0"/>
-              <a:t>Matze!</a:t>
-            </a:r>
-            <a:endParaRPr lang="de-DE"/>
+              <a:rPr lang="de-DE" dirty="0" err="1" smtClean="0"/>
+              <a:t>Successful</a:t>
+            </a:r>
+            <a:r>
+              <a:rPr lang="de-DE" dirty="0" smtClean="0"/>
+              <a:t> </a:t>
+            </a:r>
+            <a:r>
+              <a:rPr lang="de-DE" dirty="0" err="1" smtClean="0"/>
+              <a:t>classification</a:t>
+            </a:r>
+            <a:endParaRPr lang="de-DE" dirty="0" smtClean="0"/>
+          </a:p>
+          <a:p>
+            <a:endParaRPr lang="de-DE" dirty="0" smtClean="0"/>
+          </a:p>
+          <a:p>
+            <a:r>
+              <a:rPr lang="de-DE" dirty="0" err="1" smtClean="0"/>
+              <a:t>Good</a:t>
+            </a:r>
+            <a:r>
+              <a:rPr lang="de-DE" dirty="0" smtClean="0"/>
+              <a:t> </a:t>
+            </a:r>
+            <a:r>
+              <a:rPr lang="de-DE" dirty="0" err="1" smtClean="0"/>
+              <a:t>accuracy</a:t>
+            </a:r>
+            <a:endParaRPr lang="de-DE" dirty="0" smtClean="0"/>
+          </a:p>
+          <a:p>
+            <a:endParaRPr lang="de-DE" dirty="0" smtClean="0"/>
+          </a:p>
+          <a:p>
+            <a:r>
+              <a:rPr lang="de-DE" dirty="0" smtClean="0"/>
+              <a:t>Semi-</a:t>
+            </a:r>
+            <a:r>
+              <a:rPr lang="de-DE" dirty="0" err="1" smtClean="0"/>
+              <a:t>automatic</a:t>
+            </a:r>
+            <a:r>
+              <a:rPr lang="de-DE" dirty="0" smtClean="0"/>
+              <a:t> </a:t>
+            </a:r>
+            <a:r>
+              <a:rPr lang="de-DE" dirty="0" err="1" smtClean="0"/>
+              <a:t>pattern</a:t>
+            </a:r>
+            <a:r>
+              <a:rPr lang="de-DE" dirty="0" smtClean="0"/>
+              <a:t> </a:t>
+            </a:r>
+            <a:r>
+              <a:rPr lang="de-DE" dirty="0" err="1" smtClean="0"/>
+              <a:t>detection</a:t>
+            </a:r>
+            <a:endParaRPr lang="de-DE" dirty="0" smtClean="0"/>
+          </a:p>
+          <a:p>
+            <a:endParaRPr lang="de-DE" dirty="0"/>
+          </a:p>
+          <a:p>
+            <a:endParaRPr lang="de-DE" dirty="0"/>
           </a:p>
         </p:txBody>
       </p:sp>
     </p:spTree>
     <p:extLst>
       <p:ext uri="{BB962C8B-B14F-4D97-AF65-F5344CB8AC3E}">
-        <p14:creationId xmlns="" xmlns:p14="http://schemas.microsoft.com/office/powerpoint/2010/main" val="2589692261"/>
+        <p14:creationId xmlns:p14="http://schemas.microsoft.com/office/powerpoint/2010/main" val="2589692261"/>
       </p:ext>
     </p:extLst>
   </p:cSld>
   <p:clrMapOvr>
     <a:masterClrMapping/>
   </p:clrMapOvr>
+  <p:timing>
+    <p:tnLst>
+      <p:par>
+        <p:cTn xmlns:p14="http://schemas.microsoft.com/office/powerpoint/2010/main" id="1" dur="indefinite" restart="never" nodeType="tmRoot"/>
+      </p:par>
+    </p:tnLst>
+  </p:timing>
 </p:sld>
 </file>
 
@@ -3854,14 +5343,99 @@
           <a:bodyPr/>
           <a:lstStyle/>
           <a:p>
-            <a:endParaRPr lang="de-DE"/>
+            <a:pPr>
+              <a:lnSpc>
+                <a:spcPct val="200000"/>
+              </a:lnSpc>
+            </a:pPr>
+            <a:r>
+              <a:rPr lang="de-DE" dirty="0" smtClean="0"/>
+              <a:t>BBC Match Report </a:t>
+            </a:r>
+            <a:r>
+              <a:rPr lang="de-DE" dirty="0" err="1" smtClean="0"/>
+              <a:t>Crawling</a:t>
+            </a:r>
+            <a:endParaRPr lang="de-DE" dirty="0" smtClean="0"/>
+          </a:p>
+          <a:p>
+            <a:pPr>
+              <a:lnSpc>
+                <a:spcPct val="200000"/>
+              </a:lnSpc>
+            </a:pPr>
+            <a:r>
+              <a:rPr lang="de-DE" dirty="0" err="1" smtClean="0"/>
+              <a:t>Preprocessing</a:t>
+            </a:r>
+            <a:r>
+              <a:rPr lang="de-DE" dirty="0" smtClean="0"/>
+              <a:t> </a:t>
+            </a:r>
+            <a:r>
+              <a:rPr lang="de-DE" dirty="0" err="1" smtClean="0"/>
+              <a:t>Steps</a:t>
+            </a:r>
+            <a:endParaRPr lang="de-DE" dirty="0" smtClean="0"/>
+          </a:p>
+          <a:p>
+            <a:pPr>
+              <a:lnSpc>
+                <a:spcPct val="200000"/>
+              </a:lnSpc>
+            </a:pPr>
+            <a:r>
+              <a:rPr lang="de-DE" dirty="0" smtClean="0"/>
+              <a:t>Data Set Properties</a:t>
+            </a:r>
+          </a:p>
+          <a:p>
+            <a:pPr>
+              <a:lnSpc>
+                <a:spcPct val="200000"/>
+              </a:lnSpc>
+            </a:pPr>
+            <a:r>
+              <a:rPr lang="de-DE" dirty="0" err="1" smtClean="0"/>
+              <a:t>Classification</a:t>
+            </a:r>
+            <a:r>
+              <a:rPr lang="de-DE" dirty="0" smtClean="0"/>
+              <a:t> &amp; Validation</a:t>
+            </a:r>
+          </a:p>
+          <a:p>
+            <a:pPr>
+              <a:lnSpc>
+                <a:spcPct val="200000"/>
+              </a:lnSpc>
+            </a:pPr>
+            <a:r>
+              <a:rPr lang="de-DE" dirty="0" err="1" smtClean="0"/>
+              <a:t>Example</a:t>
+            </a:r>
+            <a:r>
+              <a:rPr lang="de-DE" dirty="0" smtClean="0"/>
+              <a:t> </a:t>
+            </a:r>
+            <a:r>
+              <a:rPr lang="de-DE" dirty="0" err="1" smtClean="0"/>
+              <a:t>Application</a:t>
+            </a:r>
+            <a:endParaRPr lang="de-DE" dirty="0" smtClean="0"/>
+          </a:p>
+          <a:p>
+            <a:endParaRPr lang="de-DE" dirty="0" smtClean="0"/>
+          </a:p>
+          <a:p>
+            <a:endParaRPr lang="de-DE" dirty="0"/>
           </a:p>
         </p:txBody>
       </p:sp>
     </p:spTree>
     <p:extLst>
       <p:ext uri="{BB962C8B-B14F-4D97-AF65-F5344CB8AC3E}">
-        <p14:creationId xmlns="" xmlns:p14="http://schemas.microsoft.com/office/powerpoint/2010/main" val="3180181714"/>
+        <p14:creationId xmlns:p14="http://schemas.microsoft.com/office/powerpoint/2010/main" val="3180181714"/>
       </p:ext>
     </p:extLst>
   </p:cSld>
@@ -3872,6 +5446,107 @@
 </file>
 
 <file path=ppt/slides/slide3.xml><?xml version="1.0" encoding="utf-8"?>
+<p:sld xmlns:a="http://schemas.openxmlformats.org/drawingml/2006/main" xmlns:r="http://schemas.openxmlformats.org/officeDocument/2006/relationships" xmlns:p="http://schemas.openxmlformats.org/presentationml/2006/main">
+  <p:cSld>
+    <p:spTree>
+      <p:nvGrpSpPr>
+        <p:cNvPr id="1" name=""/>
+        <p:cNvGrpSpPr/>
+        <p:nvPr/>
+      </p:nvGrpSpPr>
+      <p:grpSpPr>
+        <a:xfrm>
+          <a:off x="0" y="0"/>
+          <a:ext cx="0" cy="0"/>
+          <a:chOff x="0" y="0"/>
+          <a:chExt cx="0" cy="0"/>
+        </a:xfrm>
+      </p:grpSpPr>
+      <p:sp>
+        <p:nvSpPr>
+          <p:cNvPr id="2" name="Titel 1"/>
+          <p:cNvSpPr>
+            <a:spLocks noGrp="1"/>
+          </p:cNvSpPr>
+          <p:nvPr>
+            <p:ph type="title"/>
+          </p:nvPr>
+        </p:nvSpPr>
+        <p:spPr/>
+        <p:txBody>
+          <a:bodyPr/>
+          <a:lstStyle/>
+          <a:p>
+            <a:r>
+              <a:rPr lang="de-DE" dirty="0" smtClean="0"/>
+              <a:t>Project Goal</a:t>
+            </a:r>
+            <a:endParaRPr lang="de-DE" dirty="0"/>
+          </a:p>
+        </p:txBody>
+      </p:sp>
+      <p:sp>
+        <p:nvSpPr>
+          <p:cNvPr id="3" name="Inhaltsplatzhalter 2"/>
+          <p:cNvSpPr>
+            <a:spLocks noGrp="1"/>
+          </p:cNvSpPr>
+          <p:nvPr>
+            <p:ph idx="1"/>
+          </p:nvPr>
+        </p:nvSpPr>
+        <p:spPr/>
+        <p:txBody>
+          <a:bodyPr/>
+          <a:lstStyle/>
+          <a:p>
+            <a:endParaRPr lang="de-DE" dirty="0" smtClean="0"/>
+          </a:p>
+          <a:p>
+            <a:r>
+              <a:rPr lang="de-DE" dirty="0" err="1" smtClean="0"/>
+              <a:t>Classification</a:t>
+            </a:r>
+            <a:r>
+              <a:rPr lang="de-DE" dirty="0" smtClean="0"/>
+              <a:t> </a:t>
+            </a:r>
+            <a:r>
+              <a:rPr lang="de-DE" dirty="0" err="1" smtClean="0"/>
+              <a:t>of</a:t>
+            </a:r>
+            <a:r>
+              <a:rPr lang="de-DE" dirty="0" smtClean="0"/>
+              <a:t> </a:t>
+            </a:r>
+            <a:r>
+              <a:rPr lang="de-DE" dirty="0" err="1" smtClean="0"/>
+              <a:t>sentences</a:t>
+            </a:r>
+            <a:endParaRPr lang="de-DE" dirty="0" smtClean="0"/>
+          </a:p>
+          <a:p>
+            <a:pPr marL="0" indent="0">
+              <a:buNone/>
+            </a:pPr>
+            <a:endParaRPr lang="de-DE" dirty="0"/>
+          </a:p>
+        </p:txBody>
+      </p:sp>
+    </p:spTree>
+    <p:extLst>
+      <p:ext uri="{BB962C8B-B14F-4D97-AF65-F5344CB8AC3E}">
+        <p14:creationId xmlns:p14="http://schemas.microsoft.com/office/powerpoint/2010/main" val="1789964828"/>
+      </p:ext>
+    </p:extLst>
+  </p:cSld>
+  <p:clrMapOvr>
+    <a:masterClrMapping/>
+  </p:clrMapOvr>
+</p:sld>
+</file>
+
+<file path=ppt/slides/slide4.xml><?xml version="1.0" encoding="utf-8"?>
 <p:sld xmlns:a="http://schemas.openxmlformats.org/drawingml/2006/main" xmlns:r="http://schemas.openxmlformats.org/officeDocument/2006/relationships" xmlns:p="http://schemas.openxmlformats.org/presentationml/2006/main">
   <p:cSld>
     <p:spTree>
@@ -3909,19 +5584,7 @@
             </a:r>
             <a:r>
               <a:rPr lang="de-DE" dirty="0" smtClean="0"/>
-              <a:t> </a:t>
-            </a:r>
-            <a:r>
-              <a:rPr lang="de-DE" dirty="0" err="1" smtClean="0"/>
-              <a:t>match</a:t>
-            </a:r>
-            <a:r>
-              <a:rPr lang="de-DE" dirty="0" smtClean="0"/>
-              <a:t> </a:t>
-            </a:r>
-            <a:r>
-              <a:rPr lang="de-DE" dirty="0" err="1" smtClean="0"/>
-              <a:t>report</a:t>
+              <a:t> Match Report</a:t>
             </a:r>
             <a:endParaRPr lang="de-DE" dirty="0"/>
           </a:p>
@@ -3944,11 +5607,11 @@
           <a:p>
             <a:r>
               <a:rPr lang="de-DE" dirty="0" err="1" smtClean="0"/>
-              <a:t>Overview</a:t>
-            </a:r>
-            <a:r>
-              <a:rPr lang="de-DE" dirty="0" smtClean="0"/>
-              <a:t>:</a:t>
+              <a:t>Crawler</a:t>
+            </a:r>
+            <a:r>
+              <a:rPr lang="de-DE" dirty="0" smtClean="0"/>
+              <a:t> Entry Page</a:t>
             </a:r>
           </a:p>
           <a:p>
@@ -3968,103 +5631,334 @@
             <a:endParaRPr lang="de-DE" dirty="0" smtClean="0"/>
           </a:p>
           <a:p>
+            <a:endParaRPr lang="de-DE" dirty="0" smtClean="0"/>
+          </a:p>
+          <a:p>
+            <a:r>
+              <a:rPr lang="de-DE" dirty="0" smtClean="0"/>
+              <a:t>Match Report: </a:t>
+            </a:r>
+            <a:r>
+              <a:rPr lang="de-DE" dirty="0" err="1" smtClean="0"/>
+              <a:t>ManU</a:t>
+            </a:r>
+            <a:r>
+              <a:rPr lang="de-DE" dirty="0" smtClean="0"/>
+              <a:t> – Aston Villa</a:t>
+            </a:r>
+          </a:p>
+          <a:p>
             <a:pPr lvl="1"/>
+            <a:r>
+              <a:rPr lang="de-DE" dirty="0" smtClean="0"/>
+              <a:t>Header </a:t>
+            </a:r>
+            <a:r>
+              <a:rPr lang="de-DE" dirty="0" err="1" smtClean="0"/>
+              <a:t>with</a:t>
+            </a:r>
+            <a:r>
+              <a:rPr lang="de-DE" dirty="0" smtClean="0"/>
+              <a:t> </a:t>
+            </a:r>
+            <a:r>
+              <a:rPr lang="de-DE" dirty="0" err="1" smtClean="0"/>
+              <a:t>result</a:t>
+            </a:r>
+            <a:r>
+              <a:rPr lang="de-DE" dirty="0" smtClean="0"/>
+              <a:t> bar</a:t>
+            </a:r>
+          </a:p>
+          <a:p>
+            <a:pPr lvl="1"/>
+            <a:r>
+              <a:rPr lang="de-DE" b="1" dirty="0" err="1" smtClean="0"/>
+              <a:t>Article</a:t>
+            </a:r>
+            <a:endParaRPr lang="de-DE" b="1" dirty="0" smtClean="0"/>
+          </a:p>
+          <a:p>
+            <a:pPr lvl="1"/>
+            <a:r>
+              <a:rPr lang="de-DE" dirty="0" smtClean="0"/>
+              <a:t>Info </a:t>
+            </a:r>
+            <a:r>
+              <a:rPr lang="de-DE" dirty="0" err="1" smtClean="0"/>
+              <a:t>boxes</a:t>
+            </a:r>
+            <a:endParaRPr lang="de-DE" dirty="0" smtClean="0"/>
+          </a:p>
+          <a:p>
+            <a:pPr lvl="1">
+              <a:buNone/>
+            </a:pPr>
             <a:endParaRPr lang="de-DE" dirty="0"/>
           </a:p>
           <a:p>
+            <a:r>
+              <a:rPr lang="de-DE" dirty="0" smtClean="0"/>
+              <a:t>HTML </a:t>
+            </a:r>
+            <a:r>
+              <a:rPr lang="de-DE" dirty="0" err="1" smtClean="0"/>
+              <a:t>tree</a:t>
+            </a:r>
+            <a:r>
+              <a:rPr lang="de-DE" dirty="0" smtClean="0"/>
+              <a:t> </a:t>
+            </a:r>
+            <a:r>
+              <a:rPr lang="de-DE" dirty="0" err="1" smtClean="0"/>
+              <a:t>structured</a:t>
+            </a:r>
+            <a:endParaRPr lang="de-DE" dirty="0" smtClean="0"/>
+          </a:p>
+          <a:p>
             <a:pPr lvl="1"/>
+            <a:r>
+              <a:rPr lang="de-DE" dirty="0" err="1" smtClean="0"/>
+              <a:t>Parsed</a:t>
+            </a:r>
+            <a:r>
+              <a:rPr lang="de-DE" dirty="0" smtClean="0"/>
+              <a:t> </a:t>
+            </a:r>
+            <a:r>
+              <a:rPr lang="de-DE" dirty="0" err="1" smtClean="0"/>
+              <a:t>for</a:t>
+            </a:r>
+            <a:r>
+              <a:rPr lang="de-DE" dirty="0" smtClean="0"/>
+              <a:t> </a:t>
+            </a:r>
+            <a:r>
+              <a:rPr lang="de-DE" dirty="0" err="1" smtClean="0"/>
+              <a:t>article</a:t>
+            </a:r>
+            <a:r>
+              <a:rPr lang="de-DE" dirty="0" smtClean="0"/>
+              <a:t> </a:t>
+            </a:r>
+            <a:r>
+              <a:rPr lang="de-DE" dirty="0" err="1" smtClean="0"/>
+              <a:t>with</a:t>
+            </a:r>
+            <a:r>
+              <a:rPr lang="de-DE" dirty="0" smtClean="0"/>
+              <a:t> XPATH</a:t>
+            </a:r>
             <a:endParaRPr lang="de-DE" dirty="0"/>
           </a:p>
           <a:p>
-            <a:pPr lvl="1"/>
+            <a:pPr lvl="1">
+              <a:buNone/>
+            </a:pPr>
+            <a:r>
+              <a:rPr lang="de-DE" dirty="0" smtClean="0"/>
+              <a:t>	</a:t>
+            </a:r>
             <a:endParaRPr lang="de-DE" dirty="0"/>
+          </a:p>
+        </p:txBody>
+      </p:sp>
+      <p:sp>
+        <p:nvSpPr>
+          <p:cNvPr id="6" name="Rechteck 5"/>
+          <p:cNvSpPr/>
+          <p:nvPr/>
+        </p:nvSpPr>
+        <p:spPr>
+          <a:xfrm>
+            <a:off x="825910" y="5272547"/>
+            <a:ext cx="5857896" cy="840657"/>
+          </a:xfrm>
+          <a:prstGeom prst="rect">
+            <a:avLst/>
+          </a:prstGeom>
+          <a:solidFill>
+            <a:schemeClr val="accent5"/>
+          </a:solidFill>
+          <a:ln w="19050">
+            <a:solidFill>
+              <a:schemeClr val="accent5">
+                <a:lumMod val="75000"/>
+              </a:schemeClr>
+            </a:solidFill>
+          </a:ln>
+        </p:spPr>
+        <p:style>
+          <a:lnRef idx="2">
+            <a:schemeClr val="accent1">
+              <a:shade val="50000"/>
+            </a:schemeClr>
+          </a:lnRef>
+          <a:fillRef idx="1">
+            <a:schemeClr val="accent1"/>
+          </a:fillRef>
+          <a:effectRef idx="0">
+            <a:schemeClr val="accent1"/>
+          </a:effectRef>
+          <a:fontRef idx="minor">
+            <a:schemeClr val="lt1"/>
+          </a:fontRef>
+        </p:style>
+        <p:txBody>
+          <a:bodyPr rtlCol="0" anchor="ctr"/>
+          <a:lstStyle/>
+          <a:p>
+            <a:pPr algn="ctr"/>
+            <a:r>
+              <a:rPr lang="de-DE" b="1" dirty="0" smtClean="0">
+                <a:solidFill>
+                  <a:schemeClr val="tx1"/>
+                </a:solidFill>
+                <a:latin typeface="Courier New" pitchFamily="49" charset="0"/>
+                <a:cs typeface="Courier New" pitchFamily="49" charset="0"/>
+              </a:rPr>
+              <a:t>//h:div[@</a:t>
+            </a:r>
+            <a:r>
+              <a:rPr lang="de-DE" b="1" dirty="0" err="1" smtClean="0">
+                <a:solidFill>
+                  <a:schemeClr val="tx1"/>
+                </a:solidFill>
+                <a:latin typeface="Courier New" pitchFamily="49" charset="0"/>
+                <a:cs typeface="Courier New" pitchFamily="49" charset="0"/>
+              </a:rPr>
+              <a:t>class</a:t>
+            </a:r>
+            <a:r>
+              <a:rPr lang="de-DE" b="1" dirty="0" smtClean="0">
+                <a:solidFill>
+                  <a:schemeClr val="tx1"/>
+                </a:solidFill>
+                <a:latin typeface="Courier New" pitchFamily="49" charset="0"/>
+                <a:cs typeface="Courier New" pitchFamily="49" charset="0"/>
+              </a:rPr>
+              <a:t>='</a:t>
+            </a:r>
+            <a:r>
+              <a:rPr lang="de-DE" b="1" dirty="0" err="1" smtClean="0">
+                <a:solidFill>
+                  <a:schemeClr val="tx1"/>
+                </a:solidFill>
+                <a:latin typeface="Courier New" pitchFamily="49" charset="0"/>
+                <a:cs typeface="Courier New" pitchFamily="49" charset="0"/>
+              </a:rPr>
+              <a:t>article</a:t>
+            </a:r>
+            <a:r>
+              <a:rPr lang="de-DE" b="1" dirty="0" smtClean="0">
+                <a:solidFill>
+                  <a:schemeClr val="tx1"/>
+                </a:solidFill>
+                <a:latin typeface="Courier New" pitchFamily="49" charset="0"/>
+                <a:cs typeface="Courier New" pitchFamily="49" charset="0"/>
+              </a:rPr>
+              <a:t>']/h:p/</a:t>
+            </a:r>
+            <a:r>
+              <a:rPr lang="de-DE" b="1" dirty="0" err="1" smtClean="0">
+                <a:solidFill>
+                  <a:schemeClr val="tx1"/>
+                </a:solidFill>
+                <a:latin typeface="Courier New" pitchFamily="49" charset="0"/>
+                <a:cs typeface="Courier New" pitchFamily="49" charset="0"/>
+              </a:rPr>
+              <a:t>text</a:t>
+            </a:r>
+            <a:r>
+              <a:rPr lang="de-DE" b="1" dirty="0" smtClean="0">
+                <a:solidFill>
+                  <a:schemeClr val="tx1"/>
+                </a:solidFill>
+                <a:latin typeface="Courier New" pitchFamily="49" charset="0"/>
+                <a:cs typeface="Courier New" pitchFamily="49" charset="0"/>
+              </a:rPr>
+              <a:t>() | </a:t>
+            </a:r>
+          </a:p>
+          <a:p>
+            <a:pPr algn="ctr"/>
+            <a:r>
+              <a:rPr lang="de-DE" b="1" dirty="0" smtClean="0">
+                <a:solidFill>
+                  <a:schemeClr val="tx1"/>
+                </a:solidFill>
+                <a:latin typeface="Courier New" pitchFamily="49" charset="0"/>
+                <a:cs typeface="Courier New" pitchFamily="49" charset="0"/>
+              </a:rPr>
+              <a:t>//h:div[@</a:t>
+            </a:r>
+            <a:r>
+              <a:rPr lang="de-DE" b="1" dirty="0" err="1" smtClean="0">
+                <a:solidFill>
+                  <a:schemeClr val="tx1"/>
+                </a:solidFill>
+                <a:latin typeface="Courier New" pitchFamily="49" charset="0"/>
+                <a:cs typeface="Courier New" pitchFamily="49" charset="0"/>
+              </a:rPr>
+              <a:t>class</a:t>
+            </a:r>
+            <a:r>
+              <a:rPr lang="de-DE" b="1" dirty="0" smtClean="0">
+                <a:solidFill>
+                  <a:schemeClr val="tx1"/>
+                </a:solidFill>
+                <a:latin typeface="Courier New" pitchFamily="49" charset="0"/>
+                <a:cs typeface="Courier New" pitchFamily="49" charset="0"/>
+              </a:rPr>
+              <a:t>='</a:t>
+            </a:r>
+            <a:r>
+              <a:rPr lang="de-DE" b="1" dirty="0" err="1" smtClean="0">
+                <a:solidFill>
+                  <a:schemeClr val="tx1"/>
+                </a:solidFill>
+                <a:latin typeface="Courier New" pitchFamily="49" charset="0"/>
+                <a:cs typeface="Courier New" pitchFamily="49" charset="0"/>
+              </a:rPr>
+              <a:t>article</a:t>
+            </a:r>
+            <a:r>
+              <a:rPr lang="de-DE" b="1" dirty="0" smtClean="0">
+                <a:solidFill>
+                  <a:schemeClr val="tx1"/>
+                </a:solidFill>
+                <a:latin typeface="Courier New" pitchFamily="49" charset="0"/>
+                <a:cs typeface="Courier New" pitchFamily="49" charset="0"/>
+              </a:rPr>
+              <a:t>']/h:p/*/</a:t>
+            </a:r>
+            <a:r>
+              <a:rPr lang="de-DE" b="1" dirty="0" err="1" smtClean="0">
+                <a:solidFill>
+                  <a:schemeClr val="tx1"/>
+                </a:solidFill>
+                <a:latin typeface="Courier New" pitchFamily="49" charset="0"/>
+                <a:cs typeface="Courier New" pitchFamily="49" charset="0"/>
+              </a:rPr>
+              <a:t>text</a:t>
+            </a:r>
+            <a:r>
+              <a:rPr lang="de-DE" b="1" dirty="0" smtClean="0">
+                <a:solidFill>
+                  <a:schemeClr val="tx1"/>
+                </a:solidFill>
+                <a:latin typeface="Courier New" pitchFamily="49" charset="0"/>
+                <a:cs typeface="Courier New" pitchFamily="49" charset="0"/>
+              </a:rPr>
+              <a:t>()</a:t>
+            </a:r>
           </a:p>
         </p:txBody>
       </p:sp>
     </p:spTree>
     <p:extLst>
       <p:ext uri="{BB962C8B-B14F-4D97-AF65-F5344CB8AC3E}">
-        <p14:creationId xmlns="" xmlns:p14="http://schemas.microsoft.com/office/powerpoint/2010/main" val="2170195699"/>
-      </p:ext>
-    </p:extLst>
-  </p:cSld>
-  <p:clrMapOvr>
-    <a:masterClrMapping/>
-  </p:clrMapOvr>
-</p:sld>
-</file>
-
-<file path=ppt/slides/slide4.xml><?xml version="1.0" encoding="utf-8"?>
-<p:sld xmlns:a="http://schemas.openxmlformats.org/drawingml/2006/main" xmlns:r="http://schemas.openxmlformats.org/officeDocument/2006/relationships" xmlns:p="http://schemas.openxmlformats.org/presentationml/2006/main">
-  <p:cSld>
-    <p:spTree>
-      <p:nvGrpSpPr>
-        <p:cNvPr id="1" name=""/>
-        <p:cNvGrpSpPr/>
-        <p:nvPr/>
-      </p:nvGrpSpPr>
-      <p:grpSpPr>
-        <a:xfrm>
-          <a:off x="0" y="0"/>
-          <a:ext cx="0" cy="0"/>
-          <a:chOff x="0" y="0"/>
-          <a:chExt cx="0" cy="0"/>
-        </a:xfrm>
-      </p:grpSpPr>
-      <p:sp>
-        <p:nvSpPr>
-          <p:cNvPr id="2" name="Titel 1"/>
-          <p:cNvSpPr>
-            <a:spLocks noGrp="1"/>
-          </p:cNvSpPr>
-          <p:nvPr>
-            <p:ph type="title"/>
-          </p:nvPr>
-        </p:nvSpPr>
-        <p:spPr/>
-        <p:txBody>
-          <a:bodyPr/>
-          <a:lstStyle/>
-          <a:p>
-            <a:r>
-              <a:rPr lang="de-DE" dirty="0" err="1" smtClean="0"/>
-              <a:t>Preprocessing</a:t>
-            </a:r>
-            <a:r>
-              <a:rPr lang="de-DE" dirty="0" smtClean="0"/>
-              <a:t> NLP</a:t>
-            </a:r>
-            <a:endParaRPr lang="de-DE" dirty="0"/>
-          </a:p>
-        </p:txBody>
-      </p:sp>
-      <p:sp>
-        <p:nvSpPr>
-          <p:cNvPr id="3" name="Inhaltsplatzhalter 2"/>
-          <p:cNvSpPr>
-            <a:spLocks noGrp="1"/>
-          </p:cNvSpPr>
-          <p:nvPr>
-            <p:ph idx="1"/>
-          </p:nvPr>
-        </p:nvSpPr>
-        <p:spPr/>
-        <p:txBody>
-          <a:bodyPr/>
-          <a:lstStyle/>
-          <a:p>
-            <a:r>
-              <a:rPr lang="de-DE" smtClean="0"/>
-              <a:t>Matze!</a:t>
-            </a:r>
-            <a:endParaRPr lang="de-DE"/>
-          </a:p>
-        </p:txBody>
-      </p:sp>
-    </p:spTree>
-    <p:extLst>
-      <p:ext uri="{BB962C8B-B14F-4D97-AF65-F5344CB8AC3E}">
-        <p14:creationId xmlns="" xmlns:p14="http://schemas.microsoft.com/office/powerpoint/2010/main" val="634696858"/>
+        <p14:creationId xmlns:p14="http://schemas.microsoft.com/office/powerpoint/2010/main" val="2170195699"/>
       </p:ext>
     </p:extLst>
   </p:cSld>
@@ -4112,7 +6006,7 @@
             </a:r>
             <a:r>
               <a:rPr lang="de-DE" dirty="0" smtClean="0"/>
-              <a:t> Manual Patterns</a:t>
+              <a:t>: NLP</a:t>
             </a:r>
             <a:endParaRPr lang="de-DE" dirty="0"/>
           </a:p>
@@ -4133,14 +6027,120 @@
           <a:bodyPr/>
           <a:lstStyle/>
           <a:p>
-            <a:endParaRPr lang="de-DE"/>
+            <a:r>
+              <a:rPr lang="de-DE" dirty="0" err="1" smtClean="0"/>
+              <a:t>Separating</a:t>
+            </a:r>
+            <a:r>
+              <a:rPr lang="de-DE" dirty="0" smtClean="0"/>
+              <a:t> </a:t>
+            </a:r>
+            <a:r>
+              <a:rPr lang="de-DE" dirty="0" err="1" smtClean="0"/>
+              <a:t>text</a:t>
+            </a:r>
+            <a:r>
+              <a:rPr lang="de-DE" dirty="0" smtClean="0"/>
+              <a:t> </a:t>
+            </a:r>
+            <a:r>
+              <a:rPr lang="de-DE" dirty="0" err="1" smtClean="0"/>
+              <a:t>from</a:t>
+            </a:r>
+            <a:r>
+              <a:rPr lang="de-DE" dirty="0" smtClean="0"/>
+              <a:t> </a:t>
+            </a:r>
+            <a:r>
+              <a:rPr lang="de-DE" dirty="0" err="1" smtClean="0"/>
+              <a:t>RapidMiner</a:t>
+            </a:r>
+            <a:r>
+              <a:rPr lang="de-DE" dirty="0" smtClean="0"/>
+              <a:t> </a:t>
+            </a:r>
+            <a:r>
+              <a:rPr lang="de-DE" dirty="0" err="1" smtClean="0"/>
+              <a:t>annotations</a:t>
+            </a:r>
+            <a:endParaRPr lang="de-DE" dirty="0" smtClean="0"/>
+          </a:p>
+          <a:p>
+            <a:pPr marL="0" indent="0">
+              <a:buNone/>
+            </a:pPr>
+            <a:endParaRPr lang="de-DE" dirty="0"/>
+          </a:p>
+          <a:p>
+            <a:r>
+              <a:rPr lang="de-DE" dirty="0" err="1" smtClean="0"/>
+              <a:t>Apply</a:t>
+            </a:r>
+            <a:r>
+              <a:rPr lang="de-DE" dirty="0" smtClean="0"/>
+              <a:t> POS </a:t>
+            </a:r>
+            <a:r>
+              <a:rPr lang="de-DE" dirty="0" err="1" smtClean="0"/>
+              <a:t>and</a:t>
+            </a:r>
+            <a:r>
+              <a:rPr lang="de-DE" dirty="0" smtClean="0"/>
+              <a:t> NER</a:t>
+            </a:r>
+          </a:p>
+          <a:p>
+            <a:endParaRPr lang="de-DE" dirty="0"/>
+          </a:p>
+          <a:p>
+            <a:r>
+              <a:rPr lang="de-DE" dirty="0" smtClean="0"/>
+              <a:t>Find </a:t>
+            </a:r>
+            <a:r>
+              <a:rPr lang="de-DE" dirty="0" err="1" smtClean="0"/>
+              <a:t>manually</a:t>
+            </a:r>
+            <a:r>
+              <a:rPr lang="de-DE" dirty="0" smtClean="0"/>
+              <a:t> </a:t>
+            </a:r>
+            <a:r>
+              <a:rPr lang="de-DE" dirty="0" err="1" smtClean="0"/>
+              <a:t>goals</a:t>
+            </a:r>
+            <a:r>
+              <a:rPr lang="de-DE" dirty="0" smtClean="0"/>
+              <a:t> </a:t>
+            </a:r>
+            <a:r>
+              <a:rPr lang="de-DE" dirty="0" err="1" smtClean="0"/>
+              <a:t>and</a:t>
+            </a:r>
+            <a:r>
+              <a:rPr lang="de-DE" dirty="0" smtClean="0"/>
+              <a:t> </a:t>
+            </a:r>
+            <a:r>
+              <a:rPr lang="de-DE" dirty="0" err="1" smtClean="0"/>
+              <a:t>construct</a:t>
+            </a:r>
+            <a:r>
+              <a:rPr lang="de-DE" dirty="0" smtClean="0"/>
+              <a:t> </a:t>
+            </a:r>
+            <a:r>
+              <a:rPr lang="de-DE" dirty="0" err="1" smtClean="0"/>
+              <a:t>patterns</a:t>
+            </a:r>
+            <a:endParaRPr lang="de-DE" dirty="0"/>
           </a:p>
         </p:txBody>
       </p:sp>
     </p:spTree>
     <p:extLst>
       <p:ext uri="{BB962C8B-B14F-4D97-AF65-F5344CB8AC3E}">
-        <p14:creationId xmlns="" xmlns:p14="http://schemas.microsoft.com/office/powerpoint/2010/main" val="3962257012"/>
+        <p14:creationId xmlns:p14="http://schemas.microsoft.com/office/powerpoint/2010/main" val="634696858"/>
       </p:ext>
     </p:extLst>
   </p:cSld>
@@ -4188,15 +6188,7 @@
             </a:r>
             <a:r>
               <a:rPr lang="de-DE" dirty="0" smtClean="0"/>
-              <a:t> JAPE </a:t>
-            </a:r>
-            <a:r>
-              <a:rPr lang="de-DE" dirty="0" err="1" smtClean="0"/>
-              <a:t>Grammar</a:t>
-            </a:r>
-            <a:r>
-              <a:rPr lang="de-DE" dirty="0" smtClean="0"/>
-              <a:t> Rules</a:t>
+              <a:t>: Manual Patterns</a:t>
             </a:r>
             <a:endParaRPr lang="de-DE" dirty="0"/>
           </a:p>
@@ -4212,19 +6204,377 @@
             <p:ph idx="1"/>
           </p:nvPr>
         </p:nvSpPr>
-        <p:spPr/>
+        <p:spPr>
+          <a:xfrm>
+            <a:off x="250825" y="1270000"/>
+            <a:ext cx="8642350" cy="765277"/>
+          </a:xfrm>
+        </p:spPr>
         <p:txBody>
           <a:bodyPr/>
           <a:lstStyle/>
           <a:p>
-            <a:endParaRPr lang="de-DE"/>
+            <a:r>
+              <a:rPr lang="de-DE" dirty="0" err="1" smtClean="0"/>
+              <a:t>Examples</a:t>
+            </a:r>
+            <a:endParaRPr lang="de-DE" dirty="0" smtClean="0"/>
+          </a:p>
+          <a:p>
+            <a:pPr lvl="1"/>
+            <a:r>
+              <a:rPr lang="de-DE" dirty="0" smtClean="0"/>
+              <a:t>Van </a:t>
+            </a:r>
+            <a:r>
+              <a:rPr lang="de-DE" dirty="0" err="1" smtClean="0"/>
+              <a:t>Persie</a:t>
+            </a:r>
+            <a:r>
+              <a:rPr lang="de-DE" dirty="0" smtClean="0"/>
+              <a:t> </a:t>
+            </a:r>
+            <a:r>
+              <a:rPr lang="de-DE" dirty="0" err="1" smtClean="0"/>
+              <a:t>opened</a:t>
+            </a:r>
+            <a:r>
+              <a:rPr lang="de-DE" dirty="0" smtClean="0"/>
+              <a:t> </a:t>
+            </a:r>
+            <a:r>
+              <a:rPr lang="de-DE" dirty="0" err="1" smtClean="0"/>
+              <a:t>the</a:t>
+            </a:r>
+            <a:r>
+              <a:rPr lang="de-DE" dirty="0" smtClean="0"/>
+              <a:t> </a:t>
+            </a:r>
+            <a:r>
+              <a:rPr lang="de-DE" dirty="0" err="1" smtClean="0"/>
+              <a:t>scoring</a:t>
+            </a:r>
+            <a:r>
+              <a:rPr lang="de-DE" dirty="0" smtClean="0"/>
+              <a:t>.</a:t>
+            </a:r>
+          </a:p>
+          <a:p>
+            <a:pPr lvl="1"/>
+            <a:r>
+              <a:rPr lang="de-DE" dirty="0" smtClean="0"/>
+              <a:t>NNP </a:t>
+            </a:r>
+            <a:r>
+              <a:rPr lang="de-DE" dirty="0" err="1" smtClean="0"/>
+              <a:t>NNP</a:t>
+            </a:r>
+            <a:r>
+              <a:rPr lang="de-DE" dirty="0" smtClean="0"/>
+              <a:t>   VBD     DT VBG</a:t>
+            </a:r>
+          </a:p>
+          <a:p>
+            <a:pPr lvl="1"/>
+            <a:r>
+              <a:rPr lang="de-DE" dirty="0" smtClean="0"/>
+              <a:t>PERSON </a:t>
+            </a:r>
+            <a:r>
+              <a:rPr lang="de-DE" dirty="0" err="1" smtClean="0"/>
+              <a:t>PERSON</a:t>
+            </a:r>
+            <a:r>
+              <a:rPr lang="de-DE" dirty="0" smtClean="0"/>
+              <a:t> 0 0 0</a:t>
+            </a:r>
+          </a:p>
+          <a:p>
+            <a:pPr lvl="1">
+              <a:buNone/>
+            </a:pPr>
+            <a:r>
+              <a:rPr lang="de-DE" dirty="0" smtClean="0"/>
+              <a:t> </a:t>
+            </a:r>
+          </a:p>
+          <a:p>
+            <a:pPr lvl="1">
+              <a:buNone/>
+            </a:pPr>
+            <a:r>
+              <a:rPr lang="de-DE" dirty="0" smtClean="0"/>
+              <a:t> </a:t>
+            </a:r>
+          </a:p>
+          <a:p>
+            <a:pPr lvl="1"/>
+            <a:endParaRPr lang="de-DE" dirty="0" smtClean="0"/>
+          </a:p>
+          <a:p>
+            <a:pPr lvl="1"/>
+            <a:r>
+              <a:rPr lang="de-DE" dirty="0" smtClean="0"/>
+              <a:t>[…]  </a:t>
+            </a:r>
+            <a:r>
+              <a:rPr lang="de-DE" dirty="0" err="1" smtClean="0"/>
+              <a:t>firing</a:t>
+            </a:r>
+            <a:r>
+              <a:rPr lang="de-DE" dirty="0" smtClean="0"/>
+              <a:t> </a:t>
+            </a:r>
+            <a:r>
+              <a:rPr lang="de-DE" dirty="0" err="1" smtClean="0"/>
+              <a:t>high</a:t>
+            </a:r>
+            <a:r>
+              <a:rPr lang="de-DE" dirty="0" smtClean="0"/>
+              <a:t> </a:t>
+            </a:r>
+            <a:r>
+              <a:rPr lang="de-DE" dirty="0" err="1" smtClean="0"/>
+              <a:t>into</a:t>
+            </a:r>
+            <a:r>
+              <a:rPr lang="de-DE" dirty="0" smtClean="0"/>
+              <a:t> </a:t>
+            </a:r>
+            <a:r>
+              <a:rPr lang="de-DE" dirty="0" err="1" smtClean="0"/>
+              <a:t>the</a:t>
+            </a:r>
+            <a:r>
+              <a:rPr lang="de-DE" dirty="0" smtClean="0"/>
+              <a:t> </a:t>
+            </a:r>
+            <a:r>
+              <a:rPr lang="de-DE" dirty="0" err="1" smtClean="0"/>
+              <a:t>roof</a:t>
+            </a:r>
+            <a:r>
+              <a:rPr lang="de-DE" dirty="0" smtClean="0"/>
+              <a:t> </a:t>
+            </a:r>
+            <a:r>
+              <a:rPr lang="de-DE" dirty="0" err="1" smtClean="0"/>
+              <a:t>of</a:t>
+            </a:r>
+            <a:r>
+              <a:rPr lang="de-DE" dirty="0" smtClean="0"/>
+              <a:t> </a:t>
+            </a:r>
+            <a:r>
+              <a:rPr lang="de-DE" dirty="0" err="1" smtClean="0"/>
+              <a:t>the</a:t>
+            </a:r>
+            <a:r>
+              <a:rPr lang="de-DE" dirty="0" smtClean="0"/>
+              <a:t> </a:t>
+            </a:r>
+            <a:r>
+              <a:rPr lang="de-DE" dirty="0" err="1" smtClean="0"/>
+              <a:t>net</a:t>
+            </a:r>
+            <a:r>
+              <a:rPr lang="de-DE" dirty="0" smtClean="0"/>
+              <a:t>.</a:t>
+            </a:r>
+          </a:p>
+          <a:p>
+            <a:pPr lvl="1"/>
+            <a:r>
+              <a:rPr lang="de-DE" dirty="0" smtClean="0"/>
+              <a:t>       VBG  JJ    IN    DT NN IN DT NN </a:t>
+            </a:r>
+          </a:p>
+          <a:p>
+            <a:pPr lvl="1"/>
+            <a:r>
+              <a:rPr lang="de-DE" dirty="0" smtClean="0"/>
+              <a:t>0 0 0 0 0 0 0 0</a:t>
+            </a:r>
+            <a:endParaRPr lang="de-DE" dirty="0"/>
+          </a:p>
+        </p:txBody>
+      </p:sp>
+      <p:sp>
+        <p:nvSpPr>
+          <p:cNvPr id="4" name="Rechteck 3"/>
+          <p:cNvSpPr/>
+          <p:nvPr/>
+        </p:nvSpPr>
+        <p:spPr>
+          <a:xfrm>
+            <a:off x="796413" y="2964426"/>
+            <a:ext cx="4970206" cy="604684"/>
+          </a:xfrm>
+          <a:prstGeom prst="rect">
+            <a:avLst/>
+          </a:prstGeom>
+          <a:solidFill>
+            <a:schemeClr val="accent5"/>
+          </a:solidFill>
+          <a:ln w="19050">
+            <a:solidFill>
+              <a:schemeClr val="accent5">
+                <a:lumMod val="75000"/>
+              </a:schemeClr>
+            </a:solidFill>
+          </a:ln>
+        </p:spPr>
+        <p:style>
+          <a:lnRef idx="2">
+            <a:schemeClr val="accent1">
+              <a:shade val="50000"/>
+            </a:schemeClr>
+          </a:lnRef>
+          <a:fillRef idx="1">
+            <a:schemeClr val="accent1"/>
+          </a:fillRef>
+          <a:effectRef idx="0">
+            <a:schemeClr val="accent1"/>
+          </a:effectRef>
+          <a:fontRef idx="minor">
+            <a:schemeClr val="lt1"/>
+          </a:fontRef>
+        </p:style>
+        <p:txBody>
+          <a:bodyPr rtlCol="0" anchor="ctr"/>
+          <a:lstStyle/>
+          <a:p>
+            <a:pPr algn="ctr"/>
+            <a:r>
+              <a:rPr lang="de-DE" b="1" dirty="0" smtClean="0">
+                <a:solidFill>
+                  <a:schemeClr val="tx1"/>
+                </a:solidFill>
+                <a:latin typeface="Courier New" pitchFamily="49" charset="0"/>
+                <a:cs typeface="Courier New" pitchFamily="49" charset="0"/>
+              </a:rPr>
+              <a:t>[PERSON | ORGA] </a:t>
+            </a:r>
+            <a:r>
+              <a:rPr lang="de-DE" b="1" dirty="0" err="1" smtClean="0">
+                <a:solidFill>
+                  <a:schemeClr val="tx1"/>
+                </a:solidFill>
+                <a:latin typeface="Courier New" pitchFamily="49" charset="0"/>
+                <a:cs typeface="Courier New" pitchFamily="49" charset="0"/>
+              </a:rPr>
+              <a:t>opened</a:t>
+            </a:r>
+            <a:r>
+              <a:rPr lang="de-DE" b="1" dirty="0" smtClean="0">
+                <a:solidFill>
+                  <a:schemeClr val="tx1"/>
+                </a:solidFill>
+                <a:latin typeface="Courier New" pitchFamily="49" charset="0"/>
+                <a:cs typeface="Courier New" pitchFamily="49" charset="0"/>
+              </a:rPr>
+              <a:t> DT </a:t>
+            </a:r>
+            <a:r>
+              <a:rPr lang="de-DE" b="1" dirty="0" err="1" smtClean="0">
+                <a:solidFill>
+                  <a:schemeClr val="tx1"/>
+                </a:solidFill>
+                <a:latin typeface="Courier New" pitchFamily="49" charset="0"/>
+                <a:cs typeface="Courier New" pitchFamily="49" charset="0"/>
+              </a:rPr>
+              <a:t>scoring</a:t>
+            </a:r>
+            <a:endParaRPr lang="de-DE" b="1" dirty="0">
+              <a:solidFill>
+                <a:schemeClr val="tx1"/>
+              </a:solidFill>
+              <a:latin typeface="Courier New" pitchFamily="49" charset="0"/>
+              <a:cs typeface="Courier New" pitchFamily="49" charset="0"/>
+            </a:endParaRPr>
+          </a:p>
+        </p:txBody>
+      </p:sp>
+      <p:sp>
+        <p:nvSpPr>
+          <p:cNvPr id="5" name="Rechteck 4"/>
+          <p:cNvSpPr/>
+          <p:nvPr/>
+        </p:nvSpPr>
+        <p:spPr>
+          <a:xfrm>
+            <a:off x="801334" y="5122554"/>
+            <a:ext cx="3519944" cy="604684"/>
+          </a:xfrm>
+          <a:prstGeom prst="rect">
+            <a:avLst/>
+          </a:prstGeom>
+          <a:solidFill>
+            <a:schemeClr val="accent5"/>
+          </a:solidFill>
+          <a:ln w="19050">
+            <a:solidFill>
+              <a:schemeClr val="accent5">
+                <a:lumMod val="75000"/>
+              </a:schemeClr>
+            </a:solidFill>
+          </a:ln>
+        </p:spPr>
+        <p:style>
+          <a:lnRef idx="2">
+            <a:schemeClr val="accent1">
+              <a:shade val="50000"/>
+            </a:schemeClr>
+          </a:lnRef>
+          <a:fillRef idx="1">
+            <a:schemeClr val="accent1"/>
+          </a:fillRef>
+          <a:effectRef idx="0">
+            <a:schemeClr val="accent1"/>
+          </a:effectRef>
+          <a:fontRef idx="minor">
+            <a:schemeClr val="lt1"/>
+          </a:fontRef>
+        </p:style>
+        <p:txBody>
+          <a:bodyPr rtlCol="0" anchor="ctr"/>
+          <a:lstStyle/>
+          <a:p>
+            <a:pPr algn="ctr"/>
+            <a:r>
+              <a:rPr lang="de-DE" b="1" dirty="0" smtClean="0">
+                <a:solidFill>
+                  <a:schemeClr val="tx1"/>
+                </a:solidFill>
+                <a:latin typeface="Courier New" pitchFamily="49" charset="0"/>
+                <a:cs typeface="Courier New" pitchFamily="49" charset="0"/>
+              </a:rPr>
+              <a:t>VB * IN * </a:t>
+            </a:r>
+            <a:r>
+              <a:rPr lang="de-DE" b="1" dirty="0" err="1" smtClean="0">
+                <a:solidFill>
+                  <a:schemeClr val="tx1"/>
+                </a:solidFill>
+                <a:latin typeface="Courier New" pitchFamily="49" charset="0"/>
+                <a:cs typeface="Courier New" pitchFamily="49" charset="0"/>
+              </a:rPr>
+              <a:t>net</a:t>
+            </a:r>
+            <a:endParaRPr lang="de-DE" b="1" dirty="0">
+              <a:solidFill>
+                <a:schemeClr val="tx1"/>
+              </a:solidFill>
+              <a:latin typeface="Courier New" pitchFamily="49" charset="0"/>
+              <a:cs typeface="Courier New" pitchFamily="49" charset="0"/>
+            </a:endParaRPr>
           </a:p>
         </p:txBody>
       </p:sp>
     </p:spTree>
     <p:extLst>
       <p:ext uri="{BB962C8B-B14F-4D97-AF65-F5344CB8AC3E}">
-        <p14:creationId xmlns="" xmlns:p14="http://schemas.microsoft.com/office/powerpoint/2010/main" val="1637646173"/>
+        <p14:creationId xmlns:p14="http://schemas.microsoft.com/office/powerpoint/2010/main" val="3962257012"/>
       </p:ext>
     </p:extLst>
   </p:cSld>
@@ -4267,8 +6617,20 @@
           <a:lstStyle/>
           <a:p>
             <a:r>
-              <a:rPr lang="de-DE" dirty="0" smtClean="0"/>
-              <a:t>Data Set Properties</a:t>
+              <a:rPr lang="de-DE" dirty="0" err="1" smtClean="0"/>
+              <a:t>Preprocessing</a:t>
+            </a:r>
+            <a:r>
+              <a:rPr lang="de-DE" dirty="0" smtClean="0"/>
+              <a:t>: JAPE </a:t>
+            </a:r>
+            <a:r>
+              <a:rPr lang="de-DE" dirty="0" err="1" smtClean="0"/>
+              <a:t>Grammar</a:t>
+            </a:r>
+            <a:r>
+              <a:rPr lang="de-DE" dirty="0" smtClean="0"/>
+              <a:t> Rules</a:t>
             </a:r>
             <a:endParaRPr lang="de-DE" dirty="0"/>
           </a:p>
@@ -4284,23 +6646,452 @@
             <p:ph idx="1"/>
           </p:nvPr>
         </p:nvSpPr>
-        <p:spPr/>
+        <p:spPr>
+          <a:xfrm>
+            <a:off x="250825" y="2462983"/>
+            <a:ext cx="8642350" cy="3757254"/>
+          </a:xfrm>
+        </p:spPr>
         <p:txBody>
           <a:bodyPr/>
           <a:lstStyle/>
           <a:p>
             <a:r>
-              <a:rPr lang="de-DE" dirty="0" smtClean="0"/>
-              <a:t>Matze!</a:t>
-            </a:r>
-            <a:endParaRPr lang="de-DE" dirty="0"/>
+              <a:rPr lang="en-US" dirty="0" smtClean="0"/>
+              <a:t>JAPE rules are processing resources</a:t>
+            </a:r>
+          </a:p>
+          <a:p>
+            <a:pPr lvl="1"/>
+            <a:r>
+              <a:rPr lang="en-US" dirty="0" smtClean="0"/>
+              <a:t>[PERSON | ORGA] opened DT scoring</a:t>
+            </a:r>
+          </a:p>
+          <a:p>
+            <a:pPr lvl="1"/>
+            <a:endParaRPr lang="en-US" dirty="0"/>
+          </a:p>
+        </p:txBody>
+      </p:sp>
+      <p:sp>
+        <p:nvSpPr>
+          <p:cNvPr id="4" name="Rechteck 3"/>
+          <p:cNvSpPr/>
+          <p:nvPr/>
+        </p:nvSpPr>
+        <p:spPr>
+          <a:xfrm>
+            <a:off x="1224128" y="1401097"/>
+            <a:ext cx="6592529" cy="604684"/>
+          </a:xfrm>
+          <a:prstGeom prst="rect">
+            <a:avLst/>
+          </a:prstGeom>
+        </p:spPr>
+        <p:style>
+          <a:lnRef idx="2">
+            <a:schemeClr val="accent1">
+              <a:shade val="50000"/>
+            </a:schemeClr>
+          </a:lnRef>
+          <a:fillRef idx="1">
+            <a:schemeClr val="accent1"/>
+          </a:fillRef>
+          <a:effectRef idx="0">
+            <a:schemeClr val="accent1"/>
+          </a:effectRef>
+          <a:fontRef idx="minor">
+            <a:schemeClr val="lt1"/>
+          </a:fontRef>
+        </p:style>
+        <p:txBody>
+          <a:bodyPr rtlCol="0" anchor="ctr"/>
+          <a:lstStyle/>
+          <a:p>
+            <a:pPr algn="ctr"/>
+            <a:r>
+              <a:rPr lang="de-DE" b="1" dirty="0" smtClean="0"/>
+              <a:t>GATE = </a:t>
+            </a:r>
+            <a:r>
+              <a:rPr lang="de-DE" b="1" dirty="0" err="1" smtClean="0"/>
+              <a:t>Gui</a:t>
+            </a:r>
+            <a:r>
+              <a:rPr lang="de-DE" b="1" dirty="0" smtClean="0"/>
+              <a:t> + Text + Processing Resources</a:t>
+            </a:r>
+            <a:endParaRPr lang="de-DE" b="1" dirty="0"/>
+          </a:p>
+        </p:txBody>
+      </p:sp>
+      <p:sp>
+        <p:nvSpPr>
+          <p:cNvPr id="5" name="Rechteck 4"/>
+          <p:cNvSpPr/>
+          <p:nvPr/>
+        </p:nvSpPr>
+        <p:spPr>
+          <a:xfrm>
+            <a:off x="870147" y="3465868"/>
+            <a:ext cx="7492181" cy="2746906"/>
+          </a:xfrm>
+          <a:prstGeom prst="rect">
+            <a:avLst/>
+          </a:prstGeom>
+          <a:solidFill>
+            <a:schemeClr val="accent5"/>
+          </a:solidFill>
+          <a:ln>
+            <a:solidFill>
+              <a:schemeClr val="accent5">
+                <a:lumMod val="75000"/>
+              </a:schemeClr>
+            </a:solidFill>
+          </a:ln>
+        </p:spPr>
+        <p:txBody>
+          <a:bodyPr wrap="square">
+            <a:spAutoFit/>
+          </a:bodyPr>
+          <a:lstStyle/>
+          <a:p>
+            <a:r>
+              <a:rPr lang="de-DE" dirty="0" err="1" smtClean="0">
+                <a:latin typeface="Courier New" pitchFamily="49" charset="0"/>
+                <a:cs typeface="Courier New" pitchFamily="49" charset="0"/>
+              </a:rPr>
+              <a:t>Rule</a:t>
+            </a:r>
+            <a:r>
+              <a:rPr lang="de-DE" dirty="0" smtClean="0">
+                <a:latin typeface="Courier New" pitchFamily="49" charset="0"/>
+                <a:cs typeface="Courier New" pitchFamily="49" charset="0"/>
+              </a:rPr>
+              <a:t>: Goal2</a:t>
+            </a:r>
+          </a:p>
+          <a:p>
+            <a:r>
+              <a:rPr lang="de-DE" dirty="0" smtClean="0">
+                <a:latin typeface="Courier New" pitchFamily="49" charset="0"/>
+                <a:cs typeface="Courier New" pitchFamily="49" charset="0"/>
+              </a:rPr>
+              <a:t>( ({</a:t>
+            </a:r>
+            <a:r>
+              <a:rPr lang="de-DE" dirty="0" err="1" smtClean="0">
+                <a:latin typeface="Courier New" pitchFamily="49" charset="0"/>
+                <a:cs typeface="Courier New" pitchFamily="49" charset="0"/>
+              </a:rPr>
+              <a:t>Person.rule</a:t>
+            </a:r>
+            <a:r>
+              <a:rPr lang="de-DE" dirty="0" smtClean="0">
+                <a:latin typeface="Courier New" pitchFamily="49" charset="0"/>
+                <a:cs typeface="Courier New" pitchFamily="49" charset="0"/>
+              </a:rPr>
+              <a:t> == </a:t>
+            </a:r>
+            <a:r>
+              <a:rPr lang="de-DE" dirty="0" err="1" smtClean="0">
+                <a:latin typeface="Courier New" pitchFamily="49" charset="0"/>
+                <a:cs typeface="Courier New" pitchFamily="49" charset="0"/>
+              </a:rPr>
+              <a:t>PersonFinal</a:t>
+            </a:r>
+            <a:r>
+              <a:rPr lang="de-DE" dirty="0" smtClean="0">
+                <a:latin typeface="Courier New" pitchFamily="49" charset="0"/>
+                <a:cs typeface="Courier New" pitchFamily="49" charset="0"/>
+              </a:rPr>
+              <a:t>}|{</a:t>
+            </a:r>
+            <a:r>
+              <a:rPr lang="de-DE" dirty="0" err="1" smtClean="0">
+                <a:latin typeface="Courier New" pitchFamily="49" charset="0"/>
+                <a:cs typeface="Courier New" pitchFamily="49" charset="0"/>
+              </a:rPr>
+              <a:t>Lookup.majorType</a:t>
+            </a:r>
+            <a:r>
+              <a:rPr lang="de-DE" dirty="0" smtClean="0">
+                <a:latin typeface="Courier New" pitchFamily="49" charset="0"/>
+                <a:cs typeface="Courier New" pitchFamily="49" charset="0"/>
+              </a:rPr>
+              <a:t> == </a:t>
+            </a:r>
+            <a:br>
+              <a:rPr lang="de-DE" dirty="0" smtClean="0">
+                <a:latin typeface="Courier New" pitchFamily="49" charset="0"/>
+                <a:cs typeface="Courier New" pitchFamily="49" charset="0"/>
+              </a:rPr>
+            </a:br>
+            <a:r>
+              <a:rPr lang="de-DE" dirty="0" smtClean="0">
+                <a:latin typeface="Courier New" pitchFamily="49" charset="0"/>
+                <a:cs typeface="Courier New" pitchFamily="49" charset="0"/>
+              </a:rPr>
+              <a:t>    </a:t>
+            </a:r>
+            <a:r>
+              <a:rPr lang="de-DE" dirty="0" err="1" smtClean="0">
+                <a:latin typeface="Courier New" pitchFamily="49" charset="0"/>
+                <a:cs typeface="Courier New" pitchFamily="49" charset="0"/>
+              </a:rPr>
+              <a:t>country_adj</a:t>
+            </a:r>
+            <a:r>
+              <a:rPr lang="de-DE" dirty="0" smtClean="0">
+                <a:latin typeface="Courier New" pitchFamily="49" charset="0"/>
+                <a:cs typeface="Courier New" pitchFamily="49" charset="0"/>
+              </a:rPr>
+              <a:t>}|{</a:t>
+            </a:r>
+            <a:r>
+              <a:rPr lang="de-DE" dirty="0" err="1" smtClean="0">
+                <a:latin typeface="Courier New" pitchFamily="49" charset="0"/>
+                <a:cs typeface="Courier New" pitchFamily="49" charset="0"/>
+              </a:rPr>
+              <a:t>Location.locType</a:t>
+            </a:r>
+            <a:r>
+              <a:rPr lang="de-DE" dirty="0" smtClean="0">
+                <a:latin typeface="Courier New" pitchFamily="49" charset="0"/>
+                <a:cs typeface="Courier New" pitchFamily="49" charset="0"/>
+              </a:rPr>
+              <a:t> == </a:t>
+            </a:r>
+            <a:r>
+              <a:rPr lang="de-DE" dirty="0" err="1" smtClean="0">
+                <a:latin typeface="Courier New" pitchFamily="49" charset="0"/>
+                <a:cs typeface="Courier New" pitchFamily="49" charset="0"/>
+              </a:rPr>
+              <a:t>city</a:t>
+            </a:r>
+            <a:r>
+              <a:rPr lang="de-DE" dirty="0" smtClean="0">
+                <a:latin typeface="Courier New" pitchFamily="49" charset="0"/>
+                <a:cs typeface="Courier New" pitchFamily="49" charset="0"/>
+              </a:rPr>
+              <a:t>}| </a:t>
+            </a:r>
+            <a:br>
+              <a:rPr lang="de-DE" dirty="0" smtClean="0">
+                <a:latin typeface="Courier New" pitchFamily="49" charset="0"/>
+                <a:cs typeface="Courier New" pitchFamily="49" charset="0"/>
+              </a:rPr>
+            </a:br>
+            <a:r>
+              <a:rPr lang="de-DE" dirty="0" smtClean="0">
+                <a:latin typeface="Courier New" pitchFamily="49" charset="0"/>
+                <a:cs typeface="Courier New" pitchFamily="49" charset="0"/>
+              </a:rPr>
+              <a:t>   {</a:t>
+            </a:r>
+            <a:r>
+              <a:rPr lang="de-DE" dirty="0" err="1" smtClean="0">
+                <a:latin typeface="Courier New" pitchFamily="49" charset="0"/>
+                <a:cs typeface="Courier New" pitchFamily="49" charset="0"/>
+              </a:rPr>
+              <a:t>Organization.rule</a:t>
+            </a:r>
+            <a:r>
+              <a:rPr lang="de-DE" dirty="0" smtClean="0">
+                <a:latin typeface="Courier New" pitchFamily="49" charset="0"/>
+                <a:cs typeface="Courier New" pitchFamily="49" charset="0"/>
+              </a:rPr>
+              <a:t> == </a:t>
+            </a:r>
+            <a:r>
+              <a:rPr lang="de-DE" dirty="0" err="1" smtClean="0">
+                <a:latin typeface="Courier New" pitchFamily="49" charset="0"/>
+                <a:cs typeface="Courier New" pitchFamily="49" charset="0"/>
+              </a:rPr>
+              <a:t>LocOrg</a:t>
+            </a:r>
+            <a:r>
+              <a:rPr lang="de-DE" dirty="0" smtClean="0">
+                <a:latin typeface="Courier New" pitchFamily="49" charset="0"/>
+                <a:cs typeface="Courier New" pitchFamily="49" charset="0"/>
+              </a:rPr>
+              <a:t>})</a:t>
+            </a:r>
+          </a:p>
+          <a:p>
+            <a:r>
+              <a:rPr lang="de-DE" dirty="0" smtClean="0">
+                <a:latin typeface="Courier New" pitchFamily="49" charset="0"/>
+                <a:cs typeface="Courier New" pitchFamily="49" charset="0"/>
+              </a:rPr>
+              <a:t>  {</a:t>
+            </a:r>
+            <a:r>
+              <a:rPr lang="de-DE" dirty="0" err="1" smtClean="0">
+                <a:latin typeface="Courier New" pitchFamily="49" charset="0"/>
+                <a:cs typeface="Courier New" pitchFamily="49" charset="0"/>
+              </a:rPr>
+              <a:t>Token.string</a:t>
+            </a:r>
+            <a:r>
+              <a:rPr lang="de-DE" dirty="0" smtClean="0">
+                <a:latin typeface="Courier New" pitchFamily="49" charset="0"/>
+                <a:cs typeface="Courier New" pitchFamily="49" charset="0"/>
+              </a:rPr>
+              <a:t> =~ open}</a:t>
+            </a:r>
+          </a:p>
+          <a:p>
+            <a:r>
+              <a:rPr lang="de-DE" dirty="0" smtClean="0">
+                <a:latin typeface="Courier New" pitchFamily="49" charset="0"/>
+                <a:cs typeface="Courier New" pitchFamily="49" charset="0"/>
+              </a:rPr>
+              <a:t>  ({</a:t>
+            </a:r>
+            <a:r>
+              <a:rPr lang="de-DE" dirty="0" err="1" smtClean="0">
+                <a:latin typeface="Courier New" pitchFamily="49" charset="0"/>
+                <a:cs typeface="Courier New" pitchFamily="49" charset="0"/>
+              </a:rPr>
+              <a:t>Token.category</a:t>
+            </a:r>
+            <a:r>
+              <a:rPr lang="de-DE" dirty="0" smtClean="0">
+                <a:latin typeface="Courier New" pitchFamily="49" charset="0"/>
+                <a:cs typeface="Courier New" pitchFamily="49" charset="0"/>
+              </a:rPr>
+              <a:t> == DT}|{</a:t>
+            </a:r>
+            <a:r>
+              <a:rPr lang="de-DE" dirty="0" err="1" smtClean="0">
+                <a:latin typeface="Courier New" pitchFamily="49" charset="0"/>
+                <a:cs typeface="Courier New" pitchFamily="49" charset="0"/>
+              </a:rPr>
+              <a:t>Token.category</a:t>
+            </a:r>
+            <a:r>
+              <a:rPr lang="de-DE" dirty="0" smtClean="0">
+                <a:latin typeface="Courier New" pitchFamily="49" charset="0"/>
+                <a:cs typeface="Courier New" pitchFamily="49" charset="0"/>
+              </a:rPr>
+              <a:t> == IN})?</a:t>
+            </a:r>
+          </a:p>
+          <a:p>
+            <a:r>
+              <a:rPr lang="de-DE" dirty="0" smtClean="0">
+                <a:latin typeface="Courier New" pitchFamily="49" charset="0"/>
+                <a:cs typeface="Courier New" pitchFamily="49" charset="0"/>
+              </a:rPr>
+              <a:t>  {</a:t>
+            </a:r>
+            <a:r>
+              <a:rPr lang="de-DE" dirty="0" err="1" smtClean="0">
+                <a:latin typeface="Courier New" pitchFamily="49" charset="0"/>
+                <a:cs typeface="Courier New" pitchFamily="49" charset="0"/>
+              </a:rPr>
+              <a:t>Token.string</a:t>
+            </a:r>
+            <a:r>
+              <a:rPr lang="de-DE" dirty="0" smtClean="0">
+                <a:latin typeface="Courier New" pitchFamily="49" charset="0"/>
+                <a:cs typeface="Courier New" pitchFamily="49" charset="0"/>
+              </a:rPr>
+              <a:t> =~ scor})</a:t>
+            </a:r>
+            <a:br>
+              <a:rPr lang="de-DE" dirty="0" smtClean="0">
+                <a:latin typeface="Courier New" pitchFamily="49" charset="0"/>
+                <a:cs typeface="Courier New" pitchFamily="49" charset="0"/>
+              </a:rPr>
+            </a:br>
+            <a:endParaRPr lang="de-DE" sz="1050" dirty="0" smtClean="0">
+              <a:latin typeface="Courier New" pitchFamily="49" charset="0"/>
+              <a:cs typeface="Courier New" pitchFamily="49" charset="0"/>
+            </a:endParaRPr>
+          </a:p>
+          <a:p>
+            <a:r>
+              <a:rPr lang="de-DE" dirty="0" smtClean="0">
+                <a:latin typeface="Courier New" pitchFamily="49" charset="0"/>
+                <a:cs typeface="Courier New" pitchFamily="49" charset="0"/>
+              </a:rPr>
+              <a:t>:</a:t>
+            </a:r>
+            <a:r>
+              <a:rPr lang="de-DE" dirty="0" err="1" smtClean="0">
+                <a:latin typeface="Courier New" pitchFamily="49" charset="0"/>
+                <a:cs typeface="Courier New" pitchFamily="49" charset="0"/>
+              </a:rPr>
+              <a:t>goalSequence</a:t>
+            </a:r>
+            <a:r>
+              <a:rPr lang="de-DE" dirty="0" smtClean="0">
+                <a:latin typeface="Courier New" pitchFamily="49" charset="0"/>
+                <a:cs typeface="Courier New" pitchFamily="49" charset="0"/>
+              </a:rPr>
+              <a:t> --&gt;</a:t>
+            </a:r>
+          </a:p>
+          <a:p>
+            <a:r>
+              <a:rPr lang="de-DE" dirty="0" smtClean="0">
+                <a:latin typeface="Courier New" pitchFamily="49" charset="0"/>
+                <a:cs typeface="Courier New" pitchFamily="49" charset="0"/>
+              </a:rPr>
+              <a:t>  :</a:t>
+            </a:r>
+            <a:r>
+              <a:rPr lang="de-DE" dirty="0" err="1" smtClean="0">
+                <a:latin typeface="Courier New" pitchFamily="49" charset="0"/>
+                <a:cs typeface="Courier New" pitchFamily="49" charset="0"/>
+              </a:rPr>
+              <a:t>goalSequence.Goal</a:t>
+            </a:r>
+            <a:r>
+              <a:rPr lang="de-DE" dirty="0" smtClean="0">
+                <a:latin typeface="Courier New" pitchFamily="49" charset="0"/>
+                <a:cs typeface="Courier New" pitchFamily="49" charset="0"/>
+              </a:rPr>
+              <a:t> = {</a:t>
+            </a:r>
+            <a:r>
+              <a:rPr lang="de-DE" dirty="0" err="1" smtClean="0">
+                <a:latin typeface="Courier New" pitchFamily="49" charset="0"/>
+                <a:cs typeface="Courier New" pitchFamily="49" charset="0"/>
+              </a:rPr>
+              <a:t>kind</a:t>
+            </a:r>
+            <a:r>
+              <a:rPr lang="de-DE" dirty="0" smtClean="0">
+                <a:latin typeface="Courier New" pitchFamily="49" charset="0"/>
+                <a:cs typeface="Courier New" pitchFamily="49" charset="0"/>
+              </a:rPr>
+              <a:t>=Goal, </a:t>
+            </a:r>
+            <a:r>
+              <a:rPr lang="de-DE" dirty="0" err="1" smtClean="0">
+                <a:latin typeface="Courier New" pitchFamily="49" charset="0"/>
+                <a:cs typeface="Courier New" pitchFamily="49" charset="0"/>
+              </a:rPr>
+              <a:t>rule</a:t>
+            </a:r>
+            <a:r>
+              <a:rPr lang="de-DE" dirty="0" smtClean="0">
+                <a:latin typeface="Courier New" pitchFamily="49" charset="0"/>
+                <a:cs typeface="Courier New" pitchFamily="49" charset="0"/>
+              </a:rPr>
+              <a:t>=Goal2}</a:t>
+            </a:r>
           </a:p>
         </p:txBody>
       </p:sp>
     </p:spTree>
     <p:extLst>
       <p:ext uri="{BB962C8B-B14F-4D97-AF65-F5344CB8AC3E}">
-        <p14:creationId xmlns="" xmlns:p14="http://schemas.microsoft.com/office/powerpoint/2010/main" val="1733460933"/>
+        <p14:creationId xmlns:p14="http://schemas.microsoft.com/office/powerpoint/2010/main" val="1637646173"/>
       </p:ext>
     </p:extLst>
   </p:cSld>
@@ -4343,12 +7134,8 @@
           <a:lstStyle/>
           <a:p>
             <a:r>
-              <a:rPr lang="de-DE" dirty="0" err="1" smtClean="0"/>
-              <a:t>Classification</a:t>
-            </a:r>
-            <a:r>
-              <a:rPr lang="de-DE" dirty="0" smtClean="0"/>
-              <a:t> &amp; Validation</a:t>
+              <a:rPr lang="de-DE" dirty="0" smtClean="0"/>
+              <a:t>Data Set Properties</a:t>
             </a:r>
             <a:endParaRPr lang="de-DE" dirty="0"/>
           </a:p>
@@ -4371,8 +7158,76 @@
           <a:p>
             <a:r>
               <a:rPr lang="de-DE" dirty="0" smtClean="0"/>
-              <a:t>Matze!</a:t>
-            </a:r>
+              <a:t>342 </a:t>
+            </a:r>
+            <a:r>
+              <a:rPr lang="de-DE" dirty="0" err="1" smtClean="0"/>
+              <a:t>reports</a:t>
+            </a:r>
+            <a:endParaRPr lang="de-DE" dirty="0" smtClean="0"/>
+          </a:p>
+          <a:p>
+            <a:pPr marL="0" indent="0">
+              <a:buNone/>
+            </a:pPr>
+            <a:endParaRPr lang="de-DE" dirty="0" smtClean="0"/>
+          </a:p>
+          <a:p>
+            <a:r>
+              <a:rPr lang="de-DE" dirty="0" smtClean="0"/>
+              <a:t>9211 </a:t>
+            </a:r>
+            <a:r>
+              <a:rPr lang="de-DE" dirty="0" err="1" smtClean="0"/>
+              <a:t>sentences</a:t>
+            </a:r>
+            <a:endParaRPr lang="de-DE" dirty="0" smtClean="0"/>
+          </a:p>
+          <a:p>
+            <a:pPr lvl="1"/>
+            <a:r>
+              <a:rPr lang="de-DE" dirty="0" smtClean="0"/>
+              <a:t>759 </a:t>
+            </a:r>
+            <a:r>
+              <a:rPr lang="de-DE" dirty="0" err="1" smtClean="0"/>
+              <a:t>containing</a:t>
+            </a:r>
+            <a:r>
+              <a:rPr lang="de-DE" dirty="0" smtClean="0"/>
+              <a:t> </a:t>
+            </a:r>
+            <a:r>
+              <a:rPr lang="de-DE" dirty="0" err="1" smtClean="0"/>
+              <a:t>goals</a:t>
+            </a:r>
+            <a:endParaRPr lang="de-DE" dirty="0" smtClean="0"/>
+          </a:p>
+          <a:p>
+            <a:pPr lvl="1"/>
+            <a:r>
+              <a:rPr lang="de-DE" dirty="0" smtClean="0"/>
+              <a:t>8452 </a:t>
+            </a:r>
+            <a:r>
+              <a:rPr lang="de-DE" dirty="0" err="1" smtClean="0"/>
+              <a:t>without</a:t>
+            </a:r>
+            <a:r>
+              <a:rPr lang="de-DE" dirty="0" smtClean="0"/>
+              <a:t> </a:t>
+            </a:r>
+            <a:r>
+              <a:rPr lang="de-DE" dirty="0" err="1" smtClean="0"/>
+              <a:t>goals</a:t>
+            </a:r>
+            <a:endParaRPr lang="de-DE" dirty="0" smtClean="0"/>
+          </a:p>
+          <a:p>
+            <a:pPr lvl="1"/>
+            <a:endParaRPr lang="de-DE" dirty="0"/>
+          </a:p>
+          <a:p>
             <a:endParaRPr lang="de-DE" dirty="0"/>
           </a:p>
         </p:txBody>
@@ -4380,7 +7235,7 @@
     </p:spTree>
     <p:extLst>
       <p:ext uri="{BB962C8B-B14F-4D97-AF65-F5344CB8AC3E}">
-        <p14:creationId xmlns="" xmlns:p14="http://schemas.microsoft.com/office/powerpoint/2010/main" val="475931585"/>
+        <p14:creationId xmlns:p14="http://schemas.microsoft.com/office/powerpoint/2010/main" val="1733460933"/>
       </p:ext>
     </p:extLst>
   </p:cSld>
@@ -4393,6 +7248,16 @@
 <file path=ppt/slides/slide9.xml><?xml version="1.0" encoding="utf-8"?>
 <p:sld xmlns:a="http://schemas.openxmlformats.org/drawingml/2006/main" xmlns:r="http://schemas.openxmlformats.org/officeDocument/2006/relationships" xmlns:p="http://schemas.openxmlformats.org/presentationml/2006/main">
   <p:cSld>
+    <p:bg>
+      <p:bgPr>
+        <a:solidFill>
+          <a:schemeClr val="bg1">
+            <a:alpha val="18000"/>
+          </a:schemeClr>
+        </a:solidFill>
+        <a:effectLst/>
+      </p:bgPr>
+    </p:bg>
     <p:spTree>
       <p:nvGrpSpPr>
         <p:cNvPr id="1" name=""/>
@@ -4407,6 +7272,36 @@
           <a:chExt cx="0" cy="0"/>
         </a:xfrm>
       </p:grpSpPr>
+      <p:pic>
+        <p:nvPicPr>
+          <p:cNvPr id="4" name="Bild 3" descr="Bildschirmfoto 2013-05-20 um 17.44.34.png"/>
+          <p:cNvPicPr>
+            <a:picLocks noChangeAspect="1"/>
+          </p:cNvPicPr>
+          <p:nvPr/>
+        </p:nvPicPr>
+        <p:blipFill>
+          <a:blip r:embed="rId2">
+            <a:extLst>
+              <a:ext uri="{28A0092B-C50C-407E-A947-70E740481C1C}">
+                <a14:useLocalDpi xmlns:a14="http://schemas.microsoft.com/office/drawing/2010/main" val="0"/>
+              </a:ext>
+            </a:extLst>
+          </a:blip>
+          <a:stretch>
+            <a:fillRect/>
+          </a:stretch>
+        </p:blipFill>
+        <p:spPr>
+          <a:xfrm>
+            <a:off x="945444" y="3141939"/>
+            <a:ext cx="6519333" cy="3166786"/>
+          </a:xfrm>
+          <a:prstGeom prst="rect">
+            <a:avLst/>
+          </a:prstGeom>
+        </p:spPr>
+      </p:pic>
       <p:sp>
         <p:nvSpPr>
           <p:cNvPr id="2" name="Titel 1"/>
@@ -4424,48 +7319,110 @@
           <a:p>
             <a:r>
               <a:rPr lang="de-DE" dirty="0" err="1" smtClean="0"/>
-              <a:t>Example</a:t>
-            </a:r>
-            <a:r>
-              <a:rPr lang="de-DE" dirty="0" smtClean="0"/>
-              <a:t>: Chelsea - Sunderland</a:t>
+              <a:t>Classification</a:t>
+            </a:r>
+            <a:r>
+              <a:rPr lang="de-DE" dirty="0" smtClean="0"/>
+              <a:t> &amp; Validation</a:t>
             </a:r>
             <a:endParaRPr lang="de-DE" dirty="0"/>
           </a:p>
         </p:txBody>
       </p:sp>
-      <p:pic>
-        <p:nvPicPr>
-          <p:cNvPr id="5" name="Inhaltsplatzhalter 4" descr="Bildschirmfoto 2013-05-20 um 12.59.18.png"/>
-          <p:cNvPicPr>
-            <a:picLocks noGrp="1" noChangeAspect="1"/>
-          </p:cNvPicPr>
+      <p:sp>
+        <p:nvSpPr>
+          <p:cNvPr id="3" name="Inhaltsplatzhalter 2"/>
+          <p:cNvSpPr>
+            <a:spLocks noGrp="1"/>
+          </p:cNvSpPr>
           <p:nvPr>
             <p:ph idx="1"/>
           </p:nvPr>
-        </p:nvPicPr>
-        <p:blipFill rotWithShape="1">
-          <a:blip r:embed="rId2" cstate="print">
-            <a:extLst>
-              <a:ext uri="{28A0092B-C50C-407E-A947-70E740481C1C}">
-                <a14:useLocalDpi xmlns="" xmlns:a14="http://schemas.microsoft.com/office/drawing/2010/main" val="0"/>
-              </a:ext>
-            </a:extLst>
-          </a:blip>
-          <a:srcRect b="78006"/>
-          <a:stretch/>
-        </p:blipFill>
-        <p:spPr>
-          <a:xfrm>
-            <a:off x="250825" y="1270001"/>
-            <a:ext cx="8642350" cy="1806222"/>
-          </a:xfrm>
-        </p:spPr>
-      </p:pic>
+        </p:nvSpPr>
+        <p:spPr/>
+        <p:txBody>
+          <a:bodyPr/>
+          <a:lstStyle/>
+          <a:p>
+            <a:r>
+              <a:rPr lang="de-DE" dirty="0" smtClean="0"/>
+              <a:t>Different </a:t>
+            </a:r>
+            <a:r>
+              <a:rPr lang="de-DE" dirty="0" err="1" smtClean="0"/>
+              <a:t>classifiers</a:t>
+            </a:r>
+            <a:r>
+              <a:rPr lang="de-DE" dirty="0" smtClean="0"/>
+              <a:t>:</a:t>
+            </a:r>
+          </a:p>
+          <a:p>
+            <a:pPr lvl="1"/>
+            <a:r>
+              <a:rPr lang="de-DE" dirty="0" smtClean="0"/>
+              <a:t>Naive </a:t>
+            </a:r>
+            <a:r>
+              <a:rPr lang="de-DE" dirty="0" err="1" smtClean="0"/>
+              <a:t>Bayes</a:t>
+            </a:r>
+            <a:r>
+              <a:rPr lang="de-DE" dirty="0" smtClean="0"/>
+              <a:t>: 64.58% </a:t>
+            </a:r>
+            <a:r>
+              <a:rPr lang="de-DE" dirty="0" err="1" smtClean="0"/>
+              <a:t>accuracy</a:t>
+            </a:r>
+            <a:endParaRPr lang="de-DE" dirty="0" smtClean="0"/>
+          </a:p>
+          <a:p>
+            <a:pPr lvl="1"/>
+            <a:r>
+              <a:rPr lang="de-DE" dirty="0" smtClean="0"/>
+              <a:t>SVM: 70.59% </a:t>
+            </a:r>
+            <a:r>
+              <a:rPr lang="de-DE" dirty="0" err="1" smtClean="0"/>
+              <a:t>accuracy</a:t>
+            </a:r>
+            <a:endParaRPr lang="de-DE" dirty="0" smtClean="0"/>
+          </a:p>
+          <a:p>
+            <a:pPr lvl="1"/>
+            <a:r>
+              <a:rPr lang="de-DE" dirty="0" smtClean="0"/>
+              <a:t>50-NN: 75.00% </a:t>
+            </a:r>
+            <a:r>
+              <a:rPr lang="de-DE" dirty="0" err="1" smtClean="0"/>
+              <a:t>accuracy</a:t>
+            </a:r>
+            <a:endParaRPr lang="de-DE" dirty="0" smtClean="0"/>
+          </a:p>
+          <a:p>
+            <a:pPr lvl="1"/>
+            <a:r>
+              <a:rPr lang="de-DE" dirty="0" err="1" smtClean="0"/>
+              <a:t>Weighted</a:t>
+            </a:r>
+            <a:r>
+              <a:rPr lang="de-DE" dirty="0" smtClean="0"/>
+              <a:t> 50-NN: 80.88% </a:t>
+            </a:r>
+            <a:r>
+              <a:rPr lang="de-DE" dirty="0" err="1" smtClean="0"/>
+              <a:t>accuracy</a:t>
+            </a:r>
+            <a:endParaRPr lang="de-DE" dirty="0"/>
+          </a:p>
+        </p:txBody>
+      </p:sp>
     </p:spTree>
     <p:extLst>
       <p:ext uri="{BB962C8B-B14F-4D97-AF65-F5344CB8AC3E}">
-        <p14:creationId xmlns="" xmlns:p14="http://schemas.microsoft.com/office/powerpoint/2010/main" val="4252503780"/>
+        <p14:creationId xmlns:p14="http://schemas.microsoft.com/office/powerpoint/2010/main" val="475931585"/>
       </p:ext>
     </p:extLst>
   </p:cSld>
@@ -5249,4 +8206,287 @@
     </a:extraClrScheme>
   </a:extraClrSchemeLst>
 </a:theme>
+</file>
+
+<file path=ppt/theme/theme2.xml><?xml version="1.0" encoding="utf-8"?>
+<a:theme xmlns:a="http://schemas.openxmlformats.org/drawingml/2006/main" name="Larissa-Design">
+  <a:themeElements>
+    <a:clrScheme name="Larissa">
+      <a:dk1>
+        <a:sysClr val="windowText" lastClr="000000"/>
+      </a:dk1>
+      <a:lt1>
+        <a:sysClr val="window" lastClr="FFFFFF"/>
+      </a:lt1>
+      <a:dk2>
+        <a:srgbClr val="1F497D"/>
+      </a:dk2>
+      <a:lt2>
+        <a:srgbClr val="EEECE1"/>
+      </a:lt2>
+      <a:accent1>
+        <a:srgbClr val="4F81BD"/>
+      </a:accent1>
+      <a:accent2>
+        <a:srgbClr val="C0504D"/>
+      </a:accent2>
+      <a:accent3>
+        <a:srgbClr val="9BBB59"/>
+      </a:accent3>
+      <a:accent4>
+        <a:srgbClr val="8064A2"/>
+      </a:accent4>
+      <a:accent5>
+        <a:srgbClr val="4BACC6"/>
+      </a:accent5>
+      <a:accent6>
+        <a:srgbClr val="F79646"/>
+      </a:accent6>
+      <a:hlink>
+        <a:srgbClr val="0000FF"/>
+      </a:hlink>
+      <a:folHlink>
+        <a:srgbClr val="800080"/>
+      </a:folHlink>
+    </a:clrScheme>
+    <a:fontScheme name="Larissa">
+      <a:majorFont>
+        <a:latin typeface="Calibri"/>
+        <a:ea typeface=""/>
+        <a:cs typeface=""/>
+        <a:font script="Jpan" typeface="ＭＳ Ｐゴシック"/>
+        <a:font script="Hang" typeface="맑은 고딕"/>
+        <a:font script="Hans" typeface="宋体"/>
+        <a:font script="Hant" typeface="新細明體"/>
+        <a:font script="Arab" typeface="Times New Roman"/>
+        <a:font script="Hebr" typeface="Times New Roman"/>
+        <a:font script="Thai" typeface="Angsana New"/>
+        <a:font script="Ethi" typeface="Nyala"/>
+        <a:font script="Beng" typeface="Vrinda"/>
+        <a:font script="Gujr" typeface="Shruti"/>
+        <a:font script="Khmr" typeface="MoolBoran"/>
+        <a:font script="Knda" typeface="Tunga"/>
+        <a:font script="Guru" typeface="Raavi"/>
+        <a:font script="Cans" typeface="Euphemia"/>
+        <a:font script="Cher" typeface="Plantagenet Cherokee"/>
+        <a:font script="Yiii" typeface="Microsoft Yi Baiti"/>
+        <a:font script="Tibt" typeface="Microsoft Himalaya"/>
+        <a:font script="Thaa" typeface="MV Boli"/>
+        <a:font script="Deva" typeface="Mangal"/>
+        <a:font script="Telu" typeface="Gautami"/>
+        <a:font script="Taml" typeface="Latha"/>
+        <a:font script="Syrc" typeface="Estrangelo Edessa"/>
+        <a:font script="Orya" typeface="Kalinga"/>
+        <a:font script="Mlym" typeface="Kartika"/>
+        <a:font script="Laoo" typeface="DokChampa"/>
+        <a:font script="Sinh" typeface="Iskoola Pota"/>
+        <a:font script="Mong" typeface="Mongolian Baiti"/>
+        <a:font script="Viet" typeface="Times New Roman"/>
+        <a:font script="Uigh" typeface="Microsoft Uighur"/>
+      </a:majorFont>
+      <a:minorFont>
+        <a:latin typeface="Calibri"/>
+        <a:ea typeface=""/>
+        <a:cs typeface=""/>
+        <a:font script="Jpan" typeface="ＭＳ Ｐゴシック"/>
+        <a:font script="Hang" typeface="맑은 고딕"/>
+        <a:font script="Hans" typeface="宋体"/>
+        <a:font script="Hant" typeface="新細明體"/>
+        <a:font script="Arab" typeface="Arial"/>
+        <a:font script="Hebr" typeface="Arial"/>
+        <a:font script="Thai" typeface="Cordia New"/>
+        <a:font script="Ethi" typeface="Nyala"/>
+        <a:font script="Beng" typeface="Vrinda"/>
+        <a:font script="Gujr" typeface="Shruti"/>
+        <a:font script="Khmr" typeface="DaunPenh"/>
+        <a:font script="Knda" typeface="Tunga"/>
+        <a:font script="Guru" typeface="Raavi"/>
+        <a:font script="Cans" typeface="Euphemia"/>
+        <a:font script="Cher" typeface="Plantagenet Cherokee"/>
+        <a:font script="Yiii" typeface="Microsoft Yi Baiti"/>
+        <a:font script="Tibt" typeface="Microsoft Himalaya"/>
+        <a:font script="Thaa" typeface="MV Boli"/>
+        <a:font script="Deva" typeface="Mangal"/>
+        <a:font script="Telu" typeface="Gautami"/>
+        <a:font script="Taml" typeface="Latha"/>
+        <a:font script="Syrc" typeface="Estrangelo Edessa"/>
+        <a:font script="Orya" typeface="Kalinga"/>
+        <a:font script="Mlym" typeface="Kartika"/>
+        <a:font script="Laoo" typeface="DokChampa"/>
+        <a:font script="Sinh" typeface="Iskoola Pota"/>
+        <a:font script="Mong" typeface="Mongolian Baiti"/>
+        <a:font script="Viet" typeface="Arial"/>
+        <a:font script="Uigh" typeface="Microsoft Uighur"/>
+      </a:minorFont>
+    </a:fontScheme>
+    <a:fmtScheme name="Larissa">
+      <a:fillStyleLst>
+        <a:solidFill>
+          <a:schemeClr val="phClr"/>
+        </a:solidFill>
+        <a:gradFill rotWithShape="1">
+          <a:gsLst>
+            <a:gs pos="0">
+              <a:schemeClr val="phClr">
+                <a:tint val="50000"/>
+                <a:satMod val="300000"/>
+              </a:schemeClr>
+            </a:gs>
+            <a:gs pos="35000">
+              <a:schemeClr val="phClr">
+                <a:tint val="37000"/>
+                <a:satMod val="300000"/>
+              </a:schemeClr>
+            </a:gs>
+            <a:gs pos="100000">
+              <a:schemeClr val="phClr">
+                <a:tint val="15000"/>
+                <a:satMod val="350000"/>
+              </a:schemeClr>
+            </a:gs>
+          </a:gsLst>
+          <a:lin ang="16200000" scaled="1"/>
+        </a:gradFill>
+        <a:gradFill rotWithShape="1">
+          <a:gsLst>
+            <a:gs pos="0">
+              <a:schemeClr val="phClr">
+                <a:shade val="51000"/>
+                <a:satMod val="130000"/>
+              </a:schemeClr>
+            </a:gs>
+            <a:gs pos="80000">
+              <a:schemeClr val="phClr">
+                <a:shade val="93000"/>
+                <a:satMod val="130000"/>
+              </a:schemeClr>
+            </a:gs>
+            <a:gs pos="100000">
+              <a:schemeClr val="phClr">
+                <a:shade val="94000"/>
+                <a:satMod val="135000"/>
+              </a:schemeClr>
+            </a:gs>
+          </a:gsLst>
+          <a:lin ang="16200000" scaled="0"/>
+        </a:gradFill>
+      </a:fillStyleLst>
+      <a:lnStyleLst>
+        <a:ln w="9525" cap="flat" cmpd="sng" algn="ctr">
+          <a:solidFill>
+            <a:schemeClr val="phClr">
+              <a:shade val="95000"/>
+              <a:satMod val="105000"/>
+            </a:schemeClr>
+          </a:solidFill>
+          <a:prstDash val="solid"/>
+        </a:ln>
+        <a:ln w="25400" cap="flat" cmpd="sng" algn="ctr">
+          <a:solidFill>
+            <a:schemeClr val="phClr"/>
+          </a:solidFill>
+          <a:prstDash val="solid"/>
+        </a:ln>
+        <a:ln w="38100" cap="flat" cmpd="sng" algn="ctr">
+          <a:solidFill>
+            <a:schemeClr val="phClr"/>
+          </a:solidFill>
+          <a:prstDash val="solid"/>
+        </a:ln>
+      </a:lnStyleLst>
+      <a:effectStyleLst>
+        <a:effectStyle>
+          <a:effectLst>
+            <a:outerShdw blurRad="40000" dist="20000" dir="5400000" rotWithShape="0">
+              <a:srgbClr val="000000">
+                <a:alpha val="38000"/>
+              </a:srgbClr>
+            </a:outerShdw>
+          </a:effectLst>
+        </a:effectStyle>
+        <a:effectStyle>
+          <a:effectLst>
+            <a:outerShdw blurRad="40000" dist="23000" dir="5400000" rotWithShape="0">
+              <a:srgbClr val="000000">
+                <a:alpha val="35000"/>
+              </a:srgbClr>
+            </a:outerShdw>
+          </a:effectLst>
+        </a:effectStyle>
+        <a:effectStyle>
+          <a:effectLst>
+            <a:outerShdw blurRad="40000" dist="23000" dir="5400000" rotWithShape="0">
+              <a:srgbClr val="000000">
+                <a:alpha val="35000"/>
+              </a:srgbClr>
+            </a:outerShdw>
+          </a:effectLst>
+          <a:scene3d>
+            <a:camera prst="orthographicFront">
+              <a:rot lat="0" lon="0" rev="0"/>
+            </a:camera>
+            <a:lightRig rig="threePt" dir="t">
+              <a:rot lat="0" lon="0" rev="1200000"/>
+            </a:lightRig>
+          </a:scene3d>
+          <a:sp3d>
+            <a:bevelT w="63500" h="25400"/>
+          </a:sp3d>
+        </a:effectStyle>
+      </a:effectStyleLst>
+      <a:bgFillStyleLst>
+        <a:solidFill>
+          <a:schemeClr val="phClr"/>
+        </a:solidFill>
+        <a:gradFill rotWithShape="1">
+          <a:gsLst>
+            <a:gs pos="0">
+              <a:schemeClr val="phClr">
+                <a:tint val="40000"/>
+                <a:satMod val="350000"/>
+              </a:schemeClr>
+            </a:gs>
+            <a:gs pos="40000">
+              <a:schemeClr val="phClr">
+                <a:tint val="45000"/>
+                <a:shade val="99000"/>
+                <a:satMod val="350000"/>
+              </a:schemeClr>
+            </a:gs>
+            <a:gs pos="100000">
+              <a:schemeClr val="phClr">
+                <a:shade val="20000"/>
+                <a:satMod val="255000"/>
+              </a:schemeClr>
+            </a:gs>
+          </a:gsLst>
+          <a:path path="circle">
+            <a:fillToRect l="50000" t="-80000" r="50000" b="180000"/>
+          </a:path>
+        </a:gradFill>
+        <a:gradFill rotWithShape="1">
+          <a:gsLst>
+            <a:gs pos="0">
+              <a:schemeClr val="phClr">
+                <a:tint val="80000"/>
+                <a:satMod val="300000"/>
+              </a:schemeClr>
+            </a:gs>
+            <a:gs pos="100000">
+              <a:schemeClr val="phClr">
+                <a:shade val="30000"/>
+                <a:satMod val="200000"/>
+              </a:schemeClr>
+            </a:gs>
+          </a:gsLst>
+          <a:path path="circle">
+            <a:fillToRect l="50000" t="50000" r="50000" b="50000"/>
+          </a:path>
+        </a:gradFill>
+      </a:bgFillStyleLst>
+    </a:fmtScheme>
+  </a:themeElements>
+  <a:objectDefaults/>
+  <a:extraClrSchemeLst/>
+</a:theme>
 </file>
--- a/LaTeX/Presentation/Presentation.pptx
+++ b/LaTeX/Presentation/Presentation.pptx
@@ -123,24 +123,13 @@
 
 <file path=ppt/charts/chart1.xml><?xml version="1.0" encoding="utf-8"?>
 <c:chartSpace xmlns:c="http://schemas.openxmlformats.org/drawingml/2006/chart" xmlns:a="http://schemas.openxmlformats.org/drawingml/2006/main" xmlns:r="http://schemas.openxmlformats.org/officeDocument/2006/relationships">
-  <c:date1904 val="0"/>
   <c:lang val="de-DE"/>
-  <c:roundedCorners val="0"/>
-  <mc:AlternateContent xmlns:mc="http://schemas.openxmlformats.org/markup-compatibility/2006">
-    <mc:Choice xmlns:c14="http://schemas.microsoft.com/office/drawing/2007/8/2/chart" Requires="c14">
-      <c14:style val="102"/>
-    </mc:Choice>
-    <mc:Fallback>
-      <c:style val="2"/>
-    </mc:Fallback>
-  </mc:AlternateContent>
   <c:chart>
     <c:autoTitleDeleted val="1"/>
     <c:plotArea>
       <c:layout/>
       <c:scatterChart>
         <c:scatterStyle val="lineMarker"/>
-        <c:varyColors val="0"/>
         <c:ser>
           <c:idx val="0"/>
           <c:order val="0"/>
@@ -180,7 +169,6 @@
                 </a:ln>
               </c:spPr>
             </c:marker>
-            <c:bubble3D val="0"/>
           </c:dPt>
           <c:dPt>
             <c:idx val="1"/>
@@ -196,7 +184,6 @@
                 </a:ln>
               </c:spPr>
             </c:marker>
-            <c:bubble3D val="0"/>
           </c:dPt>
           <c:xVal>
             <c:numRef>
@@ -208,7 +195,7 @@
                   <c:v>0.34</c:v>
                 </c:pt>
                 <c:pt idx="1">
-                  <c:v>0.66</c:v>
+                  <c:v>0.66000000000000014</c:v>
                 </c:pt>
               </c:numCache>
             </c:numRef>
@@ -220,7 +207,7 @@
                 <c:formatCode>General</c:formatCode>
                 <c:ptCount val="2"/>
                 <c:pt idx="0">
-                  <c:v>0.75</c:v>
+                  <c:v>0.75000000000000011</c:v>
                 </c:pt>
                 <c:pt idx="1">
                   <c:v>0.25</c:v>
@@ -228,7 +215,6 @@
               </c:numCache>
             </c:numRef>
           </c:yVal>
-          <c:smooth val="0"/>
         </c:ser>
         <c:ser>
           <c:idx val="2"/>
@@ -269,7 +255,6 @@
                 </a:ln>
               </c:spPr>
             </c:marker>
-            <c:bubble3D val="0"/>
           </c:dPt>
           <c:dPt>
             <c:idx val="1"/>
@@ -285,7 +270,6 @@
                 </a:ln>
               </c:spPr>
             </c:marker>
-            <c:bubble3D val="0"/>
           </c:dPt>
           <c:dLbls>
             <c:txPr>
@@ -298,13 +282,8 @@
                 <a:endParaRPr lang="de-DE"/>
               </a:p>
             </c:txPr>
-            <c:showLegendKey val="0"/>
             <c:showVal val="1"/>
             <c:showCatName val="1"/>
-            <c:showSerName val="0"/>
-            <c:showPercent val="0"/>
-            <c:showBubbleSize val="0"/>
-            <c:showLeaderLines val="0"/>
           </c:dLbls>
           <c:xVal>
             <c:numRef>
@@ -313,10 +292,10 @@
                 <c:formatCode>General</c:formatCode>
                 <c:ptCount val="2"/>
                 <c:pt idx="0">
-                  <c:v>0.33</c:v>
+                  <c:v>0.33000000000000007</c:v>
                 </c:pt>
                 <c:pt idx="1">
-                  <c:v>0.67</c:v>
+                  <c:v>0.67000000000000015</c:v>
                 </c:pt>
               </c:numCache>
             </c:numRef>
@@ -328,7 +307,7 @@
                 <c:formatCode>General</c:formatCode>
                 <c:ptCount val="2"/>
                 <c:pt idx="0">
-                  <c:v>0.75</c:v>
+                  <c:v>0.75000000000000011</c:v>
                 </c:pt>
                 <c:pt idx="1">
                   <c:v>0.25</c:v>
@@ -336,7 +315,6 @@
               </c:numCache>
             </c:numRef>
           </c:yVal>
-          <c:smooth val="0"/>
         </c:ser>
         <c:ser>
           <c:idx val="4"/>
@@ -381,7 +359,6 @@
                 </a:ln>
               </c:spPr>
             </c:marker>
-            <c:bubble3D val="0"/>
           </c:dPt>
           <c:dPt>
             <c:idx val="1"/>
@@ -399,23 +376,18 @@
                 </a:ln>
               </c:spPr>
             </c:marker>
-            <c:bubble3D val="0"/>
           </c:dPt>
           <c:dLbls>
             <c:dLbl>
               <c:idx val="0"/>
               <c:layout>
                 <c:manualLayout>
-                  <c:x val="-0.0844365489253289"/>
-                  <c:y val="-0.0386473429951691"/>
+                  <c:x val="-8.4436548925328925E-2"/>
+                  <c:y val="-3.8647342995169108E-2"/>
                 </c:manualLayout>
               </c:layout>
-              <c:showLegendKey val="0"/>
               <c:showVal val="1"/>
               <c:showCatName val="1"/>
-              <c:showSerName val="0"/>
-              <c:showPercent val="0"/>
-              <c:showBubbleSize val="0"/>
             </c:dLbl>
             <c:txPr>
               <a:bodyPr/>
@@ -427,13 +399,8 @@
                 <a:endParaRPr lang="de-DE"/>
               </a:p>
             </c:txPr>
-            <c:showLegendKey val="0"/>
             <c:showVal val="1"/>
             <c:showCatName val="1"/>
-            <c:showSerName val="0"/>
-            <c:showPercent val="0"/>
-            <c:showBubbleSize val="0"/>
-            <c:showLeaderLines val="0"/>
           </c:dLbls>
           <c:xVal>
             <c:numRef>
@@ -442,7 +409,7 @@
                 <c:formatCode>General</c:formatCode>
                 <c:ptCount val="2"/>
                 <c:pt idx="0">
-                  <c:v>0.64</c:v>
+                  <c:v>0.64000000000000012</c:v>
                 </c:pt>
                 <c:pt idx="1">
                   <c:v>0.88</c:v>
@@ -460,12 +427,11 @@
                   <c:v>0.92</c:v>
                 </c:pt>
                 <c:pt idx="1">
-                  <c:v>0.75</c:v>
+                  <c:v>0.75000000000000011</c:v>
                 </c:pt>
               </c:numCache>
             </c:numRef>
           </c:yVal>
-          <c:smooth val="0"/>
         </c:ser>
         <c:ser>
           <c:idx val="6"/>
@@ -506,7 +472,6 @@
                 </a:ln>
               </c:spPr>
             </c:marker>
-            <c:bubble3D val="0"/>
             <c:spPr>
               <a:ln w="28575">
                 <a:solidFill>
@@ -529,7 +494,6 @@
                 </a:ln>
               </c:spPr>
             </c:marker>
-            <c:bubble3D val="0"/>
           </c:dPt>
           <c:dLbls>
             <c:txPr>
@@ -542,13 +506,8 @@
                 <a:endParaRPr lang="de-DE"/>
               </a:p>
             </c:txPr>
-            <c:showLegendKey val="0"/>
             <c:showVal val="1"/>
             <c:showCatName val="1"/>
-            <c:showSerName val="0"/>
-            <c:showPercent val="0"/>
-            <c:showBubbleSize val="0"/>
-            <c:showLeaderLines val="0"/>
           </c:dLbls>
           <c:xVal>
             <c:numRef>
@@ -557,10 +516,10 @@
                 <c:formatCode>General</c:formatCode>
                 <c:ptCount val="2"/>
                 <c:pt idx="0">
-                  <c:v>0.71</c:v>
+                  <c:v>0.71000000000000008</c:v>
                 </c:pt>
                 <c:pt idx="1">
-                  <c:v>0.82</c:v>
+                  <c:v>0.82000000000000006</c:v>
                 </c:pt>
               </c:numCache>
             </c:numRef>
@@ -572,7 +531,7 @@
                 <c:formatCode>General</c:formatCode>
                 <c:ptCount val="2"/>
                 <c:pt idx="0">
-                  <c:v>0.63</c:v>
+                  <c:v>0.63000000000000012</c:v>
                 </c:pt>
                 <c:pt idx="1">
                   <c:v>0.88</c:v>
@@ -580,25 +539,16 @@
               </c:numCache>
             </c:numRef>
           </c:yVal>
-          <c:smooth val="0"/>
         </c:ser>
-        <c:dLbls>
-          <c:showLegendKey val="0"/>
-          <c:showVal val="0"/>
-          <c:showCatName val="0"/>
-          <c:showSerName val="0"/>
-          <c:showPercent val="0"/>
-          <c:showBubbleSize val="0"/>
-        </c:dLbls>
-        <c:axId val="2044989112"/>
-        <c:axId val="2044994776"/>
+        <c:dLbls/>
+        <c:axId val="95154560"/>
+        <c:axId val="95156480"/>
       </c:scatterChart>
       <c:valAx>
-        <c:axId val="2044989112"/>
+        <c:axId val="95154560"/>
         <c:scaling>
           <c:orientation val="minMax"/>
         </c:scaling>
-        <c:delete val="0"/>
         <c:axPos val="b"/>
         <c:title>
           <c:tx>
@@ -617,22 +567,18 @@
             </c:rich>
           </c:tx>
           <c:layout/>
-          <c:overlay val="0"/>
         </c:title>
         <c:numFmt formatCode="General" sourceLinked="1"/>
-        <c:majorTickMark val="out"/>
-        <c:minorTickMark val="none"/>
         <c:tickLblPos val="nextTo"/>
-        <c:crossAx val="2044994776"/>
+        <c:crossAx val="95156480"/>
         <c:crosses val="autoZero"/>
         <c:crossBetween val="midCat"/>
       </c:valAx>
       <c:valAx>
-        <c:axId val="2044994776"/>
+        <c:axId val="95156480"/>
         <c:scaling>
           <c:orientation val="minMax"/>
         </c:scaling>
-        <c:delete val="0"/>
         <c:axPos val="l"/>
         <c:majorGridlines/>
         <c:title>
@@ -652,13 +598,10 @@
             </c:rich>
           </c:tx>
           <c:layout/>
-          <c:overlay val="0"/>
         </c:title>
         <c:numFmt formatCode="General" sourceLinked="1"/>
-        <c:majorTickMark val="out"/>
-        <c:minorTickMark val="none"/>
         <c:tickLblPos val="nextTo"/>
-        <c:crossAx val="2044989112"/>
+        <c:crossAx val="95154560"/>
         <c:crosses val="autoZero"/>
         <c:crossBetween val="midCat"/>
       </c:valAx>
@@ -666,7 +609,6 @@
     <c:legend>
       <c:legendPos val="r"/>
       <c:layout/>
-      <c:overlay val="0"/>
       <c:txPr>
         <a:bodyPr/>
         <a:lstStyle/>
@@ -680,11 +622,8 @@
     </c:legend>
     <c:plotVisOnly val="1"/>
     <c:dispBlanksAs val="gap"/>
-    <c:showDLblsOverMax val="0"/>
   </c:chart>
-  <c:externalData r:id="rId1">
-    <c:autoUpdate val="0"/>
-  </c:externalData>
+  <c:externalData r:id="rId1"/>
 </c:chartSpace>
 </file>
 
@@ -770,7 +709,8 @@
           <a:p>
             <a:fld id="{E52400BD-E80C-4269-ADA7-F5D07470A0EF}" type="datetimeFigureOut">
               <a:rPr lang="de-DE" smtClean="0"/>
-              <a:t>20.05.13</a:t>
+              <a:pPr/>
+              <a:t>23.05.2013</a:t>
             </a:fld>
             <a:endParaRPr lang="de-DE"/>
           </a:p>
@@ -931,6 +871,7 @@
           <a:p>
             <a:fld id="{4689405B-6484-48C7-BE6C-C9A5019EE58A}" type="slidenum">
               <a:rPr lang="de-DE" smtClean="0"/>
+              <a:pPr/>
               <a:t>‹Nr.›</a:t>
             </a:fld>
             <a:endParaRPr lang="de-DE"/>
@@ -940,7 +881,7 @@
     </p:spTree>
     <p:extLst>
       <p:ext uri="{BB962C8B-B14F-4D97-AF65-F5344CB8AC3E}">
-        <p14:creationId xmlns:p14="http://schemas.microsoft.com/office/powerpoint/2010/main" val="4090283463"/>
+        <p14:creationId xmlns:p14="http://schemas.microsoft.com/office/powerpoint/2010/main" xmlns="" val="4090283463"/>
       </p:ext>
     </p:extLst>
   </p:cSld>
@@ -1107,6 +1048,7 @@
           <a:p>
             <a:fld id="{4689405B-6484-48C7-BE6C-C9A5019EE58A}" type="slidenum">
               <a:rPr lang="de-DE" smtClean="0"/>
+              <a:pPr/>
               <a:t>11</a:t>
             </a:fld>
             <a:endParaRPr lang="de-DE"/>
@@ -1151,7 +1093,7 @@
             <a:lum bright="10000"/>
             <a:extLst>
               <a:ext uri="{28A0092B-C50C-407E-A947-70E740481C1C}">
-                <a14:useLocalDpi xmlns:a14="http://schemas.microsoft.com/office/drawing/2010/main" val="0"/>
+                <a14:useLocalDpi xmlns:a14="http://schemas.microsoft.com/office/drawing/2010/main" xmlns="" val="0"/>
               </a:ext>
             </a:extLst>
           </a:blip>
@@ -1173,14 +1115,14 @@
           </a:ln>
           <a:extLst>
             <a:ext uri="{909E8E84-426E-40dd-AFC4-6F175D3DCCD1}">
-              <a14:hiddenFill xmlns:a14="http://schemas.microsoft.com/office/drawing/2010/main">
+              <a14:hiddenFill xmlns:a14="http://schemas.microsoft.com/office/drawing/2010/main" xmlns="">
                 <a:solidFill>
                   <a:srgbClr val="FFFFFF"/>
                 </a:solidFill>
               </a14:hiddenFill>
             </a:ext>
             <a:ext uri="{91240B29-F687-4f45-9708-019B960494DF}">
-              <a14:hiddenLine xmlns:a14="http://schemas.microsoft.com/office/drawing/2010/main" w="9525">
+              <a14:hiddenLine xmlns:a14="http://schemas.microsoft.com/office/drawing/2010/main" xmlns="" w="9525">
                 <a:solidFill>
                   <a:srgbClr val="000000"/>
                 </a:solidFill>
@@ -1218,7 +1160,7 @@
           </a:ln>
           <a:extLst>
             <a:ext uri="{91240B29-F687-4f45-9708-019B960494DF}">
-              <a14:hiddenLine xmlns:a14="http://schemas.microsoft.com/office/drawing/2010/main" w="9525">
+              <a14:hiddenLine xmlns:a14="http://schemas.microsoft.com/office/drawing/2010/main" xmlns="" w="9525">
                 <a:solidFill>
                   <a:srgbClr val="000000"/>
                 </a:solidFill>
@@ -1249,7 +1191,7 @@
           <a:blip r:embed="rId3" cstate="print">
             <a:extLst>
               <a:ext uri="{28A0092B-C50C-407E-A947-70E740481C1C}">
-                <a14:useLocalDpi xmlns:a14="http://schemas.microsoft.com/office/drawing/2010/main" val="0"/>
+                <a14:useLocalDpi xmlns:a14="http://schemas.microsoft.com/office/drawing/2010/main" xmlns="" val="0"/>
               </a:ext>
             </a:extLst>
           </a:blip>
@@ -1272,14 +1214,14 @@
           </a:ln>
           <a:extLst>
             <a:ext uri="{909E8E84-426E-40dd-AFC4-6F175D3DCCD1}">
-              <a14:hiddenFill xmlns:a14="http://schemas.microsoft.com/office/drawing/2010/main">
+              <a14:hiddenFill xmlns:a14="http://schemas.microsoft.com/office/drawing/2010/main" xmlns="">
                 <a:solidFill>
                   <a:srgbClr val="FFFFFF"/>
                 </a:solidFill>
               </a14:hiddenFill>
             </a:ext>
             <a:ext uri="{91240B29-F687-4f45-9708-019B960494DF}">
-              <a14:hiddenLine xmlns:a14="http://schemas.microsoft.com/office/drawing/2010/main" w="9525">
+              <a14:hiddenLine xmlns:a14="http://schemas.microsoft.com/office/drawing/2010/main" xmlns="" w="9525">
                 <a:solidFill>
                   <a:srgbClr val="000000"/>
                 </a:solidFill>
@@ -1383,14 +1325,14 @@
           </a:prstGeom>
           <a:extLst>
             <a:ext uri="{909E8E84-426E-40dd-AFC4-6F175D3DCCD1}">
-              <a14:hiddenFill xmlns:a14="http://schemas.microsoft.com/office/drawing/2010/main">
+              <a14:hiddenFill xmlns:a14="http://schemas.microsoft.com/office/drawing/2010/main" xmlns="">
                 <a:solidFill>
                   <a:schemeClr val="accent1"/>
                 </a:solidFill>
               </a14:hiddenFill>
             </a:ext>
             <a:ext uri="{91240B29-F687-4f45-9708-019B960494DF}">
-              <a14:hiddenLine xmlns:a14="http://schemas.microsoft.com/office/drawing/2010/main" w="9525">
+              <a14:hiddenLine xmlns:a14="http://schemas.microsoft.com/office/drawing/2010/main" xmlns="" w="9525">
                 <a:solidFill>
                   <a:schemeClr val="tx1"/>
                 </a:solidFill>
@@ -1400,7 +1342,7 @@
               </a14:hiddenLine>
             </a:ext>
             <a:ext uri="{AF507438-7753-43e0-B8FC-AC1667EBCBE1}">
-              <a14:hiddenEffects xmlns:a14="http://schemas.microsoft.com/office/drawing/2010/main">
+              <a14:hiddenEffects xmlns:a14="http://schemas.microsoft.com/office/drawing/2010/main" xmlns="">
                 <a:effectLst>
                   <a:outerShdw dist="35921" dir="2700000" algn="ctr" rotWithShape="0">
                     <a:schemeClr val="bg2"/>
@@ -1431,7 +1373,7 @@
             <a:fld id="{705B44B1-6112-407E-9C4B-9D7CA3639A2D}" type="datetimeFigureOut">
               <a:rPr lang="de-DE" smtClean="0"/>
               <a:pPr/>
-              <a:t>20.05.13</a:t>
+              <a:t>23.05.2013</a:t>
             </a:fld>
             <a:endParaRPr lang="de-DE"/>
           </a:p>
@@ -1449,7 +1391,7 @@
           <a:blip r:embed="rId4" cstate="print">
             <a:extLst>
               <a:ext uri="{28A0092B-C50C-407E-A947-70E740481C1C}">
-                <a14:useLocalDpi xmlns:a14="http://schemas.microsoft.com/office/drawing/2010/main" val="0"/>
+                <a14:useLocalDpi xmlns:a14="http://schemas.microsoft.com/office/drawing/2010/main" xmlns="" val="0"/>
               </a:ext>
             </a:extLst>
           </a:blip>
@@ -1469,7 +1411,7 @@
           <a:noFill/>
           <a:extLst>
             <a:ext uri="{909E8E84-426E-40dd-AFC4-6F175D3DCCD1}">
-              <a14:hiddenFill xmlns:a14="http://schemas.microsoft.com/office/drawing/2010/main">
+              <a14:hiddenFill xmlns:a14="http://schemas.microsoft.com/office/drawing/2010/main" xmlns="">
                 <a:solidFill>
                   <a:srgbClr val="FFFFFF"/>
                 </a:solidFill>
@@ -1481,7 +1423,7 @@
     </p:spTree>
     <p:extLst>
       <p:ext uri="{BB962C8B-B14F-4D97-AF65-F5344CB8AC3E}">
-        <p14:creationId xmlns:p14="http://schemas.microsoft.com/office/powerpoint/2010/main" val="473742791"/>
+        <p14:creationId xmlns:p14="http://schemas.microsoft.com/office/powerpoint/2010/main" xmlns="" val="473742791"/>
       </p:ext>
     </p:extLst>
   </p:cSld>
@@ -1609,7 +1551,7 @@
             <a:fld id="{705B44B1-6112-407E-9C4B-9D7CA3639A2D}" type="datetimeFigureOut">
               <a:rPr lang="de-DE" smtClean="0"/>
               <a:pPr/>
-              <a:t>20.05.13</a:t>
+              <a:t>23.05.2013</a:t>
             </a:fld>
             <a:endParaRPr lang="de-DE"/>
           </a:p>
@@ -1778,7 +1720,7 @@
     </p:spTree>
     <p:extLst>
       <p:ext uri="{BB962C8B-B14F-4D97-AF65-F5344CB8AC3E}">
-        <p14:creationId xmlns:p14="http://schemas.microsoft.com/office/powerpoint/2010/main" val="1687810716"/>
+        <p14:creationId xmlns:p14="http://schemas.microsoft.com/office/powerpoint/2010/main" xmlns="" val="1687810716"/>
       </p:ext>
     </p:extLst>
   </p:cSld>
@@ -1895,7 +1837,7 @@
     </p:spTree>
     <p:extLst>
       <p:ext uri="{BB962C8B-B14F-4D97-AF65-F5344CB8AC3E}">
-        <p14:creationId xmlns:p14="http://schemas.microsoft.com/office/powerpoint/2010/main" val="4140983553"/>
+        <p14:creationId xmlns:p14="http://schemas.microsoft.com/office/powerpoint/2010/main" xmlns="" val="4140983553"/>
       </p:ext>
     </p:extLst>
   </p:cSld>
@@ -3570,7 +3512,7 @@
           <a:blip r:embed="rId12" cstate="print">
             <a:extLst>
               <a:ext uri="{28A0092B-C50C-407E-A947-70E740481C1C}">
-                <a14:useLocalDpi xmlns:a14="http://schemas.microsoft.com/office/drawing/2010/main" val="0"/>
+                <a14:useLocalDpi xmlns:a14="http://schemas.microsoft.com/office/drawing/2010/main" xmlns="" val="0"/>
               </a:ext>
             </a:extLst>
           </a:blip>
@@ -3593,14 +3535,14 @@
           </a:ln>
           <a:extLst>
             <a:ext uri="{909E8E84-426E-40dd-AFC4-6F175D3DCCD1}">
-              <a14:hiddenFill xmlns:a14="http://schemas.microsoft.com/office/drawing/2010/main">
+              <a14:hiddenFill xmlns:a14="http://schemas.microsoft.com/office/drawing/2010/main" xmlns="">
                 <a:solidFill>
                   <a:srgbClr val="FFFFFF"/>
                 </a:solidFill>
               </a14:hiddenFill>
             </a:ext>
             <a:ext uri="{91240B29-F687-4f45-9708-019B960494DF}">
-              <a14:hiddenLine xmlns:a14="http://schemas.microsoft.com/office/drawing/2010/main" w="9525">
+              <a14:hiddenLine xmlns:a14="http://schemas.microsoft.com/office/drawing/2010/main" xmlns="" w="9525">
                 <a:solidFill>
                   <a:srgbClr val="000000"/>
                 </a:solidFill>
@@ -3624,7 +3566,7 @@
           <a:blip r:embed="rId13" cstate="print">
             <a:extLst>
               <a:ext uri="{28A0092B-C50C-407E-A947-70E740481C1C}">
-                <a14:useLocalDpi xmlns:a14="http://schemas.microsoft.com/office/drawing/2010/main" val="0"/>
+                <a14:useLocalDpi xmlns:a14="http://schemas.microsoft.com/office/drawing/2010/main" xmlns="" val="0"/>
               </a:ext>
             </a:extLst>
           </a:blip>
@@ -3647,14 +3589,14 @@
           </a:ln>
           <a:extLst>
             <a:ext uri="{909E8E84-426E-40dd-AFC4-6F175D3DCCD1}">
-              <a14:hiddenFill xmlns:a14="http://schemas.microsoft.com/office/drawing/2010/main">
+              <a14:hiddenFill xmlns:a14="http://schemas.microsoft.com/office/drawing/2010/main" xmlns="">
                 <a:solidFill>
                   <a:srgbClr val="FFFFFF"/>
                 </a:solidFill>
               </a14:hiddenFill>
             </a:ext>
             <a:ext uri="{91240B29-F687-4f45-9708-019B960494DF}">
-              <a14:hiddenLine xmlns:a14="http://schemas.microsoft.com/office/drawing/2010/main" w="9525">
+              <a14:hiddenLine xmlns:a14="http://schemas.microsoft.com/office/drawing/2010/main" xmlns="" w="9525">
                 <a:solidFill>
                   <a:srgbClr val="000000"/>
                 </a:solidFill>
@@ -3692,7 +3634,7 @@
           </a:ln>
           <a:extLst>
             <a:ext uri="{91240B29-F687-4f45-9708-019B960494DF}">
-              <a14:hiddenLine xmlns:a14="http://schemas.microsoft.com/office/drawing/2010/main" w="9525">
+              <a14:hiddenLine xmlns:a14="http://schemas.microsoft.com/office/drawing/2010/main" xmlns="" w="9525">
                 <a:solidFill>
                   <a:srgbClr val="000000"/>
                 </a:solidFill>
@@ -3735,14 +3677,14 @@
           </a:ln>
           <a:extLst>
             <a:ext uri="{909E8E84-426E-40dd-AFC4-6F175D3DCCD1}">
-              <a14:hiddenFill xmlns:a14="http://schemas.microsoft.com/office/drawing/2010/main">
+              <a14:hiddenFill xmlns:a14="http://schemas.microsoft.com/office/drawing/2010/main" xmlns="">
                 <a:solidFill>
                   <a:srgbClr val="FFFFFF"/>
                 </a:solidFill>
               </a14:hiddenFill>
             </a:ext>
             <a:ext uri="{91240B29-F687-4f45-9708-019B960494DF}">
-              <a14:hiddenLine xmlns:a14="http://schemas.microsoft.com/office/drawing/2010/main" w="9525">
+              <a14:hiddenLine xmlns:a14="http://schemas.microsoft.com/office/drawing/2010/main" xmlns="" w="9525">
                 <a:solidFill>
                   <a:srgbClr val="000000"/>
                 </a:solidFill>
@@ -3874,14 +3816,14 @@
           </a:ln>
           <a:extLst>
             <a:ext uri="{909E8E84-426E-40dd-AFC4-6F175D3DCCD1}">
-              <a14:hiddenFill xmlns:a14="http://schemas.microsoft.com/office/drawing/2010/main">
+              <a14:hiddenFill xmlns:a14="http://schemas.microsoft.com/office/drawing/2010/main" xmlns="">
                 <a:solidFill>
                   <a:srgbClr val="FFFFFF"/>
                 </a:solidFill>
               </a14:hiddenFill>
             </a:ext>
             <a:ext uri="{91240B29-F687-4f45-9708-019B960494DF}">
-              <a14:hiddenLine xmlns:a14="http://schemas.microsoft.com/office/drawing/2010/main" w="9525">
+              <a14:hiddenLine xmlns:a14="http://schemas.microsoft.com/office/drawing/2010/main" xmlns="" w="9525">
                 <a:solidFill>
                   <a:srgbClr val="000000"/>
                 </a:solidFill>
@@ -3989,7 +3931,7 @@
           <a:blip r:embed="rId14" cstate="print">
             <a:extLst>
               <a:ext uri="{28A0092B-C50C-407E-A947-70E740481C1C}">
-                <a14:useLocalDpi xmlns:a14="http://schemas.microsoft.com/office/drawing/2010/main" val="0"/>
+                <a14:useLocalDpi xmlns:a14="http://schemas.microsoft.com/office/drawing/2010/main" xmlns="" val="0"/>
               </a:ext>
             </a:extLst>
           </a:blip>
@@ -4012,14 +3954,14 @@
           </a:ln>
           <a:extLst>
             <a:ext uri="{909E8E84-426E-40dd-AFC4-6F175D3DCCD1}">
-              <a14:hiddenFill xmlns:a14="http://schemas.microsoft.com/office/drawing/2010/main">
+              <a14:hiddenFill xmlns:a14="http://schemas.microsoft.com/office/drawing/2010/main" xmlns="">
                 <a:solidFill>
                   <a:srgbClr val="FFFFFF"/>
                 </a:solidFill>
               </a14:hiddenFill>
             </a:ext>
             <a:ext uri="{91240B29-F687-4f45-9708-019B960494DF}">
-              <a14:hiddenLine xmlns:a14="http://schemas.microsoft.com/office/drawing/2010/main" w="9525">
+              <a14:hiddenLine xmlns:a14="http://schemas.microsoft.com/office/drawing/2010/main" xmlns="" w="9525">
                 <a:solidFill>
                   <a:srgbClr val="000000"/>
                 </a:solidFill>
@@ -4629,13 +4571,20 @@
     </p:spTree>
     <p:extLst>
       <p:ext uri="{BB962C8B-B14F-4D97-AF65-F5344CB8AC3E}">
-        <p14:creationId xmlns:p14="http://schemas.microsoft.com/office/powerpoint/2010/main" val="3892161252"/>
+        <p14:creationId xmlns:p14="http://schemas.microsoft.com/office/powerpoint/2010/main" xmlns="" val="3892161252"/>
       </p:ext>
     </p:extLst>
   </p:cSld>
   <p:clrMapOvr>
     <a:masterClrMapping/>
   </p:clrMapOvr>
+  <p:timing>
+    <p:tnLst>
+      <p:par>
+        <p:cTn id="1" dur="indefinite" restart="never" nodeType="tmRoot"/>
+      </p:par>
+    </p:tnLst>
+  </p:timing>
 </p:sld>
 </file>
 
@@ -4697,7 +4646,7 @@
           <a:blip r:embed="rId2" cstate="print">
             <a:extLst>
               <a:ext uri="{28A0092B-C50C-407E-A947-70E740481C1C}">
-                <a14:useLocalDpi xmlns:a14="http://schemas.microsoft.com/office/drawing/2010/main" val="0"/>
+                <a14:useLocalDpi xmlns:a14="http://schemas.microsoft.com/office/drawing/2010/main" xmlns="" val="0"/>
               </a:ext>
             </a:extLst>
           </a:blip>
@@ -4733,14 +4682,14 @@
           </a:ln>
           <a:extLst>
             <a:ext uri="{909E8E84-426E-40dd-AFC4-6F175D3DCCD1}">
-              <a14:hiddenFill xmlns:a14="http://schemas.microsoft.com/office/drawing/2010/main">
+              <a14:hiddenFill xmlns:a14="http://schemas.microsoft.com/office/drawing/2010/main" xmlns="">
                 <a:solidFill>
                   <a:srgbClr val="FFFFFF"/>
                 </a:solidFill>
               </a14:hiddenFill>
             </a:ext>
             <a:ext uri="{91240B29-F687-4f45-9708-019B960494DF}">
-              <a14:hiddenLine xmlns:a14="http://schemas.microsoft.com/office/drawing/2010/main" w="9525">
+              <a14:hiddenLine xmlns:a14="http://schemas.microsoft.com/office/drawing/2010/main" xmlns="" w="9525">
                 <a:solidFill>
                   <a:srgbClr val="000000"/>
                 </a:solidFill>
@@ -4998,13 +4947,20 @@
     </p:spTree>
     <p:extLst>
       <p:ext uri="{BB962C8B-B14F-4D97-AF65-F5344CB8AC3E}">
-        <p14:creationId xmlns:p14="http://schemas.microsoft.com/office/powerpoint/2010/main" val="4252503780"/>
+        <p14:creationId xmlns:p14="http://schemas.microsoft.com/office/powerpoint/2010/main" xmlns="" val="4252503780"/>
       </p:ext>
     </p:extLst>
   </p:cSld>
   <p:clrMapOvr>
     <a:masterClrMapping/>
   </p:clrMapOvr>
+  <p:timing>
+    <p:tnLst>
+      <p:par>
+        <p:cTn id="1" dur="indefinite" restart="never" nodeType="tmRoot"/>
+      </p:par>
+    </p:tnLst>
+  </p:timing>
 </p:sld>
 </file>
 
@@ -5136,7 +5092,7 @@
   <p:timing>
     <p:tnLst>
       <p:par>
-        <p:cTn xmlns:p14="http://schemas.microsoft.com/office/powerpoint/2010/main" id="1" dur="indefinite" restart="never" nodeType="tmRoot"/>
+        <p:cTn id="1" dur="indefinite" restart="never" nodeType="tmRoot"/>
       </p:par>
     </p:tnLst>
   </p:timing>
@@ -5268,10 +5224,36 @@
           </a:p>
         </p:txBody>
       </p:sp>
+      <p:pic>
+        <p:nvPicPr>
+          <p:cNvPr id="1026" name="Picture 2" descr="http://2.bp.blogspot.com/-InzVlxJBkR4/UBv6nmkyrsI/AAAAAAAABYc/lTavNA_MDwc/s1600/Goal%2Bicons.jpg"/>
+          <p:cNvPicPr>
+            <a:picLocks noChangeAspect="1" noChangeArrowheads="1"/>
+          </p:cNvPicPr>
+          <p:nvPr/>
+        </p:nvPicPr>
+        <p:blipFill>
+          <a:blip r:embed="rId2" cstate="print"/>
+          <a:srcRect l="5381" t="16250" r="4397" b="17829"/>
+          <a:stretch>
+            <a:fillRect/>
+          </a:stretch>
+        </p:blipFill>
+        <p:spPr bwMode="auto">
+          <a:xfrm>
+            <a:off x="5855108" y="4129537"/>
+            <a:ext cx="2967212" cy="2168013"/>
+          </a:xfrm>
+          <a:prstGeom prst="rect">
+            <a:avLst/>
+          </a:prstGeom>
+          <a:noFill/>
+        </p:spPr>
+      </p:pic>
     </p:spTree>
     <p:extLst>
       <p:ext uri="{BB962C8B-B14F-4D97-AF65-F5344CB8AC3E}">
-        <p14:creationId xmlns:p14="http://schemas.microsoft.com/office/powerpoint/2010/main" val="2589692261"/>
+        <p14:creationId xmlns:p14="http://schemas.microsoft.com/office/powerpoint/2010/main" xmlns="" val="2589692261"/>
       </p:ext>
     </p:extLst>
   </p:cSld>
@@ -5281,7 +5263,7 @@
   <p:timing>
     <p:tnLst>
       <p:par>
-        <p:cTn xmlns:p14="http://schemas.microsoft.com/office/powerpoint/2010/main" id="1" dur="indefinite" restart="never" nodeType="tmRoot"/>
+        <p:cTn id="1" dur="indefinite" restart="never" nodeType="tmRoot"/>
       </p:par>
     </p:tnLst>
   </p:timing>
@@ -5338,7 +5320,12 @@
             <p:ph idx="1"/>
           </p:nvPr>
         </p:nvSpPr>
-        <p:spPr/>
+        <p:spPr>
+          <a:xfrm>
+            <a:off x="2241805" y="1623952"/>
+            <a:ext cx="5486298" cy="4555613"/>
+          </a:xfrm>
+        </p:spPr>
         <p:txBody>
           <a:bodyPr/>
           <a:lstStyle/>
@@ -5349,14 +5336,14 @@
               </a:lnSpc>
             </a:pPr>
             <a:r>
-              <a:rPr lang="de-DE" dirty="0" smtClean="0"/>
+              <a:rPr lang="de-DE" b="1" dirty="0" smtClean="0"/>
               <a:t>BBC Match Report </a:t>
             </a:r>
             <a:r>
-              <a:rPr lang="de-DE" dirty="0" err="1" smtClean="0"/>
+              <a:rPr lang="de-DE" b="1" dirty="0" err="1" smtClean="0"/>
               <a:t>Crawling</a:t>
             </a:r>
-            <a:endParaRPr lang="de-DE" dirty="0" smtClean="0"/>
+            <a:endParaRPr lang="de-DE" b="1" dirty="0" smtClean="0"/>
           </a:p>
           <a:p>
             <a:pPr>
@@ -5365,18 +5352,18 @@
               </a:lnSpc>
             </a:pPr>
             <a:r>
-              <a:rPr lang="de-DE" dirty="0" err="1" smtClean="0"/>
+              <a:rPr lang="de-DE" b="1" dirty="0" err="1" smtClean="0"/>
               <a:t>Preprocessing</a:t>
             </a:r>
             <a:r>
-              <a:rPr lang="de-DE" dirty="0" smtClean="0"/>
+              <a:rPr lang="de-DE" b="1" dirty="0" smtClean="0"/>
               <a:t> </a:t>
             </a:r>
             <a:r>
-              <a:rPr lang="de-DE" dirty="0" err="1" smtClean="0"/>
+              <a:rPr lang="de-DE" b="1" dirty="0" err="1" smtClean="0"/>
               <a:t>Steps</a:t>
             </a:r>
-            <a:endParaRPr lang="de-DE" dirty="0" smtClean="0"/>
+            <a:endParaRPr lang="de-DE" b="1" dirty="0" smtClean="0"/>
           </a:p>
           <a:p>
             <a:pPr>
@@ -5385,7 +5372,7 @@
               </a:lnSpc>
             </a:pPr>
             <a:r>
-              <a:rPr lang="de-DE" dirty="0" smtClean="0"/>
+              <a:rPr lang="de-DE" b="1" dirty="0" smtClean="0"/>
               <a:t>Data Set Properties</a:t>
             </a:r>
           </a:p>
@@ -5396,11 +5383,11 @@
               </a:lnSpc>
             </a:pPr>
             <a:r>
-              <a:rPr lang="de-DE" dirty="0" err="1" smtClean="0"/>
+              <a:rPr lang="de-DE" b="1" dirty="0" err="1" smtClean="0"/>
               <a:t>Classification</a:t>
             </a:r>
             <a:r>
-              <a:rPr lang="de-DE" dirty="0" smtClean="0"/>
+              <a:rPr lang="de-DE" b="1" dirty="0" smtClean="0"/>
               <a:t> &amp; Validation</a:t>
             </a:r>
           </a:p>
@@ -5411,37 +5398,214 @@
               </a:lnSpc>
             </a:pPr>
             <a:r>
-              <a:rPr lang="de-DE" dirty="0" err="1" smtClean="0"/>
+              <a:rPr lang="de-DE" b="1" dirty="0" err="1" smtClean="0"/>
               <a:t>Example</a:t>
             </a:r>
             <a:r>
-              <a:rPr lang="de-DE" dirty="0" smtClean="0"/>
+              <a:rPr lang="de-DE" b="1" dirty="0" smtClean="0"/>
               <a:t> </a:t>
             </a:r>
             <a:r>
-              <a:rPr lang="de-DE" dirty="0" err="1" smtClean="0"/>
+              <a:rPr lang="de-DE" b="1" dirty="0" err="1" smtClean="0"/>
               <a:t>Application</a:t>
             </a:r>
-            <a:endParaRPr lang="de-DE" dirty="0" smtClean="0"/>
-          </a:p>
-          <a:p>
-            <a:endParaRPr lang="de-DE" dirty="0" smtClean="0"/>
-          </a:p>
-          <a:p>
-            <a:endParaRPr lang="de-DE" dirty="0"/>
+            <a:endParaRPr lang="de-DE" b="1" dirty="0" smtClean="0"/>
+          </a:p>
+          <a:p>
+            <a:endParaRPr lang="de-DE" b="1" dirty="0" smtClean="0"/>
+          </a:p>
+          <a:p>
+            <a:endParaRPr lang="de-DE" b="1" dirty="0"/>
           </a:p>
         </p:txBody>
       </p:sp>
+      <p:pic>
+        <p:nvPicPr>
+          <p:cNvPr id="10242" name="Picture 2" descr="Football Icon"/>
+          <p:cNvPicPr>
+            <a:picLocks noChangeAspect="1" noChangeArrowheads="1"/>
+          </p:cNvPicPr>
+          <p:nvPr/>
+        </p:nvPicPr>
+        <p:blipFill>
+          <a:blip r:embed="rId2" cstate="print">
+            <a:duotone>
+              <a:prstClr val="black"/>
+              <a:schemeClr val="accent1">
+                <a:tint val="45000"/>
+                <a:satMod val="400000"/>
+              </a:schemeClr>
+            </a:duotone>
+          </a:blip>
+          <a:srcRect/>
+          <a:stretch>
+            <a:fillRect/>
+          </a:stretch>
+        </p:blipFill>
+        <p:spPr bwMode="auto">
+          <a:xfrm>
+            <a:off x="2212313" y="1932032"/>
+            <a:ext cx="272025" cy="272025"/>
+          </a:xfrm>
+          <a:prstGeom prst="rect">
+            <a:avLst/>
+          </a:prstGeom>
+          <a:noFill/>
+        </p:spPr>
+      </p:pic>
+      <p:pic>
+        <p:nvPicPr>
+          <p:cNvPr id="6" name="Picture 2" descr="Football Icon"/>
+          <p:cNvPicPr>
+            <a:picLocks noChangeAspect="1" noChangeArrowheads="1"/>
+          </p:cNvPicPr>
+          <p:nvPr/>
+        </p:nvPicPr>
+        <p:blipFill>
+          <a:blip r:embed="rId2" cstate="print">
+            <a:duotone>
+              <a:prstClr val="black"/>
+              <a:schemeClr val="accent1">
+                <a:tint val="45000"/>
+                <a:satMod val="400000"/>
+              </a:schemeClr>
+            </a:duotone>
+          </a:blip>
+          <a:srcRect/>
+          <a:stretch>
+            <a:fillRect/>
+          </a:stretch>
+        </p:blipFill>
+        <p:spPr bwMode="auto">
+          <a:xfrm>
+            <a:off x="2217233" y="2748092"/>
+            <a:ext cx="272025" cy="272025"/>
+          </a:xfrm>
+          <a:prstGeom prst="rect">
+            <a:avLst/>
+          </a:prstGeom>
+          <a:noFill/>
+        </p:spPr>
+      </p:pic>
+      <p:pic>
+        <p:nvPicPr>
+          <p:cNvPr id="7" name="Picture 2" descr="Football Icon"/>
+          <p:cNvPicPr>
+            <a:picLocks noChangeAspect="1" noChangeArrowheads="1"/>
+          </p:cNvPicPr>
+          <p:nvPr/>
+        </p:nvPicPr>
+        <p:blipFill>
+          <a:blip r:embed="rId2" cstate="print">
+            <a:duotone>
+              <a:prstClr val="black"/>
+              <a:schemeClr val="accent1">
+                <a:tint val="45000"/>
+                <a:satMod val="400000"/>
+              </a:schemeClr>
+            </a:duotone>
+          </a:blip>
+          <a:srcRect/>
+          <a:stretch>
+            <a:fillRect/>
+          </a:stretch>
+        </p:blipFill>
+        <p:spPr bwMode="auto">
+          <a:xfrm>
+            <a:off x="2207405" y="3519908"/>
+            <a:ext cx="272025" cy="272025"/>
+          </a:xfrm>
+          <a:prstGeom prst="rect">
+            <a:avLst/>
+          </a:prstGeom>
+          <a:noFill/>
+        </p:spPr>
+      </p:pic>
+      <p:pic>
+        <p:nvPicPr>
+          <p:cNvPr id="8" name="Picture 2" descr="Football Icon"/>
+          <p:cNvPicPr>
+            <a:picLocks noChangeAspect="1" noChangeArrowheads="1"/>
+          </p:cNvPicPr>
+          <p:nvPr/>
+        </p:nvPicPr>
+        <p:blipFill>
+          <a:blip r:embed="rId2" cstate="print">
+            <a:duotone>
+              <a:prstClr val="black"/>
+              <a:schemeClr val="accent1">
+                <a:tint val="45000"/>
+                <a:satMod val="400000"/>
+              </a:schemeClr>
+            </a:duotone>
+          </a:blip>
+          <a:srcRect/>
+          <a:stretch>
+            <a:fillRect/>
+          </a:stretch>
+        </p:blipFill>
+        <p:spPr bwMode="auto">
+          <a:xfrm>
+            <a:off x="2212309" y="4336017"/>
+            <a:ext cx="272025" cy="272025"/>
+          </a:xfrm>
+          <a:prstGeom prst="rect">
+            <a:avLst/>
+          </a:prstGeom>
+          <a:noFill/>
+        </p:spPr>
+      </p:pic>
+      <p:pic>
+        <p:nvPicPr>
+          <p:cNvPr id="9" name="Picture 2" descr="Football Icon"/>
+          <p:cNvPicPr>
+            <a:picLocks noChangeAspect="1" noChangeArrowheads="1"/>
+          </p:cNvPicPr>
+          <p:nvPr/>
+        </p:nvPicPr>
+        <p:blipFill>
+          <a:blip r:embed="rId2" cstate="print">
+            <a:duotone>
+              <a:prstClr val="black"/>
+              <a:schemeClr val="accent1">
+                <a:tint val="45000"/>
+                <a:satMod val="400000"/>
+              </a:schemeClr>
+            </a:duotone>
+          </a:blip>
+          <a:srcRect/>
+          <a:stretch>
+            <a:fillRect/>
+          </a:stretch>
+        </p:blipFill>
+        <p:spPr bwMode="auto">
+          <a:xfrm>
+            <a:off x="2222153" y="5132429"/>
+            <a:ext cx="272025" cy="272025"/>
+          </a:xfrm>
+          <a:prstGeom prst="rect">
+            <a:avLst/>
+          </a:prstGeom>
+          <a:noFill/>
+        </p:spPr>
+      </p:pic>
     </p:spTree>
     <p:extLst>
       <p:ext uri="{BB962C8B-B14F-4D97-AF65-F5344CB8AC3E}">
-        <p14:creationId xmlns:p14="http://schemas.microsoft.com/office/powerpoint/2010/main" val="3180181714"/>
+        <p14:creationId xmlns:p14="http://schemas.microsoft.com/office/powerpoint/2010/main" xmlns="" val="3180181714"/>
       </p:ext>
     </p:extLst>
   </p:cSld>
   <p:clrMapOvr>
     <a:masterClrMapping/>
   </p:clrMapOvr>
+  <p:timing>
+    <p:tnLst>
+      <p:par>
+        <p:cTn id="1" dur="indefinite" restart="never" nodeType="tmRoot"/>
+      </p:par>
+    </p:tnLst>
+  </p:timing>
 </p:sld>
 </file>
 
@@ -5500,49 +5664,74 @@
           <a:bodyPr/>
           <a:lstStyle/>
           <a:p>
-            <a:endParaRPr lang="de-DE" dirty="0" smtClean="0"/>
-          </a:p>
-          <a:p>
-            <a:r>
-              <a:rPr lang="de-DE" dirty="0" err="1" smtClean="0"/>
-              <a:t>Classification</a:t>
-            </a:r>
-            <a:r>
-              <a:rPr lang="de-DE" dirty="0" smtClean="0"/>
-              <a:t> </a:t>
-            </a:r>
-            <a:r>
-              <a:rPr lang="de-DE" dirty="0" err="1" smtClean="0"/>
-              <a:t>of</a:t>
-            </a:r>
-            <a:r>
-              <a:rPr lang="de-DE" dirty="0" smtClean="0"/>
-              <a:t> </a:t>
-            </a:r>
-            <a:r>
-              <a:rPr lang="de-DE" dirty="0" err="1" smtClean="0"/>
-              <a:t>sentences</a:t>
-            </a:r>
-            <a:endParaRPr lang="de-DE" dirty="0" smtClean="0"/>
+            <a:endParaRPr lang="en-US" dirty="0" smtClean="0"/>
+          </a:p>
+          <a:p>
+            <a:r>
+              <a:rPr lang="en-US" dirty="0" smtClean="0"/>
+              <a:t>Conclude semi-automated training data from seeds</a:t>
+            </a:r>
+          </a:p>
+          <a:p>
+            <a:endParaRPr lang="en-US" dirty="0" smtClean="0"/>
+          </a:p>
+          <a:p>
+            <a:r>
+              <a:rPr lang="en-US" dirty="0" smtClean="0"/>
+              <a:t>Supervised Classification of sentences</a:t>
+            </a:r>
           </a:p>
           <a:p>
             <a:pPr marL="0" indent="0">
               <a:buNone/>
             </a:pPr>
-            <a:endParaRPr lang="de-DE" dirty="0"/>
+            <a:endParaRPr lang="en-US" dirty="0"/>
           </a:p>
         </p:txBody>
       </p:sp>
+      <p:pic>
+        <p:nvPicPr>
+          <p:cNvPr id="9218" name="Picture 2" descr="http://image.shutterstock.com/display_pic_with_logo/382936/382936,1270134315,1/stock-vector-soccer-field-with-detailed-goal-and-grass-vector-illustration-50032246.jpg"/>
+          <p:cNvPicPr>
+            <a:picLocks noChangeAspect="1" noChangeArrowheads="1"/>
+          </p:cNvPicPr>
+          <p:nvPr/>
+        </p:nvPicPr>
+        <p:blipFill>
+          <a:blip r:embed="rId2" cstate="print"/>
+          <a:srcRect b="5761"/>
+          <a:stretch>
+            <a:fillRect/>
+          </a:stretch>
+        </p:blipFill>
+        <p:spPr bwMode="auto">
+          <a:xfrm>
+            <a:off x="6371302" y="4020503"/>
+            <a:ext cx="2377277" cy="2140742"/>
+          </a:xfrm>
+          <a:prstGeom prst="rect">
+            <a:avLst/>
+          </a:prstGeom>
+          <a:noFill/>
+        </p:spPr>
+      </p:pic>
     </p:spTree>
     <p:extLst>
       <p:ext uri="{BB962C8B-B14F-4D97-AF65-F5344CB8AC3E}">
-        <p14:creationId xmlns:p14="http://schemas.microsoft.com/office/powerpoint/2010/main" val="1789964828"/>
+        <p14:creationId xmlns:p14="http://schemas.microsoft.com/office/powerpoint/2010/main" xmlns="" val="1789964828"/>
       </p:ext>
     </p:extLst>
   </p:cSld>
   <p:clrMapOvr>
     <a:masterClrMapping/>
   </p:clrMapOvr>
+  <p:timing>
+    <p:tnLst>
+      <p:par>
+        <p:cTn id="1" dur="indefinite" restart="never" nodeType="tmRoot"/>
+      </p:par>
+    </p:tnLst>
+  </p:timing>
 </p:sld>
 </file>
 
@@ -5958,13 +6147,20 @@
     </p:spTree>
     <p:extLst>
       <p:ext uri="{BB962C8B-B14F-4D97-AF65-F5344CB8AC3E}">
-        <p14:creationId xmlns:p14="http://schemas.microsoft.com/office/powerpoint/2010/main" val="2170195699"/>
+        <p14:creationId xmlns:p14="http://schemas.microsoft.com/office/powerpoint/2010/main" xmlns="" val="2170195699"/>
       </p:ext>
     </p:extLst>
   </p:cSld>
   <p:clrMapOvr>
     <a:masterClrMapping/>
   </p:clrMapOvr>
+  <p:timing>
+    <p:tnLst>
+      <p:par>
+        <p:cTn id="1" dur="indefinite" restart="never" nodeType="tmRoot"/>
+      </p:par>
+    </p:tnLst>
+  </p:timing>
 </p:sld>
 </file>
 
@@ -6140,13 +6336,20 @@
     </p:spTree>
     <p:extLst>
       <p:ext uri="{BB962C8B-B14F-4D97-AF65-F5344CB8AC3E}">
-        <p14:creationId xmlns:p14="http://schemas.microsoft.com/office/powerpoint/2010/main" val="634696858"/>
+        <p14:creationId xmlns:p14="http://schemas.microsoft.com/office/powerpoint/2010/main" xmlns="" val="634696858"/>
       </p:ext>
     </p:extLst>
   </p:cSld>
   <p:clrMapOvr>
     <a:masterClrMapping/>
   </p:clrMapOvr>
+  <p:timing>
+    <p:tnLst>
+      <p:par>
+        <p:cTn id="1" dur="indefinite" restart="never" nodeType="tmRoot"/>
+      </p:par>
+    </p:tnLst>
+  </p:timing>
 </p:sld>
 </file>
 
@@ -6574,13 +6777,20 @@
     </p:spTree>
     <p:extLst>
       <p:ext uri="{BB962C8B-B14F-4D97-AF65-F5344CB8AC3E}">
-        <p14:creationId xmlns:p14="http://schemas.microsoft.com/office/powerpoint/2010/main" val="3962257012"/>
+        <p14:creationId xmlns:p14="http://schemas.microsoft.com/office/powerpoint/2010/main" xmlns="" val="3962257012"/>
       </p:ext>
     </p:extLst>
   </p:cSld>
   <p:clrMapOvr>
     <a:masterClrMapping/>
   </p:clrMapOvr>
+  <p:timing>
+    <p:tnLst>
+      <p:par>
+        <p:cTn id="1" dur="indefinite" restart="never" nodeType="tmRoot"/>
+      </p:par>
+    </p:tnLst>
+  </p:timing>
 </p:sld>
 </file>
 
@@ -7091,13 +7301,20 @@
     </p:spTree>
     <p:extLst>
       <p:ext uri="{BB962C8B-B14F-4D97-AF65-F5344CB8AC3E}">
-        <p14:creationId xmlns:p14="http://schemas.microsoft.com/office/powerpoint/2010/main" val="1637646173"/>
+        <p14:creationId xmlns:p14="http://schemas.microsoft.com/office/powerpoint/2010/main" xmlns="" val="1637646173"/>
       </p:ext>
     </p:extLst>
   </p:cSld>
   <p:clrMapOvr>
     <a:masterClrMapping/>
   </p:clrMapOvr>
+  <p:timing>
+    <p:tnLst>
+      <p:par>
+        <p:cTn id="1" dur="indefinite" restart="never" nodeType="tmRoot"/>
+      </p:par>
+    </p:tnLst>
+  </p:timing>
 </p:sld>
 </file>
 
@@ -7235,13 +7452,20 @@
     </p:spTree>
     <p:extLst>
       <p:ext uri="{BB962C8B-B14F-4D97-AF65-F5344CB8AC3E}">
-        <p14:creationId xmlns:p14="http://schemas.microsoft.com/office/powerpoint/2010/main" val="1733460933"/>
+        <p14:creationId xmlns:p14="http://schemas.microsoft.com/office/powerpoint/2010/main" xmlns="" val="1733460933"/>
       </p:ext>
     </p:extLst>
   </p:cSld>
   <p:clrMapOvr>
     <a:masterClrMapping/>
   </p:clrMapOvr>
+  <p:timing>
+    <p:tnLst>
+      <p:par>
+        <p:cTn id="1" dur="indefinite" restart="never" nodeType="tmRoot"/>
+      </p:par>
+    </p:tnLst>
+  </p:timing>
 </p:sld>
 </file>
 
@@ -7281,10 +7505,10 @@
           <p:nvPr/>
         </p:nvPicPr>
         <p:blipFill>
-          <a:blip r:embed="rId2">
+          <a:blip r:embed="rId2" cstate="print">
             <a:extLst>
               <a:ext uri="{28A0092B-C50C-407E-A947-70E740481C1C}">
-                <a14:useLocalDpi xmlns:a14="http://schemas.microsoft.com/office/drawing/2010/main" val="0"/>
+                <a14:useLocalDpi xmlns:a14="http://schemas.microsoft.com/office/drawing/2010/main" xmlns="" val="0"/>
               </a:ext>
             </a:extLst>
           </a:blip>
@@ -7422,13 +7646,20 @@
     </p:spTree>
     <p:extLst>
       <p:ext uri="{BB962C8B-B14F-4D97-AF65-F5344CB8AC3E}">
-        <p14:creationId xmlns:p14="http://schemas.microsoft.com/office/powerpoint/2010/main" val="475931585"/>
+        <p14:creationId xmlns:p14="http://schemas.microsoft.com/office/powerpoint/2010/main" xmlns="" val="475931585"/>
       </p:ext>
     </p:extLst>
   </p:cSld>
   <p:clrMapOvr>
     <a:masterClrMapping/>
   </p:clrMapOvr>
+  <p:timing>
+    <p:tnLst>
+      <p:par>
+        <p:cTn id="1" dur="indefinite" restart="never" nodeType="tmRoot"/>
+      </p:par>
+    </p:tnLst>
+  </p:timing>
 </p:sld>
 </file>
 

--- a/LaTeX/Presentation/Presentation.pptx
+++ b/LaTeX/Presentation/Presentation.pptx
@@ -123,13 +123,24 @@
 
 <file path=ppt/charts/chart1.xml><?xml version="1.0" encoding="utf-8"?>
 <c:chartSpace xmlns:c="http://schemas.openxmlformats.org/drawingml/2006/chart" xmlns:a="http://schemas.openxmlformats.org/drawingml/2006/main" xmlns:r="http://schemas.openxmlformats.org/officeDocument/2006/relationships">
+  <c:date1904 val="0"/>
   <c:lang val="de-DE"/>
+  <c:roundedCorners val="0"/>
+  <mc:AlternateContent xmlns:mc="http://schemas.openxmlformats.org/markup-compatibility/2006">
+    <mc:Choice xmlns:c14="http://schemas.microsoft.com/office/drawing/2007/8/2/chart" Requires="c14">
+      <c14:style val="102"/>
+    </mc:Choice>
+    <mc:Fallback>
+      <c:style val="2"/>
+    </mc:Fallback>
+  </mc:AlternateContent>
   <c:chart>
     <c:autoTitleDeleted val="1"/>
     <c:plotArea>
       <c:layout/>
       <c:scatterChart>
         <c:scatterStyle val="lineMarker"/>
+        <c:varyColors val="0"/>
         <c:ser>
           <c:idx val="0"/>
           <c:order val="0"/>
@@ -169,6 +180,7 @@
                 </a:ln>
               </c:spPr>
             </c:marker>
+            <c:bubble3D val="0"/>
           </c:dPt>
           <c:dPt>
             <c:idx val="1"/>
@@ -184,6 +196,7 @@
                 </a:ln>
               </c:spPr>
             </c:marker>
+            <c:bubble3D val="0"/>
           </c:dPt>
           <c:xVal>
             <c:numRef>
@@ -195,7 +208,7 @@
                   <c:v>0.34</c:v>
                 </c:pt>
                 <c:pt idx="1">
-                  <c:v>0.66000000000000014</c:v>
+                  <c:v>0.66</c:v>
                 </c:pt>
               </c:numCache>
             </c:numRef>
@@ -207,7 +220,7 @@
                 <c:formatCode>General</c:formatCode>
                 <c:ptCount val="2"/>
                 <c:pt idx="0">
-                  <c:v>0.75000000000000011</c:v>
+                  <c:v>0.75</c:v>
                 </c:pt>
                 <c:pt idx="1">
                   <c:v>0.25</c:v>
@@ -215,6 +228,7 @@
               </c:numCache>
             </c:numRef>
           </c:yVal>
+          <c:smooth val="0"/>
         </c:ser>
         <c:ser>
           <c:idx val="2"/>
@@ -255,6 +269,7 @@
                 </a:ln>
               </c:spPr>
             </c:marker>
+            <c:bubble3D val="0"/>
           </c:dPt>
           <c:dPt>
             <c:idx val="1"/>
@@ -270,6 +285,7 @@
                 </a:ln>
               </c:spPr>
             </c:marker>
+            <c:bubble3D val="0"/>
           </c:dPt>
           <c:dLbls>
             <c:txPr>
@@ -282,8 +298,13 @@
                 <a:endParaRPr lang="de-DE"/>
               </a:p>
             </c:txPr>
+            <c:showLegendKey val="0"/>
             <c:showVal val="1"/>
             <c:showCatName val="1"/>
+            <c:showSerName val="0"/>
+            <c:showPercent val="0"/>
+            <c:showBubbleSize val="0"/>
+            <c:showLeaderLines val="0"/>
           </c:dLbls>
           <c:xVal>
             <c:numRef>
@@ -292,10 +313,10 @@
                 <c:formatCode>General</c:formatCode>
                 <c:ptCount val="2"/>
                 <c:pt idx="0">
-                  <c:v>0.33000000000000007</c:v>
+                  <c:v>0.33</c:v>
                 </c:pt>
                 <c:pt idx="1">
-                  <c:v>0.67000000000000015</c:v>
+                  <c:v>0.67</c:v>
                 </c:pt>
               </c:numCache>
             </c:numRef>
@@ -307,7 +328,7 @@
                 <c:formatCode>General</c:formatCode>
                 <c:ptCount val="2"/>
                 <c:pt idx="0">
-                  <c:v>0.75000000000000011</c:v>
+                  <c:v>0.75</c:v>
                 </c:pt>
                 <c:pt idx="1">
                   <c:v>0.25</c:v>
@@ -315,6 +336,7 @@
               </c:numCache>
             </c:numRef>
           </c:yVal>
+          <c:smooth val="0"/>
         </c:ser>
         <c:ser>
           <c:idx val="4"/>
@@ -359,6 +381,7 @@
                 </a:ln>
               </c:spPr>
             </c:marker>
+            <c:bubble3D val="0"/>
           </c:dPt>
           <c:dPt>
             <c:idx val="1"/>
@@ -376,18 +399,23 @@
                 </a:ln>
               </c:spPr>
             </c:marker>
+            <c:bubble3D val="0"/>
           </c:dPt>
           <c:dLbls>
             <c:dLbl>
               <c:idx val="0"/>
               <c:layout>
                 <c:manualLayout>
-                  <c:x val="-8.4436548925328925E-2"/>
-                  <c:y val="-3.8647342995169108E-2"/>
+                  <c:x val="-0.0844365489253289"/>
+                  <c:y val="-0.0386473429951691"/>
                 </c:manualLayout>
               </c:layout>
+              <c:showLegendKey val="0"/>
               <c:showVal val="1"/>
               <c:showCatName val="1"/>
+              <c:showSerName val="0"/>
+              <c:showPercent val="0"/>
+              <c:showBubbleSize val="0"/>
             </c:dLbl>
             <c:txPr>
               <a:bodyPr/>
@@ -399,8 +427,13 @@
                 <a:endParaRPr lang="de-DE"/>
               </a:p>
             </c:txPr>
+            <c:showLegendKey val="0"/>
             <c:showVal val="1"/>
             <c:showCatName val="1"/>
+            <c:showSerName val="0"/>
+            <c:showPercent val="0"/>
+            <c:showBubbleSize val="0"/>
+            <c:showLeaderLines val="0"/>
           </c:dLbls>
           <c:xVal>
             <c:numRef>
@@ -409,7 +442,7 @@
                 <c:formatCode>General</c:formatCode>
                 <c:ptCount val="2"/>
                 <c:pt idx="0">
-                  <c:v>0.64000000000000012</c:v>
+                  <c:v>0.64</c:v>
                 </c:pt>
                 <c:pt idx="1">
                   <c:v>0.88</c:v>
@@ -427,11 +460,12 @@
                   <c:v>0.92</c:v>
                 </c:pt>
                 <c:pt idx="1">
-                  <c:v>0.75000000000000011</c:v>
+                  <c:v>0.75</c:v>
                 </c:pt>
               </c:numCache>
             </c:numRef>
           </c:yVal>
+          <c:smooth val="0"/>
         </c:ser>
         <c:ser>
           <c:idx val="6"/>
@@ -472,6 +506,7 @@
                 </a:ln>
               </c:spPr>
             </c:marker>
+            <c:bubble3D val="0"/>
             <c:spPr>
               <a:ln w="28575">
                 <a:solidFill>
@@ -494,6 +529,7 @@
                 </a:ln>
               </c:spPr>
             </c:marker>
+            <c:bubble3D val="0"/>
           </c:dPt>
           <c:dLbls>
             <c:txPr>
@@ -506,8 +542,13 @@
                 <a:endParaRPr lang="de-DE"/>
               </a:p>
             </c:txPr>
+            <c:showLegendKey val="0"/>
             <c:showVal val="1"/>
             <c:showCatName val="1"/>
+            <c:showSerName val="0"/>
+            <c:showPercent val="0"/>
+            <c:showBubbleSize val="0"/>
+            <c:showLeaderLines val="0"/>
           </c:dLbls>
           <c:xVal>
             <c:numRef>
@@ -516,10 +557,10 @@
                 <c:formatCode>General</c:formatCode>
                 <c:ptCount val="2"/>
                 <c:pt idx="0">
-                  <c:v>0.71000000000000008</c:v>
+                  <c:v>0.71</c:v>
                 </c:pt>
                 <c:pt idx="1">
-                  <c:v>0.82000000000000006</c:v>
+                  <c:v>0.82</c:v>
                 </c:pt>
               </c:numCache>
             </c:numRef>
@@ -531,7 +572,7 @@
                 <c:formatCode>General</c:formatCode>
                 <c:ptCount val="2"/>
                 <c:pt idx="0">
-                  <c:v>0.63000000000000012</c:v>
+                  <c:v>0.63</c:v>
                 </c:pt>
                 <c:pt idx="1">
                   <c:v>0.88</c:v>
@@ -539,16 +580,25 @@
               </c:numCache>
             </c:numRef>
           </c:yVal>
+          <c:smooth val="0"/>
         </c:ser>
-        <c:dLbls/>
-        <c:axId val="95154560"/>
-        <c:axId val="95156480"/>
+        <c:dLbls>
+          <c:showLegendKey val="0"/>
+          <c:showVal val="0"/>
+          <c:showCatName val="0"/>
+          <c:showSerName val="0"/>
+          <c:showPercent val="0"/>
+          <c:showBubbleSize val="0"/>
+        </c:dLbls>
+        <c:axId val="2112245480"/>
+        <c:axId val="2112251096"/>
       </c:scatterChart>
       <c:valAx>
-        <c:axId val="95154560"/>
+        <c:axId val="2112245480"/>
         <c:scaling>
           <c:orientation val="minMax"/>
         </c:scaling>
+        <c:delete val="0"/>
         <c:axPos val="b"/>
         <c:title>
           <c:tx>
@@ -567,18 +617,22 @@
             </c:rich>
           </c:tx>
           <c:layout/>
+          <c:overlay val="0"/>
         </c:title>
         <c:numFmt formatCode="General" sourceLinked="1"/>
+        <c:majorTickMark val="out"/>
+        <c:minorTickMark val="none"/>
         <c:tickLblPos val="nextTo"/>
-        <c:crossAx val="95156480"/>
+        <c:crossAx val="2112251096"/>
         <c:crosses val="autoZero"/>
         <c:crossBetween val="midCat"/>
       </c:valAx>
       <c:valAx>
-        <c:axId val="95156480"/>
+        <c:axId val="2112251096"/>
         <c:scaling>
           <c:orientation val="minMax"/>
         </c:scaling>
+        <c:delete val="0"/>
         <c:axPos val="l"/>
         <c:majorGridlines/>
         <c:title>
@@ -598,10 +652,13 @@
             </c:rich>
           </c:tx>
           <c:layout/>
+          <c:overlay val="0"/>
         </c:title>
         <c:numFmt formatCode="General" sourceLinked="1"/>
+        <c:majorTickMark val="out"/>
+        <c:minorTickMark val="none"/>
         <c:tickLblPos val="nextTo"/>
-        <c:crossAx val="95154560"/>
+        <c:crossAx val="2112245480"/>
         <c:crosses val="autoZero"/>
         <c:crossBetween val="midCat"/>
       </c:valAx>
@@ -609,6 +666,7 @@
     <c:legend>
       <c:legendPos val="r"/>
       <c:layout/>
+      <c:overlay val="0"/>
       <c:txPr>
         <a:bodyPr/>
         <a:lstStyle/>
@@ -622,9 +680,3341 @@
     </c:legend>
     <c:plotVisOnly val="1"/>
     <c:dispBlanksAs val="gap"/>
+    <c:showDLblsOverMax val="0"/>
   </c:chart>
-  <c:externalData r:id="rId1"/>
+  <c:externalData r:id="rId1">
+    <c:autoUpdate val="0"/>
+  </c:externalData>
 </c:chartSpace>
+</file>
+
+<file path=ppt/diagrams/colors1.xml><?xml version="1.0" encoding="utf-8"?>
+<dgm:colorsDef xmlns:dgm="http://schemas.openxmlformats.org/drawingml/2006/diagram" xmlns:a="http://schemas.openxmlformats.org/drawingml/2006/main" uniqueId="urn:microsoft.com/office/officeart/2005/8/colors/accent2_2">
+  <dgm:title val=""/>
+  <dgm:desc val=""/>
+  <dgm:catLst>
+    <dgm:cat type="accent2" pri="11200"/>
+  </dgm:catLst>
+  <dgm:styleLbl name="node0">
+    <dgm:fillClrLst meth="repeat">
+      <a:schemeClr val="accent2"/>
+    </dgm:fillClrLst>
+    <dgm:linClrLst meth="repeat">
+      <a:schemeClr val="lt1"/>
+    </dgm:linClrLst>
+    <dgm:effectClrLst/>
+    <dgm:txLinClrLst/>
+    <dgm:txFillClrLst/>
+    <dgm:txEffectClrLst/>
+  </dgm:styleLbl>
+  <dgm:styleLbl name="node1">
+    <dgm:fillClrLst meth="repeat">
+      <a:schemeClr val="accent2"/>
+    </dgm:fillClrLst>
+    <dgm:linClrLst meth="repeat">
+      <a:schemeClr val="lt1"/>
+    </dgm:linClrLst>
+    <dgm:effectClrLst/>
+    <dgm:txLinClrLst/>
+    <dgm:txFillClrLst/>
+    <dgm:txEffectClrLst/>
+  </dgm:styleLbl>
+  <dgm:styleLbl name="alignNode1">
+    <dgm:fillClrLst meth="repeat">
+      <a:schemeClr val="accent2"/>
+    </dgm:fillClrLst>
+    <dgm:linClrLst meth="repeat">
+      <a:schemeClr val="accent2"/>
+    </dgm:linClrLst>
+    <dgm:effectClrLst/>
+    <dgm:txLinClrLst/>
+    <dgm:txFillClrLst/>
+    <dgm:txEffectClrLst/>
+  </dgm:styleLbl>
+  <dgm:styleLbl name="lnNode1">
+    <dgm:fillClrLst meth="repeat">
+      <a:schemeClr val="accent2"/>
+    </dgm:fillClrLst>
+    <dgm:linClrLst meth="repeat">
+      <a:schemeClr val="lt1"/>
+    </dgm:linClrLst>
+    <dgm:effectClrLst/>
+    <dgm:txLinClrLst/>
+    <dgm:txFillClrLst/>
+    <dgm:txEffectClrLst/>
+  </dgm:styleLbl>
+  <dgm:styleLbl name="vennNode1">
+    <dgm:fillClrLst meth="repeat">
+      <a:schemeClr val="accent2">
+        <a:alpha val="50000"/>
+      </a:schemeClr>
+    </dgm:fillClrLst>
+    <dgm:linClrLst meth="repeat">
+      <a:schemeClr val="lt1"/>
+    </dgm:linClrLst>
+    <dgm:effectClrLst/>
+    <dgm:txLinClrLst/>
+    <dgm:txFillClrLst/>
+    <dgm:txEffectClrLst/>
+  </dgm:styleLbl>
+  <dgm:styleLbl name="node2">
+    <dgm:fillClrLst meth="repeat">
+      <a:schemeClr val="accent2"/>
+    </dgm:fillClrLst>
+    <dgm:linClrLst meth="repeat">
+      <a:schemeClr val="lt1"/>
+    </dgm:linClrLst>
+    <dgm:effectClrLst/>
+    <dgm:txLinClrLst/>
+    <dgm:txFillClrLst/>
+    <dgm:txEffectClrLst/>
+  </dgm:styleLbl>
+  <dgm:styleLbl name="node3">
+    <dgm:fillClrLst meth="repeat">
+      <a:schemeClr val="accent2"/>
+    </dgm:fillClrLst>
+    <dgm:linClrLst meth="repeat">
+      <a:schemeClr val="lt1"/>
+    </dgm:linClrLst>
+    <dgm:effectClrLst/>
+    <dgm:txLinClrLst/>
+    <dgm:txFillClrLst/>
+    <dgm:txEffectClrLst/>
+  </dgm:styleLbl>
+  <dgm:styleLbl name="node4">
+    <dgm:fillClrLst meth="repeat">
+      <a:schemeClr val="accent2"/>
+    </dgm:fillClrLst>
+    <dgm:linClrLst meth="repeat">
+      <a:schemeClr val="lt1"/>
+    </dgm:linClrLst>
+    <dgm:effectClrLst/>
+    <dgm:txLinClrLst/>
+    <dgm:txFillClrLst/>
+    <dgm:txEffectClrLst/>
+  </dgm:styleLbl>
+  <dgm:styleLbl name="fgImgPlace1">
+    <dgm:fillClrLst meth="repeat">
+      <a:schemeClr val="accent2">
+        <a:tint val="50000"/>
+      </a:schemeClr>
+    </dgm:fillClrLst>
+    <dgm:linClrLst meth="repeat">
+      <a:schemeClr val="lt1"/>
+    </dgm:linClrLst>
+    <dgm:effectClrLst/>
+    <dgm:txLinClrLst/>
+    <dgm:txFillClrLst meth="repeat">
+      <a:schemeClr val="lt1"/>
+    </dgm:txFillClrLst>
+    <dgm:txEffectClrLst/>
+  </dgm:styleLbl>
+  <dgm:styleLbl name="alignImgPlace1">
+    <dgm:fillClrLst meth="repeat">
+      <a:schemeClr val="accent2">
+        <a:tint val="50000"/>
+      </a:schemeClr>
+    </dgm:fillClrLst>
+    <dgm:linClrLst meth="repeat">
+      <a:schemeClr val="lt1"/>
+    </dgm:linClrLst>
+    <dgm:effectClrLst/>
+    <dgm:txLinClrLst/>
+    <dgm:txFillClrLst meth="repeat">
+      <a:schemeClr val="lt1"/>
+    </dgm:txFillClrLst>
+    <dgm:txEffectClrLst/>
+  </dgm:styleLbl>
+  <dgm:styleLbl name="bgImgPlace1">
+    <dgm:fillClrLst meth="repeat">
+      <a:schemeClr val="accent2">
+        <a:tint val="50000"/>
+      </a:schemeClr>
+    </dgm:fillClrLst>
+    <dgm:linClrLst meth="repeat">
+      <a:schemeClr val="lt1"/>
+    </dgm:linClrLst>
+    <dgm:effectClrLst/>
+    <dgm:txLinClrLst/>
+    <dgm:txFillClrLst meth="repeat">
+      <a:schemeClr val="lt1"/>
+    </dgm:txFillClrLst>
+    <dgm:txEffectClrLst/>
+  </dgm:styleLbl>
+  <dgm:styleLbl name="sibTrans2D1">
+    <dgm:fillClrLst meth="repeat">
+      <a:schemeClr val="accent2">
+        <a:tint val="60000"/>
+      </a:schemeClr>
+    </dgm:fillClrLst>
+    <dgm:linClrLst meth="repeat">
+      <a:schemeClr val="accent2">
+        <a:tint val="60000"/>
+      </a:schemeClr>
+    </dgm:linClrLst>
+    <dgm:effectClrLst/>
+    <dgm:txLinClrLst/>
+    <dgm:txFillClrLst/>
+    <dgm:txEffectClrLst/>
+  </dgm:styleLbl>
+  <dgm:styleLbl name="fgSibTrans2D1">
+    <dgm:fillClrLst meth="repeat">
+      <a:schemeClr val="accent2">
+        <a:tint val="60000"/>
+      </a:schemeClr>
+    </dgm:fillClrLst>
+    <dgm:linClrLst meth="repeat">
+      <a:schemeClr val="accent2">
+        <a:tint val="60000"/>
+      </a:schemeClr>
+    </dgm:linClrLst>
+    <dgm:effectClrLst/>
+    <dgm:txLinClrLst/>
+    <dgm:txFillClrLst/>
+    <dgm:txEffectClrLst/>
+  </dgm:styleLbl>
+  <dgm:styleLbl name="bgSibTrans2D1">
+    <dgm:fillClrLst meth="repeat">
+      <a:schemeClr val="accent2">
+        <a:tint val="60000"/>
+      </a:schemeClr>
+    </dgm:fillClrLst>
+    <dgm:linClrLst meth="repeat">
+      <a:schemeClr val="accent2">
+        <a:tint val="60000"/>
+      </a:schemeClr>
+    </dgm:linClrLst>
+    <dgm:effectClrLst/>
+    <dgm:txLinClrLst/>
+    <dgm:txFillClrLst/>
+    <dgm:txEffectClrLst/>
+  </dgm:styleLbl>
+  <dgm:styleLbl name="sibTrans1D1">
+    <dgm:fillClrLst meth="repeat">
+      <a:schemeClr val="accent2"/>
+    </dgm:fillClrLst>
+    <dgm:linClrLst meth="repeat">
+      <a:schemeClr val="accent2"/>
+    </dgm:linClrLst>
+    <dgm:effectClrLst/>
+    <dgm:txLinClrLst/>
+    <dgm:txFillClrLst meth="repeat">
+      <a:schemeClr val="tx1"/>
+    </dgm:txFillClrLst>
+    <dgm:txEffectClrLst/>
+  </dgm:styleLbl>
+  <dgm:styleLbl name="callout">
+    <dgm:fillClrLst meth="repeat">
+      <a:schemeClr val="accent2"/>
+    </dgm:fillClrLst>
+    <dgm:linClrLst meth="repeat">
+      <a:schemeClr val="accent2">
+        <a:tint val="50000"/>
+      </a:schemeClr>
+    </dgm:linClrLst>
+    <dgm:effectClrLst/>
+    <dgm:txLinClrLst/>
+    <dgm:txFillClrLst meth="repeat">
+      <a:schemeClr val="tx1"/>
+    </dgm:txFillClrLst>
+    <dgm:txEffectClrLst/>
+  </dgm:styleLbl>
+  <dgm:styleLbl name="asst0">
+    <dgm:fillClrLst meth="repeat">
+      <a:schemeClr val="accent2"/>
+    </dgm:fillClrLst>
+    <dgm:linClrLst meth="repeat">
+      <a:schemeClr val="lt1"/>
+    </dgm:linClrLst>
+    <dgm:effectClrLst/>
+    <dgm:txLinClrLst/>
+    <dgm:txFillClrLst/>
+    <dgm:txEffectClrLst/>
+  </dgm:styleLbl>
+  <dgm:styleLbl name="asst1">
+    <dgm:fillClrLst meth="repeat">
+      <a:schemeClr val="accent2"/>
+    </dgm:fillClrLst>
+    <dgm:linClrLst meth="repeat">
+      <a:schemeClr val="lt1"/>
+    </dgm:linClrLst>
+    <dgm:effectClrLst/>
+    <dgm:txLinClrLst/>
+    <dgm:txFillClrLst/>
+    <dgm:txEffectClrLst/>
+  </dgm:styleLbl>
+  <dgm:styleLbl name="asst2">
+    <dgm:fillClrLst meth="repeat">
+      <a:schemeClr val="accent2"/>
+    </dgm:fillClrLst>
+    <dgm:linClrLst meth="repeat">
+      <a:schemeClr val="lt1"/>
+    </dgm:linClrLst>
+    <dgm:effectClrLst/>
+    <dgm:txLinClrLst/>
+    <dgm:txFillClrLst/>
+    <dgm:txEffectClrLst/>
+  </dgm:styleLbl>
+  <dgm:styleLbl name="asst3">
+    <dgm:fillClrLst meth="repeat">
+      <a:schemeClr val="accent2"/>
+    </dgm:fillClrLst>
+    <dgm:linClrLst meth="repeat">
+      <a:schemeClr val="lt1"/>
+    </dgm:linClrLst>
+    <dgm:effectClrLst/>
+    <dgm:txLinClrLst/>
+    <dgm:txFillClrLst/>
+    <dgm:txEffectClrLst/>
+  </dgm:styleLbl>
+  <dgm:styleLbl name="asst4">
+    <dgm:fillClrLst meth="repeat">
+      <a:schemeClr val="accent2"/>
+    </dgm:fillClrLst>
+    <dgm:linClrLst meth="repeat">
+      <a:schemeClr val="lt1"/>
+    </dgm:linClrLst>
+    <dgm:effectClrLst/>
+    <dgm:txLinClrLst/>
+    <dgm:txFillClrLst/>
+    <dgm:txEffectClrLst/>
+  </dgm:styleLbl>
+  <dgm:styleLbl name="parChTrans2D1">
+    <dgm:fillClrLst meth="repeat">
+      <a:schemeClr val="accent2">
+        <a:tint val="60000"/>
+      </a:schemeClr>
+    </dgm:fillClrLst>
+    <dgm:linClrLst meth="repeat">
+      <a:schemeClr val="accent2">
+        <a:tint val="60000"/>
+      </a:schemeClr>
+    </dgm:linClrLst>
+    <dgm:effectClrLst/>
+    <dgm:txLinClrLst/>
+    <dgm:txFillClrLst meth="repeat">
+      <a:schemeClr val="lt1"/>
+    </dgm:txFillClrLst>
+    <dgm:txEffectClrLst/>
+  </dgm:styleLbl>
+  <dgm:styleLbl name="parChTrans2D2">
+    <dgm:fillClrLst meth="repeat">
+      <a:schemeClr val="accent2"/>
+    </dgm:fillClrLst>
+    <dgm:linClrLst meth="repeat">
+      <a:schemeClr val="accent2"/>
+    </dgm:linClrLst>
+    <dgm:effectClrLst/>
+    <dgm:txLinClrLst/>
+    <dgm:txFillClrLst meth="repeat">
+      <a:schemeClr val="lt1"/>
+    </dgm:txFillClrLst>
+    <dgm:txEffectClrLst/>
+  </dgm:styleLbl>
+  <dgm:styleLbl name="parChTrans2D3">
+    <dgm:fillClrLst meth="repeat">
+      <a:schemeClr val="accent2"/>
+    </dgm:fillClrLst>
+    <dgm:linClrLst meth="repeat">
+      <a:schemeClr val="accent2"/>
+    </dgm:linClrLst>
+    <dgm:effectClrLst/>
+    <dgm:txLinClrLst/>
+    <dgm:txFillClrLst meth="repeat">
+      <a:schemeClr val="lt1"/>
+    </dgm:txFillClrLst>
+    <dgm:txEffectClrLst/>
+  </dgm:styleLbl>
+  <dgm:styleLbl name="parChTrans2D4">
+    <dgm:fillClrLst meth="repeat">
+      <a:schemeClr val="accent2"/>
+    </dgm:fillClrLst>
+    <dgm:linClrLst meth="repeat">
+      <a:schemeClr val="accent2"/>
+    </dgm:linClrLst>
+    <dgm:effectClrLst/>
+    <dgm:txLinClrLst/>
+    <dgm:txFillClrLst meth="repeat">
+      <a:schemeClr val="lt1"/>
+    </dgm:txFillClrLst>
+    <dgm:txEffectClrLst/>
+  </dgm:styleLbl>
+  <dgm:styleLbl name="parChTrans1D1">
+    <dgm:fillClrLst meth="repeat">
+      <a:schemeClr val="accent2"/>
+    </dgm:fillClrLst>
+    <dgm:linClrLst meth="repeat">
+      <a:schemeClr val="accent2">
+        <a:shade val="60000"/>
+      </a:schemeClr>
+    </dgm:linClrLst>
+    <dgm:effectClrLst/>
+    <dgm:txLinClrLst/>
+    <dgm:txFillClrLst meth="repeat">
+      <a:schemeClr val="tx1"/>
+    </dgm:txFillClrLst>
+    <dgm:txEffectClrLst/>
+  </dgm:styleLbl>
+  <dgm:styleLbl name="parChTrans1D2">
+    <dgm:fillClrLst meth="repeat">
+      <a:schemeClr val="accent2"/>
+    </dgm:fillClrLst>
+    <dgm:linClrLst meth="repeat">
+      <a:schemeClr val="accent2">
+        <a:shade val="60000"/>
+      </a:schemeClr>
+    </dgm:linClrLst>
+    <dgm:effectClrLst/>
+    <dgm:txLinClrLst/>
+    <dgm:txFillClrLst meth="repeat">
+      <a:schemeClr val="tx1"/>
+    </dgm:txFillClrLst>
+    <dgm:txEffectClrLst/>
+  </dgm:styleLbl>
+  <dgm:styleLbl name="parChTrans1D3">
+    <dgm:fillClrLst meth="repeat">
+      <a:schemeClr val="accent2"/>
+    </dgm:fillClrLst>
+    <dgm:linClrLst meth="repeat">
+      <a:schemeClr val="accent2">
+        <a:shade val="80000"/>
+      </a:schemeClr>
+    </dgm:linClrLst>
+    <dgm:effectClrLst/>
+    <dgm:txLinClrLst/>
+    <dgm:txFillClrLst meth="repeat">
+      <a:schemeClr val="tx1"/>
+    </dgm:txFillClrLst>
+    <dgm:txEffectClrLst/>
+  </dgm:styleLbl>
+  <dgm:styleLbl name="parChTrans1D4">
+    <dgm:fillClrLst meth="repeat">
+      <a:schemeClr val="accent2"/>
+    </dgm:fillClrLst>
+    <dgm:linClrLst meth="repeat">
+      <a:schemeClr val="accent2">
+        <a:shade val="80000"/>
+      </a:schemeClr>
+    </dgm:linClrLst>
+    <dgm:effectClrLst/>
+    <dgm:txLinClrLst/>
+    <dgm:txFillClrLst meth="repeat">
+      <a:schemeClr val="tx1"/>
+    </dgm:txFillClrLst>
+    <dgm:txEffectClrLst/>
+  </dgm:styleLbl>
+  <dgm:styleLbl name="fgAcc1">
+    <dgm:fillClrLst meth="repeat">
+      <a:schemeClr val="lt1">
+        <a:alpha val="90000"/>
+      </a:schemeClr>
+    </dgm:fillClrLst>
+    <dgm:linClrLst meth="repeat">
+      <a:schemeClr val="accent2"/>
+    </dgm:linClrLst>
+    <dgm:effectClrLst/>
+    <dgm:txLinClrLst/>
+    <dgm:txFillClrLst meth="repeat">
+      <a:schemeClr val="dk1"/>
+    </dgm:txFillClrLst>
+    <dgm:txEffectClrLst/>
+  </dgm:styleLbl>
+  <dgm:styleLbl name="conFgAcc1">
+    <dgm:fillClrLst meth="repeat">
+      <a:schemeClr val="lt1">
+        <a:alpha val="90000"/>
+      </a:schemeClr>
+    </dgm:fillClrLst>
+    <dgm:linClrLst meth="repeat">
+      <a:schemeClr val="accent2"/>
+    </dgm:linClrLst>
+    <dgm:effectClrLst/>
+    <dgm:txLinClrLst/>
+    <dgm:txFillClrLst meth="repeat">
+      <a:schemeClr val="dk1"/>
+    </dgm:txFillClrLst>
+    <dgm:txEffectClrLst/>
+  </dgm:styleLbl>
+  <dgm:styleLbl name="alignAcc1">
+    <dgm:fillClrLst meth="repeat">
+      <a:schemeClr val="lt1">
+        <a:alpha val="90000"/>
+      </a:schemeClr>
+    </dgm:fillClrLst>
+    <dgm:linClrLst meth="repeat">
+      <a:schemeClr val="accent2"/>
+    </dgm:linClrLst>
+    <dgm:effectClrLst/>
+    <dgm:txLinClrLst/>
+    <dgm:txFillClrLst meth="repeat">
+      <a:schemeClr val="dk1"/>
+    </dgm:txFillClrLst>
+    <dgm:txEffectClrLst/>
+  </dgm:styleLbl>
+  <dgm:styleLbl name="trAlignAcc1">
+    <dgm:fillClrLst meth="repeat">
+      <a:schemeClr val="lt1">
+        <a:alpha val="40000"/>
+      </a:schemeClr>
+    </dgm:fillClrLst>
+    <dgm:linClrLst meth="repeat">
+      <a:schemeClr val="accent2"/>
+    </dgm:linClrLst>
+    <dgm:effectClrLst/>
+    <dgm:txLinClrLst/>
+    <dgm:txFillClrLst meth="repeat">
+      <a:schemeClr val="dk1"/>
+    </dgm:txFillClrLst>
+    <dgm:txEffectClrLst/>
+  </dgm:styleLbl>
+  <dgm:styleLbl name="bgAcc1">
+    <dgm:fillClrLst meth="repeat">
+      <a:schemeClr val="lt1">
+        <a:alpha val="90000"/>
+      </a:schemeClr>
+    </dgm:fillClrLst>
+    <dgm:linClrLst meth="repeat">
+      <a:schemeClr val="accent2"/>
+    </dgm:linClrLst>
+    <dgm:effectClrLst/>
+    <dgm:txLinClrLst/>
+    <dgm:txFillClrLst meth="repeat">
+      <a:schemeClr val="dk1"/>
+    </dgm:txFillClrLst>
+    <dgm:txEffectClrLst/>
+  </dgm:styleLbl>
+  <dgm:styleLbl name="solidFgAcc1">
+    <dgm:fillClrLst meth="repeat">
+      <a:schemeClr val="lt1"/>
+    </dgm:fillClrLst>
+    <dgm:linClrLst meth="repeat">
+      <a:schemeClr val="accent2"/>
+    </dgm:linClrLst>
+    <dgm:effectClrLst/>
+    <dgm:txLinClrLst/>
+    <dgm:txFillClrLst meth="repeat">
+      <a:schemeClr val="dk1"/>
+    </dgm:txFillClrLst>
+    <dgm:txEffectClrLst/>
+  </dgm:styleLbl>
+  <dgm:styleLbl name="solidAlignAcc1">
+    <dgm:fillClrLst meth="repeat">
+      <a:schemeClr val="lt1"/>
+    </dgm:fillClrLst>
+    <dgm:linClrLst meth="repeat">
+      <a:schemeClr val="accent2"/>
+    </dgm:linClrLst>
+    <dgm:effectClrLst/>
+    <dgm:txLinClrLst/>
+    <dgm:txFillClrLst meth="repeat">
+      <a:schemeClr val="dk1"/>
+    </dgm:txFillClrLst>
+    <dgm:txEffectClrLst/>
+  </dgm:styleLbl>
+  <dgm:styleLbl name="solidBgAcc1">
+    <dgm:fillClrLst meth="repeat">
+      <a:schemeClr val="lt1"/>
+    </dgm:fillClrLst>
+    <dgm:linClrLst meth="repeat">
+      <a:schemeClr val="accent2"/>
+    </dgm:linClrLst>
+    <dgm:effectClrLst/>
+    <dgm:txLinClrLst/>
+    <dgm:txFillClrLst meth="repeat">
+      <a:schemeClr val="dk1"/>
+    </dgm:txFillClrLst>
+    <dgm:txEffectClrLst/>
+  </dgm:styleLbl>
+  <dgm:styleLbl name="fgAccFollowNode1">
+    <dgm:fillClrLst meth="repeat">
+      <a:schemeClr val="accent2">
+        <a:alpha val="90000"/>
+        <a:tint val="40000"/>
+      </a:schemeClr>
+    </dgm:fillClrLst>
+    <dgm:linClrLst meth="repeat">
+      <a:schemeClr val="accent2">
+        <a:alpha val="90000"/>
+        <a:tint val="40000"/>
+      </a:schemeClr>
+    </dgm:linClrLst>
+    <dgm:effectClrLst/>
+    <dgm:txLinClrLst/>
+    <dgm:txFillClrLst meth="repeat">
+      <a:schemeClr val="dk1"/>
+    </dgm:txFillClrLst>
+    <dgm:txEffectClrLst/>
+  </dgm:styleLbl>
+  <dgm:styleLbl name="alignAccFollowNode1">
+    <dgm:fillClrLst meth="repeat">
+      <a:schemeClr val="accent2">
+        <a:alpha val="90000"/>
+        <a:tint val="40000"/>
+      </a:schemeClr>
+    </dgm:fillClrLst>
+    <dgm:linClrLst meth="repeat">
+      <a:schemeClr val="accent2">
+        <a:alpha val="90000"/>
+        <a:tint val="40000"/>
+      </a:schemeClr>
+    </dgm:linClrLst>
+    <dgm:effectClrLst/>
+    <dgm:txLinClrLst/>
+    <dgm:txFillClrLst meth="repeat">
+      <a:schemeClr val="dk1"/>
+    </dgm:txFillClrLst>
+    <dgm:txEffectClrLst/>
+  </dgm:styleLbl>
+  <dgm:styleLbl name="bgAccFollowNode1">
+    <dgm:fillClrLst meth="repeat">
+      <a:schemeClr val="accent2">
+        <a:alpha val="90000"/>
+        <a:tint val="40000"/>
+      </a:schemeClr>
+    </dgm:fillClrLst>
+    <dgm:linClrLst meth="repeat">
+      <a:schemeClr val="accent2">
+        <a:alpha val="90000"/>
+        <a:tint val="40000"/>
+      </a:schemeClr>
+    </dgm:linClrLst>
+    <dgm:effectClrLst/>
+    <dgm:txLinClrLst/>
+    <dgm:txFillClrLst meth="repeat">
+      <a:schemeClr val="dk1"/>
+    </dgm:txFillClrLst>
+    <dgm:txEffectClrLst/>
+  </dgm:styleLbl>
+  <dgm:styleLbl name="fgAcc0">
+    <dgm:fillClrLst meth="repeat">
+      <a:schemeClr val="lt1">
+        <a:alpha val="90000"/>
+      </a:schemeClr>
+    </dgm:fillClrLst>
+    <dgm:linClrLst meth="repeat">
+      <a:schemeClr val="accent2"/>
+    </dgm:linClrLst>
+    <dgm:effectClrLst/>
+    <dgm:txLinClrLst/>
+    <dgm:txFillClrLst meth="repeat">
+      <a:schemeClr val="dk1"/>
+    </dgm:txFillClrLst>
+    <dgm:txEffectClrLst/>
+  </dgm:styleLbl>
+  <dgm:styleLbl name="fgAcc2">
+    <dgm:fillClrLst meth="repeat">
+      <a:schemeClr val="lt1">
+        <a:alpha val="90000"/>
+      </a:schemeClr>
+    </dgm:fillClrLst>
+    <dgm:linClrLst meth="repeat">
+      <a:schemeClr val="accent2"/>
+    </dgm:linClrLst>
+    <dgm:effectClrLst/>
+    <dgm:txLinClrLst/>
+    <dgm:txFillClrLst meth="repeat">
+      <a:schemeClr val="dk1"/>
+    </dgm:txFillClrLst>
+    <dgm:txEffectClrLst/>
+  </dgm:styleLbl>
+  <dgm:styleLbl name="fgAcc3">
+    <dgm:fillClrLst meth="repeat">
+      <a:schemeClr val="lt1">
+        <a:alpha val="90000"/>
+      </a:schemeClr>
+    </dgm:fillClrLst>
+    <dgm:linClrLst meth="repeat">
+      <a:schemeClr val="accent2"/>
+    </dgm:linClrLst>
+    <dgm:effectClrLst/>
+    <dgm:txLinClrLst/>
+    <dgm:txFillClrLst meth="repeat">
+      <a:schemeClr val="dk1"/>
+    </dgm:txFillClrLst>
+    <dgm:txEffectClrLst/>
+  </dgm:styleLbl>
+  <dgm:styleLbl name="fgAcc4">
+    <dgm:fillClrLst meth="repeat">
+      <a:schemeClr val="lt1">
+        <a:alpha val="90000"/>
+      </a:schemeClr>
+    </dgm:fillClrLst>
+    <dgm:linClrLst meth="repeat">
+      <a:schemeClr val="accent2"/>
+    </dgm:linClrLst>
+    <dgm:effectClrLst/>
+    <dgm:txLinClrLst/>
+    <dgm:txFillClrLst meth="repeat">
+      <a:schemeClr val="dk1"/>
+    </dgm:txFillClrLst>
+    <dgm:txEffectClrLst/>
+  </dgm:styleLbl>
+  <dgm:styleLbl name="bgShp">
+    <dgm:fillClrLst meth="repeat">
+      <a:schemeClr val="accent2">
+        <a:tint val="40000"/>
+      </a:schemeClr>
+    </dgm:fillClrLst>
+    <dgm:linClrLst meth="repeat">
+      <a:schemeClr val="accent2"/>
+    </dgm:linClrLst>
+    <dgm:effectClrLst/>
+    <dgm:txLinClrLst/>
+    <dgm:txFillClrLst meth="repeat">
+      <a:schemeClr val="dk1"/>
+    </dgm:txFillClrLst>
+    <dgm:txEffectClrLst/>
+  </dgm:styleLbl>
+  <dgm:styleLbl name="dkBgShp">
+    <dgm:fillClrLst meth="repeat">
+      <a:schemeClr val="accent2">
+        <a:shade val="80000"/>
+      </a:schemeClr>
+    </dgm:fillClrLst>
+    <dgm:linClrLst meth="repeat">
+      <a:schemeClr val="accent2"/>
+    </dgm:linClrLst>
+    <dgm:effectClrLst/>
+    <dgm:txLinClrLst/>
+    <dgm:txFillClrLst meth="repeat">
+      <a:schemeClr val="lt1"/>
+    </dgm:txFillClrLst>
+    <dgm:txEffectClrLst/>
+  </dgm:styleLbl>
+  <dgm:styleLbl name="trBgShp">
+    <dgm:fillClrLst meth="repeat">
+      <a:schemeClr val="accent2">
+        <a:tint val="50000"/>
+        <a:alpha val="40000"/>
+      </a:schemeClr>
+    </dgm:fillClrLst>
+    <dgm:linClrLst meth="repeat">
+      <a:schemeClr val="accent2"/>
+    </dgm:linClrLst>
+    <dgm:effectClrLst/>
+    <dgm:txLinClrLst/>
+    <dgm:txFillClrLst meth="repeat">
+      <a:schemeClr val="lt1"/>
+    </dgm:txFillClrLst>
+    <dgm:txEffectClrLst/>
+  </dgm:styleLbl>
+  <dgm:styleLbl name="fgShp">
+    <dgm:fillClrLst meth="repeat">
+      <a:schemeClr val="accent2">
+        <a:tint val="60000"/>
+      </a:schemeClr>
+    </dgm:fillClrLst>
+    <dgm:linClrLst meth="repeat">
+      <a:schemeClr val="lt1"/>
+    </dgm:linClrLst>
+    <dgm:effectClrLst/>
+    <dgm:txLinClrLst/>
+    <dgm:txFillClrLst meth="repeat">
+      <a:schemeClr val="dk1"/>
+    </dgm:txFillClrLst>
+    <dgm:txEffectClrLst/>
+  </dgm:styleLbl>
+  <dgm:styleLbl name="revTx">
+    <dgm:fillClrLst meth="repeat">
+      <a:schemeClr val="lt1">
+        <a:alpha val="0"/>
+      </a:schemeClr>
+    </dgm:fillClrLst>
+    <dgm:linClrLst meth="repeat">
+      <a:schemeClr val="dk1">
+        <a:alpha val="0"/>
+      </a:schemeClr>
+    </dgm:linClrLst>
+    <dgm:effectClrLst/>
+    <dgm:txLinClrLst/>
+    <dgm:txFillClrLst meth="repeat">
+      <a:schemeClr val="tx1"/>
+    </dgm:txFillClrLst>
+    <dgm:txEffectClrLst/>
+  </dgm:styleLbl>
+</dgm:colorsDef>
+</file>
+
+<file path=ppt/diagrams/data1.xml><?xml version="1.0" encoding="utf-8"?>
+<dgm:dataModel xmlns:dgm="http://schemas.openxmlformats.org/drawingml/2006/diagram" xmlns:a="http://schemas.openxmlformats.org/drawingml/2006/main">
+  <dgm:ptLst>
+    <dgm:pt modelId="{05BEB49C-D0F8-AA45-930F-44B11F48037C}" type="doc">
+      <dgm:prSet loTypeId="urn:microsoft.com/office/officeart/2005/8/layout/radial4" loCatId="" qsTypeId="urn:microsoft.com/office/officeart/2005/8/quickstyle/simple4" qsCatId="simple" csTypeId="urn:microsoft.com/office/officeart/2005/8/colors/accent2_2" csCatId="accent2" phldr="1"/>
+      <dgm:spPr/>
+      <dgm:t>
+        <a:bodyPr/>
+        <a:lstStyle/>
+        <a:p>
+          <a:endParaRPr lang="de-DE"/>
+        </a:p>
+      </dgm:t>
+    </dgm:pt>
+    <dgm:pt modelId="{CAF8EFCE-672D-0D47-881A-E40F930E6A20}">
+      <dgm:prSet phldrT="[Text]"/>
+      <dgm:spPr>
+        <a:blipFill rotWithShape="0">
+          <a:blip xmlns:r="http://schemas.openxmlformats.org/officeDocument/2006/relationships" r:embed="rId1">
+            <a:duotone>
+              <a:schemeClr val="accent2">
+                <a:hueOff val="0"/>
+                <a:satOff val="0"/>
+                <a:lumOff val="0"/>
+                <a:alphaOff val="0"/>
+                <a:shade val="20000"/>
+                <a:satMod val="200000"/>
+              </a:schemeClr>
+              <a:schemeClr val="accent2">
+                <a:hueOff val="0"/>
+                <a:satOff val="0"/>
+                <a:lumOff val="0"/>
+                <a:alphaOff val="0"/>
+                <a:tint val="12000"/>
+                <a:satMod val="190000"/>
+              </a:schemeClr>
+            </a:duotone>
+          </a:blip>
+          <a:stretch>
+            <a:fillRect/>
+          </a:stretch>
+        </a:blipFill>
+      </dgm:spPr>
+      <dgm:t>
+        <a:bodyPr/>
+        <a:lstStyle/>
+        <a:p>
+          <a:r>
+            <a:rPr lang="de-DE" b="1" u="none" dirty="0" smtClean="0">
+              <a:solidFill>
+                <a:schemeClr val="tx1"/>
+              </a:solidFill>
+              <a:effectLst>
+                <a:glow rad="254000">
+                  <a:schemeClr val="bg1">
+                    <a:alpha val="75000"/>
+                  </a:schemeClr>
+                </a:glow>
+              </a:effectLst>
+            </a:rPr>
+            <a:t>342 Reports</a:t>
+          </a:r>
+          <a:endParaRPr lang="de-DE" b="1" u="none" dirty="0">
+            <a:solidFill>
+              <a:schemeClr val="tx1"/>
+            </a:solidFill>
+            <a:effectLst>
+              <a:glow rad="254000">
+                <a:schemeClr val="bg1">
+                  <a:alpha val="75000"/>
+                </a:schemeClr>
+              </a:glow>
+            </a:effectLst>
+          </a:endParaRPr>
+        </a:p>
+      </dgm:t>
+    </dgm:pt>
+    <dgm:pt modelId="{F74EB485-C448-9C40-92AB-5685B78F7303}" type="parTrans" cxnId="{00807A82-60A1-BC4C-AC0E-5AAB19697540}">
+      <dgm:prSet/>
+      <dgm:spPr/>
+      <dgm:t>
+        <a:bodyPr/>
+        <a:lstStyle/>
+        <a:p>
+          <a:endParaRPr lang="de-DE"/>
+        </a:p>
+      </dgm:t>
+    </dgm:pt>
+    <dgm:pt modelId="{E809B9AB-2494-5343-8E93-5D2389452A81}" type="sibTrans" cxnId="{00807A82-60A1-BC4C-AC0E-5AAB19697540}">
+      <dgm:prSet/>
+      <dgm:spPr/>
+      <dgm:t>
+        <a:bodyPr/>
+        <a:lstStyle/>
+        <a:p>
+          <a:endParaRPr lang="de-DE"/>
+        </a:p>
+      </dgm:t>
+    </dgm:pt>
+    <dgm:pt modelId="{B951F36F-B67E-B843-8560-EE2959918D99}">
+      <dgm:prSet phldrT="[Text]"/>
+      <dgm:spPr/>
+      <dgm:t>
+        <a:bodyPr/>
+        <a:lstStyle/>
+        <a:p>
+          <a:r>
+            <a:rPr lang="de-DE" dirty="0" smtClean="0"/>
+            <a:t>9,211 </a:t>
+          </a:r>
+          <a:r>
+            <a:rPr lang="de-DE" dirty="0" err="1" smtClean="0"/>
+            <a:t>sentences</a:t>
+          </a:r>
+          <a:endParaRPr lang="de-DE" dirty="0"/>
+        </a:p>
+      </dgm:t>
+    </dgm:pt>
+    <dgm:pt modelId="{8BA8CA21-1FF3-FC4B-8DC5-7A9EC7B03D79}" type="parTrans" cxnId="{0E370569-23C5-A949-AE1E-9FF22CE72105}">
+      <dgm:prSet/>
+      <dgm:spPr/>
+      <dgm:t>
+        <a:bodyPr/>
+        <a:lstStyle/>
+        <a:p>
+          <a:endParaRPr lang="de-DE"/>
+        </a:p>
+      </dgm:t>
+    </dgm:pt>
+    <dgm:pt modelId="{F9D7A352-F0EC-1A4D-8AFA-1EBA823D3CFC}" type="sibTrans" cxnId="{0E370569-23C5-A949-AE1E-9FF22CE72105}">
+      <dgm:prSet/>
+      <dgm:spPr/>
+      <dgm:t>
+        <a:bodyPr/>
+        <a:lstStyle/>
+        <a:p>
+          <a:endParaRPr lang="de-DE"/>
+        </a:p>
+      </dgm:t>
+    </dgm:pt>
+    <dgm:pt modelId="{C9399BB7-E340-3041-BF66-DEB759B06B46}">
+      <dgm:prSet phldrT="[Text]"/>
+      <dgm:spPr/>
+      <dgm:t>
+        <a:bodyPr/>
+        <a:lstStyle/>
+        <a:p>
+          <a:r>
+            <a:rPr lang="de-DE" dirty="0" smtClean="0"/>
+            <a:t>758 positive </a:t>
+          </a:r>
+          <a:r>
+            <a:rPr lang="de-DE" dirty="0" err="1" smtClean="0"/>
+            <a:t>seeds</a:t>
+          </a:r>
+          <a:endParaRPr lang="de-DE" dirty="0"/>
+        </a:p>
+      </dgm:t>
+    </dgm:pt>
+    <dgm:pt modelId="{E3F1D222-9B39-6242-B855-22DBE0BB9257}" type="parTrans" cxnId="{34CF58C4-446A-A246-8D63-C932D97D2A66}">
+      <dgm:prSet/>
+      <dgm:spPr/>
+      <dgm:t>
+        <a:bodyPr/>
+        <a:lstStyle/>
+        <a:p>
+          <a:endParaRPr lang="de-DE"/>
+        </a:p>
+      </dgm:t>
+    </dgm:pt>
+    <dgm:pt modelId="{243EE208-F26C-A045-BDD4-ADF52F3FC89D}" type="sibTrans" cxnId="{34CF58C4-446A-A246-8D63-C932D97D2A66}">
+      <dgm:prSet/>
+      <dgm:spPr/>
+      <dgm:t>
+        <a:bodyPr/>
+        <a:lstStyle/>
+        <a:p>
+          <a:endParaRPr lang="de-DE"/>
+        </a:p>
+      </dgm:t>
+    </dgm:pt>
+    <dgm:pt modelId="{6E60B587-FF86-4C48-8602-44C7975D4237}">
+      <dgm:prSet phldrT="[Text]"/>
+      <dgm:spPr/>
+      <dgm:t>
+        <a:bodyPr/>
+        <a:lstStyle/>
+        <a:p>
+          <a:r>
+            <a:rPr lang="de-DE" dirty="0" smtClean="0"/>
+            <a:t>8,453 </a:t>
+          </a:r>
+          <a:r>
+            <a:rPr lang="de-DE" dirty="0" err="1" smtClean="0"/>
+            <a:t>without</a:t>
+          </a:r>
+          <a:r>
+            <a:rPr lang="de-DE" dirty="0" smtClean="0"/>
+            <a:t> </a:t>
+          </a:r>
+          <a:r>
+            <a:rPr lang="de-DE" dirty="0" err="1" smtClean="0"/>
+            <a:t>goals</a:t>
+          </a:r>
+          <a:endParaRPr lang="de-DE" dirty="0"/>
+        </a:p>
+      </dgm:t>
+    </dgm:pt>
+    <dgm:pt modelId="{4A779E9B-49D0-A44E-8D3F-C1E761C83C50}" type="parTrans" cxnId="{AF748922-1492-5149-BB43-FE4E510EC5E6}">
+      <dgm:prSet/>
+      <dgm:spPr/>
+      <dgm:t>
+        <a:bodyPr/>
+        <a:lstStyle/>
+        <a:p>
+          <a:endParaRPr lang="de-DE"/>
+        </a:p>
+      </dgm:t>
+    </dgm:pt>
+    <dgm:pt modelId="{425CAF24-2D38-124A-99E4-28C2A9DDA7C9}" type="sibTrans" cxnId="{AF748922-1492-5149-BB43-FE4E510EC5E6}">
+      <dgm:prSet/>
+      <dgm:spPr/>
+      <dgm:t>
+        <a:bodyPr/>
+        <a:lstStyle/>
+        <a:p>
+          <a:endParaRPr lang="de-DE"/>
+        </a:p>
+      </dgm:t>
+    </dgm:pt>
+    <dgm:pt modelId="{E926B66C-550C-054E-8989-19F200933851}">
+      <dgm:prSet phldrT="[Text]"/>
+      <dgm:spPr/>
+      <dgm:t>
+        <a:bodyPr/>
+        <a:lstStyle/>
+        <a:p>
+          <a:r>
+            <a:rPr lang="de-DE" dirty="0" smtClean="0"/>
+            <a:t>14 </a:t>
+          </a:r>
+          <a:r>
+            <a:rPr lang="de-DE" dirty="0" err="1" smtClean="0"/>
+            <a:t>rules</a:t>
+          </a:r>
+          <a:endParaRPr lang="de-DE" dirty="0"/>
+        </a:p>
+      </dgm:t>
+    </dgm:pt>
+    <dgm:pt modelId="{BCD6BE43-87C2-4D44-9DB3-755BA961C53A}" type="parTrans" cxnId="{B16F34D1-FE3F-C547-86BC-AF69CD67FCCC}">
+      <dgm:prSet/>
+      <dgm:spPr/>
+      <dgm:t>
+        <a:bodyPr/>
+        <a:lstStyle/>
+        <a:p>
+          <a:endParaRPr lang="de-DE"/>
+        </a:p>
+      </dgm:t>
+    </dgm:pt>
+    <dgm:pt modelId="{C16DE93D-CD8E-164D-A3E4-43BC9BF1FC00}" type="sibTrans" cxnId="{B16F34D1-FE3F-C547-86BC-AF69CD67FCCC}">
+      <dgm:prSet/>
+      <dgm:spPr/>
+      <dgm:t>
+        <a:bodyPr/>
+        <a:lstStyle/>
+        <a:p>
+          <a:endParaRPr lang="de-DE"/>
+        </a:p>
+      </dgm:t>
+    </dgm:pt>
+    <dgm:pt modelId="{BCE953A6-C584-7644-95B4-9596FEAFDCD4}" type="pres">
+      <dgm:prSet presAssocID="{05BEB49C-D0F8-AA45-930F-44B11F48037C}" presName="cycle" presStyleCnt="0">
+        <dgm:presLayoutVars>
+          <dgm:chMax val="1"/>
+          <dgm:dir/>
+          <dgm:animLvl val="ctr"/>
+          <dgm:resizeHandles val="exact"/>
+        </dgm:presLayoutVars>
+      </dgm:prSet>
+      <dgm:spPr/>
+    </dgm:pt>
+    <dgm:pt modelId="{17D483D3-AB5F-7F4D-B620-5494A8BB4BA1}" type="pres">
+      <dgm:prSet presAssocID="{CAF8EFCE-672D-0D47-881A-E40F930E6A20}" presName="centerShape" presStyleLbl="node0" presStyleIdx="0" presStyleCnt="1"/>
+      <dgm:spPr/>
+    </dgm:pt>
+    <dgm:pt modelId="{136966BF-C025-EE47-81A0-1078965307F1}" type="pres">
+      <dgm:prSet presAssocID="{8BA8CA21-1FF3-FC4B-8DC5-7A9EC7B03D79}" presName="parTrans" presStyleLbl="bgSibTrans2D1" presStyleIdx="0" presStyleCnt="4"/>
+      <dgm:spPr/>
+    </dgm:pt>
+    <dgm:pt modelId="{24E8353C-B79E-E141-9D31-CF08B509141C}" type="pres">
+      <dgm:prSet presAssocID="{B951F36F-B67E-B843-8560-EE2959918D99}" presName="node" presStyleLbl="node1" presStyleIdx="0" presStyleCnt="4">
+        <dgm:presLayoutVars>
+          <dgm:bulletEnabled val="1"/>
+        </dgm:presLayoutVars>
+      </dgm:prSet>
+      <dgm:spPr/>
+      <dgm:t>
+        <a:bodyPr/>
+        <a:lstStyle/>
+        <a:p>
+          <a:endParaRPr lang="de-DE"/>
+        </a:p>
+      </dgm:t>
+    </dgm:pt>
+    <dgm:pt modelId="{0465F525-A61B-C849-91C2-7D8447436264}" type="pres">
+      <dgm:prSet presAssocID="{BCD6BE43-87C2-4D44-9DB3-755BA961C53A}" presName="parTrans" presStyleLbl="bgSibTrans2D1" presStyleIdx="1" presStyleCnt="4"/>
+      <dgm:spPr/>
+    </dgm:pt>
+    <dgm:pt modelId="{5F73E637-0DAA-A947-B9BC-3ADF19216050}" type="pres">
+      <dgm:prSet presAssocID="{E926B66C-550C-054E-8989-19F200933851}" presName="node" presStyleLbl="node1" presStyleIdx="1" presStyleCnt="4">
+        <dgm:presLayoutVars>
+          <dgm:bulletEnabled val="1"/>
+        </dgm:presLayoutVars>
+      </dgm:prSet>
+      <dgm:spPr/>
+      <dgm:t>
+        <a:bodyPr/>
+        <a:lstStyle/>
+        <a:p>
+          <a:endParaRPr lang="de-DE"/>
+        </a:p>
+      </dgm:t>
+    </dgm:pt>
+    <dgm:pt modelId="{FC169C05-18BF-3E4B-98A4-5F9F9FB428F2}" type="pres">
+      <dgm:prSet presAssocID="{E3F1D222-9B39-6242-B855-22DBE0BB9257}" presName="parTrans" presStyleLbl="bgSibTrans2D1" presStyleIdx="2" presStyleCnt="4"/>
+      <dgm:spPr/>
+    </dgm:pt>
+    <dgm:pt modelId="{C586679E-518A-0F42-A59F-A42716A0F2C5}" type="pres">
+      <dgm:prSet presAssocID="{C9399BB7-E340-3041-BF66-DEB759B06B46}" presName="node" presStyleLbl="node1" presStyleIdx="2" presStyleCnt="4">
+        <dgm:presLayoutVars>
+          <dgm:bulletEnabled val="1"/>
+        </dgm:presLayoutVars>
+      </dgm:prSet>
+      <dgm:spPr/>
+      <dgm:t>
+        <a:bodyPr/>
+        <a:lstStyle/>
+        <a:p>
+          <a:endParaRPr lang="de-DE"/>
+        </a:p>
+      </dgm:t>
+    </dgm:pt>
+    <dgm:pt modelId="{9529AB03-B277-F242-A40C-FC9549B5AA39}" type="pres">
+      <dgm:prSet presAssocID="{4A779E9B-49D0-A44E-8D3F-C1E761C83C50}" presName="parTrans" presStyleLbl="bgSibTrans2D1" presStyleIdx="3" presStyleCnt="4"/>
+      <dgm:spPr/>
+    </dgm:pt>
+    <dgm:pt modelId="{8C40AB8A-BE71-AF43-BDFB-840ACEFAA9D8}" type="pres">
+      <dgm:prSet presAssocID="{6E60B587-FF86-4C48-8602-44C7975D4237}" presName="node" presStyleLbl="node1" presStyleIdx="3" presStyleCnt="4">
+        <dgm:presLayoutVars>
+          <dgm:bulletEnabled val="1"/>
+        </dgm:presLayoutVars>
+      </dgm:prSet>
+      <dgm:spPr/>
+      <dgm:t>
+        <a:bodyPr/>
+        <a:lstStyle/>
+        <a:p>
+          <a:endParaRPr lang="de-DE"/>
+        </a:p>
+      </dgm:t>
+    </dgm:pt>
+  </dgm:ptLst>
+  <dgm:cxnLst>
+    <dgm:cxn modelId="{B16F34D1-FE3F-C547-86BC-AF69CD67FCCC}" srcId="{CAF8EFCE-672D-0D47-881A-E40F930E6A20}" destId="{E926B66C-550C-054E-8989-19F200933851}" srcOrd="1" destOrd="0" parTransId="{BCD6BE43-87C2-4D44-9DB3-755BA961C53A}" sibTransId="{C16DE93D-CD8E-164D-A3E4-43BC9BF1FC00}"/>
+    <dgm:cxn modelId="{86574762-96BC-8941-8D95-3776A7A52F65}" type="presOf" srcId="{C9399BB7-E340-3041-BF66-DEB759B06B46}" destId="{C586679E-518A-0F42-A59F-A42716A0F2C5}" srcOrd="0" destOrd="0" presId="urn:microsoft.com/office/officeart/2005/8/layout/radial4"/>
+    <dgm:cxn modelId="{AF748922-1492-5149-BB43-FE4E510EC5E6}" srcId="{CAF8EFCE-672D-0D47-881A-E40F930E6A20}" destId="{6E60B587-FF86-4C48-8602-44C7975D4237}" srcOrd="3" destOrd="0" parTransId="{4A779E9B-49D0-A44E-8D3F-C1E761C83C50}" sibTransId="{425CAF24-2D38-124A-99E4-28C2A9DDA7C9}"/>
+    <dgm:cxn modelId="{A50A1E67-9917-3547-B798-95E23C825CFC}" type="presOf" srcId="{8BA8CA21-1FF3-FC4B-8DC5-7A9EC7B03D79}" destId="{136966BF-C025-EE47-81A0-1078965307F1}" srcOrd="0" destOrd="0" presId="urn:microsoft.com/office/officeart/2005/8/layout/radial4"/>
+    <dgm:cxn modelId="{34CF58C4-446A-A246-8D63-C932D97D2A66}" srcId="{CAF8EFCE-672D-0D47-881A-E40F930E6A20}" destId="{C9399BB7-E340-3041-BF66-DEB759B06B46}" srcOrd="2" destOrd="0" parTransId="{E3F1D222-9B39-6242-B855-22DBE0BB9257}" sibTransId="{243EE208-F26C-A045-BDD4-ADF52F3FC89D}"/>
+    <dgm:cxn modelId="{0E370569-23C5-A949-AE1E-9FF22CE72105}" srcId="{CAF8EFCE-672D-0D47-881A-E40F930E6A20}" destId="{B951F36F-B67E-B843-8560-EE2959918D99}" srcOrd="0" destOrd="0" parTransId="{8BA8CA21-1FF3-FC4B-8DC5-7A9EC7B03D79}" sibTransId="{F9D7A352-F0EC-1A4D-8AFA-1EBA823D3CFC}"/>
+    <dgm:cxn modelId="{0384B3E5-AE64-7549-BA38-2850D7502551}" type="presOf" srcId="{6E60B587-FF86-4C48-8602-44C7975D4237}" destId="{8C40AB8A-BE71-AF43-BDFB-840ACEFAA9D8}" srcOrd="0" destOrd="0" presId="urn:microsoft.com/office/officeart/2005/8/layout/radial4"/>
+    <dgm:cxn modelId="{F5FEC5F3-A717-B74C-880F-2E4BD89A2B04}" type="presOf" srcId="{E3F1D222-9B39-6242-B855-22DBE0BB9257}" destId="{FC169C05-18BF-3E4B-98A4-5F9F9FB428F2}" srcOrd="0" destOrd="0" presId="urn:microsoft.com/office/officeart/2005/8/layout/radial4"/>
+    <dgm:cxn modelId="{F0313F48-0D23-2C40-9D56-87C947A48A23}" type="presOf" srcId="{BCD6BE43-87C2-4D44-9DB3-755BA961C53A}" destId="{0465F525-A61B-C849-91C2-7D8447436264}" srcOrd="0" destOrd="0" presId="urn:microsoft.com/office/officeart/2005/8/layout/radial4"/>
+    <dgm:cxn modelId="{14AF6364-EE50-404B-95D1-8906BC6C99AE}" type="presOf" srcId="{B951F36F-B67E-B843-8560-EE2959918D99}" destId="{24E8353C-B79E-E141-9D31-CF08B509141C}" srcOrd="0" destOrd="0" presId="urn:microsoft.com/office/officeart/2005/8/layout/radial4"/>
+    <dgm:cxn modelId="{71E3EA22-6318-314B-936A-13C8733FB53F}" type="presOf" srcId="{CAF8EFCE-672D-0D47-881A-E40F930E6A20}" destId="{17D483D3-AB5F-7F4D-B620-5494A8BB4BA1}" srcOrd="0" destOrd="0" presId="urn:microsoft.com/office/officeart/2005/8/layout/radial4"/>
+    <dgm:cxn modelId="{00807A82-60A1-BC4C-AC0E-5AAB19697540}" srcId="{05BEB49C-D0F8-AA45-930F-44B11F48037C}" destId="{CAF8EFCE-672D-0D47-881A-E40F930E6A20}" srcOrd="0" destOrd="0" parTransId="{F74EB485-C448-9C40-92AB-5685B78F7303}" sibTransId="{E809B9AB-2494-5343-8E93-5D2389452A81}"/>
+    <dgm:cxn modelId="{9115E980-C9B9-B94C-BFD6-79290D08504A}" type="presOf" srcId="{4A779E9B-49D0-A44E-8D3F-C1E761C83C50}" destId="{9529AB03-B277-F242-A40C-FC9549B5AA39}" srcOrd="0" destOrd="0" presId="urn:microsoft.com/office/officeart/2005/8/layout/radial4"/>
+    <dgm:cxn modelId="{E2168A19-63D5-3B4B-A84B-106A158DA082}" type="presOf" srcId="{E926B66C-550C-054E-8989-19F200933851}" destId="{5F73E637-0DAA-A947-B9BC-3ADF19216050}" srcOrd="0" destOrd="0" presId="urn:microsoft.com/office/officeart/2005/8/layout/radial4"/>
+    <dgm:cxn modelId="{8A88832D-AE6B-2443-AA6B-4A7DA489A8E6}" type="presOf" srcId="{05BEB49C-D0F8-AA45-930F-44B11F48037C}" destId="{BCE953A6-C584-7644-95B4-9596FEAFDCD4}" srcOrd="0" destOrd="0" presId="urn:microsoft.com/office/officeart/2005/8/layout/radial4"/>
+    <dgm:cxn modelId="{4489729B-CAAB-FB4B-9B0D-36188C3BEEDD}" type="presParOf" srcId="{BCE953A6-C584-7644-95B4-9596FEAFDCD4}" destId="{17D483D3-AB5F-7F4D-B620-5494A8BB4BA1}" srcOrd="0" destOrd="0" presId="urn:microsoft.com/office/officeart/2005/8/layout/radial4"/>
+    <dgm:cxn modelId="{8ECE7BD9-B949-534C-B136-B92345E3C4C6}" type="presParOf" srcId="{BCE953A6-C584-7644-95B4-9596FEAFDCD4}" destId="{136966BF-C025-EE47-81A0-1078965307F1}" srcOrd="1" destOrd="0" presId="urn:microsoft.com/office/officeart/2005/8/layout/radial4"/>
+    <dgm:cxn modelId="{5E35B2D1-1ACF-F346-A6F9-2D232D9ABA71}" type="presParOf" srcId="{BCE953A6-C584-7644-95B4-9596FEAFDCD4}" destId="{24E8353C-B79E-E141-9D31-CF08B509141C}" srcOrd="2" destOrd="0" presId="urn:microsoft.com/office/officeart/2005/8/layout/radial4"/>
+    <dgm:cxn modelId="{415D92E6-A58C-0142-B255-3080F9AD964A}" type="presParOf" srcId="{BCE953A6-C584-7644-95B4-9596FEAFDCD4}" destId="{0465F525-A61B-C849-91C2-7D8447436264}" srcOrd="3" destOrd="0" presId="urn:microsoft.com/office/officeart/2005/8/layout/radial4"/>
+    <dgm:cxn modelId="{3A4595D5-CC92-7040-8347-709C64B6EC0F}" type="presParOf" srcId="{BCE953A6-C584-7644-95B4-9596FEAFDCD4}" destId="{5F73E637-0DAA-A947-B9BC-3ADF19216050}" srcOrd="4" destOrd="0" presId="urn:microsoft.com/office/officeart/2005/8/layout/radial4"/>
+    <dgm:cxn modelId="{E7F0BD4C-B1E9-5C48-A7B1-C808FE5BDE85}" type="presParOf" srcId="{BCE953A6-C584-7644-95B4-9596FEAFDCD4}" destId="{FC169C05-18BF-3E4B-98A4-5F9F9FB428F2}" srcOrd="5" destOrd="0" presId="urn:microsoft.com/office/officeart/2005/8/layout/radial4"/>
+    <dgm:cxn modelId="{CB019B6E-CB89-F849-82F0-35E6038FF540}" type="presParOf" srcId="{BCE953A6-C584-7644-95B4-9596FEAFDCD4}" destId="{C586679E-518A-0F42-A59F-A42716A0F2C5}" srcOrd="6" destOrd="0" presId="urn:microsoft.com/office/officeart/2005/8/layout/radial4"/>
+    <dgm:cxn modelId="{1C4AEA1A-1710-F845-A093-2389581AA559}" type="presParOf" srcId="{BCE953A6-C584-7644-95B4-9596FEAFDCD4}" destId="{9529AB03-B277-F242-A40C-FC9549B5AA39}" srcOrd="7" destOrd="0" presId="urn:microsoft.com/office/officeart/2005/8/layout/radial4"/>
+    <dgm:cxn modelId="{14BACAD4-6B12-6441-A6E5-3C3DDD66E82D}" type="presParOf" srcId="{BCE953A6-C584-7644-95B4-9596FEAFDCD4}" destId="{8C40AB8A-BE71-AF43-BDFB-840ACEFAA9D8}" srcOrd="8" destOrd="0" presId="urn:microsoft.com/office/officeart/2005/8/layout/radial4"/>
+  </dgm:cxnLst>
+  <dgm:bg/>
+  <dgm:whole/>
+  <dgm:extLst>
+    <a:ext uri="http://schemas.microsoft.com/office/drawing/2008/diagram">
+      <dsp:dataModelExt xmlns:dsp="http://schemas.microsoft.com/office/drawing/2008/diagram" relId="rId6" minVer="http://schemas.openxmlformats.org/drawingml/2006/diagram"/>
+    </a:ext>
+    <a:ext uri="{C62137D5-CB1D-491B-B009-E17868A290BF}">
+      <dgm14:recolorImg xmlns:dgm14="http://schemas.microsoft.com/office/drawing/2010/diagram" val="1"/>
+    </a:ext>
+  </dgm:extLst>
+</dgm:dataModel>
+</file>
+
+<file path=ppt/diagrams/drawing1.xml><?xml version="1.0" encoding="utf-8"?>
+<dsp:drawing xmlns:dgm="http://schemas.openxmlformats.org/drawingml/2006/diagram" xmlns:dsp="http://schemas.microsoft.com/office/drawing/2008/diagram" xmlns:a="http://schemas.openxmlformats.org/drawingml/2006/main">
+  <dsp:spTree>
+    <dsp:nvGrpSpPr>
+      <dsp:cNvPr id="0" name=""/>
+      <dsp:cNvGrpSpPr/>
+    </dsp:nvGrpSpPr>
+    <dsp:grpSpPr/>
+    <dsp:sp modelId="{17D483D3-AB5F-7F4D-B620-5494A8BB4BA1}">
+      <dsp:nvSpPr>
+        <dsp:cNvPr id="0" name=""/>
+        <dsp:cNvSpPr/>
+      </dsp:nvSpPr>
+      <dsp:spPr>
+        <a:xfrm>
+          <a:off x="2225040" y="2172962"/>
+          <a:ext cx="1645920" cy="1645920"/>
+        </a:xfrm>
+        <a:prstGeom prst="ellipse">
+          <a:avLst/>
+        </a:prstGeom>
+        <a:blipFill rotWithShape="0">
+          <a:blip xmlns:r="http://schemas.openxmlformats.org/officeDocument/2006/relationships" r:embed="rId1">
+            <a:duotone>
+              <a:schemeClr val="accent2">
+                <a:hueOff val="0"/>
+                <a:satOff val="0"/>
+                <a:lumOff val="0"/>
+                <a:alphaOff val="0"/>
+                <a:shade val="20000"/>
+                <a:satMod val="200000"/>
+              </a:schemeClr>
+              <a:schemeClr val="accent2">
+                <a:hueOff val="0"/>
+                <a:satOff val="0"/>
+                <a:lumOff val="0"/>
+                <a:alphaOff val="0"/>
+                <a:tint val="12000"/>
+                <a:satMod val="190000"/>
+              </a:schemeClr>
+            </a:duotone>
+          </a:blip>
+          <a:stretch>
+            <a:fillRect/>
+          </a:stretch>
+        </a:blipFill>
+        <a:ln>
+          <a:noFill/>
+        </a:ln>
+        <a:effectLst>
+          <a:outerShdw blurRad="40000" dist="23000" dir="5400000" rotWithShape="0">
+            <a:srgbClr val="000000">
+              <a:alpha val="35000"/>
+            </a:srgbClr>
+          </a:outerShdw>
+        </a:effectLst>
+      </dsp:spPr>
+      <dsp:style>
+        <a:lnRef idx="0">
+          <a:scrgbClr r="0" g="0" b="0"/>
+        </a:lnRef>
+        <a:fillRef idx="3">
+          <a:scrgbClr r="0" g="0" b="0"/>
+        </a:fillRef>
+        <a:effectRef idx="2">
+          <a:scrgbClr r="0" g="0" b="0"/>
+        </a:effectRef>
+        <a:fontRef idx="minor">
+          <a:schemeClr val="lt1"/>
+        </a:fontRef>
+      </dsp:style>
+      <dsp:txBody>
+        <a:bodyPr spcFirstLastPara="0" vert="horz" wrap="square" lIns="14605" tIns="14605" rIns="14605" bIns="14605" numCol="1" spcCol="1270" anchor="ctr" anchorCtr="0">
+          <a:noAutofit/>
+        </a:bodyPr>
+        <a:lstStyle/>
+        <a:p>
+          <a:pPr lvl="0" algn="ctr" defTabSz="1022350">
+            <a:lnSpc>
+              <a:spcPct val="90000"/>
+            </a:lnSpc>
+            <a:spcBef>
+              <a:spcPct val="0"/>
+            </a:spcBef>
+            <a:spcAft>
+              <a:spcPct val="35000"/>
+            </a:spcAft>
+          </a:pPr>
+          <a:r>
+            <a:rPr lang="de-DE" sz="2300" b="1" u="none" kern="1200" dirty="0" smtClean="0">
+              <a:solidFill>
+                <a:schemeClr val="tx1"/>
+              </a:solidFill>
+              <a:effectLst>
+                <a:glow rad="254000">
+                  <a:schemeClr val="bg1">
+                    <a:alpha val="75000"/>
+                  </a:schemeClr>
+                </a:glow>
+              </a:effectLst>
+            </a:rPr>
+            <a:t>342 Reports</a:t>
+          </a:r>
+          <a:endParaRPr lang="de-DE" sz="2300" b="1" u="none" kern="1200" dirty="0">
+            <a:solidFill>
+              <a:schemeClr val="tx1"/>
+            </a:solidFill>
+            <a:effectLst>
+              <a:glow rad="254000">
+                <a:schemeClr val="bg1">
+                  <a:alpha val="75000"/>
+                </a:schemeClr>
+              </a:glow>
+            </a:effectLst>
+          </a:endParaRPr>
+        </a:p>
+      </dsp:txBody>
+      <dsp:txXfrm>
+        <a:off x="2466079" y="2414001"/>
+        <a:ext cx="1163842" cy="1163842"/>
+      </dsp:txXfrm>
+    </dsp:sp>
+    <dsp:sp modelId="{136966BF-C025-EE47-81A0-1078965307F1}">
+      <dsp:nvSpPr>
+        <dsp:cNvPr id="0" name=""/>
+        <dsp:cNvSpPr/>
+      </dsp:nvSpPr>
+      <dsp:spPr>
+        <a:xfrm rot="11700000">
+          <a:off x="758329" y="2340572"/>
+          <a:ext cx="1438394" cy="469087"/>
+        </a:xfrm>
+        <a:prstGeom prst="leftArrow">
+          <a:avLst>
+            <a:gd name="adj1" fmla="val 60000"/>
+            <a:gd name="adj2" fmla="val 50000"/>
+          </a:avLst>
+        </a:prstGeom>
+        <a:gradFill rotWithShape="0">
+          <a:gsLst>
+            <a:gs pos="0">
+              <a:schemeClr val="accent2">
+                <a:tint val="60000"/>
+                <a:hueOff val="0"/>
+                <a:satOff val="0"/>
+                <a:lumOff val="0"/>
+                <a:alphaOff val="0"/>
+                <a:shade val="51000"/>
+                <a:satMod val="130000"/>
+              </a:schemeClr>
+            </a:gs>
+            <a:gs pos="80000">
+              <a:schemeClr val="accent2">
+                <a:tint val="60000"/>
+                <a:hueOff val="0"/>
+                <a:satOff val="0"/>
+                <a:lumOff val="0"/>
+                <a:alphaOff val="0"/>
+                <a:shade val="93000"/>
+                <a:satMod val="130000"/>
+              </a:schemeClr>
+            </a:gs>
+            <a:gs pos="100000">
+              <a:schemeClr val="accent2">
+                <a:tint val="60000"/>
+                <a:hueOff val="0"/>
+                <a:satOff val="0"/>
+                <a:lumOff val="0"/>
+                <a:alphaOff val="0"/>
+                <a:shade val="94000"/>
+                <a:satMod val="135000"/>
+              </a:schemeClr>
+            </a:gs>
+          </a:gsLst>
+          <a:lin ang="16200000" scaled="0"/>
+        </a:gradFill>
+        <a:ln>
+          <a:noFill/>
+        </a:ln>
+        <a:effectLst>
+          <a:outerShdw blurRad="40000" dist="23000" dir="5400000" rotWithShape="0">
+            <a:srgbClr val="000000">
+              <a:alpha val="35000"/>
+            </a:srgbClr>
+          </a:outerShdw>
+        </a:effectLst>
+      </dsp:spPr>
+      <dsp:style>
+        <a:lnRef idx="0">
+          <a:scrgbClr r="0" g="0" b="0"/>
+        </a:lnRef>
+        <a:fillRef idx="3">
+          <a:scrgbClr r="0" g="0" b="0"/>
+        </a:fillRef>
+        <a:effectRef idx="2">
+          <a:scrgbClr r="0" g="0" b="0"/>
+        </a:effectRef>
+        <a:fontRef idx="minor">
+          <a:schemeClr val="lt1"/>
+        </a:fontRef>
+      </dsp:style>
+    </dsp:sp>
+    <dsp:sp modelId="{24E8353C-B79E-E141-9D31-CF08B509141C}">
+      <dsp:nvSpPr>
+        <dsp:cNvPr id="0" name=""/>
+        <dsp:cNvSpPr/>
+      </dsp:nvSpPr>
+      <dsp:spPr>
+        <a:xfrm>
+          <a:off x="1023" y="1763524"/>
+          <a:ext cx="1563624" cy="1250899"/>
+        </a:xfrm>
+        <a:prstGeom prst="roundRect">
+          <a:avLst>
+            <a:gd name="adj" fmla="val 10000"/>
+          </a:avLst>
+        </a:prstGeom>
+        <a:gradFill rotWithShape="0">
+          <a:gsLst>
+            <a:gs pos="0">
+              <a:schemeClr val="accent2">
+                <a:hueOff val="0"/>
+                <a:satOff val="0"/>
+                <a:lumOff val="0"/>
+                <a:alphaOff val="0"/>
+                <a:shade val="51000"/>
+                <a:satMod val="130000"/>
+              </a:schemeClr>
+            </a:gs>
+            <a:gs pos="80000">
+              <a:schemeClr val="accent2">
+                <a:hueOff val="0"/>
+                <a:satOff val="0"/>
+                <a:lumOff val="0"/>
+                <a:alphaOff val="0"/>
+                <a:shade val="93000"/>
+                <a:satMod val="130000"/>
+              </a:schemeClr>
+            </a:gs>
+            <a:gs pos="100000">
+              <a:schemeClr val="accent2">
+                <a:hueOff val="0"/>
+                <a:satOff val="0"/>
+                <a:lumOff val="0"/>
+                <a:alphaOff val="0"/>
+                <a:shade val="94000"/>
+                <a:satMod val="135000"/>
+              </a:schemeClr>
+            </a:gs>
+          </a:gsLst>
+          <a:lin ang="16200000" scaled="0"/>
+        </a:gradFill>
+        <a:ln>
+          <a:noFill/>
+        </a:ln>
+        <a:effectLst>
+          <a:outerShdw blurRad="40000" dist="23000" dir="5400000" rotWithShape="0">
+            <a:srgbClr val="000000">
+              <a:alpha val="35000"/>
+            </a:srgbClr>
+          </a:outerShdw>
+        </a:effectLst>
+      </dsp:spPr>
+      <dsp:style>
+        <a:lnRef idx="0">
+          <a:scrgbClr r="0" g="0" b="0"/>
+        </a:lnRef>
+        <a:fillRef idx="3">
+          <a:scrgbClr r="0" g="0" b="0"/>
+        </a:fillRef>
+        <a:effectRef idx="2">
+          <a:scrgbClr r="0" g="0" b="0"/>
+        </a:effectRef>
+        <a:fontRef idx="minor">
+          <a:schemeClr val="lt1"/>
+        </a:fontRef>
+      </dsp:style>
+      <dsp:txBody>
+        <a:bodyPr spcFirstLastPara="0" vert="horz" wrap="square" lIns="45720" tIns="45720" rIns="45720" bIns="45720" numCol="1" spcCol="1270" anchor="ctr" anchorCtr="0">
+          <a:noAutofit/>
+        </a:bodyPr>
+        <a:lstStyle/>
+        <a:p>
+          <a:pPr lvl="0" algn="ctr" defTabSz="1066800">
+            <a:lnSpc>
+              <a:spcPct val="90000"/>
+            </a:lnSpc>
+            <a:spcBef>
+              <a:spcPct val="0"/>
+            </a:spcBef>
+            <a:spcAft>
+              <a:spcPct val="35000"/>
+            </a:spcAft>
+          </a:pPr>
+          <a:r>
+            <a:rPr lang="de-DE" sz="2400" kern="1200" dirty="0" smtClean="0"/>
+            <a:t>9,211 </a:t>
+          </a:r>
+          <a:r>
+            <a:rPr lang="de-DE" sz="2400" kern="1200" dirty="0" err="1" smtClean="0"/>
+            <a:t>sentences</a:t>
+          </a:r>
+          <a:endParaRPr lang="de-DE" sz="2400" kern="1200" dirty="0"/>
+        </a:p>
+      </dsp:txBody>
+      <dsp:txXfrm>
+        <a:off x="37661" y="1800162"/>
+        <a:ext cx="1490348" cy="1177623"/>
+      </dsp:txXfrm>
+    </dsp:sp>
+    <dsp:sp modelId="{0465F525-A61B-C849-91C2-7D8447436264}">
+      <dsp:nvSpPr>
+        <dsp:cNvPr id="0" name=""/>
+        <dsp:cNvSpPr/>
+      </dsp:nvSpPr>
+      <dsp:spPr>
+        <a:xfrm rot="14700000">
+          <a:off x="1641679" y="1287837"/>
+          <a:ext cx="1438394" cy="469087"/>
+        </a:xfrm>
+        <a:prstGeom prst="leftArrow">
+          <a:avLst>
+            <a:gd name="adj1" fmla="val 60000"/>
+            <a:gd name="adj2" fmla="val 50000"/>
+          </a:avLst>
+        </a:prstGeom>
+        <a:gradFill rotWithShape="0">
+          <a:gsLst>
+            <a:gs pos="0">
+              <a:schemeClr val="accent2">
+                <a:tint val="60000"/>
+                <a:hueOff val="0"/>
+                <a:satOff val="0"/>
+                <a:lumOff val="0"/>
+                <a:alphaOff val="0"/>
+                <a:shade val="51000"/>
+                <a:satMod val="130000"/>
+              </a:schemeClr>
+            </a:gs>
+            <a:gs pos="80000">
+              <a:schemeClr val="accent2">
+                <a:tint val="60000"/>
+                <a:hueOff val="0"/>
+                <a:satOff val="0"/>
+                <a:lumOff val="0"/>
+                <a:alphaOff val="0"/>
+                <a:shade val="93000"/>
+                <a:satMod val="130000"/>
+              </a:schemeClr>
+            </a:gs>
+            <a:gs pos="100000">
+              <a:schemeClr val="accent2">
+                <a:tint val="60000"/>
+                <a:hueOff val="0"/>
+                <a:satOff val="0"/>
+                <a:lumOff val="0"/>
+                <a:alphaOff val="0"/>
+                <a:shade val="94000"/>
+                <a:satMod val="135000"/>
+              </a:schemeClr>
+            </a:gs>
+          </a:gsLst>
+          <a:lin ang="16200000" scaled="0"/>
+        </a:gradFill>
+        <a:ln>
+          <a:noFill/>
+        </a:ln>
+        <a:effectLst>
+          <a:outerShdw blurRad="40000" dist="23000" dir="5400000" rotWithShape="0">
+            <a:srgbClr val="000000">
+              <a:alpha val="35000"/>
+            </a:srgbClr>
+          </a:outerShdw>
+        </a:effectLst>
+      </dsp:spPr>
+      <dsp:style>
+        <a:lnRef idx="0">
+          <a:scrgbClr r="0" g="0" b="0"/>
+        </a:lnRef>
+        <a:fillRef idx="3">
+          <a:scrgbClr r="0" g="0" b="0"/>
+        </a:fillRef>
+        <a:effectRef idx="2">
+          <a:scrgbClr r="0" g="0" b="0"/>
+        </a:effectRef>
+        <a:fontRef idx="minor">
+          <a:schemeClr val="lt1"/>
+        </a:fontRef>
+      </dsp:style>
+    </dsp:sp>
+    <dsp:sp modelId="{5F73E637-0DAA-A947-B9BC-3ADF19216050}">
+      <dsp:nvSpPr>
+        <dsp:cNvPr id="0" name=""/>
+        <dsp:cNvSpPr/>
+      </dsp:nvSpPr>
+      <dsp:spPr>
+        <a:xfrm>
+          <a:off x="1275118" y="245117"/>
+          <a:ext cx="1563624" cy="1250899"/>
+        </a:xfrm>
+        <a:prstGeom prst="roundRect">
+          <a:avLst>
+            <a:gd name="adj" fmla="val 10000"/>
+          </a:avLst>
+        </a:prstGeom>
+        <a:gradFill rotWithShape="0">
+          <a:gsLst>
+            <a:gs pos="0">
+              <a:schemeClr val="accent2">
+                <a:hueOff val="0"/>
+                <a:satOff val="0"/>
+                <a:lumOff val="0"/>
+                <a:alphaOff val="0"/>
+                <a:shade val="51000"/>
+                <a:satMod val="130000"/>
+              </a:schemeClr>
+            </a:gs>
+            <a:gs pos="80000">
+              <a:schemeClr val="accent2">
+                <a:hueOff val="0"/>
+                <a:satOff val="0"/>
+                <a:lumOff val="0"/>
+                <a:alphaOff val="0"/>
+                <a:shade val="93000"/>
+                <a:satMod val="130000"/>
+              </a:schemeClr>
+            </a:gs>
+            <a:gs pos="100000">
+              <a:schemeClr val="accent2">
+                <a:hueOff val="0"/>
+                <a:satOff val="0"/>
+                <a:lumOff val="0"/>
+                <a:alphaOff val="0"/>
+                <a:shade val="94000"/>
+                <a:satMod val="135000"/>
+              </a:schemeClr>
+            </a:gs>
+          </a:gsLst>
+          <a:lin ang="16200000" scaled="0"/>
+        </a:gradFill>
+        <a:ln>
+          <a:noFill/>
+        </a:ln>
+        <a:effectLst>
+          <a:outerShdw blurRad="40000" dist="23000" dir="5400000" rotWithShape="0">
+            <a:srgbClr val="000000">
+              <a:alpha val="35000"/>
+            </a:srgbClr>
+          </a:outerShdw>
+        </a:effectLst>
+      </dsp:spPr>
+      <dsp:style>
+        <a:lnRef idx="0">
+          <a:scrgbClr r="0" g="0" b="0"/>
+        </a:lnRef>
+        <a:fillRef idx="3">
+          <a:scrgbClr r="0" g="0" b="0"/>
+        </a:fillRef>
+        <a:effectRef idx="2">
+          <a:scrgbClr r="0" g="0" b="0"/>
+        </a:effectRef>
+        <a:fontRef idx="minor">
+          <a:schemeClr val="lt1"/>
+        </a:fontRef>
+      </dsp:style>
+      <dsp:txBody>
+        <a:bodyPr spcFirstLastPara="0" vert="horz" wrap="square" lIns="45720" tIns="45720" rIns="45720" bIns="45720" numCol="1" spcCol="1270" anchor="ctr" anchorCtr="0">
+          <a:noAutofit/>
+        </a:bodyPr>
+        <a:lstStyle/>
+        <a:p>
+          <a:pPr lvl="0" algn="ctr" defTabSz="1066800">
+            <a:lnSpc>
+              <a:spcPct val="90000"/>
+            </a:lnSpc>
+            <a:spcBef>
+              <a:spcPct val="0"/>
+            </a:spcBef>
+            <a:spcAft>
+              <a:spcPct val="35000"/>
+            </a:spcAft>
+          </a:pPr>
+          <a:r>
+            <a:rPr lang="de-DE" sz="2400" kern="1200" dirty="0" smtClean="0"/>
+            <a:t>14 </a:t>
+          </a:r>
+          <a:r>
+            <a:rPr lang="de-DE" sz="2400" kern="1200" dirty="0" err="1" smtClean="0"/>
+            <a:t>rules</a:t>
+          </a:r>
+          <a:endParaRPr lang="de-DE" sz="2400" kern="1200" dirty="0"/>
+        </a:p>
+      </dsp:txBody>
+      <dsp:txXfrm>
+        <a:off x="1311756" y="281755"/>
+        <a:ext cx="1490348" cy="1177623"/>
+      </dsp:txXfrm>
+    </dsp:sp>
+    <dsp:sp modelId="{FC169C05-18BF-3E4B-98A4-5F9F9FB428F2}">
+      <dsp:nvSpPr>
+        <dsp:cNvPr id="0" name=""/>
+        <dsp:cNvSpPr/>
+      </dsp:nvSpPr>
+      <dsp:spPr>
+        <a:xfrm rot="17700000">
+          <a:off x="3015926" y="1287837"/>
+          <a:ext cx="1438394" cy="469087"/>
+        </a:xfrm>
+        <a:prstGeom prst="leftArrow">
+          <a:avLst>
+            <a:gd name="adj1" fmla="val 60000"/>
+            <a:gd name="adj2" fmla="val 50000"/>
+          </a:avLst>
+        </a:prstGeom>
+        <a:gradFill rotWithShape="0">
+          <a:gsLst>
+            <a:gs pos="0">
+              <a:schemeClr val="accent2">
+                <a:tint val="60000"/>
+                <a:hueOff val="0"/>
+                <a:satOff val="0"/>
+                <a:lumOff val="0"/>
+                <a:alphaOff val="0"/>
+                <a:shade val="51000"/>
+                <a:satMod val="130000"/>
+              </a:schemeClr>
+            </a:gs>
+            <a:gs pos="80000">
+              <a:schemeClr val="accent2">
+                <a:tint val="60000"/>
+                <a:hueOff val="0"/>
+                <a:satOff val="0"/>
+                <a:lumOff val="0"/>
+                <a:alphaOff val="0"/>
+                <a:shade val="93000"/>
+                <a:satMod val="130000"/>
+              </a:schemeClr>
+            </a:gs>
+            <a:gs pos="100000">
+              <a:schemeClr val="accent2">
+                <a:tint val="60000"/>
+                <a:hueOff val="0"/>
+                <a:satOff val="0"/>
+                <a:lumOff val="0"/>
+                <a:alphaOff val="0"/>
+                <a:shade val="94000"/>
+                <a:satMod val="135000"/>
+              </a:schemeClr>
+            </a:gs>
+          </a:gsLst>
+          <a:lin ang="16200000" scaled="0"/>
+        </a:gradFill>
+        <a:ln>
+          <a:noFill/>
+        </a:ln>
+        <a:effectLst>
+          <a:outerShdw blurRad="40000" dist="23000" dir="5400000" rotWithShape="0">
+            <a:srgbClr val="000000">
+              <a:alpha val="35000"/>
+            </a:srgbClr>
+          </a:outerShdw>
+        </a:effectLst>
+      </dsp:spPr>
+      <dsp:style>
+        <a:lnRef idx="0">
+          <a:scrgbClr r="0" g="0" b="0"/>
+        </a:lnRef>
+        <a:fillRef idx="3">
+          <a:scrgbClr r="0" g="0" b="0"/>
+        </a:fillRef>
+        <a:effectRef idx="2">
+          <a:scrgbClr r="0" g="0" b="0"/>
+        </a:effectRef>
+        <a:fontRef idx="minor">
+          <a:schemeClr val="lt1"/>
+        </a:fontRef>
+      </dsp:style>
+    </dsp:sp>
+    <dsp:sp modelId="{C586679E-518A-0F42-A59F-A42716A0F2C5}">
+      <dsp:nvSpPr>
+        <dsp:cNvPr id="0" name=""/>
+        <dsp:cNvSpPr/>
+      </dsp:nvSpPr>
+      <dsp:spPr>
+        <a:xfrm>
+          <a:off x="3257257" y="245117"/>
+          <a:ext cx="1563624" cy="1250899"/>
+        </a:xfrm>
+        <a:prstGeom prst="roundRect">
+          <a:avLst>
+            <a:gd name="adj" fmla="val 10000"/>
+          </a:avLst>
+        </a:prstGeom>
+        <a:gradFill rotWithShape="0">
+          <a:gsLst>
+            <a:gs pos="0">
+              <a:schemeClr val="accent2">
+                <a:hueOff val="0"/>
+                <a:satOff val="0"/>
+                <a:lumOff val="0"/>
+                <a:alphaOff val="0"/>
+                <a:shade val="51000"/>
+                <a:satMod val="130000"/>
+              </a:schemeClr>
+            </a:gs>
+            <a:gs pos="80000">
+              <a:schemeClr val="accent2">
+                <a:hueOff val="0"/>
+                <a:satOff val="0"/>
+                <a:lumOff val="0"/>
+                <a:alphaOff val="0"/>
+                <a:shade val="93000"/>
+                <a:satMod val="130000"/>
+              </a:schemeClr>
+            </a:gs>
+            <a:gs pos="100000">
+              <a:schemeClr val="accent2">
+                <a:hueOff val="0"/>
+                <a:satOff val="0"/>
+                <a:lumOff val="0"/>
+                <a:alphaOff val="0"/>
+                <a:shade val="94000"/>
+                <a:satMod val="135000"/>
+              </a:schemeClr>
+            </a:gs>
+          </a:gsLst>
+          <a:lin ang="16200000" scaled="0"/>
+        </a:gradFill>
+        <a:ln>
+          <a:noFill/>
+        </a:ln>
+        <a:effectLst>
+          <a:outerShdw blurRad="40000" dist="23000" dir="5400000" rotWithShape="0">
+            <a:srgbClr val="000000">
+              <a:alpha val="35000"/>
+            </a:srgbClr>
+          </a:outerShdw>
+        </a:effectLst>
+      </dsp:spPr>
+      <dsp:style>
+        <a:lnRef idx="0">
+          <a:scrgbClr r="0" g="0" b="0"/>
+        </a:lnRef>
+        <a:fillRef idx="3">
+          <a:scrgbClr r="0" g="0" b="0"/>
+        </a:fillRef>
+        <a:effectRef idx="2">
+          <a:scrgbClr r="0" g="0" b="0"/>
+        </a:effectRef>
+        <a:fontRef idx="minor">
+          <a:schemeClr val="lt1"/>
+        </a:fontRef>
+      </dsp:style>
+      <dsp:txBody>
+        <a:bodyPr spcFirstLastPara="0" vert="horz" wrap="square" lIns="45720" tIns="45720" rIns="45720" bIns="45720" numCol="1" spcCol="1270" anchor="ctr" anchorCtr="0">
+          <a:noAutofit/>
+        </a:bodyPr>
+        <a:lstStyle/>
+        <a:p>
+          <a:pPr lvl="0" algn="ctr" defTabSz="1066800">
+            <a:lnSpc>
+              <a:spcPct val="90000"/>
+            </a:lnSpc>
+            <a:spcBef>
+              <a:spcPct val="0"/>
+            </a:spcBef>
+            <a:spcAft>
+              <a:spcPct val="35000"/>
+            </a:spcAft>
+          </a:pPr>
+          <a:r>
+            <a:rPr lang="de-DE" sz="2400" kern="1200" dirty="0" smtClean="0"/>
+            <a:t>758 positive </a:t>
+          </a:r>
+          <a:r>
+            <a:rPr lang="de-DE" sz="2400" kern="1200" dirty="0" err="1" smtClean="0"/>
+            <a:t>seeds</a:t>
+          </a:r>
+          <a:endParaRPr lang="de-DE" sz="2400" kern="1200" dirty="0"/>
+        </a:p>
+      </dsp:txBody>
+      <dsp:txXfrm>
+        <a:off x="3293895" y="281755"/>
+        <a:ext cx="1490348" cy="1177623"/>
+      </dsp:txXfrm>
+    </dsp:sp>
+    <dsp:sp modelId="{9529AB03-B277-F242-A40C-FC9549B5AA39}">
+      <dsp:nvSpPr>
+        <dsp:cNvPr id="0" name=""/>
+        <dsp:cNvSpPr/>
+      </dsp:nvSpPr>
+      <dsp:spPr>
+        <a:xfrm rot="20700000">
+          <a:off x="3899275" y="2340572"/>
+          <a:ext cx="1438394" cy="469087"/>
+        </a:xfrm>
+        <a:prstGeom prst="leftArrow">
+          <a:avLst>
+            <a:gd name="adj1" fmla="val 60000"/>
+            <a:gd name="adj2" fmla="val 50000"/>
+          </a:avLst>
+        </a:prstGeom>
+        <a:gradFill rotWithShape="0">
+          <a:gsLst>
+            <a:gs pos="0">
+              <a:schemeClr val="accent2">
+                <a:tint val="60000"/>
+                <a:hueOff val="0"/>
+                <a:satOff val="0"/>
+                <a:lumOff val="0"/>
+                <a:alphaOff val="0"/>
+                <a:shade val="51000"/>
+                <a:satMod val="130000"/>
+              </a:schemeClr>
+            </a:gs>
+            <a:gs pos="80000">
+              <a:schemeClr val="accent2">
+                <a:tint val="60000"/>
+                <a:hueOff val="0"/>
+                <a:satOff val="0"/>
+                <a:lumOff val="0"/>
+                <a:alphaOff val="0"/>
+                <a:shade val="93000"/>
+                <a:satMod val="130000"/>
+              </a:schemeClr>
+            </a:gs>
+            <a:gs pos="100000">
+              <a:schemeClr val="accent2">
+                <a:tint val="60000"/>
+                <a:hueOff val="0"/>
+                <a:satOff val="0"/>
+                <a:lumOff val="0"/>
+                <a:alphaOff val="0"/>
+                <a:shade val="94000"/>
+                <a:satMod val="135000"/>
+              </a:schemeClr>
+            </a:gs>
+          </a:gsLst>
+          <a:lin ang="16200000" scaled="0"/>
+        </a:gradFill>
+        <a:ln>
+          <a:noFill/>
+        </a:ln>
+        <a:effectLst>
+          <a:outerShdw blurRad="40000" dist="23000" dir="5400000" rotWithShape="0">
+            <a:srgbClr val="000000">
+              <a:alpha val="35000"/>
+            </a:srgbClr>
+          </a:outerShdw>
+        </a:effectLst>
+      </dsp:spPr>
+      <dsp:style>
+        <a:lnRef idx="0">
+          <a:scrgbClr r="0" g="0" b="0"/>
+        </a:lnRef>
+        <a:fillRef idx="3">
+          <a:scrgbClr r="0" g="0" b="0"/>
+        </a:fillRef>
+        <a:effectRef idx="2">
+          <a:scrgbClr r="0" g="0" b="0"/>
+        </a:effectRef>
+        <a:fontRef idx="minor">
+          <a:schemeClr val="lt1"/>
+        </a:fontRef>
+      </dsp:style>
+    </dsp:sp>
+    <dsp:sp modelId="{8C40AB8A-BE71-AF43-BDFB-840ACEFAA9D8}">
+      <dsp:nvSpPr>
+        <dsp:cNvPr id="0" name=""/>
+        <dsp:cNvSpPr/>
+      </dsp:nvSpPr>
+      <dsp:spPr>
+        <a:xfrm>
+          <a:off x="4531352" y="1763524"/>
+          <a:ext cx="1563624" cy="1250899"/>
+        </a:xfrm>
+        <a:prstGeom prst="roundRect">
+          <a:avLst>
+            <a:gd name="adj" fmla="val 10000"/>
+          </a:avLst>
+        </a:prstGeom>
+        <a:gradFill rotWithShape="0">
+          <a:gsLst>
+            <a:gs pos="0">
+              <a:schemeClr val="accent2">
+                <a:hueOff val="0"/>
+                <a:satOff val="0"/>
+                <a:lumOff val="0"/>
+                <a:alphaOff val="0"/>
+                <a:shade val="51000"/>
+                <a:satMod val="130000"/>
+              </a:schemeClr>
+            </a:gs>
+            <a:gs pos="80000">
+              <a:schemeClr val="accent2">
+                <a:hueOff val="0"/>
+                <a:satOff val="0"/>
+                <a:lumOff val="0"/>
+                <a:alphaOff val="0"/>
+                <a:shade val="93000"/>
+                <a:satMod val="130000"/>
+              </a:schemeClr>
+            </a:gs>
+            <a:gs pos="100000">
+              <a:schemeClr val="accent2">
+                <a:hueOff val="0"/>
+                <a:satOff val="0"/>
+                <a:lumOff val="0"/>
+                <a:alphaOff val="0"/>
+                <a:shade val="94000"/>
+                <a:satMod val="135000"/>
+              </a:schemeClr>
+            </a:gs>
+          </a:gsLst>
+          <a:lin ang="16200000" scaled="0"/>
+        </a:gradFill>
+        <a:ln>
+          <a:noFill/>
+        </a:ln>
+        <a:effectLst>
+          <a:outerShdw blurRad="40000" dist="23000" dir="5400000" rotWithShape="0">
+            <a:srgbClr val="000000">
+              <a:alpha val="35000"/>
+            </a:srgbClr>
+          </a:outerShdw>
+        </a:effectLst>
+      </dsp:spPr>
+      <dsp:style>
+        <a:lnRef idx="0">
+          <a:scrgbClr r="0" g="0" b="0"/>
+        </a:lnRef>
+        <a:fillRef idx="3">
+          <a:scrgbClr r="0" g="0" b="0"/>
+        </a:fillRef>
+        <a:effectRef idx="2">
+          <a:scrgbClr r="0" g="0" b="0"/>
+        </a:effectRef>
+        <a:fontRef idx="minor">
+          <a:schemeClr val="lt1"/>
+        </a:fontRef>
+      </dsp:style>
+      <dsp:txBody>
+        <a:bodyPr spcFirstLastPara="0" vert="horz" wrap="square" lIns="45720" tIns="45720" rIns="45720" bIns="45720" numCol="1" spcCol="1270" anchor="ctr" anchorCtr="0">
+          <a:noAutofit/>
+        </a:bodyPr>
+        <a:lstStyle/>
+        <a:p>
+          <a:pPr lvl="0" algn="ctr" defTabSz="1066800">
+            <a:lnSpc>
+              <a:spcPct val="90000"/>
+            </a:lnSpc>
+            <a:spcBef>
+              <a:spcPct val="0"/>
+            </a:spcBef>
+            <a:spcAft>
+              <a:spcPct val="35000"/>
+            </a:spcAft>
+          </a:pPr>
+          <a:r>
+            <a:rPr lang="de-DE" sz="2400" kern="1200" dirty="0" smtClean="0"/>
+            <a:t>8,453 </a:t>
+          </a:r>
+          <a:r>
+            <a:rPr lang="de-DE" sz="2400" kern="1200" dirty="0" err="1" smtClean="0"/>
+            <a:t>without</a:t>
+          </a:r>
+          <a:r>
+            <a:rPr lang="de-DE" sz="2400" kern="1200" dirty="0" smtClean="0"/>
+            <a:t> </a:t>
+          </a:r>
+          <a:r>
+            <a:rPr lang="de-DE" sz="2400" kern="1200" dirty="0" err="1" smtClean="0"/>
+            <a:t>goals</a:t>
+          </a:r>
+          <a:endParaRPr lang="de-DE" sz="2400" kern="1200" dirty="0"/>
+        </a:p>
+      </dsp:txBody>
+      <dsp:txXfrm>
+        <a:off x="4567990" y="1800162"/>
+        <a:ext cx="1490348" cy="1177623"/>
+      </dsp:txXfrm>
+    </dsp:sp>
+  </dsp:spTree>
+</dsp:drawing>
+</file>
+
+<file path=ppt/diagrams/layout1.xml><?xml version="1.0" encoding="utf-8"?>
+<dgm:layoutDef xmlns:dgm="http://schemas.openxmlformats.org/drawingml/2006/diagram" xmlns:a="http://schemas.openxmlformats.org/drawingml/2006/main" uniqueId="urn:microsoft.com/office/officeart/2005/8/layout/radial4">
+  <dgm:title val=""/>
+  <dgm:desc val=""/>
+  <dgm:catLst>
+    <dgm:cat type="relationship" pri="19000"/>
+  </dgm:catLst>
+  <dgm:sampData>
+    <dgm:dataModel>
+      <dgm:ptLst>
+        <dgm:pt modelId="0" type="doc"/>
+        <dgm:pt modelId="1">
+          <dgm:prSet phldr="1"/>
+        </dgm:pt>
+        <dgm:pt modelId="11">
+          <dgm:prSet phldr="1"/>
+        </dgm:pt>
+        <dgm:pt modelId="12">
+          <dgm:prSet phldr="1"/>
+        </dgm:pt>
+        <dgm:pt modelId="13">
+          <dgm:prSet phldr="1"/>
+        </dgm:pt>
+      </dgm:ptLst>
+      <dgm:cxnLst>
+        <dgm:cxn modelId="2" srcId="0" destId="1" srcOrd="0" destOrd="0"/>
+        <dgm:cxn modelId="3" srcId="1" destId="11" srcOrd="0" destOrd="0"/>
+        <dgm:cxn modelId="4" srcId="1" destId="12" srcOrd="1" destOrd="0"/>
+        <dgm:cxn modelId="5" srcId="1" destId="13" srcOrd="2" destOrd="0"/>
+      </dgm:cxnLst>
+      <dgm:bg/>
+      <dgm:whole/>
+    </dgm:dataModel>
+  </dgm:sampData>
+  <dgm:styleData>
+    <dgm:dataModel>
+      <dgm:ptLst>
+        <dgm:pt modelId="0" type="doc"/>
+        <dgm:pt modelId="1"/>
+        <dgm:pt modelId="11"/>
+        <dgm:pt modelId="12"/>
+      </dgm:ptLst>
+      <dgm:cxnLst>
+        <dgm:cxn modelId="2" srcId="0" destId="1" srcOrd="0" destOrd="0"/>
+        <dgm:cxn modelId="15" srcId="1" destId="11" srcOrd="0" destOrd="0"/>
+        <dgm:cxn modelId="16" srcId="1" destId="12" srcOrd="1" destOrd="0"/>
+      </dgm:cxnLst>
+      <dgm:bg/>
+      <dgm:whole/>
+    </dgm:dataModel>
+  </dgm:styleData>
+  <dgm:clrData>
+    <dgm:dataModel>
+      <dgm:ptLst>
+        <dgm:pt modelId="0" type="doc"/>
+        <dgm:pt modelId="1"/>
+        <dgm:pt modelId="11"/>
+        <dgm:pt modelId="12"/>
+        <dgm:pt modelId="13"/>
+        <dgm:pt modelId="14"/>
+        <dgm:pt modelId="15"/>
+        <dgm:pt modelId="16"/>
+      </dgm:ptLst>
+      <dgm:cxnLst>
+        <dgm:cxn modelId="2" srcId="0" destId="1" srcOrd="0" destOrd="0"/>
+        <dgm:cxn modelId="16" srcId="1" destId="11" srcOrd="0" destOrd="0"/>
+        <dgm:cxn modelId="17" srcId="1" destId="12" srcOrd="1" destOrd="0"/>
+        <dgm:cxn modelId="18" srcId="1" destId="13" srcOrd="2" destOrd="0"/>
+        <dgm:cxn modelId="19" srcId="1" destId="14" srcOrd="3" destOrd="0"/>
+        <dgm:cxn modelId="20" srcId="1" destId="15" srcOrd="4" destOrd="0"/>
+        <dgm:cxn modelId="21" srcId="1" destId="16" srcOrd="5" destOrd="0"/>
+      </dgm:cxnLst>
+      <dgm:bg/>
+      <dgm:whole/>
+    </dgm:dataModel>
+  </dgm:clrData>
+  <dgm:layoutNode name="cycle">
+    <dgm:varLst>
+      <dgm:chMax val="1"/>
+      <dgm:dir/>
+      <dgm:animLvl val="ctr"/>
+      <dgm:resizeHandles val="exact"/>
+    </dgm:varLst>
+    <dgm:choose name="Name0">
+      <dgm:if name="Name1" func="var" arg="dir" op="equ" val="norm">
+        <dgm:choose name="Name2">
+          <dgm:if name="Name3" axis="ch ch" ptType="node node" st="1 1" cnt="1 0" func="cnt" op="lte" val="1">
+            <dgm:alg type="cycle">
+              <dgm:param type="stAng" val="0"/>
+              <dgm:param type="spanAng" val="360"/>
+              <dgm:param type="ctrShpMap" val="fNode"/>
+            </dgm:alg>
+          </dgm:if>
+          <dgm:else name="Name4">
+            <dgm:choose name="Name5">
+              <dgm:if name="Name6" axis="ch ch" ptType="node node" st="1 1" cnt="1 0" func="cnt" op="lte" val="3">
+                <dgm:alg type="cycle">
+                  <dgm:param type="stAng" val="-55"/>
+                  <dgm:param type="spanAng" val="110"/>
+                  <dgm:param type="ctrShpMap" val="fNode"/>
+                </dgm:alg>
+              </dgm:if>
+              <dgm:else name="Name7">
+                <dgm:choose name="Name8">
+                  <dgm:if name="Name9" axis="ch ch" ptType="node node" st="1 1" cnt="1 0" func="cnt" op="equ" val="4">
+                    <dgm:alg type="cycle">
+                      <dgm:param type="stAng" val="-75"/>
+                      <dgm:param type="spanAng" val="150"/>
+                      <dgm:param type="ctrShpMap" val="fNode"/>
+                    </dgm:alg>
+                  </dgm:if>
+                  <dgm:else name="Name10">
+                    <dgm:alg type="cycle">
+                      <dgm:param type="stAng" val="-90"/>
+                      <dgm:param type="spanAng" val="180"/>
+                      <dgm:param type="ctrShpMap" val="fNode"/>
+                    </dgm:alg>
+                  </dgm:else>
+                </dgm:choose>
+              </dgm:else>
+            </dgm:choose>
+          </dgm:else>
+        </dgm:choose>
+      </dgm:if>
+      <dgm:else name="Name11">
+        <dgm:choose name="Name12">
+          <dgm:if name="Name13" axis="ch ch" ptType="node node" st="1 1" cnt="1 0" func="cnt" op="lte" val="1">
+            <dgm:alg type="cycle">
+              <dgm:param type="stAng" val="0"/>
+              <dgm:param type="spanAng" val="-360"/>
+              <dgm:param type="ctrShpMap" val="fNode"/>
+            </dgm:alg>
+          </dgm:if>
+          <dgm:else name="Name14">
+            <dgm:choose name="Name15">
+              <dgm:if name="Name16" axis="ch ch" ptType="node node" st="1 1" cnt="1 0" func="cnt" op="lte" val="3">
+                <dgm:alg type="cycle">
+                  <dgm:param type="stAng" val="55"/>
+                  <dgm:param type="spanAng" val="-110"/>
+                  <dgm:param type="ctrShpMap" val="fNode"/>
+                </dgm:alg>
+              </dgm:if>
+              <dgm:else name="Name17">
+                <dgm:choose name="Name18">
+                  <dgm:if name="Name19" axis="ch ch" ptType="node node" st="1 1" cnt="1 0" func="cnt" op="equ" val="4">
+                    <dgm:alg type="cycle">
+                      <dgm:param type="stAng" val="75"/>
+                      <dgm:param type="spanAng" val="-150"/>
+                      <dgm:param type="ctrShpMap" val="fNode"/>
+                    </dgm:alg>
+                  </dgm:if>
+                  <dgm:else name="Name20">
+                    <dgm:alg type="cycle">
+                      <dgm:param type="stAng" val="90"/>
+                      <dgm:param type="spanAng" val="-180"/>
+                      <dgm:param type="ctrShpMap" val="fNode"/>
+                    </dgm:alg>
+                  </dgm:else>
+                </dgm:choose>
+              </dgm:else>
+            </dgm:choose>
+          </dgm:else>
+        </dgm:choose>
+      </dgm:else>
+    </dgm:choose>
+    <dgm:shape xmlns:r="http://schemas.openxmlformats.org/officeDocument/2006/relationships" r:blip="">
+      <dgm:adjLst/>
+    </dgm:shape>
+    <dgm:presOf/>
+    <dgm:constrLst>
+      <dgm:constr type="w" for="ch" forName="centerShape" refType="w"/>
+      <dgm:constr type="w" for="ch" forName="node" refType="w" refFor="ch" refForName="centerShape" fact="0.95"/>
+      <dgm:constr type="h" for="ch" forName="parTrans" refType="w" refFor="ch" refForName="centerShape" fact="0.285"/>
+      <dgm:constr type="sp" refType="w" refFor="ch" refForName="centerShape" op="equ" fact="0.23"/>
+      <dgm:constr type="sibSp" refType="w" refFor="ch" refForName="node" fact="0.1"/>
+      <dgm:constr type="primFontSz" for="ch" forName="node" op="equ"/>
+    </dgm:constrLst>
+    <dgm:choose name="Name21">
+      <dgm:if name="Name22" axis="ch ch" ptType="node node" st="1 1" cnt="1 0" func="cnt" op="lte" val="5">
+        <dgm:ruleLst>
+          <dgm:rule type="w" for="ch" forName="centerShape" val="NaN" fact="0.27" max="NaN"/>
+        </dgm:ruleLst>
+      </dgm:if>
+      <dgm:else name="Name23">
+        <dgm:ruleLst>
+          <dgm:rule type="w" for="ch" forName="centerShape" val="NaN" fact="0.27" max="NaN"/>
+          <dgm:rule type="w" for="ch" forName="node" val="NaN" fact="0.7" max="NaN"/>
+        </dgm:ruleLst>
+      </dgm:else>
+    </dgm:choose>
+    <dgm:forEach name="Name24" axis="ch" ptType="node" cnt="1">
+      <dgm:layoutNode name="centerShape" styleLbl="node0">
+        <dgm:alg type="tx"/>
+        <dgm:shape xmlns:r="http://schemas.openxmlformats.org/officeDocument/2006/relationships" type="ellipse" r:blip="">
+          <dgm:adjLst/>
+        </dgm:shape>
+        <dgm:presOf axis="self"/>
+        <dgm:constrLst>
+          <dgm:constr type="tMarg" refType="primFontSz" fact="0.05"/>
+          <dgm:constr type="bMarg" refType="primFontSz" fact="0.05"/>
+          <dgm:constr type="lMarg" refType="primFontSz" fact="0.05"/>
+          <dgm:constr type="rMarg" refType="primFontSz" fact="0.05"/>
+          <dgm:constr type="primFontSz" val="65"/>
+          <dgm:constr type="h" refType="w"/>
+        </dgm:constrLst>
+        <dgm:ruleLst>
+          <dgm:rule type="primFontSz" val="5" fact="NaN" max="NaN"/>
+        </dgm:ruleLst>
+      </dgm:layoutNode>
+      <dgm:forEach name="Name25" axis="ch">
+        <dgm:forEach name="Name26" axis="self" ptType="parTrans">
+          <dgm:layoutNode name="parTrans" styleLbl="bgSibTrans2D1">
+            <dgm:alg type="conn">
+              <dgm:param type="begPts" val="auto"/>
+              <dgm:param type="endPts" val="ctr"/>
+              <dgm:param type="endSty" val="noArr"/>
+              <dgm:param type="begSty" val="arr"/>
+            </dgm:alg>
+            <dgm:shape xmlns:r="http://schemas.openxmlformats.org/officeDocument/2006/relationships" type="conn" r:blip="">
+              <dgm:adjLst/>
+            </dgm:shape>
+            <dgm:presOf axis="self"/>
+            <dgm:constrLst>
+              <dgm:constr type="begPad" refType="connDist" fact="0.055"/>
+              <dgm:constr type="endPad"/>
+            </dgm:constrLst>
+            <dgm:ruleLst/>
+          </dgm:layoutNode>
+        </dgm:forEach>
+        <dgm:forEach name="Name27" axis="self" ptType="node">
+          <dgm:layoutNode name="node" styleLbl="node1">
+            <dgm:varLst>
+              <dgm:bulletEnabled val="1"/>
+            </dgm:varLst>
+            <dgm:alg type="tx"/>
+            <dgm:shape xmlns:r="http://schemas.openxmlformats.org/officeDocument/2006/relationships" type="roundRect" r:blip="">
+              <dgm:adjLst>
+                <dgm:adj idx="1" val="0.1"/>
+              </dgm:adjLst>
+            </dgm:shape>
+            <dgm:presOf axis="desOrSelf" ptType="node"/>
+            <dgm:constrLst>
+              <dgm:constr type="primFontSz" val="65"/>
+              <dgm:constr type="h" refType="w" fact="0.8"/>
+              <dgm:constr type="tMarg" refType="primFontSz" fact="0.15"/>
+              <dgm:constr type="bMarg" refType="primFontSz" fact="0.15"/>
+              <dgm:constr type="lMarg" refType="primFontSz" fact="0.15"/>
+              <dgm:constr type="rMarg" refType="primFontSz" fact="0.15"/>
+            </dgm:constrLst>
+            <dgm:ruleLst>
+              <dgm:rule type="primFontSz" val="5" fact="NaN" max="NaN"/>
+            </dgm:ruleLst>
+          </dgm:layoutNode>
+        </dgm:forEach>
+      </dgm:forEach>
+    </dgm:forEach>
+  </dgm:layoutNode>
+</dgm:layoutDef>
+</file>
+
+<file path=ppt/diagrams/quickStyle1.xml><?xml version="1.0" encoding="utf-8"?>
+<dgm:styleDef xmlns:dgm="http://schemas.openxmlformats.org/drawingml/2006/diagram" xmlns:a="http://schemas.openxmlformats.org/drawingml/2006/main" uniqueId="urn:microsoft.com/office/officeart/2005/8/quickstyle/simple4">
+  <dgm:title val=""/>
+  <dgm:desc val=""/>
+  <dgm:catLst>
+    <dgm:cat type="simple" pri="10400"/>
+  </dgm:catLst>
+  <dgm:scene3d>
+    <a:camera prst="orthographicFront"/>
+    <a:lightRig rig="threePt" dir="t"/>
+  </dgm:scene3d>
+  <dgm:styleLbl name="node0">
+    <dgm:scene3d>
+      <a:camera prst="orthographicFront"/>
+      <a:lightRig rig="threePt" dir="t"/>
+    </dgm:scene3d>
+    <dgm:sp3d/>
+    <dgm:txPr/>
+    <dgm:style>
+      <a:lnRef idx="0">
+        <a:scrgbClr r="0" g="0" b="0"/>
+      </a:lnRef>
+      <a:fillRef idx="3">
+        <a:scrgbClr r="0" g="0" b="0"/>
+      </a:fillRef>
+      <a:effectRef idx="2">
+        <a:scrgbClr r="0" g="0" b="0"/>
+      </a:effectRef>
+      <a:fontRef idx="minor">
+        <a:schemeClr val="lt1"/>
+      </a:fontRef>
+    </dgm:style>
+  </dgm:styleLbl>
+  <dgm:styleLbl name="lnNode1">
+    <dgm:scene3d>
+      <a:camera prst="orthographicFront"/>
+      <a:lightRig rig="threePt" dir="t"/>
+    </dgm:scene3d>
+    <dgm:sp3d/>
+    <dgm:txPr/>
+    <dgm:style>
+      <a:lnRef idx="1">
+        <a:scrgbClr r="0" g="0" b="0"/>
+      </a:lnRef>
+      <a:fillRef idx="3">
+        <a:scrgbClr r="0" g="0" b="0"/>
+      </a:fillRef>
+      <a:effectRef idx="2">
+        <a:scrgbClr r="0" g="0" b="0"/>
+      </a:effectRef>
+      <a:fontRef idx="minor">
+        <a:schemeClr val="lt1"/>
+      </a:fontRef>
+    </dgm:style>
+  </dgm:styleLbl>
+  <dgm:styleLbl name="vennNode1">
+    <dgm:scene3d>
+      <a:camera prst="orthographicFront"/>
+      <a:lightRig rig="threePt" dir="t"/>
+    </dgm:scene3d>
+    <dgm:sp3d/>
+    <dgm:txPr/>
+    <dgm:style>
+      <a:lnRef idx="0">
+        <a:scrgbClr r="0" g="0" b="0"/>
+      </a:lnRef>
+      <a:fillRef idx="3">
+        <a:scrgbClr r="0" g="0" b="0"/>
+      </a:fillRef>
+      <a:effectRef idx="0">
+        <a:scrgbClr r="0" g="0" b="0"/>
+      </a:effectRef>
+      <a:fontRef idx="minor">
+        <a:schemeClr val="tx1"/>
+      </a:fontRef>
+    </dgm:style>
+  </dgm:styleLbl>
+  <dgm:styleLbl name="alignNode1">
+    <dgm:scene3d>
+      <a:camera prst="orthographicFront"/>
+      <a:lightRig rig="threePt" dir="t"/>
+    </dgm:scene3d>
+    <dgm:sp3d/>
+    <dgm:txPr/>
+    <dgm:style>
+      <a:lnRef idx="1">
+        <a:scrgbClr r="0" g="0" b="0"/>
+      </a:lnRef>
+      <a:fillRef idx="3">
+        <a:scrgbClr r="0" g="0" b="0"/>
+      </a:fillRef>
+      <a:effectRef idx="2">
+        <a:scrgbClr r="0" g="0" b="0"/>
+      </a:effectRef>
+      <a:fontRef idx="minor">
+        <a:schemeClr val="lt1"/>
+      </a:fontRef>
+    </dgm:style>
+  </dgm:styleLbl>
+  <dgm:styleLbl name="node1">
+    <dgm:scene3d>
+      <a:camera prst="orthographicFront"/>
+      <a:lightRig rig="threePt" dir="t"/>
+    </dgm:scene3d>
+    <dgm:sp3d/>
+    <dgm:txPr/>
+    <dgm:style>
+      <a:lnRef idx="0">
+        <a:scrgbClr r="0" g="0" b="0"/>
+      </a:lnRef>
+      <a:fillRef idx="3">
+        <a:scrgbClr r="0" g="0" b="0"/>
+      </a:fillRef>
+      <a:effectRef idx="2">
+        <a:scrgbClr r="0" g="0" b="0"/>
+      </a:effectRef>
+      <a:fontRef idx="minor">
+        <a:schemeClr val="lt1"/>
+      </a:fontRef>
+    </dgm:style>
+  </dgm:styleLbl>
+  <dgm:styleLbl name="node2">
+    <dgm:scene3d>
+      <a:camera prst="orthographicFront"/>
+      <a:lightRig rig="threePt" dir="t"/>
+    </dgm:scene3d>
+    <dgm:sp3d/>
+    <dgm:txPr/>
+    <dgm:style>
+      <a:lnRef idx="0">
+        <a:scrgbClr r="0" g="0" b="0"/>
+      </a:lnRef>
+      <a:fillRef idx="3">
+        <a:scrgbClr r="0" g="0" b="0"/>
+      </a:fillRef>
+      <a:effectRef idx="2">
+        <a:scrgbClr r="0" g="0" b="0"/>
+      </a:effectRef>
+      <a:fontRef idx="minor">
+        <a:schemeClr val="lt1"/>
+      </a:fontRef>
+    </dgm:style>
+  </dgm:styleLbl>
+  <dgm:styleLbl name="node3">
+    <dgm:scene3d>
+      <a:camera prst="orthographicFront"/>
+      <a:lightRig rig="threePt" dir="t"/>
+    </dgm:scene3d>
+    <dgm:sp3d/>
+    <dgm:txPr/>
+    <dgm:style>
+      <a:lnRef idx="0">
+        <a:scrgbClr r="0" g="0" b="0"/>
+      </a:lnRef>
+      <a:fillRef idx="3">
+        <a:scrgbClr r="0" g="0" b="0"/>
+      </a:fillRef>
+      <a:effectRef idx="2">
+        <a:scrgbClr r="0" g="0" b="0"/>
+      </a:effectRef>
+      <a:fontRef idx="minor">
+        <a:schemeClr val="lt1"/>
+      </a:fontRef>
+    </dgm:style>
+  </dgm:styleLbl>
+  <dgm:styleLbl name="node4">
+    <dgm:scene3d>
+      <a:camera prst="orthographicFront"/>
+      <a:lightRig rig="threePt" dir="t"/>
+    </dgm:scene3d>
+    <dgm:sp3d/>
+    <dgm:txPr/>
+    <dgm:style>
+      <a:lnRef idx="0">
+        <a:scrgbClr r="0" g="0" b="0"/>
+      </a:lnRef>
+      <a:fillRef idx="3">
+        <a:scrgbClr r="0" g="0" b="0"/>
+      </a:fillRef>
+      <a:effectRef idx="2">
+        <a:scrgbClr r="0" g="0" b="0"/>
+      </a:effectRef>
+      <a:fontRef idx="minor">
+        <a:schemeClr val="lt1"/>
+      </a:fontRef>
+    </dgm:style>
+  </dgm:styleLbl>
+  <dgm:styleLbl name="fgImgPlace1">
+    <dgm:scene3d>
+      <a:camera prst="orthographicFront"/>
+      <a:lightRig rig="threePt" dir="t"/>
+    </dgm:scene3d>
+    <dgm:sp3d/>
+    <dgm:txPr/>
+    <dgm:style>
+      <a:lnRef idx="0">
+        <a:scrgbClr r="0" g="0" b="0"/>
+      </a:lnRef>
+      <a:fillRef idx="1">
+        <a:scrgbClr r="0" g="0" b="0"/>
+      </a:fillRef>
+      <a:effectRef idx="2">
+        <a:scrgbClr r="0" g="0" b="0"/>
+      </a:effectRef>
+      <a:fontRef idx="minor"/>
+    </dgm:style>
+  </dgm:styleLbl>
+  <dgm:styleLbl name="alignImgPlace1">
+    <dgm:scene3d>
+      <a:camera prst="orthographicFront"/>
+      <a:lightRig rig="threePt" dir="t"/>
+    </dgm:scene3d>
+    <dgm:sp3d/>
+    <dgm:txPr/>
+    <dgm:style>
+      <a:lnRef idx="0">
+        <a:scrgbClr r="0" g="0" b="0"/>
+      </a:lnRef>
+      <a:fillRef idx="1">
+        <a:scrgbClr r="0" g="0" b="0"/>
+      </a:fillRef>
+      <a:effectRef idx="2">
+        <a:scrgbClr r="0" g="0" b="0"/>
+      </a:effectRef>
+      <a:fontRef idx="minor"/>
+    </dgm:style>
+  </dgm:styleLbl>
+  <dgm:styleLbl name="bgImgPlace1">
+    <dgm:scene3d>
+      <a:camera prst="orthographicFront"/>
+      <a:lightRig rig="threePt" dir="t"/>
+    </dgm:scene3d>
+    <dgm:sp3d/>
+    <dgm:txPr/>
+    <dgm:style>
+      <a:lnRef idx="0">
+        <a:scrgbClr r="0" g="0" b="0"/>
+      </a:lnRef>
+      <a:fillRef idx="1">
+        <a:scrgbClr r="0" g="0" b="0"/>
+      </a:fillRef>
+      <a:effectRef idx="2">
+        <a:scrgbClr r="0" g="0" b="0"/>
+      </a:effectRef>
+      <a:fontRef idx="minor"/>
+    </dgm:style>
+  </dgm:styleLbl>
+  <dgm:styleLbl name="sibTrans2D1">
+    <dgm:scene3d>
+      <a:camera prst="orthographicFront"/>
+      <a:lightRig rig="threePt" dir="t"/>
+    </dgm:scene3d>
+    <dgm:sp3d/>
+    <dgm:txPr/>
+    <dgm:style>
+      <a:lnRef idx="0">
+        <a:scrgbClr r="0" g="0" b="0"/>
+      </a:lnRef>
+      <a:fillRef idx="3">
+        <a:scrgbClr r="0" g="0" b="0"/>
+      </a:fillRef>
+      <a:effectRef idx="2">
+        <a:scrgbClr r="0" g="0" b="0"/>
+      </a:effectRef>
+      <a:fontRef idx="minor">
+        <a:schemeClr val="lt1"/>
+      </a:fontRef>
+    </dgm:style>
+  </dgm:styleLbl>
+  <dgm:styleLbl name="fgSibTrans2D1">
+    <dgm:scene3d>
+      <a:camera prst="orthographicFront"/>
+      <a:lightRig rig="threePt" dir="t"/>
+    </dgm:scene3d>
+    <dgm:sp3d/>
+    <dgm:txPr/>
+    <dgm:style>
+      <a:lnRef idx="0">
+        <a:scrgbClr r="0" g="0" b="0"/>
+      </a:lnRef>
+      <a:fillRef idx="3">
+        <a:scrgbClr r="0" g="0" b="0"/>
+      </a:fillRef>
+      <a:effectRef idx="2">
+        <a:scrgbClr r="0" g="0" b="0"/>
+      </a:effectRef>
+      <a:fontRef idx="minor">
+        <a:schemeClr val="lt1"/>
+      </a:fontRef>
+    </dgm:style>
+  </dgm:styleLbl>
+  <dgm:styleLbl name="bgSibTrans2D1">
+    <dgm:scene3d>
+      <a:camera prst="orthographicFront"/>
+      <a:lightRig rig="threePt" dir="t"/>
+    </dgm:scene3d>
+    <dgm:sp3d/>
+    <dgm:txPr/>
+    <dgm:style>
+      <a:lnRef idx="0">
+        <a:scrgbClr r="0" g="0" b="0"/>
+      </a:lnRef>
+      <a:fillRef idx="3">
+        <a:scrgbClr r="0" g="0" b="0"/>
+      </a:fillRef>
+      <a:effectRef idx="2">
+        <a:scrgbClr r="0" g="0" b="0"/>
+      </a:effectRef>
+      <a:fontRef idx="minor">
+        <a:schemeClr val="lt1"/>
+      </a:fontRef>
+    </dgm:style>
+  </dgm:styleLbl>
+  <dgm:styleLbl name="sibTrans1D1">
+    <dgm:scene3d>
+      <a:camera prst="orthographicFront"/>
+      <a:lightRig rig="threePt" dir="t"/>
+    </dgm:scene3d>
+    <dgm:sp3d/>
+    <dgm:txPr/>
+    <dgm:style>
+      <a:lnRef idx="1">
+        <a:scrgbClr r="0" g="0" b="0"/>
+      </a:lnRef>
+      <a:fillRef idx="0">
+        <a:scrgbClr r="0" g="0" b="0"/>
+      </a:fillRef>
+      <a:effectRef idx="0">
+        <a:scrgbClr r="0" g="0" b="0"/>
+      </a:effectRef>
+      <a:fontRef idx="minor"/>
+    </dgm:style>
+  </dgm:styleLbl>
+  <dgm:styleLbl name="callout">
+    <dgm:scene3d>
+      <a:camera prst="orthographicFront"/>
+      <a:lightRig rig="threePt" dir="t"/>
+    </dgm:scene3d>
+    <dgm:sp3d/>
+    <dgm:txPr/>
+    <dgm:style>
+      <a:lnRef idx="2">
+        <a:scrgbClr r="0" g="0" b="0"/>
+      </a:lnRef>
+      <a:fillRef idx="1">
+        <a:scrgbClr r="0" g="0" b="0"/>
+      </a:fillRef>
+      <a:effectRef idx="1">
+        <a:scrgbClr r="0" g="0" b="0"/>
+      </a:effectRef>
+      <a:fontRef idx="minor"/>
+    </dgm:style>
+  </dgm:styleLbl>
+  <dgm:styleLbl name="asst0">
+    <dgm:scene3d>
+      <a:camera prst="orthographicFront"/>
+      <a:lightRig rig="threePt" dir="t"/>
+    </dgm:scene3d>
+    <dgm:sp3d/>
+    <dgm:txPr/>
+    <dgm:style>
+      <a:lnRef idx="0">
+        <a:scrgbClr r="0" g="0" b="0"/>
+      </a:lnRef>
+      <a:fillRef idx="3">
+        <a:scrgbClr r="0" g="0" b="0"/>
+      </a:fillRef>
+      <a:effectRef idx="2">
+        <a:scrgbClr r="0" g="0" b="0"/>
+      </a:effectRef>
+      <a:fontRef idx="minor">
+        <a:schemeClr val="lt1"/>
+      </a:fontRef>
+    </dgm:style>
+  </dgm:styleLbl>
+  <dgm:styleLbl name="asst1">
+    <dgm:scene3d>
+      <a:camera prst="orthographicFront"/>
+      <a:lightRig rig="threePt" dir="t"/>
+    </dgm:scene3d>
+    <dgm:sp3d/>
+    <dgm:txPr/>
+    <dgm:style>
+      <a:lnRef idx="0">
+        <a:scrgbClr r="0" g="0" b="0"/>
+      </a:lnRef>
+      <a:fillRef idx="3">
+        <a:scrgbClr r="0" g="0" b="0"/>
+      </a:fillRef>
+      <a:effectRef idx="2">
+        <a:scrgbClr r="0" g="0" b="0"/>
+      </a:effectRef>
+      <a:fontRef idx="minor">
+        <a:schemeClr val="lt1"/>
+      </a:fontRef>
+    </dgm:style>
+  </dgm:styleLbl>
+  <dgm:styleLbl name="asst2">
+    <dgm:scene3d>
+      <a:camera prst="orthographicFront"/>
+      <a:lightRig rig="threePt" dir="t"/>
+    </dgm:scene3d>
+    <dgm:sp3d/>
+    <dgm:txPr/>
+    <dgm:style>
+      <a:lnRef idx="0">
+        <a:scrgbClr r="0" g="0" b="0"/>
+      </a:lnRef>
+      <a:fillRef idx="3">
+        <a:scrgbClr r="0" g="0" b="0"/>
+      </a:fillRef>
+      <a:effectRef idx="2">
+        <a:scrgbClr r="0" g="0" b="0"/>
+      </a:effectRef>
+      <a:fontRef idx="minor">
+        <a:schemeClr val="lt1"/>
+      </a:fontRef>
+    </dgm:style>
+  </dgm:styleLbl>
+  <dgm:styleLbl name="asst3">
+    <dgm:scene3d>
+      <a:camera prst="orthographicFront"/>
+      <a:lightRig rig="threePt" dir="t"/>
+    </dgm:scene3d>
+    <dgm:sp3d/>
+    <dgm:txPr/>
+    <dgm:style>
+      <a:lnRef idx="0">
+        <a:scrgbClr r="0" g="0" b="0"/>
+      </a:lnRef>
+      <a:fillRef idx="3">
+        <a:scrgbClr r="0" g="0" b="0"/>
+      </a:fillRef>
+      <a:effectRef idx="2">
+        <a:scrgbClr r="0" g="0" b="0"/>
+      </a:effectRef>
+      <a:fontRef idx="minor">
+        <a:schemeClr val="lt1"/>
+      </a:fontRef>
+    </dgm:style>
+  </dgm:styleLbl>
+  <dgm:styleLbl name="asst4">
+    <dgm:scene3d>
+      <a:camera prst="orthographicFront"/>
+      <a:lightRig rig="threePt" dir="t"/>
+    </dgm:scene3d>
+    <dgm:sp3d/>
+    <dgm:txPr/>
+    <dgm:style>
+      <a:lnRef idx="0">
+        <a:scrgbClr r="0" g="0" b="0"/>
+      </a:lnRef>
+      <a:fillRef idx="3">
+        <a:scrgbClr r="0" g="0" b="0"/>
+      </a:fillRef>
+      <a:effectRef idx="2">
+        <a:scrgbClr r="0" g="0" b="0"/>
+      </a:effectRef>
+      <a:fontRef idx="minor">
+        <a:schemeClr val="lt1"/>
+      </a:fontRef>
+    </dgm:style>
+  </dgm:styleLbl>
+  <dgm:styleLbl name="parChTrans2D1">
+    <dgm:scene3d>
+      <a:camera prst="orthographicFront"/>
+      <a:lightRig rig="threePt" dir="t"/>
+    </dgm:scene3d>
+    <dgm:sp3d/>
+    <dgm:txPr/>
+    <dgm:style>
+      <a:lnRef idx="0">
+        <a:scrgbClr r="0" g="0" b="0"/>
+      </a:lnRef>
+      <a:fillRef idx="3">
+        <a:scrgbClr r="0" g="0" b="0"/>
+      </a:fillRef>
+      <a:effectRef idx="2">
+        <a:scrgbClr r="0" g="0" b="0"/>
+      </a:effectRef>
+      <a:fontRef idx="minor">
+        <a:schemeClr val="lt1"/>
+      </a:fontRef>
+    </dgm:style>
+  </dgm:styleLbl>
+  <dgm:styleLbl name="parChTrans2D2">
+    <dgm:scene3d>
+      <a:camera prst="orthographicFront"/>
+      <a:lightRig rig="threePt" dir="t"/>
+    </dgm:scene3d>
+    <dgm:sp3d/>
+    <dgm:txPr/>
+    <dgm:style>
+      <a:lnRef idx="0">
+        <a:scrgbClr r="0" g="0" b="0"/>
+      </a:lnRef>
+      <a:fillRef idx="3">
+        <a:scrgbClr r="0" g="0" b="0"/>
+      </a:fillRef>
+      <a:effectRef idx="2">
+        <a:scrgbClr r="0" g="0" b="0"/>
+      </a:effectRef>
+      <a:fontRef idx="minor">
+        <a:schemeClr val="lt1"/>
+      </a:fontRef>
+    </dgm:style>
+  </dgm:styleLbl>
+  <dgm:styleLbl name="parChTrans2D3">
+    <dgm:scene3d>
+      <a:camera prst="orthographicFront"/>
+      <a:lightRig rig="threePt" dir="t"/>
+    </dgm:scene3d>
+    <dgm:sp3d/>
+    <dgm:txPr/>
+    <dgm:style>
+      <a:lnRef idx="1">
+        <a:scrgbClr r="0" g="0" b="0"/>
+      </a:lnRef>
+      <a:fillRef idx="3">
+        <a:scrgbClr r="0" g="0" b="0"/>
+      </a:fillRef>
+      <a:effectRef idx="2">
+        <a:scrgbClr r="0" g="0" b="0"/>
+      </a:effectRef>
+      <a:fontRef idx="minor">
+        <a:schemeClr val="lt1"/>
+      </a:fontRef>
+    </dgm:style>
+  </dgm:styleLbl>
+  <dgm:styleLbl name="parChTrans2D4">
+    <dgm:scene3d>
+      <a:camera prst="orthographicFront"/>
+      <a:lightRig rig="threePt" dir="t"/>
+    </dgm:scene3d>
+    <dgm:sp3d/>
+    <dgm:txPr/>
+    <dgm:style>
+      <a:lnRef idx="1">
+        <a:scrgbClr r="0" g="0" b="0"/>
+      </a:lnRef>
+      <a:fillRef idx="3">
+        <a:scrgbClr r="0" g="0" b="0"/>
+      </a:fillRef>
+      <a:effectRef idx="2">
+        <a:scrgbClr r="0" g="0" b="0"/>
+      </a:effectRef>
+      <a:fontRef idx="minor">
+        <a:schemeClr val="lt1"/>
+      </a:fontRef>
+    </dgm:style>
+  </dgm:styleLbl>
+  <dgm:styleLbl name="parChTrans1D1">
+    <dgm:scene3d>
+      <a:camera prst="orthographicFront"/>
+      <a:lightRig rig="threePt" dir="t"/>
+    </dgm:scene3d>
+    <dgm:sp3d/>
+    <dgm:txPr/>
+    <dgm:style>
+      <a:lnRef idx="1">
+        <a:scrgbClr r="0" g="0" b="0"/>
+      </a:lnRef>
+      <a:fillRef idx="0">
+        <a:scrgbClr r="0" g="0" b="0"/>
+      </a:fillRef>
+      <a:effectRef idx="0">
+        <a:scrgbClr r="0" g="0" b="0"/>
+      </a:effectRef>
+      <a:fontRef idx="minor"/>
+    </dgm:style>
+  </dgm:styleLbl>
+  <dgm:styleLbl name="parChTrans1D2">
+    <dgm:scene3d>
+      <a:camera prst="orthographicFront"/>
+      <a:lightRig rig="threePt" dir="t"/>
+    </dgm:scene3d>
+    <dgm:sp3d/>
+    <dgm:txPr/>
+    <dgm:style>
+      <a:lnRef idx="1">
+        <a:scrgbClr r="0" g="0" b="0"/>
+      </a:lnRef>
+      <a:fillRef idx="0">
+        <a:scrgbClr r="0" g="0" b="0"/>
+      </a:fillRef>
+      <a:effectRef idx="0">
+        <a:scrgbClr r="0" g="0" b="0"/>
+      </a:effectRef>
+      <a:fontRef idx="minor"/>
+    </dgm:style>
+  </dgm:styleLbl>
+  <dgm:styleLbl name="parChTrans1D3">
+    <dgm:scene3d>
+      <a:camera prst="orthographicFront"/>
+      <a:lightRig rig="threePt" dir="t"/>
+    </dgm:scene3d>
+    <dgm:sp3d/>
+    <dgm:txPr/>
+    <dgm:style>
+      <a:lnRef idx="1">
+        <a:scrgbClr r="0" g="0" b="0"/>
+      </a:lnRef>
+      <a:fillRef idx="0">
+        <a:scrgbClr r="0" g="0" b="0"/>
+      </a:fillRef>
+      <a:effectRef idx="0">
+        <a:scrgbClr r="0" g="0" b="0"/>
+      </a:effectRef>
+      <a:fontRef idx="minor"/>
+    </dgm:style>
+  </dgm:styleLbl>
+  <dgm:styleLbl name="parChTrans1D4">
+    <dgm:scene3d>
+      <a:camera prst="orthographicFront"/>
+      <a:lightRig rig="threePt" dir="t"/>
+    </dgm:scene3d>
+    <dgm:sp3d/>
+    <dgm:txPr/>
+    <dgm:style>
+      <a:lnRef idx="1">
+        <a:scrgbClr r="0" g="0" b="0"/>
+      </a:lnRef>
+      <a:fillRef idx="0">
+        <a:scrgbClr r="0" g="0" b="0"/>
+      </a:fillRef>
+      <a:effectRef idx="0">
+        <a:scrgbClr r="0" g="0" b="0"/>
+      </a:effectRef>
+      <a:fontRef idx="minor"/>
+    </dgm:style>
+  </dgm:styleLbl>
+  <dgm:styleLbl name="fgAcc1">
+    <dgm:scene3d>
+      <a:camera prst="orthographicFront"/>
+      <a:lightRig rig="threePt" dir="t"/>
+    </dgm:scene3d>
+    <dgm:sp3d/>
+    <dgm:txPr/>
+    <dgm:style>
+      <a:lnRef idx="1">
+        <a:scrgbClr r="0" g="0" b="0"/>
+      </a:lnRef>
+      <a:fillRef idx="1">
+        <a:scrgbClr r="0" g="0" b="0"/>
+      </a:fillRef>
+      <a:effectRef idx="0">
+        <a:scrgbClr r="0" g="0" b="0"/>
+      </a:effectRef>
+      <a:fontRef idx="minor"/>
+    </dgm:style>
+  </dgm:styleLbl>
+  <dgm:styleLbl name="conFgAcc1">
+    <dgm:scene3d>
+      <a:camera prst="orthographicFront"/>
+      <a:lightRig rig="threePt" dir="t"/>
+    </dgm:scene3d>
+    <dgm:sp3d/>
+    <dgm:txPr/>
+    <dgm:style>
+      <a:lnRef idx="1">
+        <a:scrgbClr r="0" g="0" b="0"/>
+      </a:lnRef>
+      <a:fillRef idx="1">
+        <a:scrgbClr r="0" g="0" b="0"/>
+      </a:fillRef>
+      <a:effectRef idx="0">
+        <a:scrgbClr r="0" g="0" b="0"/>
+      </a:effectRef>
+      <a:fontRef idx="minor"/>
+    </dgm:style>
+  </dgm:styleLbl>
+  <dgm:styleLbl name="alignAcc1">
+    <dgm:scene3d>
+      <a:camera prst="orthographicFront"/>
+      <a:lightRig rig="threePt" dir="t"/>
+    </dgm:scene3d>
+    <dgm:sp3d/>
+    <dgm:txPr/>
+    <dgm:style>
+      <a:lnRef idx="1">
+        <a:scrgbClr r="0" g="0" b="0"/>
+      </a:lnRef>
+      <a:fillRef idx="1">
+        <a:scrgbClr r="0" g="0" b="0"/>
+      </a:fillRef>
+      <a:effectRef idx="0">
+        <a:scrgbClr r="0" g="0" b="0"/>
+      </a:effectRef>
+      <a:fontRef idx="minor"/>
+    </dgm:style>
+  </dgm:styleLbl>
+  <dgm:styleLbl name="trAlignAcc1">
+    <dgm:scene3d>
+      <a:camera prst="orthographicFront"/>
+      <a:lightRig rig="threePt" dir="t"/>
+    </dgm:scene3d>
+    <dgm:sp3d/>
+    <dgm:txPr/>
+    <dgm:style>
+      <a:lnRef idx="1">
+        <a:scrgbClr r="0" g="0" b="0"/>
+      </a:lnRef>
+      <a:fillRef idx="1">
+        <a:scrgbClr r="0" g="0" b="0"/>
+      </a:fillRef>
+      <a:effectRef idx="0">
+        <a:scrgbClr r="0" g="0" b="0"/>
+      </a:effectRef>
+      <a:fontRef idx="minor"/>
+    </dgm:style>
+  </dgm:styleLbl>
+  <dgm:styleLbl name="bgAcc1">
+    <dgm:scene3d>
+      <a:camera prst="orthographicFront"/>
+      <a:lightRig rig="threePt" dir="t"/>
+    </dgm:scene3d>
+    <dgm:sp3d/>
+    <dgm:txPr/>
+    <dgm:style>
+      <a:lnRef idx="1">
+        <a:scrgbClr r="0" g="0" b="0"/>
+      </a:lnRef>
+      <a:fillRef idx="1">
+        <a:scrgbClr r="0" g="0" b="0"/>
+      </a:fillRef>
+      <a:effectRef idx="0">
+        <a:scrgbClr r="0" g="0" b="0"/>
+      </a:effectRef>
+      <a:fontRef idx="minor"/>
+    </dgm:style>
+  </dgm:styleLbl>
+  <dgm:styleLbl name="solidFgAcc1">
+    <dgm:scene3d>
+      <a:camera prst="orthographicFront"/>
+      <a:lightRig rig="threePt" dir="t"/>
+    </dgm:scene3d>
+    <dgm:sp3d/>
+    <dgm:txPr/>
+    <dgm:style>
+      <a:lnRef idx="1">
+        <a:scrgbClr r="0" g="0" b="0"/>
+      </a:lnRef>
+      <a:fillRef idx="1">
+        <a:scrgbClr r="0" g="0" b="0"/>
+      </a:fillRef>
+      <a:effectRef idx="0">
+        <a:scrgbClr r="0" g="0" b="0"/>
+      </a:effectRef>
+      <a:fontRef idx="minor"/>
+    </dgm:style>
+  </dgm:styleLbl>
+  <dgm:styleLbl name="solidAlignAcc1">
+    <dgm:scene3d>
+      <a:camera prst="orthographicFront"/>
+      <a:lightRig rig="threePt" dir="t"/>
+    </dgm:scene3d>
+    <dgm:sp3d/>
+    <dgm:txPr/>
+    <dgm:style>
+      <a:lnRef idx="1">
+        <a:scrgbClr r="0" g="0" b="0"/>
+      </a:lnRef>
+      <a:fillRef idx="1">
+        <a:scrgbClr r="0" g="0" b="0"/>
+      </a:fillRef>
+      <a:effectRef idx="0">
+        <a:scrgbClr r="0" g="0" b="0"/>
+      </a:effectRef>
+      <a:fontRef idx="minor"/>
+    </dgm:style>
+  </dgm:styleLbl>
+  <dgm:styleLbl name="solidBgAcc1">
+    <dgm:scene3d>
+      <a:camera prst="orthographicFront"/>
+      <a:lightRig rig="threePt" dir="t"/>
+    </dgm:scene3d>
+    <dgm:sp3d/>
+    <dgm:txPr/>
+    <dgm:style>
+      <a:lnRef idx="1">
+        <a:scrgbClr r="0" g="0" b="0"/>
+      </a:lnRef>
+      <a:fillRef idx="1">
+        <a:scrgbClr r="0" g="0" b="0"/>
+      </a:fillRef>
+      <a:effectRef idx="0">
+        <a:scrgbClr r="0" g="0" b="0"/>
+      </a:effectRef>
+      <a:fontRef idx="minor"/>
+    </dgm:style>
+  </dgm:styleLbl>
+  <dgm:styleLbl name="fgAccFollowNode1">
+    <dgm:scene3d>
+      <a:camera prst="orthographicFront"/>
+      <a:lightRig rig="threePt" dir="t"/>
+    </dgm:scene3d>
+    <dgm:sp3d/>
+    <dgm:txPr/>
+    <dgm:style>
+      <a:lnRef idx="1">
+        <a:scrgbClr r="0" g="0" b="0"/>
+      </a:lnRef>
+      <a:fillRef idx="1">
+        <a:scrgbClr r="0" g="0" b="0"/>
+      </a:fillRef>
+      <a:effectRef idx="0">
+        <a:scrgbClr r="0" g="0" b="0"/>
+      </a:effectRef>
+      <a:fontRef idx="minor"/>
+    </dgm:style>
+  </dgm:styleLbl>
+  <dgm:styleLbl name="alignAccFollowNode1">
+    <dgm:scene3d>
+      <a:camera prst="orthographicFront"/>
+      <a:lightRig rig="threePt" dir="t"/>
+    </dgm:scene3d>
+    <dgm:sp3d/>
+    <dgm:txPr/>
+    <dgm:style>
+      <a:lnRef idx="1">
+        <a:scrgbClr r="0" g="0" b="0"/>
+      </a:lnRef>
+      <a:fillRef idx="1">
+        <a:scrgbClr r="0" g="0" b="0"/>
+      </a:fillRef>
+      <a:effectRef idx="0">
+        <a:scrgbClr r="0" g="0" b="0"/>
+      </a:effectRef>
+      <a:fontRef idx="minor"/>
+    </dgm:style>
+  </dgm:styleLbl>
+  <dgm:styleLbl name="bgAccFollowNode1">
+    <dgm:scene3d>
+      <a:camera prst="orthographicFront"/>
+      <a:lightRig rig="threePt" dir="t"/>
+    </dgm:scene3d>
+    <dgm:sp3d/>
+    <dgm:txPr/>
+    <dgm:style>
+      <a:lnRef idx="1">
+        <a:scrgbClr r="0" g="0" b="0"/>
+      </a:lnRef>
+      <a:fillRef idx="1">
+        <a:scrgbClr r="0" g="0" b="0"/>
+      </a:fillRef>
+      <a:effectRef idx="0">
+        <a:scrgbClr r="0" g="0" b="0"/>
+      </a:effectRef>
+      <a:fontRef idx="minor"/>
+    </dgm:style>
+  </dgm:styleLbl>
+  <dgm:styleLbl name="fgAcc0">
+    <dgm:scene3d>
+      <a:camera prst="orthographicFront"/>
+      <a:lightRig rig="threePt" dir="t"/>
+    </dgm:scene3d>
+    <dgm:sp3d/>
+    <dgm:txPr/>
+    <dgm:style>
+      <a:lnRef idx="1">
+        <a:scrgbClr r="0" g="0" b="0"/>
+      </a:lnRef>
+      <a:fillRef idx="1">
+        <a:scrgbClr r="0" g="0" b="0"/>
+      </a:fillRef>
+      <a:effectRef idx="0">
+        <a:scrgbClr r="0" g="0" b="0"/>
+      </a:effectRef>
+      <a:fontRef idx="minor"/>
+    </dgm:style>
+  </dgm:styleLbl>
+  <dgm:styleLbl name="fgAcc2">
+    <dgm:scene3d>
+      <a:camera prst="orthographicFront"/>
+      <a:lightRig rig="threePt" dir="t"/>
+    </dgm:scene3d>
+    <dgm:sp3d/>
+    <dgm:txPr/>
+    <dgm:style>
+      <a:lnRef idx="1">
+        <a:scrgbClr r="0" g="0" b="0"/>
+      </a:lnRef>
+      <a:fillRef idx="1">
+        <a:scrgbClr r="0" g="0" b="0"/>
+      </a:fillRef>
+      <a:effectRef idx="0">
+        <a:scrgbClr r="0" g="0" b="0"/>
+      </a:effectRef>
+      <a:fontRef idx="minor"/>
+    </dgm:style>
+  </dgm:styleLbl>
+  <dgm:styleLbl name="fgAcc3">
+    <dgm:scene3d>
+      <a:camera prst="orthographicFront"/>
+      <a:lightRig rig="threePt" dir="t"/>
+    </dgm:scene3d>
+    <dgm:sp3d/>
+    <dgm:txPr/>
+    <dgm:style>
+      <a:lnRef idx="1">
+        <a:scrgbClr r="0" g="0" b="0"/>
+      </a:lnRef>
+      <a:fillRef idx="1">
+        <a:scrgbClr r="0" g="0" b="0"/>
+      </a:fillRef>
+      <a:effectRef idx="0">
+        <a:scrgbClr r="0" g="0" b="0"/>
+      </a:effectRef>
+      <a:fontRef idx="minor"/>
+    </dgm:style>
+  </dgm:styleLbl>
+  <dgm:styleLbl name="fgAcc4">
+    <dgm:scene3d>
+      <a:camera prst="orthographicFront"/>
+      <a:lightRig rig="threePt" dir="t"/>
+    </dgm:scene3d>
+    <dgm:sp3d/>
+    <dgm:txPr/>
+    <dgm:style>
+      <a:lnRef idx="1">
+        <a:scrgbClr r="0" g="0" b="0"/>
+      </a:lnRef>
+      <a:fillRef idx="1">
+        <a:scrgbClr r="0" g="0" b="0"/>
+      </a:fillRef>
+      <a:effectRef idx="0">
+        <a:scrgbClr r="0" g="0" b="0"/>
+      </a:effectRef>
+      <a:fontRef idx="minor"/>
+    </dgm:style>
+  </dgm:styleLbl>
+  <dgm:styleLbl name="bgShp">
+    <dgm:scene3d>
+      <a:camera prst="orthographicFront"/>
+      <a:lightRig rig="threePt" dir="t"/>
+    </dgm:scene3d>
+    <dgm:sp3d/>
+    <dgm:txPr/>
+    <dgm:style>
+      <a:lnRef idx="0">
+        <a:scrgbClr r="0" g="0" b="0"/>
+      </a:lnRef>
+      <a:fillRef idx="1">
+        <a:scrgbClr r="0" g="0" b="0"/>
+      </a:fillRef>
+      <a:effectRef idx="2">
+        <a:scrgbClr r="0" g="0" b="0"/>
+      </a:effectRef>
+      <a:fontRef idx="minor"/>
+    </dgm:style>
+  </dgm:styleLbl>
+  <dgm:styleLbl name="dkBgShp">
+    <dgm:scene3d>
+      <a:camera prst="orthographicFront"/>
+      <a:lightRig rig="threePt" dir="t"/>
+    </dgm:scene3d>
+    <dgm:sp3d/>
+    <dgm:txPr/>
+    <dgm:style>
+      <a:lnRef idx="0">
+        <a:scrgbClr r="0" g="0" b="0"/>
+      </a:lnRef>
+      <a:fillRef idx="1">
+        <a:scrgbClr r="0" g="0" b="0"/>
+      </a:fillRef>
+      <a:effectRef idx="2">
+        <a:scrgbClr r="0" g="0" b="0"/>
+      </a:effectRef>
+      <a:fontRef idx="minor"/>
+    </dgm:style>
+  </dgm:styleLbl>
+  <dgm:styleLbl name="trBgShp">
+    <dgm:scene3d>
+      <a:camera prst="orthographicFront"/>
+      <a:lightRig rig="threePt" dir="t"/>
+    </dgm:scene3d>
+    <dgm:sp3d/>
+    <dgm:txPr/>
+    <dgm:style>
+      <a:lnRef idx="0">
+        <a:scrgbClr r="0" g="0" b="0"/>
+      </a:lnRef>
+      <a:fillRef idx="1">
+        <a:scrgbClr r="0" g="0" b="0"/>
+      </a:fillRef>
+      <a:effectRef idx="0">
+        <a:scrgbClr r="0" g="0" b="0"/>
+      </a:effectRef>
+      <a:fontRef idx="minor"/>
+    </dgm:style>
+  </dgm:styleLbl>
+  <dgm:styleLbl name="fgShp">
+    <dgm:scene3d>
+      <a:camera prst="orthographicFront"/>
+      <a:lightRig rig="threePt" dir="t"/>
+    </dgm:scene3d>
+    <dgm:sp3d/>
+    <dgm:txPr/>
+    <dgm:style>
+      <a:lnRef idx="0">
+        <a:scrgbClr r="0" g="0" b="0"/>
+      </a:lnRef>
+      <a:fillRef idx="3">
+        <a:scrgbClr r="0" g="0" b="0"/>
+      </a:fillRef>
+      <a:effectRef idx="2">
+        <a:scrgbClr r="0" g="0" b="0"/>
+      </a:effectRef>
+      <a:fontRef idx="minor"/>
+    </dgm:style>
+  </dgm:styleLbl>
+  <dgm:styleLbl name="revTx">
+    <dgm:scene3d>
+      <a:camera prst="orthographicFront"/>
+      <a:lightRig rig="threePt" dir="t"/>
+    </dgm:scene3d>
+    <dgm:sp3d/>
+    <dgm:txPr/>
+    <dgm:style>
+      <a:lnRef idx="0">
+        <a:scrgbClr r="0" g="0" b="0"/>
+      </a:lnRef>
+      <a:fillRef idx="0">
+        <a:scrgbClr r="0" g="0" b="0"/>
+      </a:fillRef>
+      <a:effectRef idx="0">
+        <a:scrgbClr r="0" g="0" b="0"/>
+      </a:effectRef>
+      <a:fontRef idx="minor"/>
+    </dgm:style>
+  </dgm:styleLbl>
+</dgm:styleDef>
 </file>
 
 <file path=ppt/notesMasters/notesMaster1.xml><?xml version="1.0" encoding="utf-8"?>
@@ -710,7 +4100,7 @@
             <a:fld id="{E52400BD-E80C-4269-ADA7-F5D07470A0EF}" type="datetimeFigureOut">
               <a:rPr lang="de-DE" smtClean="0"/>
               <a:pPr/>
-              <a:t>23.05.2013</a:t>
+              <a:t>23.05.13</a:t>
             </a:fld>
             <a:endParaRPr lang="de-DE"/>
           </a:p>
@@ -881,7 +4271,7 @@
     </p:spTree>
     <p:extLst>
       <p:ext uri="{BB962C8B-B14F-4D97-AF65-F5344CB8AC3E}">
-        <p14:creationId xmlns:p14="http://schemas.microsoft.com/office/powerpoint/2010/main" xmlns="" val="4090283463"/>
+        <p14:creationId xmlns:p14="http://schemas.microsoft.com/office/powerpoint/2010/main" val="4090283463"/>
       </p:ext>
     </p:extLst>
   </p:cSld>
@@ -1022,6 +4412,416 @@
         </p:nvSpPr>
         <p:spPr/>
         <p:txBody>
+          <a:bodyPr/>
+          <a:lstStyle/>
+          <a:p>
+            <a:r>
+              <a:rPr lang="de-DE" dirty="0" smtClean="0"/>
+              <a:t>Naive </a:t>
+            </a:r>
+            <a:r>
+              <a:rPr lang="de-DE" dirty="0" err="1" smtClean="0"/>
+              <a:t>bayes</a:t>
+            </a:r>
+            <a:r>
+              <a:rPr lang="de-DE" dirty="0" smtClean="0"/>
+              <a:t>: </a:t>
+            </a:r>
+          </a:p>
+          <a:p>
+            <a:r>
+              <a:rPr lang="de-DE" dirty="0" err="1" smtClean="0"/>
+              <a:t>Too</a:t>
+            </a:r>
+            <a:r>
+              <a:rPr lang="de-DE" dirty="0" smtClean="0"/>
+              <a:t> </a:t>
+            </a:r>
+            <a:r>
+              <a:rPr lang="de-DE" dirty="0" err="1" smtClean="0"/>
+              <a:t>many</a:t>
+            </a:r>
+            <a:r>
+              <a:rPr lang="de-DE" dirty="0" smtClean="0"/>
+              <a:t> </a:t>
+            </a:r>
+            <a:r>
+              <a:rPr lang="de-DE" dirty="0" err="1" smtClean="0"/>
+              <a:t>unknown</a:t>
+            </a:r>
+            <a:r>
+              <a:rPr lang="de-DE" dirty="0" smtClean="0"/>
+              <a:t> </a:t>
+            </a:r>
+            <a:r>
+              <a:rPr lang="de-DE" dirty="0" err="1" smtClean="0"/>
+              <a:t>attributes</a:t>
+            </a:r>
+            <a:r>
+              <a:rPr lang="de-DE" dirty="0" smtClean="0"/>
+              <a:t> in </a:t>
+            </a:r>
+            <a:r>
+              <a:rPr lang="de-DE" dirty="0" err="1" smtClean="0"/>
+              <a:t>test</a:t>
+            </a:r>
+            <a:r>
+              <a:rPr lang="de-DE" baseline="0" dirty="0" smtClean="0"/>
+              <a:t> </a:t>
+            </a:r>
+            <a:r>
+              <a:rPr lang="de-DE" baseline="0" dirty="0" err="1" smtClean="0"/>
+              <a:t>set</a:t>
+            </a:r>
+            <a:r>
+              <a:rPr lang="de-DE" baseline="0" dirty="0" smtClean="0"/>
+              <a:t> -&gt; </a:t>
+            </a:r>
+            <a:r>
+              <a:rPr lang="de-DE" baseline="0" dirty="0" err="1" smtClean="0"/>
+              <a:t>harder</a:t>
+            </a:r>
+            <a:r>
+              <a:rPr lang="de-DE" baseline="0" dirty="0" smtClean="0"/>
+              <a:t> </a:t>
+            </a:r>
+            <a:r>
+              <a:rPr lang="de-DE" baseline="0" dirty="0" err="1" smtClean="0"/>
+              <a:t>too</a:t>
+            </a:r>
+            <a:r>
+              <a:rPr lang="de-DE" baseline="0" dirty="0" smtClean="0"/>
+              <a:t> </a:t>
+            </a:r>
+            <a:r>
+              <a:rPr lang="de-DE" baseline="0" dirty="0" err="1" smtClean="0"/>
+              <a:t>classify</a:t>
+            </a:r>
+            <a:endParaRPr lang="de-DE" baseline="0" dirty="0" smtClean="0"/>
+          </a:p>
+          <a:p>
+            <a:endParaRPr lang="de-DE" baseline="0" dirty="0" smtClean="0"/>
+          </a:p>
+          <a:p>
+            <a:r>
+              <a:rPr lang="de-DE" baseline="0" dirty="0" smtClean="0"/>
+              <a:t>SVM:</a:t>
+            </a:r>
+          </a:p>
+          <a:p>
+            <a:r>
+              <a:rPr lang="de-DE" baseline="0" dirty="0" smtClean="0"/>
+              <a:t>High </a:t>
+            </a:r>
+            <a:r>
+              <a:rPr lang="de-DE" baseline="0" dirty="0" err="1" smtClean="0"/>
+              <a:t>amount</a:t>
+            </a:r>
+            <a:r>
+              <a:rPr lang="de-DE" baseline="0" dirty="0" smtClean="0"/>
+              <a:t> </a:t>
+            </a:r>
+            <a:r>
+              <a:rPr lang="de-DE" baseline="0" dirty="0" err="1" smtClean="0"/>
+              <a:t>of</a:t>
+            </a:r>
+            <a:r>
+              <a:rPr lang="de-DE" baseline="0" dirty="0" smtClean="0"/>
+              <a:t> </a:t>
+            </a:r>
+            <a:r>
+              <a:rPr lang="de-DE" baseline="0" dirty="0" err="1" smtClean="0"/>
+              <a:t>attributes</a:t>
+            </a:r>
+            <a:r>
+              <a:rPr lang="de-DE" baseline="0" dirty="0" smtClean="0"/>
+              <a:t> (&gt;3000) =&gt; </a:t>
+            </a:r>
+            <a:r>
+              <a:rPr lang="de-DE" baseline="0" dirty="0" err="1" smtClean="0"/>
+              <a:t>scattered</a:t>
+            </a:r>
+            <a:r>
+              <a:rPr lang="de-DE" baseline="0" dirty="0" smtClean="0"/>
+              <a:t> </a:t>
+            </a:r>
+            <a:r>
+              <a:rPr lang="de-DE" baseline="0" dirty="0" err="1" smtClean="0"/>
+              <a:t>plot</a:t>
+            </a:r>
+            <a:r>
+              <a:rPr lang="de-DE" baseline="0" dirty="0" smtClean="0"/>
+              <a:t> =&gt; </a:t>
+            </a:r>
+            <a:r>
+              <a:rPr lang="de-DE" baseline="0" dirty="0" err="1" smtClean="0"/>
+              <a:t>harder</a:t>
+            </a:r>
+            <a:r>
+              <a:rPr lang="de-DE" baseline="0" dirty="0" smtClean="0"/>
+              <a:t> </a:t>
+            </a:r>
+            <a:r>
+              <a:rPr lang="de-DE" baseline="0" dirty="0" err="1" smtClean="0"/>
+              <a:t>too</a:t>
+            </a:r>
+            <a:r>
+              <a:rPr lang="de-DE" baseline="0" dirty="0" smtClean="0"/>
+              <a:t> find </a:t>
+            </a:r>
+            <a:r>
+              <a:rPr lang="de-DE" baseline="0" dirty="0" err="1" smtClean="0"/>
+              <a:t>decision</a:t>
+            </a:r>
+            <a:r>
+              <a:rPr lang="de-DE" baseline="0" dirty="0" smtClean="0"/>
+              <a:t> </a:t>
+            </a:r>
+            <a:r>
+              <a:rPr lang="de-DE" baseline="0" dirty="0" err="1" smtClean="0"/>
+              <a:t>boundaries</a:t>
+            </a:r>
+            <a:endParaRPr lang="de-DE" baseline="0" dirty="0" smtClean="0"/>
+          </a:p>
+          <a:p>
+            <a:endParaRPr lang="de-DE" baseline="0" dirty="0" smtClean="0"/>
+          </a:p>
+          <a:p>
+            <a:r>
+              <a:rPr lang="de-DE" baseline="0" dirty="0" smtClean="0"/>
+              <a:t>K-NN:</a:t>
+            </a:r>
+          </a:p>
+          <a:p>
+            <a:r>
+              <a:rPr lang="de-DE" baseline="0" dirty="0" smtClean="0"/>
+              <a:t>Higher score </a:t>
+            </a:r>
+            <a:r>
+              <a:rPr lang="de-DE" baseline="0" dirty="0" err="1" smtClean="0"/>
+              <a:t>because</a:t>
+            </a:r>
+            <a:r>
+              <a:rPr lang="de-DE" baseline="0" dirty="0" smtClean="0"/>
+              <a:t> NN </a:t>
+            </a:r>
+            <a:r>
+              <a:rPr lang="de-DE" baseline="0" dirty="0" err="1" smtClean="0"/>
+              <a:t>model</a:t>
+            </a:r>
+            <a:r>
+              <a:rPr lang="de-DE" baseline="0" dirty="0" smtClean="0"/>
+              <a:t> </a:t>
+            </a:r>
+            <a:r>
+              <a:rPr lang="de-DE" baseline="0" dirty="0" err="1" smtClean="0"/>
+              <a:t>is</a:t>
+            </a:r>
+            <a:r>
+              <a:rPr lang="de-DE" baseline="0" dirty="0" smtClean="0"/>
+              <a:t> </a:t>
+            </a:r>
+            <a:r>
+              <a:rPr lang="de-DE" baseline="0" dirty="0" err="1" smtClean="0"/>
+              <a:t>based</a:t>
+            </a:r>
+            <a:r>
+              <a:rPr lang="de-DE" baseline="0" dirty="0" smtClean="0"/>
+              <a:t> on </a:t>
+            </a:r>
+            <a:r>
+              <a:rPr lang="de-DE" baseline="0" dirty="0" err="1" smtClean="0"/>
+              <a:t>distance</a:t>
+            </a:r>
+            <a:r>
+              <a:rPr lang="de-DE" baseline="0" dirty="0" smtClean="0"/>
+              <a:t> </a:t>
+            </a:r>
+            <a:r>
+              <a:rPr lang="de-DE" baseline="0" dirty="0" err="1" smtClean="0"/>
+              <a:t>comparison</a:t>
+            </a:r>
+            <a:r>
+              <a:rPr lang="de-DE" baseline="0" dirty="0" smtClean="0"/>
+              <a:t> (</a:t>
+            </a:r>
+            <a:r>
+              <a:rPr lang="de-DE" baseline="0" dirty="0" err="1" smtClean="0"/>
+              <a:t>possible</a:t>
+            </a:r>
+            <a:r>
+              <a:rPr lang="de-DE" baseline="0" dirty="0" smtClean="0"/>
+              <a:t> </a:t>
+            </a:r>
+            <a:r>
+              <a:rPr lang="de-DE" baseline="0" dirty="0" err="1" smtClean="0"/>
+              <a:t>for</a:t>
+            </a:r>
+            <a:r>
+              <a:rPr lang="de-DE" baseline="0" dirty="0" smtClean="0"/>
+              <a:t> </a:t>
+            </a:r>
+            <a:r>
+              <a:rPr lang="de-DE" baseline="0" dirty="0" err="1" smtClean="0"/>
+              <a:t>unknown</a:t>
+            </a:r>
+            <a:r>
+              <a:rPr lang="de-DE" baseline="0" dirty="0" smtClean="0"/>
+              <a:t> </a:t>
+            </a:r>
+            <a:r>
+              <a:rPr lang="de-DE" baseline="0" dirty="0" err="1" smtClean="0"/>
+              <a:t>attributes</a:t>
+            </a:r>
+            <a:r>
+              <a:rPr lang="de-DE" baseline="0" dirty="0" smtClean="0"/>
+              <a:t>) </a:t>
+            </a:r>
+          </a:p>
+          <a:p>
+            <a:endParaRPr lang="de-DE" baseline="0" dirty="0" smtClean="0"/>
+          </a:p>
+          <a:p>
+            <a:r>
+              <a:rPr lang="de-DE" baseline="0" dirty="0" smtClean="0"/>
+              <a:t>W K-NN:</a:t>
+            </a:r>
+          </a:p>
+          <a:p>
+            <a:r>
+              <a:rPr lang="de-DE" baseline="0" dirty="0" err="1" smtClean="0"/>
+              <a:t>Fewer</a:t>
+            </a:r>
+            <a:r>
+              <a:rPr lang="de-DE" baseline="0" dirty="0" smtClean="0"/>
+              <a:t> </a:t>
+            </a:r>
+            <a:r>
+              <a:rPr lang="de-DE" baseline="0" dirty="0" err="1" smtClean="0"/>
+              <a:t>attributes</a:t>
+            </a:r>
+            <a:r>
+              <a:rPr lang="de-DE" baseline="0" dirty="0" smtClean="0"/>
+              <a:t> =&gt; </a:t>
+            </a:r>
+            <a:r>
+              <a:rPr lang="de-DE" baseline="0" dirty="0" err="1" smtClean="0"/>
+              <a:t>higher</a:t>
+            </a:r>
+            <a:r>
+              <a:rPr lang="de-DE" baseline="0" dirty="0" smtClean="0"/>
+              <a:t> </a:t>
+            </a:r>
+            <a:r>
+              <a:rPr lang="de-DE" baseline="0" dirty="0" err="1" smtClean="0"/>
+              <a:t>influence</a:t>
+            </a:r>
+            <a:r>
+              <a:rPr lang="de-DE" baseline="0" dirty="0" smtClean="0"/>
+              <a:t> </a:t>
+            </a:r>
+            <a:r>
+              <a:rPr lang="de-DE" baseline="0" dirty="0" err="1" smtClean="0"/>
+              <a:t>of</a:t>
+            </a:r>
+            <a:r>
+              <a:rPr lang="de-DE" baseline="0" dirty="0" smtClean="0"/>
+              <a:t> </a:t>
+            </a:r>
+            <a:r>
+              <a:rPr lang="de-DE" baseline="0" dirty="0" err="1" smtClean="0"/>
+              <a:t>single</a:t>
+            </a:r>
+            <a:r>
+              <a:rPr lang="de-DE" baseline="0" dirty="0" smtClean="0"/>
+              <a:t> </a:t>
+            </a:r>
+            <a:r>
+              <a:rPr lang="de-DE" baseline="0" dirty="0" err="1" smtClean="0"/>
+              <a:t>attributes</a:t>
+            </a:r>
+            <a:endParaRPr lang="de-DE" dirty="0"/>
+          </a:p>
+        </p:txBody>
+      </p:sp>
+      <p:sp>
+        <p:nvSpPr>
+          <p:cNvPr id="4" name="Foliennummernplatzhalter 3"/>
+          <p:cNvSpPr>
+            <a:spLocks noGrp="1"/>
+          </p:cNvSpPr>
+          <p:nvPr>
+            <p:ph type="sldNum" sz="quarter" idx="10"/>
+          </p:nvPr>
+        </p:nvSpPr>
+        <p:spPr/>
+        <p:txBody>
+          <a:bodyPr/>
+          <a:lstStyle/>
+          <a:p>
+            <a:fld id="{4689405B-6484-48C7-BE6C-C9A5019EE58A}" type="slidenum">
+              <a:rPr lang="de-DE" smtClean="0"/>
+              <a:pPr/>
+              <a:t>9</a:t>
+            </a:fld>
+            <a:endParaRPr lang="de-DE"/>
+          </a:p>
+        </p:txBody>
+      </p:sp>
+    </p:spTree>
+    <p:extLst>
+      <p:ext uri="{BB962C8B-B14F-4D97-AF65-F5344CB8AC3E}">
+        <p14:creationId xmlns:p14="http://schemas.microsoft.com/office/powerpoint/2010/main" val="1479306237"/>
+      </p:ext>
+    </p:extLst>
+  </p:cSld>
+  <p:clrMapOvr>
+    <a:masterClrMapping/>
+  </p:clrMapOvr>
+</p:notes>
+</file>
+
+<file path=ppt/notesSlides/notesSlide2.xml><?xml version="1.0" encoding="utf-8"?>
+<p:notes xmlns:a="http://schemas.openxmlformats.org/drawingml/2006/main" xmlns:r="http://schemas.openxmlformats.org/officeDocument/2006/relationships" xmlns:p="http://schemas.openxmlformats.org/presentationml/2006/main">
+  <p:cSld>
+    <p:spTree>
+      <p:nvGrpSpPr>
+        <p:cNvPr id="1" name=""/>
+        <p:cNvGrpSpPr/>
+        <p:nvPr/>
+      </p:nvGrpSpPr>
+      <p:grpSpPr>
+        <a:xfrm>
+          <a:off x="0" y="0"/>
+          <a:ext cx="0" cy="0"/>
+          <a:chOff x="0" y="0"/>
+          <a:chExt cx="0" cy="0"/>
+        </a:xfrm>
+      </p:grpSpPr>
+      <p:sp>
+        <p:nvSpPr>
+          <p:cNvPr id="2" name="Folienbildplatzhalter 1"/>
+          <p:cNvSpPr>
+            <a:spLocks noGrp="1" noRot="1" noChangeAspect="1"/>
+          </p:cNvSpPr>
+          <p:nvPr>
+            <p:ph type="sldImg"/>
+          </p:nvPr>
+        </p:nvSpPr>
+        <p:spPr/>
+      </p:sp>
+      <p:sp>
+        <p:nvSpPr>
+          <p:cNvPr id="3" name="Notizenplatzhalter 2"/>
+          <p:cNvSpPr>
+            <a:spLocks noGrp="1"/>
+          </p:cNvSpPr>
+          <p:nvPr>
+            <p:ph type="body" idx="1"/>
+          </p:nvPr>
+        </p:nvSpPr>
+        <p:spPr/>
+        <p:txBody>
           <a:bodyPr>
             <a:normAutofit/>
           </a:bodyPr>
@@ -1093,7 +4893,7 @@
             <a:lum bright="10000"/>
             <a:extLst>
               <a:ext uri="{28A0092B-C50C-407E-A947-70E740481C1C}">
-                <a14:useLocalDpi xmlns:a14="http://schemas.microsoft.com/office/drawing/2010/main" xmlns="" val="0"/>
+                <a14:useLocalDpi xmlns:a14="http://schemas.microsoft.com/office/drawing/2010/main" val="0"/>
               </a:ext>
             </a:extLst>
           </a:blip>
@@ -1115,14 +4915,14 @@
           </a:ln>
           <a:extLst>
             <a:ext uri="{909E8E84-426E-40dd-AFC4-6F175D3DCCD1}">
-              <a14:hiddenFill xmlns:a14="http://schemas.microsoft.com/office/drawing/2010/main" xmlns="">
+              <a14:hiddenFill xmlns:a14="http://schemas.microsoft.com/office/drawing/2010/main">
                 <a:solidFill>
                   <a:srgbClr val="FFFFFF"/>
                 </a:solidFill>
               </a14:hiddenFill>
             </a:ext>
             <a:ext uri="{91240B29-F687-4f45-9708-019B960494DF}">
-              <a14:hiddenLine xmlns:a14="http://schemas.microsoft.com/office/drawing/2010/main" xmlns="" w="9525">
+              <a14:hiddenLine xmlns:a14="http://schemas.microsoft.com/office/drawing/2010/main" w="9525">
                 <a:solidFill>
                   <a:srgbClr val="000000"/>
                 </a:solidFill>
@@ -1160,7 +4960,7 @@
           </a:ln>
           <a:extLst>
             <a:ext uri="{91240B29-F687-4f45-9708-019B960494DF}">
-              <a14:hiddenLine xmlns:a14="http://schemas.microsoft.com/office/drawing/2010/main" xmlns="" w="9525">
+              <a14:hiddenLine xmlns:a14="http://schemas.microsoft.com/office/drawing/2010/main" w="9525">
                 <a:solidFill>
                   <a:srgbClr val="000000"/>
                 </a:solidFill>
@@ -1191,7 +4991,7 @@
           <a:blip r:embed="rId3" cstate="print">
             <a:extLst>
               <a:ext uri="{28A0092B-C50C-407E-A947-70E740481C1C}">
-                <a14:useLocalDpi xmlns:a14="http://schemas.microsoft.com/office/drawing/2010/main" xmlns="" val="0"/>
+                <a14:useLocalDpi xmlns:a14="http://schemas.microsoft.com/office/drawing/2010/main" val="0"/>
               </a:ext>
             </a:extLst>
           </a:blip>
@@ -1214,14 +5014,14 @@
           </a:ln>
           <a:extLst>
             <a:ext uri="{909E8E84-426E-40dd-AFC4-6F175D3DCCD1}">
-              <a14:hiddenFill xmlns:a14="http://schemas.microsoft.com/office/drawing/2010/main" xmlns="">
+              <a14:hiddenFill xmlns:a14="http://schemas.microsoft.com/office/drawing/2010/main">
                 <a:solidFill>
                   <a:srgbClr val="FFFFFF"/>
                 </a:solidFill>
               </a14:hiddenFill>
             </a:ext>
             <a:ext uri="{91240B29-F687-4f45-9708-019B960494DF}">
-              <a14:hiddenLine xmlns:a14="http://schemas.microsoft.com/office/drawing/2010/main" xmlns="" w="9525">
+              <a14:hiddenLine xmlns:a14="http://schemas.microsoft.com/office/drawing/2010/main" w="9525">
                 <a:solidFill>
                   <a:srgbClr val="000000"/>
                 </a:solidFill>
@@ -1325,14 +5125,14 @@
           </a:prstGeom>
           <a:extLst>
             <a:ext uri="{909E8E84-426E-40dd-AFC4-6F175D3DCCD1}">
-              <a14:hiddenFill xmlns:a14="http://schemas.microsoft.com/office/drawing/2010/main" xmlns="">
+              <a14:hiddenFill xmlns:a14="http://schemas.microsoft.com/office/drawing/2010/main">
                 <a:solidFill>
                   <a:schemeClr val="accent1"/>
                 </a:solidFill>
               </a14:hiddenFill>
             </a:ext>
             <a:ext uri="{91240B29-F687-4f45-9708-019B960494DF}">
-              <a14:hiddenLine xmlns:a14="http://schemas.microsoft.com/office/drawing/2010/main" xmlns="" w="9525">
+              <a14:hiddenLine xmlns:a14="http://schemas.microsoft.com/office/drawing/2010/main" w="9525">
                 <a:solidFill>
                   <a:schemeClr val="tx1"/>
                 </a:solidFill>
@@ -1342,7 +5142,7 @@
               </a14:hiddenLine>
             </a:ext>
             <a:ext uri="{AF507438-7753-43e0-B8FC-AC1667EBCBE1}">
-              <a14:hiddenEffects xmlns:a14="http://schemas.microsoft.com/office/drawing/2010/main" xmlns="">
+              <a14:hiddenEffects xmlns:a14="http://schemas.microsoft.com/office/drawing/2010/main">
                 <a:effectLst>
                   <a:outerShdw dist="35921" dir="2700000" algn="ctr" rotWithShape="0">
                     <a:schemeClr val="bg2"/>
@@ -1373,7 +5173,7 @@
             <a:fld id="{705B44B1-6112-407E-9C4B-9D7CA3639A2D}" type="datetimeFigureOut">
               <a:rPr lang="de-DE" smtClean="0"/>
               <a:pPr/>
-              <a:t>23.05.2013</a:t>
+              <a:t>23.05.13</a:t>
             </a:fld>
             <a:endParaRPr lang="de-DE"/>
           </a:p>
@@ -1391,7 +5191,7 @@
           <a:blip r:embed="rId4" cstate="print">
             <a:extLst>
               <a:ext uri="{28A0092B-C50C-407E-A947-70E740481C1C}">
-                <a14:useLocalDpi xmlns:a14="http://schemas.microsoft.com/office/drawing/2010/main" xmlns="" val="0"/>
+                <a14:useLocalDpi xmlns:a14="http://schemas.microsoft.com/office/drawing/2010/main" val="0"/>
               </a:ext>
             </a:extLst>
           </a:blip>
@@ -1411,7 +5211,7 @@
           <a:noFill/>
           <a:extLst>
             <a:ext uri="{909E8E84-426E-40dd-AFC4-6F175D3DCCD1}">
-              <a14:hiddenFill xmlns:a14="http://schemas.microsoft.com/office/drawing/2010/main" xmlns="">
+              <a14:hiddenFill xmlns:a14="http://schemas.microsoft.com/office/drawing/2010/main">
                 <a:solidFill>
                   <a:srgbClr val="FFFFFF"/>
                 </a:solidFill>
@@ -1423,7 +5223,7 @@
     </p:spTree>
     <p:extLst>
       <p:ext uri="{BB962C8B-B14F-4D97-AF65-F5344CB8AC3E}">
-        <p14:creationId xmlns:p14="http://schemas.microsoft.com/office/powerpoint/2010/main" xmlns="" val="473742791"/>
+        <p14:creationId xmlns:p14="http://schemas.microsoft.com/office/powerpoint/2010/main" val="473742791"/>
       </p:ext>
     </p:extLst>
   </p:cSld>
@@ -1551,7 +5351,7 @@
             <a:fld id="{705B44B1-6112-407E-9C4B-9D7CA3639A2D}" type="datetimeFigureOut">
               <a:rPr lang="de-DE" smtClean="0"/>
               <a:pPr/>
-              <a:t>23.05.2013</a:t>
+              <a:t>23.05.13</a:t>
             </a:fld>
             <a:endParaRPr lang="de-DE"/>
           </a:p>
@@ -1720,7 +5520,7 @@
     </p:spTree>
     <p:extLst>
       <p:ext uri="{BB962C8B-B14F-4D97-AF65-F5344CB8AC3E}">
-        <p14:creationId xmlns:p14="http://schemas.microsoft.com/office/powerpoint/2010/main" xmlns="" val="1687810716"/>
+        <p14:creationId xmlns:p14="http://schemas.microsoft.com/office/powerpoint/2010/main" val="1687810716"/>
       </p:ext>
     </p:extLst>
   </p:cSld>
@@ -1837,7 +5637,7 @@
     </p:spTree>
     <p:extLst>
       <p:ext uri="{BB962C8B-B14F-4D97-AF65-F5344CB8AC3E}">
-        <p14:creationId xmlns:p14="http://schemas.microsoft.com/office/powerpoint/2010/main" xmlns="" val="4140983553"/>
+        <p14:creationId xmlns:p14="http://schemas.microsoft.com/office/powerpoint/2010/main" val="4140983553"/>
       </p:ext>
     </p:extLst>
   </p:cSld>
@@ -3512,7 +7312,7 @@
           <a:blip r:embed="rId12" cstate="print">
             <a:extLst>
               <a:ext uri="{28A0092B-C50C-407E-A947-70E740481C1C}">
-                <a14:useLocalDpi xmlns:a14="http://schemas.microsoft.com/office/drawing/2010/main" xmlns="" val="0"/>
+                <a14:useLocalDpi xmlns:a14="http://schemas.microsoft.com/office/drawing/2010/main" val="0"/>
               </a:ext>
             </a:extLst>
           </a:blip>
@@ -3535,14 +7335,14 @@
           </a:ln>
           <a:extLst>
             <a:ext uri="{909E8E84-426E-40dd-AFC4-6F175D3DCCD1}">
-              <a14:hiddenFill xmlns:a14="http://schemas.microsoft.com/office/drawing/2010/main" xmlns="">
+              <a14:hiddenFill xmlns:a14="http://schemas.microsoft.com/office/drawing/2010/main">
                 <a:solidFill>
                   <a:srgbClr val="FFFFFF"/>
                 </a:solidFill>
               </a14:hiddenFill>
             </a:ext>
             <a:ext uri="{91240B29-F687-4f45-9708-019B960494DF}">
-              <a14:hiddenLine xmlns:a14="http://schemas.microsoft.com/office/drawing/2010/main" xmlns="" w="9525">
+              <a14:hiddenLine xmlns:a14="http://schemas.microsoft.com/office/drawing/2010/main" w="9525">
                 <a:solidFill>
                   <a:srgbClr val="000000"/>
                 </a:solidFill>
@@ -3566,7 +7366,7 @@
           <a:blip r:embed="rId13" cstate="print">
             <a:extLst>
               <a:ext uri="{28A0092B-C50C-407E-A947-70E740481C1C}">
-                <a14:useLocalDpi xmlns:a14="http://schemas.microsoft.com/office/drawing/2010/main" xmlns="" val="0"/>
+                <a14:useLocalDpi xmlns:a14="http://schemas.microsoft.com/office/drawing/2010/main" val="0"/>
               </a:ext>
             </a:extLst>
           </a:blip>
@@ -3589,14 +7389,14 @@
           </a:ln>
           <a:extLst>
             <a:ext uri="{909E8E84-426E-40dd-AFC4-6F175D3DCCD1}">
-              <a14:hiddenFill xmlns:a14="http://schemas.microsoft.com/office/drawing/2010/main" xmlns="">
+              <a14:hiddenFill xmlns:a14="http://schemas.microsoft.com/office/drawing/2010/main">
                 <a:solidFill>
                   <a:srgbClr val="FFFFFF"/>
                 </a:solidFill>
               </a14:hiddenFill>
             </a:ext>
             <a:ext uri="{91240B29-F687-4f45-9708-019B960494DF}">
-              <a14:hiddenLine xmlns:a14="http://schemas.microsoft.com/office/drawing/2010/main" xmlns="" w="9525">
+              <a14:hiddenLine xmlns:a14="http://schemas.microsoft.com/office/drawing/2010/main" w="9525">
                 <a:solidFill>
                   <a:srgbClr val="000000"/>
                 </a:solidFill>
@@ -3634,7 +7434,7 @@
           </a:ln>
           <a:extLst>
             <a:ext uri="{91240B29-F687-4f45-9708-019B960494DF}">
-              <a14:hiddenLine xmlns:a14="http://schemas.microsoft.com/office/drawing/2010/main" xmlns="" w="9525">
+              <a14:hiddenLine xmlns:a14="http://schemas.microsoft.com/office/drawing/2010/main" w="9525">
                 <a:solidFill>
                   <a:srgbClr val="000000"/>
                 </a:solidFill>
@@ -3677,14 +7477,14 @@
           </a:ln>
           <a:extLst>
             <a:ext uri="{909E8E84-426E-40dd-AFC4-6F175D3DCCD1}">
-              <a14:hiddenFill xmlns:a14="http://schemas.microsoft.com/office/drawing/2010/main" xmlns="">
+              <a14:hiddenFill xmlns:a14="http://schemas.microsoft.com/office/drawing/2010/main">
                 <a:solidFill>
                   <a:srgbClr val="FFFFFF"/>
                 </a:solidFill>
               </a14:hiddenFill>
             </a:ext>
             <a:ext uri="{91240B29-F687-4f45-9708-019B960494DF}">
-              <a14:hiddenLine xmlns:a14="http://schemas.microsoft.com/office/drawing/2010/main" xmlns="" w="9525">
+              <a14:hiddenLine xmlns:a14="http://schemas.microsoft.com/office/drawing/2010/main" w="9525">
                 <a:solidFill>
                   <a:srgbClr val="000000"/>
                 </a:solidFill>
@@ -3816,14 +7616,14 @@
           </a:ln>
           <a:extLst>
             <a:ext uri="{909E8E84-426E-40dd-AFC4-6F175D3DCCD1}">
-              <a14:hiddenFill xmlns:a14="http://schemas.microsoft.com/office/drawing/2010/main" xmlns="">
+              <a14:hiddenFill xmlns:a14="http://schemas.microsoft.com/office/drawing/2010/main">
                 <a:solidFill>
                   <a:srgbClr val="FFFFFF"/>
                 </a:solidFill>
               </a14:hiddenFill>
             </a:ext>
             <a:ext uri="{91240B29-F687-4f45-9708-019B960494DF}">
-              <a14:hiddenLine xmlns:a14="http://schemas.microsoft.com/office/drawing/2010/main" xmlns="" w="9525">
+              <a14:hiddenLine xmlns:a14="http://schemas.microsoft.com/office/drawing/2010/main" w="9525">
                 <a:solidFill>
                   <a:srgbClr val="000000"/>
                 </a:solidFill>
@@ -3931,7 +7731,7 @@
           <a:blip r:embed="rId14" cstate="print">
             <a:extLst>
               <a:ext uri="{28A0092B-C50C-407E-A947-70E740481C1C}">
-                <a14:useLocalDpi xmlns:a14="http://schemas.microsoft.com/office/drawing/2010/main" xmlns="" val="0"/>
+                <a14:useLocalDpi xmlns:a14="http://schemas.microsoft.com/office/drawing/2010/main" val="0"/>
               </a:ext>
             </a:extLst>
           </a:blip>
@@ -3954,14 +7754,14 @@
           </a:ln>
           <a:extLst>
             <a:ext uri="{909E8E84-426E-40dd-AFC4-6F175D3DCCD1}">
-              <a14:hiddenFill xmlns:a14="http://schemas.microsoft.com/office/drawing/2010/main" xmlns="">
+              <a14:hiddenFill xmlns:a14="http://schemas.microsoft.com/office/drawing/2010/main">
                 <a:solidFill>
                   <a:srgbClr val="FFFFFF"/>
                 </a:solidFill>
               </a14:hiddenFill>
             </a:ext>
             <a:ext uri="{91240B29-F687-4f45-9708-019B960494DF}">
-              <a14:hiddenLine xmlns:a14="http://schemas.microsoft.com/office/drawing/2010/main" xmlns="" w="9525">
+              <a14:hiddenLine xmlns:a14="http://schemas.microsoft.com/office/drawing/2010/main" w="9525">
                 <a:solidFill>
                   <a:srgbClr val="000000"/>
                 </a:solidFill>
@@ -4571,7 +8371,7 @@
     </p:spTree>
     <p:extLst>
       <p:ext uri="{BB962C8B-B14F-4D97-AF65-F5344CB8AC3E}">
-        <p14:creationId xmlns:p14="http://schemas.microsoft.com/office/powerpoint/2010/main" xmlns="" val="3892161252"/>
+        <p14:creationId xmlns:p14="http://schemas.microsoft.com/office/powerpoint/2010/main" val="3892161252"/>
       </p:ext>
     </p:extLst>
   </p:cSld>
@@ -4581,7 +8381,7 @@
   <p:timing>
     <p:tnLst>
       <p:par>
-        <p:cTn id="1" dur="indefinite" restart="never" nodeType="tmRoot"/>
+        <p:cTn xmlns:p14="http://schemas.microsoft.com/office/powerpoint/2010/main" id="1" dur="indefinite" restart="never" nodeType="tmRoot"/>
       </p:par>
     </p:tnLst>
   </p:timing>
@@ -4646,7 +8446,7 @@
           <a:blip r:embed="rId2" cstate="print">
             <a:extLst>
               <a:ext uri="{28A0092B-C50C-407E-A947-70E740481C1C}">
-                <a14:useLocalDpi xmlns:a14="http://schemas.microsoft.com/office/drawing/2010/main" xmlns="" val="0"/>
+                <a14:useLocalDpi xmlns:a14="http://schemas.microsoft.com/office/drawing/2010/main" val="0"/>
               </a:ext>
             </a:extLst>
           </a:blip>
@@ -4682,14 +8482,14 @@
           </a:ln>
           <a:extLst>
             <a:ext uri="{909E8E84-426E-40dd-AFC4-6F175D3DCCD1}">
-              <a14:hiddenFill xmlns:a14="http://schemas.microsoft.com/office/drawing/2010/main" xmlns="">
+              <a14:hiddenFill xmlns:a14="http://schemas.microsoft.com/office/drawing/2010/main">
                 <a:solidFill>
                   <a:srgbClr val="FFFFFF"/>
                 </a:solidFill>
               </a14:hiddenFill>
             </a:ext>
             <a:ext uri="{91240B29-F687-4f45-9708-019B960494DF}">
-              <a14:hiddenLine xmlns:a14="http://schemas.microsoft.com/office/drawing/2010/main" xmlns="" w="9525">
+              <a14:hiddenLine xmlns:a14="http://schemas.microsoft.com/office/drawing/2010/main" w="9525">
                 <a:solidFill>
                   <a:srgbClr val="000000"/>
                 </a:solidFill>
@@ -4947,7 +8747,7 @@
     </p:spTree>
     <p:extLst>
       <p:ext uri="{BB962C8B-B14F-4D97-AF65-F5344CB8AC3E}">
-        <p14:creationId xmlns:p14="http://schemas.microsoft.com/office/powerpoint/2010/main" xmlns="" val="4252503780"/>
+        <p14:creationId xmlns:p14="http://schemas.microsoft.com/office/powerpoint/2010/main" val="4252503780"/>
       </p:ext>
     </p:extLst>
   </p:cSld>
@@ -4957,7 +8757,7 @@
   <p:timing>
     <p:tnLst>
       <p:par>
-        <p:cTn id="1" dur="indefinite" restart="never" nodeType="tmRoot"/>
+        <p:cTn xmlns:p14="http://schemas.microsoft.com/office/powerpoint/2010/main" id="1" dur="indefinite" restart="never" nodeType="tmRoot"/>
       </p:par>
     </p:tnLst>
   </p:timing>
@@ -5057,8 +8857,8 @@
               <a:t>50-NN Basic best </a:t>
             </a:r>
             <a:r>
-              <a:rPr lang="en-US" b="1" dirty="0" err="1" smtClean="0"/>
-              <a:t>accuray</a:t>
+              <a:rPr lang="en-US" b="1" dirty="0" smtClean="0"/>
+              <a:t>accuracy</a:t>
             </a:r>
             <a:r>
               <a:rPr lang="en-US" b="1" dirty="0" smtClean="0"/>
@@ -5092,7 +8892,7 @@
   <p:timing>
     <p:tnLst>
       <p:par>
-        <p:cTn id="1" dur="indefinite" restart="never" nodeType="tmRoot"/>
+        <p:cTn xmlns:p14="http://schemas.microsoft.com/office/powerpoint/2010/main" id="1" dur="indefinite" restart="never" nodeType="tmRoot"/>
       </p:par>
     </p:tnLst>
   </p:timing>
@@ -5253,7 +9053,7 @@
     </p:spTree>
     <p:extLst>
       <p:ext uri="{BB962C8B-B14F-4D97-AF65-F5344CB8AC3E}">
-        <p14:creationId xmlns:p14="http://schemas.microsoft.com/office/powerpoint/2010/main" xmlns="" val="2589692261"/>
+        <p14:creationId xmlns:p14="http://schemas.microsoft.com/office/powerpoint/2010/main" val="2589692261"/>
       </p:ext>
     </p:extLst>
   </p:cSld>
@@ -5263,7 +9063,7 @@
   <p:timing>
     <p:tnLst>
       <p:par>
-        <p:cTn id="1" dur="indefinite" restart="never" nodeType="tmRoot"/>
+        <p:cTn xmlns:p14="http://schemas.microsoft.com/office/powerpoint/2010/main" id="1" dur="indefinite" restart="never" nodeType="tmRoot"/>
       </p:par>
     </p:tnLst>
   </p:timing>
@@ -5322,7 +9122,7 @@
         </p:nvSpPr>
         <p:spPr>
           <a:xfrm>
-            <a:off x="2241805" y="1623952"/>
+            <a:off x="2241805" y="1680396"/>
             <a:ext cx="5486298" cy="4555613"/>
           </a:xfrm>
         </p:spPr>
@@ -5372,23 +9172,16 @@
               </a:lnSpc>
             </a:pPr>
             <a:r>
-              <a:rPr lang="de-DE" b="1" dirty="0" smtClean="0"/>
-              <a:t>Data Set Properties</a:t>
-            </a:r>
-          </a:p>
-          <a:p>
-            <a:pPr>
-              <a:lnSpc>
-                <a:spcPct val="200000"/>
-              </a:lnSpc>
-            </a:pPr>
-            <a:r>
               <a:rPr lang="de-DE" b="1" dirty="0" err="1" smtClean="0"/>
               <a:t>Classification</a:t>
             </a:r>
             <a:r>
               <a:rPr lang="de-DE" b="1" dirty="0" smtClean="0"/>
-              <a:t> &amp; Validation</a:t>
+              <a:t> </a:t>
+            </a:r>
+            <a:r>
+              <a:rPr lang="de-DE" b="1" dirty="0" smtClean="0"/>
+              <a:t>&amp; Validation</a:t>
             </a:r>
           </a:p>
           <a:p>
@@ -5444,7 +9237,7 @@
         </p:blipFill>
         <p:spPr bwMode="auto">
           <a:xfrm>
-            <a:off x="2212313" y="1932032"/>
+            <a:off x="2212313" y="2059031"/>
             <a:ext cx="272025" cy="272025"/>
           </a:xfrm>
           <a:prstGeom prst="rect">
@@ -5478,7 +9271,7 @@
         </p:blipFill>
         <p:spPr bwMode="auto">
           <a:xfrm>
-            <a:off x="2217233" y="2748092"/>
+            <a:off x="2217233" y="2875091"/>
             <a:ext cx="272025" cy="272025"/>
           </a:xfrm>
           <a:prstGeom prst="rect">
@@ -5512,7 +9305,7 @@
         </p:blipFill>
         <p:spPr bwMode="auto">
           <a:xfrm>
-            <a:off x="2207405" y="3519908"/>
+            <a:off x="2207405" y="3646907"/>
             <a:ext cx="272025" cy="272025"/>
           </a:xfrm>
           <a:prstGeom prst="rect">
@@ -5546,41 +9339,7 @@
         </p:blipFill>
         <p:spPr bwMode="auto">
           <a:xfrm>
-            <a:off x="2212309" y="4336017"/>
-            <a:ext cx="272025" cy="272025"/>
-          </a:xfrm>
-          <a:prstGeom prst="rect">
-            <a:avLst/>
-          </a:prstGeom>
-          <a:noFill/>
-        </p:spPr>
-      </p:pic>
-      <p:pic>
-        <p:nvPicPr>
-          <p:cNvPr id="9" name="Picture 2" descr="Football Icon"/>
-          <p:cNvPicPr>
-            <a:picLocks noChangeAspect="1" noChangeArrowheads="1"/>
-          </p:cNvPicPr>
-          <p:nvPr/>
-        </p:nvPicPr>
-        <p:blipFill>
-          <a:blip r:embed="rId2" cstate="print">
-            <a:duotone>
-              <a:prstClr val="black"/>
-              <a:schemeClr val="accent1">
-                <a:tint val="45000"/>
-                <a:satMod val="400000"/>
-              </a:schemeClr>
-            </a:duotone>
-          </a:blip>
-          <a:srcRect/>
-          <a:stretch>
-            <a:fillRect/>
-          </a:stretch>
-        </p:blipFill>
-        <p:spPr bwMode="auto">
-          <a:xfrm>
-            <a:off x="2222153" y="5132429"/>
+            <a:off x="2212309" y="4463016"/>
             <a:ext cx="272025" cy="272025"/>
           </a:xfrm>
           <a:prstGeom prst="rect">
@@ -5592,7 +9351,7 @@
     </p:spTree>
     <p:extLst>
       <p:ext uri="{BB962C8B-B14F-4D97-AF65-F5344CB8AC3E}">
-        <p14:creationId xmlns:p14="http://schemas.microsoft.com/office/powerpoint/2010/main" xmlns="" val="3180181714"/>
+        <p14:creationId xmlns:p14="http://schemas.microsoft.com/office/powerpoint/2010/main" val="3180181714"/>
       </p:ext>
     </p:extLst>
   </p:cSld>
@@ -5602,7 +9361,7 @@
   <p:timing>
     <p:tnLst>
       <p:par>
-        <p:cTn id="1" dur="indefinite" restart="never" nodeType="tmRoot"/>
+        <p:cTn xmlns:p14="http://schemas.microsoft.com/office/powerpoint/2010/main" id="1" dur="indefinite" restart="never" nodeType="tmRoot"/>
       </p:par>
     </p:tnLst>
   </p:timing>
@@ -5678,8 +9437,20 @@
           <a:p>
             <a:r>
               <a:rPr lang="en-US" dirty="0" smtClean="0"/>
-              <a:t>Supervised Classification of sentences</a:t>
-            </a:r>
+              <a:t>Supervised Classification of </a:t>
+            </a:r>
+            <a:r>
+              <a:rPr lang="en-US" dirty="0" smtClean="0"/>
+              <a:t>sentences</a:t>
+            </a:r>
+            <a:br>
+              <a:rPr lang="en-US" dirty="0" smtClean="0"/>
+            </a:br>
+            <a:r>
+              <a:rPr lang="en-US" dirty="0" smtClean="0"/>
+              <a:t>with model accuracy &gt; 75%</a:t>
+            </a:r>
+            <a:endParaRPr lang="en-US" dirty="0" smtClean="0"/>
           </a:p>
           <a:p>
             <a:pPr marL="0" indent="0">
@@ -5718,7 +9489,7 @@
     </p:spTree>
     <p:extLst>
       <p:ext uri="{BB962C8B-B14F-4D97-AF65-F5344CB8AC3E}">
-        <p14:creationId xmlns:p14="http://schemas.microsoft.com/office/powerpoint/2010/main" xmlns="" val="1789964828"/>
+        <p14:creationId xmlns:p14="http://schemas.microsoft.com/office/powerpoint/2010/main" val="1789964828"/>
       </p:ext>
     </p:extLst>
   </p:cSld>
@@ -5728,7 +9499,7 @@
   <p:timing>
     <p:tnLst>
       <p:par>
-        <p:cTn id="1" dur="indefinite" restart="never" nodeType="tmRoot"/>
+        <p:cTn xmlns:p14="http://schemas.microsoft.com/office/powerpoint/2010/main" id="1" dur="indefinite" restart="never" nodeType="tmRoot"/>
       </p:par>
     </p:tnLst>
   </p:timing>
@@ -6147,7 +9918,7 @@
     </p:spTree>
     <p:extLst>
       <p:ext uri="{BB962C8B-B14F-4D97-AF65-F5344CB8AC3E}">
-        <p14:creationId xmlns:p14="http://schemas.microsoft.com/office/powerpoint/2010/main" xmlns="" val="2170195699"/>
+        <p14:creationId xmlns:p14="http://schemas.microsoft.com/office/powerpoint/2010/main" val="2170195699"/>
       </p:ext>
     </p:extLst>
   </p:cSld>
@@ -6157,7 +9928,7 @@
   <p:timing>
     <p:tnLst>
       <p:par>
-        <p:cTn id="1" dur="indefinite" restart="never" nodeType="tmRoot"/>
+        <p:cTn xmlns:p14="http://schemas.microsoft.com/office/powerpoint/2010/main" id="1" dur="indefinite" restart="never" nodeType="tmRoot"/>
       </p:par>
     </p:tnLst>
   </p:timing>
@@ -6202,7 +9973,11 @@
             </a:r>
             <a:r>
               <a:rPr lang="de-DE" dirty="0" smtClean="0"/>
-              <a:t>: NLP</a:t>
+              <a:t>: </a:t>
+            </a:r>
+            <a:r>
+              <a:rPr lang="de-DE" dirty="0" smtClean="0"/>
+              <a:t>NLP &amp; Manual Patterns</a:t>
             </a:r>
             <a:endParaRPr lang="de-DE" dirty="0"/>
           </a:p>
@@ -6225,7 +10000,7 @@
           <a:p>
             <a:r>
               <a:rPr lang="de-DE" dirty="0" err="1" smtClean="0"/>
-              <a:t>Separating</a:t>
+              <a:t>Cleaning</a:t>
             </a:r>
             <a:r>
               <a:rPr lang="de-DE" dirty="0" smtClean="0"/>
@@ -6290,12 +10065,20 @@
           </a:p>
           <a:p>
             <a:r>
+              <a:rPr lang="de-DE" dirty="0" err="1"/>
+              <a:t>M</a:t>
+            </a:r>
+            <a:r>
+              <a:rPr lang="de-DE" dirty="0" err="1" smtClean="0"/>
+              <a:t>anually</a:t>
+            </a:r>
+            <a:r>
               <a:rPr lang="de-DE" dirty="0" smtClean="0"/>
-              <a:t>Find </a:t>
+              <a:t> find </a:t>
             </a:r>
             <a:r>
               <a:rPr lang="de-DE" dirty="0" err="1" smtClean="0"/>
-              <a:t>manually</a:t>
+              <a:t>goals</a:t>
             </a:r>
             <a:r>
               <a:rPr lang="de-DE" dirty="0" smtClean="0"/>
@@ -6303,7 +10086,7 @@
             </a:r>
             <a:r>
               <a:rPr lang="de-DE" dirty="0" err="1" smtClean="0"/>
-              <a:t>goals</a:t>
+              <a:t>and</a:t>
             </a:r>
             <a:r>
               <a:rPr lang="de-DE" dirty="0" smtClean="0"/>
@@ -6311,7 +10094,7 @@
             </a:r>
             <a:r>
               <a:rPr lang="de-DE" dirty="0" err="1" smtClean="0"/>
-              <a:t>and</a:t>
+              <a:t>construct</a:t>
             </a:r>
             <a:r>
               <a:rPr lang="de-DE" dirty="0" smtClean="0"/>
@@ -6319,24 +10102,178 @@
             </a:r>
             <a:r>
               <a:rPr lang="de-DE" dirty="0" err="1" smtClean="0"/>
-              <a:t>construct</a:t>
-            </a:r>
-            <a:r>
-              <a:rPr lang="de-DE" dirty="0" smtClean="0"/>
+              <a:t>patterns</a:t>
+            </a:r>
+            <a:endParaRPr lang="de-DE" dirty="0" smtClean="0"/>
+          </a:p>
+          <a:p>
+            <a:endParaRPr lang="de-DE" dirty="0" smtClean="0"/>
+          </a:p>
+          <a:p>
+            <a:r>
+              <a:rPr lang="de-DE" dirty="0" err="1"/>
+              <a:t>Examples</a:t>
+            </a:r>
+            <a:endParaRPr lang="de-DE" dirty="0"/>
+          </a:p>
+          <a:p>
+            <a:pPr lvl="1"/>
+            <a:r>
+              <a:rPr lang="de-DE" b="1" dirty="0"/>
+              <a:t>Van </a:t>
+            </a:r>
+            <a:r>
+              <a:rPr lang="de-DE" b="1" dirty="0" err="1"/>
+              <a:t>Persie</a:t>
+            </a:r>
+            <a:r>
+              <a:rPr lang="de-DE" b="1" dirty="0"/>
               <a:t> </a:t>
             </a:r>
             <a:r>
-              <a:rPr lang="de-DE" dirty="0" err="1" smtClean="0"/>
-              <a:t>patterns</a:t>
-            </a:r>
+              <a:rPr lang="de-DE" b="1" dirty="0" err="1"/>
+              <a:t>opened</a:t>
+            </a:r>
+            <a:r>
+              <a:rPr lang="de-DE" b="1" dirty="0"/>
+              <a:t> </a:t>
+            </a:r>
+            <a:r>
+              <a:rPr lang="de-DE" b="1" dirty="0" err="1"/>
+              <a:t>the</a:t>
+            </a:r>
+            <a:r>
+              <a:rPr lang="de-DE" b="1" dirty="0"/>
+              <a:t> </a:t>
+            </a:r>
+            <a:r>
+              <a:rPr lang="de-DE" b="1" dirty="0" err="1"/>
+              <a:t>scoring</a:t>
+            </a:r>
+            <a:r>
+              <a:rPr lang="de-DE" b="1" dirty="0"/>
+              <a:t>.</a:t>
+            </a:r>
+          </a:p>
+          <a:p>
+            <a:pPr lvl="1"/>
+            <a:r>
+              <a:rPr lang="de-DE" dirty="0"/>
+              <a:t>NNP NNP   VBD     DT VBG</a:t>
+            </a:r>
+          </a:p>
+          <a:p>
+            <a:pPr lvl="1"/>
+            <a:r>
+              <a:rPr lang="de-DE" dirty="0"/>
+              <a:t>PERSON PERSON 0 0 0</a:t>
+            </a:r>
+          </a:p>
+          <a:p>
             <a:endParaRPr lang="de-DE" dirty="0"/>
+          </a:p>
+        </p:txBody>
+      </p:sp>
+      <p:sp>
+        <p:nvSpPr>
+          <p:cNvPr id="4" name="Rechteck 3"/>
+          <p:cNvSpPr/>
+          <p:nvPr/>
+        </p:nvSpPr>
+        <p:spPr>
+          <a:xfrm>
+            <a:off x="796413" y="5490315"/>
+            <a:ext cx="4970206" cy="604684"/>
+          </a:xfrm>
+          <a:prstGeom prst="rect">
+            <a:avLst/>
+          </a:prstGeom>
+          <a:solidFill>
+            <a:schemeClr val="accent5"/>
+          </a:solidFill>
+          <a:ln w="19050">
+            <a:solidFill>
+              <a:schemeClr val="accent5">
+                <a:lumMod val="75000"/>
+              </a:schemeClr>
+            </a:solidFill>
+          </a:ln>
+        </p:spPr>
+        <p:style>
+          <a:lnRef idx="2">
+            <a:schemeClr val="accent1">
+              <a:shade val="50000"/>
+            </a:schemeClr>
+          </a:lnRef>
+          <a:fillRef idx="1">
+            <a:schemeClr val="accent1"/>
+          </a:fillRef>
+          <a:effectRef idx="0">
+            <a:schemeClr val="accent1"/>
+          </a:effectRef>
+          <a:fontRef idx="minor">
+            <a:schemeClr val="lt1"/>
+          </a:fontRef>
+        </p:style>
+        <p:txBody>
+          <a:bodyPr rtlCol="0" anchor="ctr"/>
+          <a:lstStyle/>
+          <a:p>
+            <a:pPr algn="ctr"/>
+            <a:r>
+              <a:rPr lang="de-DE" b="1" dirty="0" smtClean="0">
+                <a:solidFill>
+                  <a:schemeClr val="tx1"/>
+                </a:solidFill>
+                <a:latin typeface="Courier New" pitchFamily="49" charset="0"/>
+                <a:cs typeface="Courier New" pitchFamily="49" charset="0"/>
+              </a:rPr>
+              <a:t>[PERSON | ORGA] </a:t>
+            </a:r>
+            <a:r>
+              <a:rPr lang="de-DE" b="1" dirty="0" err="1" smtClean="0">
+                <a:solidFill>
+                  <a:schemeClr val="tx1"/>
+                </a:solidFill>
+                <a:latin typeface="Courier New" pitchFamily="49" charset="0"/>
+                <a:cs typeface="Courier New" pitchFamily="49" charset="0"/>
+              </a:rPr>
+              <a:t>opened</a:t>
+            </a:r>
+            <a:r>
+              <a:rPr lang="de-DE" b="1" dirty="0" smtClean="0">
+                <a:solidFill>
+                  <a:schemeClr val="tx1"/>
+                </a:solidFill>
+                <a:latin typeface="Courier New" pitchFamily="49" charset="0"/>
+                <a:cs typeface="Courier New" pitchFamily="49" charset="0"/>
+              </a:rPr>
+              <a:t> DT </a:t>
+            </a:r>
+            <a:r>
+              <a:rPr lang="de-DE" b="1" dirty="0" err="1" smtClean="0">
+                <a:solidFill>
+                  <a:schemeClr val="tx1"/>
+                </a:solidFill>
+                <a:latin typeface="Courier New" pitchFamily="49" charset="0"/>
+                <a:cs typeface="Courier New" pitchFamily="49" charset="0"/>
+              </a:rPr>
+              <a:t>scoring</a:t>
+            </a:r>
+            <a:endParaRPr lang="de-DE" b="1" dirty="0">
+              <a:solidFill>
+                <a:schemeClr val="tx1"/>
+              </a:solidFill>
+              <a:latin typeface="Courier New" pitchFamily="49" charset="0"/>
+              <a:cs typeface="Courier New" pitchFamily="49" charset="0"/>
+            </a:endParaRPr>
           </a:p>
         </p:txBody>
       </p:sp>
     </p:spTree>
     <p:extLst>
       <p:ext uri="{BB962C8B-B14F-4D97-AF65-F5344CB8AC3E}">
-        <p14:creationId xmlns:p14="http://schemas.microsoft.com/office/powerpoint/2010/main" xmlns="" val="634696858"/>
+        <p14:creationId xmlns:p14="http://schemas.microsoft.com/office/powerpoint/2010/main" val="634696858"/>
       </p:ext>
     </p:extLst>
   </p:cSld>
@@ -6346,7 +10283,7 @@
   <p:timing>
     <p:tnLst>
       <p:par>
-        <p:cTn id="1" dur="indefinite" restart="never" nodeType="tmRoot"/>
+        <p:cTn xmlns:p14="http://schemas.microsoft.com/office/powerpoint/2010/main" id="1" dur="indefinite" restart="never" nodeType="tmRoot"/>
       </p:par>
     </p:tnLst>
   </p:timing>
@@ -6354,7 +10291,7 @@
 </file>
 
 <file path=ppt/slides/slide6.xml><?xml version="1.0" encoding="utf-8"?>
-<p:sld xmlns:a="http://schemas.openxmlformats.org/drawingml/2006/main" xmlns:r="http://schemas.openxmlformats.org/officeDocument/2006/relationships" xmlns:p="http://schemas.openxmlformats.org/presentationml/2006/main">
+<p:sld xmlns:a="http://schemas.openxmlformats.org/drawingml/2006/main" xmlns:r="http://schemas.openxmlformats.org/officeDocument/2006/relationships" xmlns:p="http://schemas.openxmlformats.org/presentationml/2006/main" show="0">
   <p:cSld>
     <p:spTree>
       <p:nvGrpSpPr>
@@ -6426,39 +10363,39 @@
           <a:p>
             <a:pPr lvl="1"/>
             <a:r>
-              <a:rPr lang="de-DE" dirty="0" smtClean="0"/>
+              <a:rPr lang="de-DE" b="1" dirty="0" smtClean="0"/>
               <a:t>Van </a:t>
             </a:r>
             <a:r>
-              <a:rPr lang="de-DE" dirty="0" err="1" smtClean="0"/>
+              <a:rPr lang="de-DE" b="1" dirty="0" err="1" smtClean="0"/>
               <a:t>Persie</a:t>
             </a:r>
             <a:r>
-              <a:rPr lang="de-DE" dirty="0" smtClean="0"/>
+              <a:rPr lang="de-DE" b="1" dirty="0" smtClean="0"/>
               <a:t> </a:t>
             </a:r>
             <a:r>
-              <a:rPr lang="de-DE" dirty="0" err="1" smtClean="0"/>
+              <a:rPr lang="de-DE" b="1" dirty="0" err="1" smtClean="0"/>
               <a:t>opened</a:t>
             </a:r>
             <a:r>
-              <a:rPr lang="de-DE" dirty="0" smtClean="0"/>
+              <a:rPr lang="de-DE" b="1" dirty="0" smtClean="0"/>
               <a:t> </a:t>
             </a:r>
             <a:r>
-              <a:rPr lang="de-DE" dirty="0" err="1" smtClean="0"/>
+              <a:rPr lang="de-DE" b="1" dirty="0" err="1" smtClean="0"/>
               <a:t>the</a:t>
             </a:r>
             <a:r>
-              <a:rPr lang="de-DE" dirty="0" smtClean="0"/>
+              <a:rPr lang="de-DE" b="1" dirty="0" smtClean="0"/>
               <a:t> </a:t>
             </a:r>
             <a:r>
-              <a:rPr lang="de-DE" dirty="0" err="1" smtClean="0"/>
+              <a:rPr lang="de-DE" b="1" dirty="0" err="1" smtClean="0"/>
               <a:t>scoring</a:t>
             </a:r>
             <a:r>
-              <a:rPr lang="de-DE" dirty="0" smtClean="0"/>
+              <a:rPr lang="de-DE" b="1" dirty="0" smtClean="0"/>
               <a:t>.</a:t>
             </a:r>
           </a:p>
@@ -6517,71 +10454,71 @@
           <a:p>
             <a:pPr lvl="1"/>
             <a:r>
-              <a:rPr lang="de-DE" dirty="0" smtClean="0"/>
+              <a:rPr lang="de-DE" b="1" dirty="0" smtClean="0"/>
               <a:t>[…]  </a:t>
             </a:r>
             <a:r>
-              <a:rPr lang="de-DE" dirty="0" err="1" smtClean="0"/>
+              <a:rPr lang="de-DE" b="1" dirty="0" err="1" smtClean="0"/>
               <a:t>firing</a:t>
             </a:r>
             <a:r>
-              <a:rPr lang="de-DE" dirty="0" smtClean="0"/>
+              <a:rPr lang="de-DE" b="1" dirty="0" smtClean="0"/>
               <a:t> </a:t>
             </a:r>
             <a:r>
-              <a:rPr lang="de-DE" dirty="0" err="1" smtClean="0"/>
+              <a:rPr lang="de-DE" b="1" dirty="0" err="1" smtClean="0"/>
               <a:t>high</a:t>
             </a:r>
             <a:r>
-              <a:rPr lang="de-DE" dirty="0" smtClean="0"/>
+              <a:rPr lang="de-DE" b="1" dirty="0" smtClean="0"/>
               <a:t> </a:t>
             </a:r>
             <a:r>
-              <a:rPr lang="de-DE" dirty="0" err="1" smtClean="0"/>
+              <a:rPr lang="de-DE" b="1" dirty="0" err="1" smtClean="0"/>
               <a:t>into</a:t>
             </a:r>
             <a:r>
-              <a:rPr lang="de-DE" dirty="0" smtClean="0"/>
+              <a:rPr lang="de-DE" b="1" dirty="0" smtClean="0"/>
               <a:t> </a:t>
             </a:r>
             <a:r>
-              <a:rPr lang="de-DE" dirty="0" err="1" smtClean="0"/>
+              <a:rPr lang="de-DE" b="1" dirty="0" err="1" smtClean="0"/>
               <a:t>the</a:t>
             </a:r>
             <a:r>
-              <a:rPr lang="de-DE" dirty="0" smtClean="0"/>
+              <a:rPr lang="de-DE" b="1" dirty="0" smtClean="0"/>
               <a:t> </a:t>
             </a:r>
             <a:r>
-              <a:rPr lang="de-DE" dirty="0" err="1" smtClean="0"/>
+              <a:rPr lang="de-DE" b="1" dirty="0" err="1" smtClean="0"/>
               <a:t>roof</a:t>
             </a:r>
             <a:r>
-              <a:rPr lang="de-DE" dirty="0" smtClean="0"/>
+              <a:rPr lang="de-DE" b="1" dirty="0" smtClean="0"/>
               <a:t> </a:t>
             </a:r>
             <a:r>
-              <a:rPr lang="de-DE" dirty="0" err="1" smtClean="0"/>
+              <a:rPr lang="de-DE" b="1" dirty="0" err="1" smtClean="0"/>
               <a:t>of</a:t>
             </a:r>
             <a:r>
-              <a:rPr lang="de-DE" dirty="0" smtClean="0"/>
+              <a:rPr lang="de-DE" b="1" dirty="0" smtClean="0"/>
               <a:t> </a:t>
             </a:r>
             <a:r>
-              <a:rPr lang="de-DE" dirty="0" err="1" smtClean="0"/>
+              <a:rPr lang="de-DE" b="1" dirty="0" err="1" smtClean="0"/>
               <a:t>the</a:t>
             </a:r>
             <a:r>
-              <a:rPr lang="de-DE" dirty="0" smtClean="0"/>
+              <a:rPr lang="de-DE" b="1" dirty="0" smtClean="0"/>
               <a:t> </a:t>
             </a:r>
             <a:r>
-              <a:rPr lang="de-DE" dirty="0" err="1" smtClean="0"/>
+              <a:rPr lang="de-DE" b="1" dirty="0" err="1" smtClean="0"/>
               <a:t>net</a:t>
             </a:r>
             <a:r>
-              <a:rPr lang="de-DE" dirty="0" smtClean="0"/>
+              <a:rPr lang="de-DE" b="1" dirty="0" smtClean="0"/>
               <a:t>.</a:t>
             </a:r>
           </a:p>
@@ -6777,17 +10714,25 @@
     </p:spTree>
     <p:extLst>
       <p:ext uri="{BB962C8B-B14F-4D97-AF65-F5344CB8AC3E}">
-        <p14:creationId xmlns:p14="http://schemas.microsoft.com/office/powerpoint/2010/main" xmlns="" val="3962257012"/>
+        <p14:creationId xmlns:p14="http://schemas.microsoft.com/office/powerpoint/2010/main" val="3962257012"/>
       </p:ext>
     </p:extLst>
   </p:cSld>
   <p:clrMapOvr>
     <a:masterClrMapping/>
   </p:clrMapOvr>
+  <mc:AlternateContent xmlns:mc="http://schemas.openxmlformats.org/markup-compatibility/2006">
+    <mc:Choice xmlns:p14="http://schemas.microsoft.com/office/powerpoint/2010/main" Requires="p14">
+      <p:transition spd="slow" p14:dur="2000"/>
+    </mc:Choice>
+    <mc:Fallback>
+      <p:transition xmlns:p14="http://schemas.microsoft.com/office/powerpoint/2010/main" spd="slow"/>
+    </mc:Fallback>
+  </mc:AlternateContent>
   <p:timing>
     <p:tnLst>
       <p:par>
-        <p:cTn id="1" dur="indefinite" restart="never" nodeType="tmRoot"/>
+        <p:cTn xmlns:p14="http://schemas.microsoft.com/office/powerpoint/2010/main" id="1" dur="indefinite" restart="never" nodeType="tmRoot"/>
       </p:par>
     </p:tnLst>
   </p:timing>
@@ -7301,7 +11246,7 @@
     </p:spTree>
     <p:extLst>
       <p:ext uri="{BB962C8B-B14F-4D97-AF65-F5344CB8AC3E}">
-        <p14:creationId xmlns:p14="http://schemas.microsoft.com/office/powerpoint/2010/main" xmlns="" val="1637646173"/>
+        <p14:creationId xmlns:p14="http://schemas.microsoft.com/office/powerpoint/2010/main" val="1637646173"/>
       </p:ext>
     </p:extLst>
   </p:cSld>
@@ -7311,7 +11256,7 @@
   <p:timing>
     <p:tnLst>
       <p:par>
-        <p:cTn id="1" dur="indefinite" restart="never" nodeType="tmRoot"/>
+        <p:cTn xmlns:p14="http://schemas.microsoft.com/office/powerpoint/2010/main" id="1" dur="indefinite" restart="never" nodeType="tmRoot"/>
       </p:par>
     </p:tnLst>
   </p:timing>
@@ -7358,101 +11303,32 @@
           </a:p>
         </p:txBody>
       </p:sp>
-      <p:sp>
-        <p:nvSpPr>
-          <p:cNvPr id="3" name="Inhaltsplatzhalter 2"/>
-          <p:cNvSpPr>
-            <a:spLocks noGrp="1"/>
-          </p:cNvSpPr>
+      <p:graphicFrame>
+        <p:nvGraphicFramePr>
+          <p:cNvPr id="4" name="Diagramm 3"/>
+          <p:cNvGraphicFramePr/>
           <p:nvPr>
-            <p:ph idx="1"/>
+            <p:extLst>
+              <p:ext uri="{D42A27DB-BD31-4B8C-83A1-F6EECF244321}">
+                <p14:modId xmlns:p14="http://schemas.microsoft.com/office/powerpoint/2010/main" val="3529422121"/>
+              </p:ext>
+            </p:extLst>
           </p:nvPr>
-        </p:nvSpPr>
-        <p:spPr/>
-        <p:txBody>
-          <a:bodyPr/>
-          <a:lstStyle/>
-          <a:p>
-            <a:r>
-              <a:rPr lang="de-DE" dirty="0" smtClean="0"/>
-              <a:t>342 </a:t>
-            </a:r>
-            <a:r>
-              <a:rPr lang="de-DE" dirty="0" err="1" smtClean="0"/>
-              <a:t>reports</a:t>
-            </a:r>
-            <a:endParaRPr lang="de-DE" dirty="0" smtClean="0"/>
-          </a:p>
-          <a:p>
-            <a:pPr marL="0" indent="0">
-              <a:buNone/>
-            </a:pPr>
-            <a:endParaRPr lang="de-DE" dirty="0" smtClean="0"/>
-          </a:p>
-          <a:p>
-            <a:r>
-              <a:rPr lang="de-DE" dirty="0" smtClean="0"/>
-              <a:t>9211 </a:t>
-            </a:r>
-            <a:r>
-              <a:rPr lang="de-DE" dirty="0" err="1" smtClean="0"/>
-              <a:t>sentences</a:t>
-            </a:r>
-            <a:endParaRPr lang="de-DE" dirty="0" smtClean="0"/>
-          </a:p>
-          <a:p>
-            <a:pPr lvl="1"/>
-            <a:r>
-              <a:rPr lang="de-DE" dirty="0" smtClean="0"/>
-              <a:t>759 </a:t>
-            </a:r>
-            <a:r>
-              <a:rPr lang="de-DE" dirty="0" err="1" smtClean="0"/>
-              <a:t>containing</a:t>
-            </a:r>
-            <a:r>
-              <a:rPr lang="de-DE" dirty="0" smtClean="0"/>
-              <a:t> </a:t>
-            </a:r>
-            <a:r>
-              <a:rPr lang="de-DE" dirty="0" err="1" smtClean="0"/>
-              <a:t>goals</a:t>
-            </a:r>
-            <a:endParaRPr lang="de-DE" dirty="0" smtClean="0"/>
-          </a:p>
-          <a:p>
-            <a:pPr lvl="1"/>
-            <a:r>
-              <a:rPr lang="de-DE" dirty="0" smtClean="0"/>
-              <a:t>8452 </a:t>
-            </a:r>
-            <a:r>
-              <a:rPr lang="de-DE" dirty="0" err="1" smtClean="0"/>
-              <a:t>without</a:t>
-            </a:r>
-            <a:r>
-              <a:rPr lang="de-DE" dirty="0" smtClean="0"/>
-              <a:t> </a:t>
-            </a:r>
-            <a:r>
-              <a:rPr lang="de-DE" dirty="0" err="1" smtClean="0"/>
-              <a:t>goals</a:t>
-            </a:r>
-            <a:endParaRPr lang="de-DE" dirty="0" smtClean="0"/>
-          </a:p>
-          <a:p>
-            <a:pPr lvl="1"/>
-            <a:endParaRPr lang="de-DE" dirty="0"/>
-          </a:p>
-          <a:p>
-            <a:endParaRPr lang="de-DE" dirty="0"/>
-          </a:p>
-        </p:txBody>
-      </p:sp>
+        </p:nvGraphicFramePr>
+        <p:xfrm>
+          <a:off x="1524000" y="1735664"/>
+          <a:ext cx="6096000" cy="4064000"/>
+        </p:xfrm>
+        <a:graphic>
+          <a:graphicData uri="http://schemas.openxmlformats.org/drawingml/2006/diagram">
+            <dgm:relIds xmlns:dgm="http://schemas.openxmlformats.org/drawingml/2006/diagram" xmlns:r="http://schemas.openxmlformats.org/officeDocument/2006/relationships" r:dm="rId2" r:lo="rId3" r:qs="rId4" r:cs="rId5"/>
+          </a:graphicData>
+        </a:graphic>
+      </p:graphicFrame>
     </p:spTree>
     <p:extLst>
       <p:ext uri="{BB962C8B-B14F-4D97-AF65-F5344CB8AC3E}">
-        <p14:creationId xmlns:p14="http://schemas.microsoft.com/office/powerpoint/2010/main" xmlns="" val="1733460933"/>
+        <p14:creationId xmlns:p14="http://schemas.microsoft.com/office/powerpoint/2010/main" val="1733460933"/>
       </p:ext>
     </p:extLst>
   </p:cSld>
@@ -7462,7 +11338,7 @@
   <p:timing>
     <p:tnLst>
       <p:par>
-        <p:cTn id="1" dur="indefinite" restart="never" nodeType="tmRoot"/>
+        <p:cTn xmlns:p14="http://schemas.microsoft.com/office/powerpoint/2010/main" id="1" dur="indefinite" restart="never" nodeType="tmRoot"/>
       </p:par>
     </p:tnLst>
   </p:timing>
@@ -7498,17 +11374,17 @@
       </p:grpSpPr>
       <p:pic>
         <p:nvPicPr>
-          <p:cNvPr id="4" name="Bild 3" descr="Bildschirmfoto 2013-05-20 um 17.44.34.png"/>
+          <p:cNvPr id="4" name="Bild 3"/>
           <p:cNvPicPr>
             <a:picLocks noChangeAspect="1"/>
           </p:cNvPicPr>
           <p:nvPr/>
         </p:nvPicPr>
         <p:blipFill>
-          <a:blip r:embed="rId2" cstate="print">
+          <a:blip r:embed="rId3">
             <a:extLst>
               <a:ext uri="{28A0092B-C50C-407E-A947-70E740481C1C}">
-                <a14:useLocalDpi xmlns:a14="http://schemas.microsoft.com/office/drawing/2010/main" xmlns="" val="0"/>
+                <a14:useLocalDpi xmlns:a14="http://schemas.microsoft.com/office/drawing/2010/main" val="0"/>
               </a:ext>
             </a:extLst>
           </a:blip>
@@ -7518,8 +11394,8 @@
         </p:blipFill>
         <p:spPr>
           <a:xfrm>
-            <a:off x="945444" y="3141939"/>
-            <a:ext cx="6519333" cy="3166786"/>
+            <a:off x="250825" y="3371336"/>
+            <a:ext cx="8126121" cy="2782484"/>
           </a:xfrm>
           <a:prstGeom prst="rect">
             <a:avLst/>
@@ -7563,7 +11439,12 @@
             <p:ph idx="1"/>
           </p:nvPr>
         </p:nvSpPr>
-        <p:spPr/>
+        <p:spPr>
+          <a:xfrm>
+            <a:off x="250825" y="1270000"/>
+            <a:ext cx="8642350" cy="1871939"/>
+          </a:xfrm>
+        </p:spPr>
         <p:txBody>
           <a:bodyPr/>
           <a:lstStyle/>
@@ -7646,7 +11527,7 @@
     </p:spTree>
     <p:extLst>
       <p:ext uri="{BB962C8B-B14F-4D97-AF65-F5344CB8AC3E}">
-        <p14:creationId xmlns:p14="http://schemas.microsoft.com/office/powerpoint/2010/main" xmlns="" val="475931585"/>
+        <p14:creationId xmlns:p14="http://schemas.microsoft.com/office/powerpoint/2010/main" val="475931585"/>
       </p:ext>
     </p:extLst>
   </p:cSld>
@@ -7656,7 +11537,7 @@
   <p:timing>
     <p:tnLst>
       <p:par>
-        <p:cTn id="1" dur="indefinite" restart="never" nodeType="tmRoot"/>
+        <p:cTn xmlns:p14="http://schemas.microsoft.com/office/powerpoint/2010/main" id="1" dur="indefinite" restart="never" nodeType="tmRoot"/>
       </p:par>
     </p:tnLst>
   </p:timing>
